--- a/proposal/NC Census Data analysis 10-06.pptx
+++ b/proposal/NC Census Data analysis 10-06.pptx
@@ -204,7 +204,7 @@
           <a:p>
             <a:fld id="{E1D941E9-C117-4952-8368-6FB7EE4AE216}" type="datetimeFigureOut">
               <a:rPr lang="en-US" smtClean="0"/>
-              <a:t>10/6/2020</a:t>
+              <a:t>10/8/20</a:t>
             </a:fld>
             <a:endParaRPr lang="en-US"/>
           </a:p>
@@ -935,7 +935,7 @@
           <a:p>
             <a:fld id="{EA0C0817-A112-4847-8014-A94B7D2A4EA3}" type="datetime1">
               <a:rPr lang="en-US" smtClean="0"/>
-              <a:t>10/4/2020</a:t>
+              <a:t>10/8/20</a:t>
             </a:fld>
             <a:endParaRPr lang="en-US" dirty="0"/>
           </a:p>
@@ -1105,7 +1105,7 @@
           <a:p>
             <a:fld id="{F6FA2B21-3FCD-4721-B95C-427943F61125}" type="datetime1">
               <a:rPr lang="en-US" smtClean="0"/>
-              <a:t>10/4/2020</a:t>
+              <a:t>10/8/20</a:t>
             </a:fld>
             <a:endParaRPr lang="en-US" dirty="0"/>
           </a:p>
@@ -1286,7 +1286,7 @@
           <a:p>
             <a:fld id="{F6FA2B21-3FCD-4721-B95C-427943F61125}" type="datetime1">
               <a:rPr lang="en-US" smtClean="0"/>
-              <a:t>10/4/2020</a:t>
+              <a:t>10/8/20</a:t>
             </a:fld>
             <a:endParaRPr lang="en-US" dirty="0"/>
           </a:p>
@@ -1457,7 +1457,7 @@
           <a:p>
             <a:fld id="{7332B432-ACDA-4023-A761-2BAB76577B62}" type="datetime1">
               <a:rPr lang="en-US" smtClean="0"/>
-              <a:t>10/4/2020</a:t>
+              <a:t>10/8/20</a:t>
             </a:fld>
             <a:endParaRPr lang="en-US" dirty="0"/>
           </a:p>
@@ -1725,7 +1725,7 @@
           <a:p>
             <a:fld id="{D9C646AA-F36E-4540-911D-FFFC0A0EF24A}" type="datetime1">
               <a:rPr lang="en-US" smtClean="0"/>
-              <a:t>10/4/2020</a:t>
+              <a:t>10/8/20</a:t>
             </a:fld>
             <a:endParaRPr lang="en-US" dirty="0"/>
           </a:p>
@@ -1957,7 +1957,7 @@
           <a:p>
             <a:fld id="{69186D26-FA5F-4637-B602-B7C2DC34CFD4}" type="datetime1">
               <a:rPr lang="en-US" smtClean="0"/>
-              <a:t>10/4/2020</a:t>
+              <a:t>10/8/20</a:t>
             </a:fld>
             <a:endParaRPr lang="en-US" dirty="0"/>
           </a:p>
@@ -2316,7 +2316,7 @@
           <a:p>
             <a:fld id="{F6FA2B21-3FCD-4721-B95C-427943F61125}" type="datetime1">
               <a:rPr lang="en-US" smtClean="0"/>
-              <a:t>10/4/2020</a:t>
+              <a:t>10/8/20</a:t>
             </a:fld>
             <a:endParaRPr lang="en-US" dirty="0"/>
           </a:p>
@@ -2458,7 +2458,7 @@
           <a:p>
             <a:fld id="{F9A96C99-B8F8-4528-BD05-0E16E943DC09}" type="datetime1">
               <a:rPr lang="en-US" smtClean="0"/>
-              <a:t>10/4/2020</a:t>
+              <a:t>10/8/20</a:t>
             </a:fld>
             <a:endParaRPr lang="en-US" dirty="0"/>
           </a:p>
@@ -2553,7 +2553,7 @@
           <a:p>
             <a:fld id="{03636942-C211-4B28-8DBD-C953E00AF71B}" type="datetime1">
               <a:rPr lang="en-US" smtClean="0"/>
-              <a:t>10/4/2020</a:t>
+              <a:t>10/8/20</a:t>
             </a:fld>
             <a:endParaRPr lang="en-US" dirty="0"/>
           </a:p>
@@ -2910,7 +2910,7 @@
           <a:p>
             <a:fld id="{7E8D12A6-918A-48BD-8CB9-CA713993B0EA}" type="datetime1">
               <a:rPr lang="en-US" smtClean="0"/>
-              <a:t>10/4/2020</a:t>
+              <a:t>10/8/20</a:t>
             </a:fld>
             <a:endParaRPr lang="en-US" dirty="0"/>
           </a:p>
@@ -3268,7 +3268,7 @@
             <a:fld id="{E778CE86-875F-4587-BCF6-FA054AFC0D53}" type="datetime1">
               <a:rPr lang="en-US" smtClean="0"/>
               <a:pPr/>
-              <a:t>10/4/2020</a:t>
+              <a:t>10/8/20</a:t>
             </a:fld>
             <a:endParaRPr lang="en-US" dirty="0"/>
           </a:p>
@@ -3511,7 +3511,7 @@
           <a:p>
             <a:fld id="{F6FA2B21-3FCD-4721-B95C-427943F61125}" type="datetime1">
               <a:rPr lang="en-US" smtClean="0"/>
-              <a:t>10/4/2020</a:t>
+              <a:t>10/8/20</a:t>
             </a:fld>
             <a:endParaRPr lang="en-US" dirty="0"/>
           </a:p>
@@ -4565,40 +4565,3759 @@
           </a:p>
         </p:txBody>
       </p:sp>
-      <p:sp>
-        <p:nvSpPr>
-          <p:cNvPr id="3" name="Content Placeholder 2">
+      <p:graphicFrame>
+        <p:nvGraphicFramePr>
+          <p:cNvPr id="4" name="Content Placeholder 3">
             <a:extLst>
               <a:ext uri="{FF2B5EF4-FFF2-40B4-BE49-F238E27FC236}">
-                <a16:creationId xmlns:a16="http://schemas.microsoft.com/office/drawing/2014/main" id="{3A9200E7-3CC2-4C17-B9DD-8E2557449B6E}"/>
+                <a16:creationId xmlns:a16="http://schemas.microsoft.com/office/drawing/2014/main" id="{BDFA42AD-6A0B-0A4F-A01C-2BFB62DFCEE2}"/>
               </a:ext>
             </a:extLst>
           </p:cNvPr>
-          <p:cNvSpPr>
-            <a:spLocks noGrp="1"/>
-          </p:cNvSpPr>
+          <p:cNvGraphicFramePr>
+            <a:graphicFrameLocks noGrp="1"/>
+          </p:cNvGraphicFramePr>
           <p:nvPr>
             <p:ph idx="1"/>
+            <p:extLst>
+              <p:ext uri="{D42A27DB-BD31-4B8C-83A1-F6EECF244321}">
+                <p14:modId xmlns:p14="http://schemas.microsoft.com/office/powerpoint/2010/main" val="3893356998"/>
+              </p:ext>
+            </p:extLst>
           </p:nvPr>
+        </p:nvGraphicFramePr>
+        <p:xfrm>
+          <a:off x="1096963" y="1781638"/>
+          <a:ext cx="10058400" cy="4242690"/>
+        </p:xfrm>
+        <a:graphic>
+          <a:graphicData uri="http://schemas.openxmlformats.org/drawingml/2006/table">
+            <a:tbl>
+              <a:tblPr firstRow="1" bandRow="1">
+                <a:tableStyleId>{E8034E78-7F5D-4C2E-B375-FC64B27BC917}</a:tableStyleId>
+              </a:tblPr>
+              <a:tblGrid>
+                <a:gridCol w="502920">
+                  <a:extLst>
+                    <a:ext uri="{9D8B030D-6E8A-4147-A177-3AD203B41FA5}">
+                      <a16:colId xmlns:a16="http://schemas.microsoft.com/office/drawing/2014/main" val="1117520643"/>
+                    </a:ext>
+                  </a:extLst>
+                </a:gridCol>
+                <a:gridCol w="502920">
+                  <a:extLst>
+                    <a:ext uri="{9D8B030D-6E8A-4147-A177-3AD203B41FA5}">
+                      <a16:colId xmlns:a16="http://schemas.microsoft.com/office/drawing/2014/main" val="2014863705"/>
+                    </a:ext>
+                  </a:extLst>
+                </a:gridCol>
+                <a:gridCol w="502920">
+                  <a:extLst>
+                    <a:ext uri="{9D8B030D-6E8A-4147-A177-3AD203B41FA5}">
+                      <a16:colId xmlns:a16="http://schemas.microsoft.com/office/drawing/2014/main" val="3080457351"/>
+                    </a:ext>
+                  </a:extLst>
+                </a:gridCol>
+                <a:gridCol w="502920">
+                  <a:extLst>
+                    <a:ext uri="{9D8B030D-6E8A-4147-A177-3AD203B41FA5}">
+                      <a16:colId xmlns:a16="http://schemas.microsoft.com/office/drawing/2014/main" val="3982417529"/>
+                    </a:ext>
+                  </a:extLst>
+                </a:gridCol>
+                <a:gridCol w="502920">
+                  <a:extLst>
+                    <a:ext uri="{9D8B030D-6E8A-4147-A177-3AD203B41FA5}">
+                      <a16:colId xmlns:a16="http://schemas.microsoft.com/office/drawing/2014/main" val="3383103001"/>
+                    </a:ext>
+                  </a:extLst>
+                </a:gridCol>
+                <a:gridCol w="502920">
+                  <a:extLst>
+                    <a:ext uri="{9D8B030D-6E8A-4147-A177-3AD203B41FA5}">
+                      <a16:colId xmlns:a16="http://schemas.microsoft.com/office/drawing/2014/main" val="2482546213"/>
+                    </a:ext>
+                  </a:extLst>
+                </a:gridCol>
+                <a:gridCol w="502920">
+                  <a:extLst>
+                    <a:ext uri="{9D8B030D-6E8A-4147-A177-3AD203B41FA5}">
+                      <a16:colId xmlns:a16="http://schemas.microsoft.com/office/drawing/2014/main" val="1618409126"/>
+                    </a:ext>
+                  </a:extLst>
+                </a:gridCol>
+                <a:gridCol w="502920">
+                  <a:extLst>
+                    <a:ext uri="{9D8B030D-6E8A-4147-A177-3AD203B41FA5}">
+                      <a16:colId xmlns:a16="http://schemas.microsoft.com/office/drawing/2014/main" val="167704685"/>
+                    </a:ext>
+                  </a:extLst>
+                </a:gridCol>
+                <a:gridCol w="502920">
+                  <a:extLst>
+                    <a:ext uri="{9D8B030D-6E8A-4147-A177-3AD203B41FA5}">
+                      <a16:colId xmlns:a16="http://schemas.microsoft.com/office/drawing/2014/main" val="2642457083"/>
+                    </a:ext>
+                  </a:extLst>
+                </a:gridCol>
+                <a:gridCol w="502920">
+                  <a:extLst>
+                    <a:ext uri="{9D8B030D-6E8A-4147-A177-3AD203B41FA5}">
+                      <a16:colId xmlns:a16="http://schemas.microsoft.com/office/drawing/2014/main" val="1588922576"/>
+                    </a:ext>
+                  </a:extLst>
+                </a:gridCol>
+                <a:gridCol w="502920">
+                  <a:extLst>
+                    <a:ext uri="{9D8B030D-6E8A-4147-A177-3AD203B41FA5}">
+                      <a16:colId xmlns:a16="http://schemas.microsoft.com/office/drawing/2014/main" val="2637787269"/>
+                    </a:ext>
+                  </a:extLst>
+                </a:gridCol>
+                <a:gridCol w="502920">
+                  <a:extLst>
+                    <a:ext uri="{9D8B030D-6E8A-4147-A177-3AD203B41FA5}">
+                      <a16:colId xmlns:a16="http://schemas.microsoft.com/office/drawing/2014/main" val="834548988"/>
+                    </a:ext>
+                  </a:extLst>
+                </a:gridCol>
+                <a:gridCol w="502920">
+                  <a:extLst>
+                    <a:ext uri="{9D8B030D-6E8A-4147-A177-3AD203B41FA5}">
+                      <a16:colId xmlns:a16="http://schemas.microsoft.com/office/drawing/2014/main" val="3508523912"/>
+                    </a:ext>
+                  </a:extLst>
+                </a:gridCol>
+                <a:gridCol w="502920">
+                  <a:extLst>
+                    <a:ext uri="{9D8B030D-6E8A-4147-A177-3AD203B41FA5}">
+                      <a16:colId xmlns:a16="http://schemas.microsoft.com/office/drawing/2014/main" val="672353657"/>
+                    </a:ext>
+                  </a:extLst>
+                </a:gridCol>
+                <a:gridCol w="502920">
+                  <a:extLst>
+                    <a:ext uri="{9D8B030D-6E8A-4147-A177-3AD203B41FA5}">
+                      <a16:colId xmlns:a16="http://schemas.microsoft.com/office/drawing/2014/main" val="976079689"/>
+                    </a:ext>
+                  </a:extLst>
+                </a:gridCol>
+                <a:gridCol w="502920">
+                  <a:extLst>
+                    <a:ext uri="{9D8B030D-6E8A-4147-A177-3AD203B41FA5}">
+                      <a16:colId xmlns:a16="http://schemas.microsoft.com/office/drawing/2014/main" val="2315939051"/>
+                    </a:ext>
+                  </a:extLst>
+                </a:gridCol>
+                <a:gridCol w="502920">
+                  <a:extLst>
+                    <a:ext uri="{9D8B030D-6E8A-4147-A177-3AD203B41FA5}">
+                      <a16:colId xmlns:a16="http://schemas.microsoft.com/office/drawing/2014/main" val="4024118376"/>
+                    </a:ext>
+                  </a:extLst>
+                </a:gridCol>
+                <a:gridCol w="502920">
+                  <a:extLst>
+                    <a:ext uri="{9D8B030D-6E8A-4147-A177-3AD203B41FA5}">
+                      <a16:colId xmlns:a16="http://schemas.microsoft.com/office/drawing/2014/main" val="3133419309"/>
+                    </a:ext>
+                  </a:extLst>
+                </a:gridCol>
+                <a:gridCol w="502920">
+                  <a:extLst>
+                    <a:ext uri="{9D8B030D-6E8A-4147-A177-3AD203B41FA5}">
+                      <a16:colId xmlns:a16="http://schemas.microsoft.com/office/drawing/2014/main" val="2634984863"/>
+                    </a:ext>
+                  </a:extLst>
+                </a:gridCol>
+                <a:gridCol w="502920">
+                  <a:extLst>
+                    <a:ext uri="{9D8B030D-6E8A-4147-A177-3AD203B41FA5}">
+                      <a16:colId xmlns:a16="http://schemas.microsoft.com/office/drawing/2014/main" val="2114398519"/>
+                    </a:ext>
+                  </a:extLst>
+                </a:gridCol>
+              </a:tblGrid>
+              <a:tr h="275185">
+                <a:tc>
+                  <a:txBody>
+                    <a:bodyPr/>
+                    <a:lstStyle/>
+                    <a:p>
+                      <a:r>
+                        <a:rPr lang="en-US" sz="1200" b="0" dirty="0"/>
+                        <a:t>1986</a:t>
+                      </a:r>
+                    </a:p>
+                  </a:txBody>
+                  <a:tcPr>
+                    <a:lnL w="12700" cap="flat" cmpd="sng" algn="ctr">
+                      <a:solidFill>
+                        <a:schemeClr val="tx1"/>
+                      </a:solidFill>
+                      <a:prstDash val="solid"/>
+                      <a:round/>
+                      <a:headEnd type="none" w="med" len="med"/>
+                      <a:tailEnd type="none" w="med" len="med"/>
+                    </a:lnL>
+                    <a:lnR w="12700" cap="flat" cmpd="sng" algn="ctr">
+                      <a:solidFill>
+                        <a:schemeClr val="tx1"/>
+                      </a:solidFill>
+                      <a:prstDash val="solid"/>
+                      <a:round/>
+                      <a:headEnd type="none" w="med" len="med"/>
+                      <a:tailEnd type="none" w="med" len="med"/>
+                    </a:lnR>
+                    <a:lnT w="12700" cap="flat" cmpd="sng" algn="ctr">
+                      <a:solidFill>
+                        <a:schemeClr val="tx1"/>
+                      </a:solidFill>
+                      <a:prstDash val="solid"/>
+                      <a:round/>
+                      <a:headEnd type="none" w="med" len="med"/>
+                      <a:tailEnd type="none" w="med" len="med"/>
+                    </a:lnT>
+                    <a:lnB w="12700" cap="flat" cmpd="sng" algn="ctr">
+                      <a:solidFill>
+                        <a:schemeClr val="tx1"/>
+                      </a:solidFill>
+                      <a:prstDash val="solid"/>
+                      <a:round/>
+                      <a:headEnd type="none" w="med" len="med"/>
+                      <a:tailEnd type="none" w="med" len="med"/>
+                    </a:lnB>
+                    <a:solidFill>
+                      <a:schemeClr val="tx1">
+                        <a:lumMod val="50000"/>
+                        <a:lumOff val="50000"/>
+                      </a:schemeClr>
+                    </a:solidFill>
+                  </a:tcPr>
+                </a:tc>
+                <a:tc>
+                  <a:txBody>
+                    <a:bodyPr/>
+                    <a:lstStyle/>
+                    <a:p>
+                      <a:r>
+                        <a:rPr lang="en-US" sz="1200" b="0" dirty="0"/>
+                        <a:t>1988</a:t>
+                      </a:r>
+                    </a:p>
+                  </a:txBody>
+                  <a:tcPr>
+                    <a:lnL w="12700" cap="flat" cmpd="sng" algn="ctr">
+                      <a:solidFill>
+                        <a:schemeClr val="tx1"/>
+                      </a:solidFill>
+                      <a:prstDash val="solid"/>
+                      <a:round/>
+                      <a:headEnd type="none" w="med" len="med"/>
+                      <a:tailEnd type="none" w="med" len="med"/>
+                    </a:lnL>
+                    <a:lnR w="12700" cap="flat" cmpd="sng" algn="ctr">
+                      <a:solidFill>
+                        <a:schemeClr val="tx1"/>
+                      </a:solidFill>
+                      <a:prstDash val="solid"/>
+                      <a:round/>
+                      <a:headEnd type="none" w="med" len="med"/>
+                      <a:tailEnd type="none" w="med" len="med"/>
+                    </a:lnR>
+                    <a:lnT w="12700" cap="flat" cmpd="sng" algn="ctr">
+                      <a:solidFill>
+                        <a:schemeClr val="tx1"/>
+                      </a:solidFill>
+                      <a:prstDash val="solid"/>
+                      <a:round/>
+                      <a:headEnd type="none" w="med" len="med"/>
+                      <a:tailEnd type="none" w="med" len="med"/>
+                    </a:lnT>
+                    <a:lnB w="12700" cap="flat" cmpd="sng" algn="ctr">
+                      <a:solidFill>
+                        <a:schemeClr val="tx1"/>
+                      </a:solidFill>
+                      <a:prstDash val="solid"/>
+                      <a:round/>
+                      <a:headEnd type="none" w="med" len="med"/>
+                      <a:tailEnd type="none" w="med" len="med"/>
+                    </a:lnB>
+                    <a:solidFill>
+                      <a:schemeClr val="tx1">
+                        <a:lumMod val="50000"/>
+                        <a:lumOff val="50000"/>
+                      </a:schemeClr>
+                    </a:solidFill>
+                  </a:tcPr>
+                </a:tc>
+                <a:tc>
+                  <a:txBody>
+                    <a:bodyPr/>
+                    <a:lstStyle/>
+                    <a:p>
+                      <a:r>
+                        <a:rPr lang="en-US" sz="1200" b="0" dirty="0"/>
+                        <a:t>1990</a:t>
+                      </a:r>
+                    </a:p>
+                  </a:txBody>
+                  <a:tcPr>
+                    <a:lnL w="12700" cap="flat" cmpd="sng" algn="ctr">
+                      <a:solidFill>
+                        <a:schemeClr val="tx1"/>
+                      </a:solidFill>
+                      <a:prstDash val="solid"/>
+                      <a:round/>
+                      <a:headEnd type="none" w="med" len="med"/>
+                      <a:tailEnd type="none" w="med" len="med"/>
+                    </a:lnL>
+                    <a:lnR w="12700" cap="flat" cmpd="sng" algn="ctr">
+                      <a:solidFill>
+                        <a:schemeClr val="tx1"/>
+                      </a:solidFill>
+                      <a:prstDash val="solid"/>
+                      <a:round/>
+                      <a:headEnd type="none" w="med" len="med"/>
+                      <a:tailEnd type="none" w="med" len="med"/>
+                    </a:lnR>
+                    <a:lnT w="12700" cap="flat" cmpd="sng" algn="ctr">
+                      <a:solidFill>
+                        <a:schemeClr val="tx1"/>
+                      </a:solidFill>
+                      <a:prstDash val="solid"/>
+                      <a:round/>
+                      <a:headEnd type="none" w="med" len="med"/>
+                      <a:tailEnd type="none" w="med" len="med"/>
+                    </a:lnT>
+                    <a:lnB w="12700" cap="flat" cmpd="sng" algn="ctr">
+                      <a:solidFill>
+                        <a:schemeClr val="tx1"/>
+                      </a:solidFill>
+                      <a:prstDash val="solid"/>
+                      <a:round/>
+                      <a:headEnd type="none" w="med" len="med"/>
+                      <a:tailEnd type="none" w="med" len="med"/>
+                    </a:lnB>
+                    <a:solidFill>
+                      <a:schemeClr val="tx1">
+                        <a:lumMod val="50000"/>
+                        <a:lumOff val="50000"/>
+                      </a:schemeClr>
+                    </a:solidFill>
+                  </a:tcPr>
+                </a:tc>
+                <a:tc>
+                  <a:txBody>
+                    <a:bodyPr/>
+                    <a:lstStyle/>
+                    <a:p>
+                      <a:r>
+                        <a:rPr lang="en-US" sz="1200" b="0" dirty="0"/>
+                        <a:t>1992</a:t>
+                      </a:r>
+                    </a:p>
+                  </a:txBody>
+                  <a:tcPr>
+                    <a:lnL w="12700" cap="flat" cmpd="sng" algn="ctr">
+                      <a:solidFill>
+                        <a:schemeClr val="tx1"/>
+                      </a:solidFill>
+                      <a:prstDash val="solid"/>
+                      <a:round/>
+                      <a:headEnd type="none" w="med" len="med"/>
+                      <a:tailEnd type="none" w="med" len="med"/>
+                    </a:lnL>
+                    <a:lnR w="12700" cap="flat" cmpd="sng" algn="ctr">
+                      <a:solidFill>
+                        <a:schemeClr val="tx1"/>
+                      </a:solidFill>
+                      <a:prstDash val="solid"/>
+                      <a:round/>
+                      <a:headEnd type="none" w="med" len="med"/>
+                      <a:tailEnd type="none" w="med" len="med"/>
+                    </a:lnR>
+                    <a:lnT w="12700" cap="flat" cmpd="sng" algn="ctr">
+                      <a:solidFill>
+                        <a:schemeClr val="tx1"/>
+                      </a:solidFill>
+                      <a:prstDash val="solid"/>
+                      <a:round/>
+                      <a:headEnd type="none" w="med" len="med"/>
+                      <a:tailEnd type="none" w="med" len="med"/>
+                    </a:lnT>
+                    <a:lnB w="12700" cap="flat" cmpd="sng" algn="ctr">
+                      <a:solidFill>
+                        <a:schemeClr val="tx1"/>
+                      </a:solidFill>
+                      <a:prstDash val="solid"/>
+                      <a:round/>
+                      <a:headEnd type="none" w="med" len="med"/>
+                      <a:tailEnd type="none" w="med" len="med"/>
+                    </a:lnB>
+                    <a:solidFill>
+                      <a:schemeClr val="tx1">
+                        <a:lumMod val="50000"/>
+                        <a:lumOff val="50000"/>
+                      </a:schemeClr>
+                    </a:solidFill>
+                  </a:tcPr>
+                </a:tc>
+                <a:tc>
+                  <a:txBody>
+                    <a:bodyPr/>
+                    <a:lstStyle/>
+                    <a:p>
+                      <a:r>
+                        <a:rPr lang="en-US" sz="1200" b="0" dirty="0"/>
+                        <a:t>1994</a:t>
+                      </a:r>
+                    </a:p>
+                  </a:txBody>
+                  <a:tcPr>
+                    <a:lnL w="12700" cap="flat" cmpd="sng" algn="ctr">
+                      <a:solidFill>
+                        <a:schemeClr val="tx1"/>
+                      </a:solidFill>
+                      <a:prstDash val="solid"/>
+                      <a:round/>
+                      <a:headEnd type="none" w="med" len="med"/>
+                      <a:tailEnd type="none" w="med" len="med"/>
+                    </a:lnL>
+                    <a:lnR w="12700" cap="flat" cmpd="sng" algn="ctr">
+                      <a:solidFill>
+                        <a:schemeClr val="tx1"/>
+                      </a:solidFill>
+                      <a:prstDash val="solid"/>
+                      <a:round/>
+                      <a:headEnd type="none" w="med" len="med"/>
+                      <a:tailEnd type="none" w="med" len="med"/>
+                    </a:lnR>
+                    <a:lnT w="12700" cap="flat" cmpd="sng" algn="ctr">
+                      <a:solidFill>
+                        <a:schemeClr val="tx1"/>
+                      </a:solidFill>
+                      <a:prstDash val="solid"/>
+                      <a:round/>
+                      <a:headEnd type="none" w="med" len="med"/>
+                      <a:tailEnd type="none" w="med" len="med"/>
+                    </a:lnT>
+                    <a:lnB w="12700" cap="flat" cmpd="sng" algn="ctr">
+                      <a:solidFill>
+                        <a:schemeClr val="tx1"/>
+                      </a:solidFill>
+                      <a:prstDash val="solid"/>
+                      <a:round/>
+                      <a:headEnd type="none" w="med" len="med"/>
+                      <a:tailEnd type="none" w="med" len="med"/>
+                    </a:lnB>
+                    <a:solidFill>
+                      <a:schemeClr val="tx1">
+                        <a:lumMod val="50000"/>
+                        <a:lumOff val="50000"/>
+                      </a:schemeClr>
+                    </a:solidFill>
+                  </a:tcPr>
+                </a:tc>
+                <a:tc>
+                  <a:txBody>
+                    <a:bodyPr/>
+                    <a:lstStyle/>
+                    <a:p>
+                      <a:r>
+                        <a:rPr lang="en-US" sz="1200" b="0" dirty="0"/>
+                        <a:t>1996</a:t>
+                      </a:r>
+                    </a:p>
+                  </a:txBody>
+                  <a:tcPr>
+                    <a:lnL w="12700" cap="flat" cmpd="sng" algn="ctr">
+                      <a:solidFill>
+                        <a:schemeClr val="tx1"/>
+                      </a:solidFill>
+                      <a:prstDash val="solid"/>
+                      <a:round/>
+                      <a:headEnd type="none" w="med" len="med"/>
+                      <a:tailEnd type="none" w="med" len="med"/>
+                    </a:lnL>
+                    <a:lnR w="12700" cap="flat" cmpd="sng" algn="ctr">
+                      <a:solidFill>
+                        <a:schemeClr val="tx1"/>
+                      </a:solidFill>
+                      <a:prstDash val="solid"/>
+                      <a:round/>
+                      <a:headEnd type="none" w="med" len="med"/>
+                      <a:tailEnd type="none" w="med" len="med"/>
+                    </a:lnR>
+                    <a:lnT w="12700" cap="flat" cmpd="sng" algn="ctr">
+                      <a:solidFill>
+                        <a:schemeClr val="tx1"/>
+                      </a:solidFill>
+                      <a:prstDash val="solid"/>
+                      <a:round/>
+                      <a:headEnd type="none" w="med" len="med"/>
+                      <a:tailEnd type="none" w="med" len="med"/>
+                    </a:lnT>
+                    <a:lnB w="12700" cap="flat" cmpd="sng" algn="ctr">
+                      <a:solidFill>
+                        <a:schemeClr val="tx1"/>
+                      </a:solidFill>
+                      <a:prstDash val="solid"/>
+                      <a:round/>
+                      <a:headEnd type="none" w="med" len="med"/>
+                      <a:tailEnd type="none" w="med" len="med"/>
+                    </a:lnB>
+                    <a:solidFill>
+                      <a:schemeClr val="tx1">
+                        <a:lumMod val="50000"/>
+                        <a:lumOff val="50000"/>
+                      </a:schemeClr>
+                    </a:solidFill>
+                  </a:tcPr>
+                </a:tc>
+                <a:tc>
+                  <a:txBody>
+                    <a:bodyPr/>
+                    <a:lstStyle/>
+                    <a:p>
+                      <a:r>
+                        <a:rPr lang="en-US" sz="1200" b="0" dirty="0"/>
+                        <a:t>1998</a:t>
+                      </a:r>
+                    </a:p>
+                  </a:txBody>
+                  <a:tcPr>
+                    <a:lnL w="12700" cap="flat" cmpd="sng" algn="ctr">
+                      <a:solidFill>
+                        <a:schemeClr val="tx1"/>
+                      </a:solidFill>
+                      <a:prstDash val="solid"/>
+                      <a:round/>
+                      <a:headEnd type="none" w="med" len="med"/>
+                      <a:tailEnd type="none" w="med" len="med"/>
+                    </a:lnL>
+                    <a:lnR w="12700" cap="flat" cmpd="sng" algn="ctr">
+                      <a:solidFill>
+                        <a:schemeClr val="tx1"/>
+                      </a:solidFill>
+                      <a:prstDash val="solid"/>
+                      <a:round/>
+                      <a:headEnd type="none" w="med" len="med"/>
+                      <a:tailEnd type="none" w="med" len="med"/>
+                    </a:lnR>
+                    <a:lnT w="12700" cap="flat" cmpd="sng" algn="ctr">
+                      <a:solidFill>
+                        <a:schemeClr val="tx1"/>
+                      </a:solidFill>
+                      <a:prstDash val="solid"/>
+                      <a:round/>
+                      <a:headEnd type="none" w="med" len="med"/>
+                      <a:tailEnd type="none" w="med" len="med"/>
+                    </a:lnT>
+                    <a:lnB w="12700" cap="flat" cmpd="sng" algn="ctr">
+                      <a:solidFill>
+                        <a:schemeClr val="tx1"/>
+                      </a:solidFill>
+                      <a:prstDash val="solid"/>
+                      <a:round/>
+                      <a:headEnd type="none" w="med" len="med"/>
+                      <a:tailEnd type="none" w="med" len="med"/>
+                    </a:lnB>
+                    <a:solidFill>
+                      <a:schemeClr val="tx1">
+                        <a:lumMod val="50000"/>
+                        <a:lumOff val="50000"/>
+                      </a:schemeClr>
+                    </a:solidFill>
+                  </a:tcPr>
+                </a:tc>
+                <a:tc>
+                  <a:txBody>
+                    <a:bodyPr/>
+                    <a:lstStyle/>
+                    <a:p>
+                      <a:r>
+                        <a:rPr lang="en-US" sz="1200" b="0" dirty="0"/>
+                        <a:t>2000</a:t>
+                      </a:r>
+                    </a:p>
+                  </a:txBody>
+                  <a:tcPr>
+                    <a:lnL w="12700" cap="flat" cmpd="sng" algn="ctr">
+                      <a:solidFill>
+                        <a:schemeClr val="tx1"/>
+                      </a:solidFill>
+                      <a:prstDash val="solid"/>
+                      <a:round/>
+                      <a:headEnd type="none" w="med" len="med"/>
+                      <a:tailEnd type="none" w="med" len="med"/>
+                    </a:lnL>
+                    <a:lnR w="12700" cap="flat" cmpd="sng" algn="ctr">
+                      <a:solidFill>
+                        <a:schemeClr val="tx1"/>
+                      </a:solidFill>
+                      <a:prstDash val="solid"/>
+                      <a:round/>
+                      <a:headEnd type="none" w="med" len="med"/>
+                      <a:tailEnd type="none" w="med" len="med"/>
+                    </a:lnR>
+                    <a:lnT w="12700" cap="flat" cmpd="sng" algn="ctr">
+                      <a:solidFill>
+                        <a:schemeClr val="tx1"/>
+                      </a:solidFill>
+                      <a:prstDash val="solid"/>
+                      <a:round/>
+                      <a:headEnd type="none" w="med" len="med"/>
+                      <a:tailEnd type="none" w="med" len="med"/>
+                    </a:lnT>
+                    <a:lnB w="12700" cap="flat" cmpd="sng" algn="ctr">
+                      <a:solidFill>
+                        <a:schemeClr val="tx1"/>
+                      </a:solidFill>
+                      <a:prstDash val="solid"/>
+                      <a:round/>
+                      <a:headEnd type="none" w="med" len="med"/>
+                      <a:tailEnd type="none" w="med" len="med"/>
+                    </a:lnB>
+                    <a:solidFill>
+                      <a:schemeClr val="tx1">
+                        <a:lumMod val="50000"/>
+                        <a:lumOff val="50000"/>
+                      </a:schemeClr>
+                    </a:solidFill>
+                  </a:tcPr>
+                </a:tc>
+                <a:tc>
+                  <a:txBody>
+                    <a:bodyPr/>
+                    <a:lstStyle/>
+                    <a:p>
+                      <a:r>
+                        <a:rPr lang="en-US" sz="1200" b="0" dirty="0"/>
+                        <a:t>2002</a:t>
+                      </a:r>
+                    </a:p>
+                  </a:txBody>
+                  <a:tcPr>
+                    <a:lnL w="12700" cap="flat" cmpd="sng" algn="ctr">
+                      <a:solidFill>
+                        <a:schemeClr val="tx1"/>
+                      </a:solidFill>
+                      <a:prstDash val="solid"/>
+                      <a:round/>
+                      <a:headEnd type="none" w="med" len="med"/>
+                      <a:tailEnd type="none" w="med" len="med"/>
+                    </a:lnL>
+                    <a:lnR w="12700" cap="flat" cmpd="sng" algn="ctr">
+                      <a:solidFill>
+                        <a:schemeClr val="tx1"/>
+                      </a:solidFill>
+                      <a:prstDash val="solid"/>
+                      <a:round/>
+                      <a:headEnd type="none" w="med" len="med"/>
+                      <a:tailEnd type="none" w="med" len="med"/>
+                    </a:lnR>
+                    <a:lnT w="12700" cap="flat" cmpd="sng" algn="ctr">
+                      <a:solidFill>
+                        <a:schemeClr val="tx1"/>
+                      </a:solidFill>
+                      <a:prstDash val="solid"/>
+                      <a:round/>
+                      <a:headEnd type="none" w="med" len="med"/>
+                      <a:tailEnd type="none" w="med" len="med"/>
+                    </a:lnT>
+                    <a:lnB w="12700" cap="flat" cmpd="sng" algn="ctr">
+                      <a:solidFill>
+                        <a:schemeClr val="tx1"/>
+                      </a:solidFill>
+                      <a:prstDash val="solid"/>
+                      <a:round/>
+                      <a:headEnd type="none" w="med" len="med"/>
+                      <a:tailEnd type="none" w="med" len="med"/>
+                    </a:lnB>
+                    <a:solidFill>
+                      <a:schemeClr val="tx1">
+                        <a:lumMod val="50000"/>
+                        <a:lumOff val="50000"/>
+                      </a:schemeClr>
+                    </a:solidFill>
+                  </a:tcPr>
+                </a:tc>
+                <a:tc>
+                  <a:txBody>
+                    <a:bodyPr/>
+                    <a:lstStyle/>
+                    <a:p>
+                      <a:r>
+                        <a:rPr lang="en-US" sz="1200" b="0" dirty="0"/>
+                        <a:t>2004</a:t>
+                      </a:r>
+                    </a:p>
+                  </a:txBody>
+                  <a:tcPr>
+                    <a:lnL w="12700" cap="flat" cmpd="sng" algn="ctr">
+                      <a:solidFill>
+                        <a:schemeClr val="tx1"/>
+                      </a:solidFill>
+                      <a:prstDash val="solid"/>
+                      <a:round/>
+                      <a:headEnd type="none" w="med" len="med"/>
+                      <a:tailEnd type="none" w="med" len="med"/>
+                    </a:lnL>
+                    <a:lnR w="12700" cap="flat" cmpd="sng" algn="ctr">
+                      <a:solidFill>
+                        <a:schemeClr val="tx1"/>
+                      </a:solidFill>
+                      <a:prstDash val="solid"/>
+                      <a:round/>
+                      <a:headEnd type="none" w="med" len="med"/>
+                      <a:tailEnd type="none" w="med" len="med"/>
+                    </a:lnR>
+                    <a:lnT w="12700" cap="flat" cmpd="sng" algn="ctr">
+                      <a:solidFill>
+                        <a:schemeClr val="tx1"/>
+                      </a:solidFill>
+                      <a:prstDash val="solid"/>
+                      <a:round/>
+                      <a:headEnd type="none" w="med" len="med"/>
+                      <a:tailEnd type="none" w="med" len="med"/>
+                    </a:lnT>
+                    <a:lnB w="12700" cap="flat" cmpd="sng" algn="ctr">
+                      <a:solidFill>
+                        <a:schemeClr val="tx1"/>
+                      </a:solidFill>
+                      <a:prstDash val="solid"/>
+                      <a:round/>
+                      <a:headEnd type="none" w="med" len="med"/>
+                      <a:tailEnd type="none" w="med" len="med"/>
+                    </a:lnB>
+                    <a:solidFill>
+                      <a:schemeClr val="tx1">
+                        <a:lumMod val="50000"/>
+                        <a:lumOff val="50000"/>
+                      </a:schemeClr>
+                    </a:solidFill>
+                  </a:tcPr>
+                </a:tc>
+                <a:tc>
+                  <a:txBody>
+                    <a:bodyPr/>
+                    <a:lstStyle/>
+                    <a:p>
+                      <a:r>
+                        <a:rPr lang="en-US" sz="1200" b="0" dirty="0"/>
+                        <a:t>2006</a:t>
+                      </a:r>
+                    </a:p>
+                  </a:txBody>
+                  <a:tcPr>
+                    <a:lnL w="12700" cap="flat" cmpd="sng" algn="ctr">
+                      <a:solidFill>
+                        <a:schemeClr val="tx1"/>
+                      </a:solidFill>
+                      <a:prstDash val="solid"/>
+                      <a:round/>
+                      <a:headEnd type="none" w="med" len="med"/>
+                      <a:tailEnd type="none" w="med" len="med"/>
+                    </a:lnL>
+                    <a:lnR w="12700" cap="flat" cmpd="sng" algn="ctr">
+                      <a:solidFill>
+                        <a:schemeClr val="tx1"/>
+                      </a:solidFill>
+                      <a:prstDash val="solid"/>
+                      <a:round/>
+                      <a:headEnd type="none" w="med" len="med"/>
+                      <a:tailEnd type="none" w="med" len="med"/>
+                    </a:lnR>
+                    <a:lnT w="12700" cap="flat" cmpd="sng" algn="ctr">
+                      <a:solidFill>
+                        <a:schemeClr val="tx1"/>
+                      </a:solidFill>
+                      <a:prstDash val="solid"/>
+                      <a:round/>
+                      <a:headEnd type="none" w="med" len="med"/>
+                      <a:tailEnd type="none" w="med" len="med"/>
+                    </a:lnT>
+                    <a:lnB w="12700" cap="flat" cmpd="sng" algn="ctr">
+                      <a:solidFill>
+                        <a:schemeClr val="tx1"/>
+                      </a:solidFill>
+                      <a:prstDash val="solid"/>
+                      <a:round/>
+                      <a:headEnd type="none" w="med" len="med"/>
+                      <a:tailEnd type="none" w="med" len="med"/>
+                    </a:lnB>
+                    <a:solidFill>
+                      <a:schemeClr val="tx1">
+                        <a:lumMod val="50000"/>
+                        <a:lumOff val="50000"/>
+                      </a:schemeClr>
+                    </a:solidFill>
+                  </a:tcPr>
+                </a:tc>
+                <a:tc>
+                  <a:txBody>
+                    <a:bodyPr/>
+                    <a:lstStyle/>
+                    <a:p>
+                      <a:r>
+                        <a:rPr lang="en-US" sz="1200" b="0" dirty="0"/>
+                        <a:t>2008</a:t>
+                      </a:r>
+                    </a:p>
+                  </a:txBody>
+                  <a:tcPr>
+                    <a:lnL w="12700" cap="flat" cmpd="sng" algn="ctr">
+                      <a:solidFill>
+                        <a:schemeClr val="tx1"/>
+                      </a:solidFill>
+                      <a:prstDash val="solid"/>
+                      <a:round/>
+                      <a:headEnd type="none" w="med" len="med"/>
+                      <a:tailEnd type="none" w="med" len="med"/>
+                    </a:lnL>
+                    <a:lnR w="12700" cap="flat" cmpd="sng" algn="ctr">
+                      <a:solidFill>
+                        <a:schemeClr val="tx1"/>
+                      </a:solidFill>
+                      <a:prstDash val="solid"/>
+                      <a:round/>
+                      <a:headEnd type="none" w="med" len="med"/>
+                      <a:tailEnd type="none" w="med" len="med"/>
+                    </a:lnR>
+                    <a:lnT w="12700" cap="flat" cmpd="sng" algn="ctr">
+                      <a:solidFill>
+                        <a:schemeClr val="tx1"/>
+                      </a:solidFill>
+                      <a:prstDash val="solid"/>
+                      <a:round/>
+                      <a:headEnd type="none" w="med" len="med"/>
+                      <a:tailEnd type="none" w="med" len="med"/>
+                    </a:lnT>
+                    <a:lnB w="12700" cap="flat" cmpd="sng" algn="ctr">
+                      <a:solidFill>
+                        <a:schemeClr val="tx1"/>
+                      </a:solidFill>
+                      <a:prstDash val="solid"/>
+                      <a:round/>
+                      <a:headEnd type="none" w="med" len="med"/>
+                      <a:tailEnd type="none" w="med" len="med"/>
+                    </a:lnB>
+                    <a:solidFill>
+                      <a:schemeClr val="tx1">
+                        <a:lumMod val="50000"/>
+                        <a:lumOff val="50000"/>
+                      </a:schemeClr>
+                    </a:solidFill>
+                  </a:tcPr>
+                </a:tc>
+                <a:tc>
+                  <a:txBody>
+                    <a:bodyPr/>
+                    <a:lstStyle/>
+                    <a:p>
+                      <a:r>
+                        <a:rPr lang="en-US" sz="1200" b="0" dirty="0"/>
+                        <a:t>2010</a:t>
+                      </a:r>
+                    </a:p>
+                  </a:txBody>
+                  <a:tcPr>
+                    <a:lnL w="12700" cap="flat" cmpd="sng" algn="ctr">
+                      <a:solidFill>
+                        <a:schemeClr val="tx1"/>
+                      </a:solidFill>
+                      <a:prstDash val="solid"/>
+                      <a:round/>
+                      <a:headEnd type="none" w="med" len="med"/>
+                      <a:tailEnd type="none" w="med" len="med"/>
+                    </a:lnL>
+                    <a:lnR w="12700" cap="flat" cmpd="sng" algn="ctr">
+                      <a:solidFill>
+                        <a:schemeClr val="tx1"/>
+                      </a:solidFill>
+                      <a:prstDash val="solid"/>
+                      <a:round/>
+                      <a:headEnd type="none" w="med" len="med"/>
+                      <a:tailEnd type="none" w="med" len="med"/>
+                    </a:lnR>
+                    <a:lnT w="12700" cap="flat" cmpd="sng" algn="ctr">
+                      <a:solidFill>
+                        <a:schemeClr val="tx1"/>
+                      </a:solidFill>
+                      <a:prstDash val="solid"/>
+                      <a:round/>
+                      <a:headEnd type="none" w="med" len="med"/>
+                      <a:tailEnd type="none" w="med" len="med"/>
+                    </a:lnT>
+                    <a:lnB w="12700" cap="flat" cmpd="sng" algn="ctr">
+                      <a:solidFill>
+                        <a:schemeClr val="tx1"/>
+                      </a:solidFill>
+                      <a:prstDash val="solid"/>
+                      <a:round/>
+                      <a:headEnd type="none" w="med" len="med"/>
+                      <a:tailEnd type="none" w="med" len="med"/>
+                    </a:lnB>
+                    <a:solidFill>
+                      <a:schemeClr val="tx1">
+                        <a:lumMod val="50000"/>
+                        <a:lumOff val="50000"/>
+                      </a:schemeClr>
+                    </a:solidFill>
+                  </a:tcPr>
+                </a:tc>
+                <a:tc>
+                  <a:txBody>
+                    <a:bodyPr/>
+                    <a:lstStyle/>
+                    <a:p>
+                      <a:r>
+                        <a:rPr lang="en-US" sz="1200" b="0" dirty="0"/>
+                        <a:t>2012</a:t>
+                      </a:r>
+                    </a:p>
+                  </a:txBody>
+                  <a:tcPr>
+                    <a:lnL w="12700" cap="flat" cmpd="sng" algn="ctr">
+                      <a:solidFill>
+                        <a:schemeClr val="tx1"/>
+                      </a:solidFill>
+                      <a:prstDash val="solid"/>
+                      <a:round/>
+                      <a:headEnd type="none" w="med" len="med"/>
+                      <a:tailEnd type="none" w="med" len="med"/>
+                    </a:lnL>
+                    <a:lnR w="12700" cap="flat" cmpd="sng" algn="ctr">
+                      <a:solidFill>
+                        <a:schemeClr val="tx1"/>
+                      </a:solidFill>
+                      <a:prstDash val="solid"/>
+                      <a:round/>
+                      <a:headEnd type="none" w="med" len="med"/>
+                      <a:tailEnd type="none" w="med" len="med"/>
+                    </a:lnR>
+                    <a:lnT w="12700" cap="flat" cmpd="sng" algn="ctr">
+                      <a:solidFill>
+                        <a:schemeClr val="tx1"/>
+                      </a:solidFill>
+                      <a:prstDash val="solid"/>
+                      <a:round/>
+                      <a:headEnd type="none" w="med" len="med"/>
+                      <a:tailEnd type="none" w="med" len="med"/>
+                    </a:lnT>
+                    <a:lnB w="12700" cap="flat" cmpd="sng" algn="ctr">
+                      <a:solidFill>
+                        <a:schemeClr val="tx1"/>
+                      </a:solidFill>
+                      <a:prstDash val="solid"/>
+                      <a:round/>
+                      <a:headEnd type="none" w="med" len="med"/>
+                      <a:tailEnd type="none" w="med" len="med"/>
+                    </a:lnB>
+                  </a:tcPr>
+                </a:tc>
+                <a:tc>
+                  <a:txBody>
+                    <a:bodyPr/>
+                    <a:lstStyle/>
+                    <a:p>
+                      <a:r>
+                        <a:rPr lang="en-US" sz="1200" b="0" dirty="0"/>
+                        <a:t>2013</a:t>
+                      </a:r>
+                    </a:p>
+                  </a:txBody>
+                  <a:tcPr>
+                    <a:lnL w="12700" cap="flat" cmpd="sng" algn="ctr">
+                      <a:solidFill>
+                        <a:schemeClr val="tx1"/>
+                      </a:solidFill>
+                      <a:prstDash val="solid"/>
+                      <a:round/>
+                      <a:headEnd type="none" w="med" len="med"/>
+                      <a:tailEnd type="none" w="med" len="med"/>
+                    </a:lnL>
+                    <a:lnR w="12700" cap="flat" cmpd="sng" algn="ctr">
+                      <a:solidFill>
+                        <a:schemeClr val="tx1"/>
+                      </a:solidFill>
+                      <a:prstDash val="solid"/>
+                      <a:round/>
+                      <a:headEnd type="none" w="med" len="med"/>
+                      <a:tailEnd type="none" w="med" len="med"/>
+                    </a:lnR>
+                    <a:lnT w="12700" cap="flat" cmpd="sng" algn="ctr">
+                      <a:solidFill>
+                        <a:schemeClr val="tx1"/>
+                      </a:solidFill>
+                      <a:prstDash val="solid"/>
+                      <a:round/>
+                      <a:headEnd type="none" w="med" len="med"/>
+                      <a:tailEnd type="none" w="med" len="med"/>
+                    </a:lnT>
+                    <a:lnB w="12700" cap="flat" cmpd="sng" algn="ctr">
+                      <a:solidFill>
+                        <a:schemeClr val="tx1"/>
+                      </a:solidFill>
+                      <a:prstDash val="solid"/>
+                      <a:round/>
+                      <a:headEnd type="none" w="med" len="med"/>
+                      <a:tailEnd type="none" w="med" len="med"/>
+                    </a:lnB>
+                  </a:tcPr>
+                </a:tc>
+                <a:tc>
+                  <a:txBody>
+                    <a:bodyPr/>
+                    <a:lstStyle/>
+                    <a:p>
+                      <a:r>
+                        <a:rPr lang="en-US" sz="1200" b="0" dirty="0"/>
+                        <a:t>2014</a:t>
+                      </a:r>
+                    </a:p>
+                  </a:txBody>
+                  <a:tcPr>
+                    <a:lnL w="12700" cap="flat" cmpd="sng" algn="ctr">
+                      <a:solidFill>
+                        <a:schemeClr val="tx1"/>
+                      </a:solidFill>
+                      <a:prstDash val="solid"/>
+                      <a:round/>
+                      <a:headEnd type="none" w="med" len="med"/>
+                      <a:tailEnd type="none" w="med" len="med"/>
+                    </a:lnL>
+                    <a:lnR w="12700" cap="flat" cmpd="sng" algn="ctr">
+                      <a:solidFill>
+                        <a:schemeClr val="tx1"/>
+                      </a:solidFill>
+                      <a:prstDash val="solid"/>
+                      <a:round/>
+                      <a:headEnd type="none" w="med" len="med"/>
+                      <a:tailEnd type="none" w="med" len="med"/>
+                    </a:lnR>
+                    <a:lnT w="12700" cap="flat" cmpd="sng" algn="ctr">
+                      <a:solidFill>
+                        <a:schemeClr val="tx1"/>
+                      </a:solidFill>
+                      <a:prstDash val="solid"/>
+                      <a:round/>
+                      <a:headEnd type="none" w="med" len="med"/>
+                      <a:tailEnd type="none" w="med" len="med"/>
+                    </a:lnT>
+                    <a:lnB w="12700" cap="flat" cmpd="sng" algn="ctr">
+                      <a:solidFill>
+                        <a:schemeClr val="tx1"/>
+                      </a:solidFill>
+                      <a:prstDash val="solid"/>
+                      <a:round/>
+                      <a:headEnd type="none" w="med" len="med"/>
+                      <a:tailEnd type="none" w="med" len="med"/>
+                    </a:lnB>
+                  </a:tcPr>
+                </a:tc>
+                <a:tc>
+                  <a:txBody>
+                    <a:bodyPr/>
+                    <a:lstStyle/>
+                    <a:p>
+                      <a:r>
+                        <a:rPr lang="en-US" sz="1200" b="0" dirty="0"/>
+                        <a:t>2015</a:t>
+                      </a:r>
+                    </a:p>
+                  </a:txBody>
+                  <a:tcPr>
+                    <a:lnL w="12700" cap="flat" cmpd="sng" algn="ctr">
+                      <a:solidFill>
+                        <a:schemeClr val="tx1"/>
+                      </a:solidFill>
+                      <a:prstDash val="solid"/>
+                      <a:round/>
+                      <a:headEnd type="none" w="med" len="med"/>
+                      <a:tailEnd type="none" w="med" len="med"/>
+                    </a:lnL>
+                    <a:lnR w="12700" cap="flat" cmpd="sng" algn="ctr">
+                      <a:solidFill>
+                        <a:schemeClr val="tx1"/>
+                      </a:solidFill>
+                      <a:prstDash val="solid"/>
+                      <a:round/>
+                      <a:headEnd type="none" w="med" len="med"/>
+                      <a:tailEnd type="none" w="med" len="med"/>
+                    </a:lnR>
+                    <a:lnT w="12700" cap="flat" cmpd="sng" algn="ctr">
+                      <a:solidFill>
+                        <a:schemeClr val="tx1"/>
+                      </a:solidFill>
+                      <a:prstDash val="solid"/>
+                      <a:round/>
+                      <a:headEnd type="none" w="med" len="med"/>
+                      <a:tailEnd type="none" w="med" len="med"/>
+                    </a:lnT>
+                    <a:lnB w="12700" cap="flat" cmpd="sng" algn="ctr">
+                      <a:solidFill>
+                        <a:schemeClr val="tx1"/>
+                      </a:solidFill>
+                      <a:prstDash val="solid"/>
+                      <a:round/>
+                      <a:headEnd type="none" w="med" len="med"/>
+                      <a:tailEnd type="none" w="med" len="med"/>
+                    </a:lnB>
+                  </a:tcPr>
+                </a:tc>
+                <a:tc>
+                  <a:txBody>
+                    <a:bodyPr/>
+                    <a:lstStyle/>
+                    <a:p>
+                      <a:r>
+                        <a:rPr lang="en-US" sz="1200" b="0" dirty="0"/>
+                        <a:t>2016</a:t>
+                      </a:r>
+                    </a:p>
+                  </a:txBody>
+                  <a:tcPr>
+                    <a:lnL w="12700" cap="flat" cmpd="sng" algn="ctr">
+                      <a:solidFill>
+                        <a:schemeClr val="tx1"/>
+                      </a:solidFill>
+                      <a:prstDash val="solid"/>
+                      <a:round/>
+                      <a:headEnd type="none" w="med" len="med"/>
+                      <a:tailEnd type="none" w="med" len="med"/>
+                    </a:lnL>
+                    <a:lnR w="12700" cap="flat" cmpd="sng" algn="ctr">
+                      <a:solidFill>
+                        <a:schemeClr val="tx1"/>
+                      </a:solidFill>
+                      <a:prstDash val="solid"/>
+                      <a:round/>
+                      <a:headEnd type="none" w="med" len="med"/>
+                      <a:tailEnd type="none" w="med" len="med"/>
+                    </a:lnR>
+                    <a:lnT w="12700" cap="flat" cmpd="sng" algn="ctr">
+                      <a:solidFill>
+                        <a:schemeClr val="tx1"/>
+                      </a:solidFill>
+                      <a:prstDash val="solid"/>
+                      <a:round/>
+                      <a:headEnd type="none" w="med" len="med"/>
+                      <a:tailEnd type="none" w="med" len="med"/>
+                    </a:lnT>
+                    <a:lnB w="12700" cap="flat" cmpd="sng" algn="ctr">
+                      <a:solidFill>
+                        <a:schemeClr val="tx1"/>
+                      </a:solidFill>
+                      <a:prstDash val="solid"/>
+                      <a:round/>
+                      <a:headEnd type="none" w="med" len="med"/>
+                      <a:tailEnd type="none" w="med" len="med"/>
+                    </a:lnB>
+                  </a:tcPr>
+                </a:tc>
+                <a:tc>
+                  <a:txBody>
+                    <a:bodyPr/>
+                    <a:lstStyle/>
+                    <a:p>
+                      <a:r>
+                        <a:rPr lang="en-US" sz="1200" b="0" dirty="0"/>
+                        <a:t>2017</a:t>
+                      </a:r>
+                    </a:p>
+                  </a:txBody>
+                  <a:tcPr>
+                    <a:lnL w="12700" cap="flat" cmpd="sng" algn="ctr">
+                      <a:solidFill>
+                        <a:schemeClr val="tx1"/>
+                      </a:solidFill>
+                      <a:prstDash val="solid"/>
+                      <a:round/>
+                      <a:headEnd type="none" w="med" len="med"/>
+                      <a:tailEnd type="none" w="med" len="med"/>
+                    </a:lnL>
+                    <a:lnR w="12700" cap="flat" cmpd="sng" algn="ctr">
+                      <a:solidFill>
+                        <a:schemeClr val="tx1"/>
+                      </a:solidFill>
+                      <a:prstDash val="solid"/>
+                      <a:round/>
+                      <a:headEnd type="none" w="med" len="med"/>
+                      <a:tailEnd type="none" w="med" len="med"/>
+                    </a:lnR>
+                    <a:lnT w="12700" cap="flat" cmpd="sng" algn="ctr">
+                      <a:solidFill>
+                        <a:schemeClr val="tx1"/>
+                      </a:solidFill>
+                      <a:prstDash val="solid"/>
+                      <a:round/>
+                      <a:headEnd type="none" w="med" len="med"/>
+                      <a:tailEnd type="none" w="med" len="med"/>
+                    </a:lnT>
+                    <a:lnB w="12700" cap="flat" cmpd="sng" algn="ctr">
+                      <a:solidFill>
+                        <a:schemeClr val="tx1"/>
+                      </a:solidFill>
+                      <a:prstDash val="solid"/>
+                      <a:round/>
+                      <a:headEnd type="none" w="med" len="med"/>
+                      <a:tailEnd type="none" w="med" len="med"/>
+                    </a:lnB>
+                  </a:tcPr>
+                </a:tc>
+                <a:tc>
+                  <a:txBody>
+                    <a:bodyPr/>
+                    <a:lstStyle/>
+                    <a:p>
+                      <a:r>
+                        <a:rPr lang="en-US" sz="1200" b="0" dirty="0"/>
+                        <a:t>2018</a:t>
+                      </a:r>
+                    </a:p>
+                  </a:txBody>
+                  <a:tcPr>
+                    <a:lnL w="12700" cap="flat" cmpd="sng" algn="ctr">
+                      <a:solidFill>
+                        <a:schemeClr val="tx1"/>
+                      </a:solidFill>
+                      <a:prstDash val="solid"/>
+                      <a:round/>
+                      <a:headEnd type="none" w="med" len="med"/>
+                      <a:tailEnd type="none" w="med" len="med"/>
+                    </a:lnL>
+                    <a:lnR w="12700" cap="flat" cmpd="sng" algn="ctr">
+                      <a:solidFill>
+                        <a:schemeClr val="tx1"/>
+                      </a:solidFill>
+                      <a:prstDash val="solid"/>
+                      <a:round/>
+                      <a:headEnd type="none" w="med" len="med"/>
+                      <a:tailEnd type="none" w="med" len="med"/>
+                    </a:lnR>
+                    <a:lnT w="12700" cap="flat" cmpd="sng" algn="ctr">
+                      <a:solidFill>
+                        <a:schemeClr val="tx1"/>
+                      </a:solidFill>
+                      <a:prstDash val="solid"/>
+                      <a:round/>
+                      <a:headEnd type="none" w="med" len="med"/>
+                      <a:tailEnd type="none" w="med" len="med"/>
+                    </a:lnT>
+                    <a:lnB w="12700" cap="flat" cmpd="sng" algn="ctr">
+                      <a:solidFill>
+                        <a:schemeClr val="tx1"/>
+                      </a:solidFill>
+                      <a:prstDash val="solid"/>
+                      <a:round/>
+                      <a:headEnd type="none" w="med" len="med"/>
+                      <a:tailEnd type="none" w="med" len="med"/>
+                    </a:lnB>
+                  </a:tcPr>
+                </a:tc>
+                <a:extLst>
+                  <a:ext uri="{0D108BD9-81ED-4DB2-BD59-A6C34878D82A}">
+                    <a16:rowId xmlns:a16="http://schemas.microsoft.com/office/drawing/2014/main" val="1214181119"/>
+                  </a:ext>
+                </a:extLst>
+              </a:tr>
+              <a:tr h="3967505">
+                <a:tc>
+                  <a:txBody>
+                    <a:bodyPr/>
+                    <a:lstStyle/>
+                    <a:p>
+                      <a:endParaRPr lang="en-US" sz="1200" b="0"/>
+                    </a:p>
+                  </a:txBody>
+                  <a:tcPr>
+                    <a:lnL w="12700" cap="flat" cmpd="sng" algn="ctr">
+                      <a:solidFill>
+                        <a:schemeClr val="tx1"/>
+                      </a:solidFill>
+                      <a:prstDash val="solid"/>
+                      <a:round/>
+                      <a:headEnd type="none" w="med" len="med"/>
+                      <a:tailEnd type="none" w="med" len="med"/>
+                    </a:lnL>
+                    <a:lnR w="12700" cap="flat" cmpd="sng" algn="ctr">
+                      <a:solidFill>
+                        <a:schemeClr val="tx1"/>
+                      </a:solidFill>
+                      <a:prstDash val="solid"/>
+                      <a:round/>
+                      <a:headEnd type="none" w="med" len="med"/>
+                      <a:tailEnd type="none" w="med" len="med"/>
+                    </a:lnR>
+                    <a:lnT w="12700" cap="flat" cmpd="sng" algn="ctr">
+                      <a:solidFill>
+                        <a:schemeClr val="tx1"/>
+                      </a:solidFill>
+                      <a:prstDash val="solid"/>
+                      <a:round/>
+                      <a:headEnd type="none" w="med" len="med"/>
+                      <a:tailEnd type="none" w="med" len="med"/>
+                    </a:lnT>
+                    <a:lnB w="12700" cap="flat" cmpd="sng" algn="ctr">
+                      <a:solidFill>
+                        <a:schemeClr val="tx1"/>
+                      </a:solidFill>
+                      <a:prstDash val="solid"/>
+                      <a:round/>
+                      <a:headEnd type="none" w="med" len="med"/>
+                      <a:tailEnd type="none" w="med" len="med"/>
+                    </a:lnB>
+                  </a:tcPr>
+                </a:tc>
+                <a:tc>
+                  <a:txBody>
+                    <a:bodyPr/>
+                    <a:lstStyle/>
+                    <a:p>
+                      <a:endParaRPr lang="en-US" sz="1200" b="0"/>
+                    </a:p>
+                  </a:txBody>
+                  <a:tcPr>
+                    <a:lnL w="12700" cap="flat" cmpd="sng" algn="ctr">
+                      <a:solidFill>
+                        <a:schemeClr val="tx1"/>
+                      </a:solidFill>
+                      <a:prstDash val="solid"/>
+                      <a:round/>
+                      <a:headEnd type="none" w="med" len="med"/>
+                      <a:tailEnd type="none" w="med" len="med"/>
+                    </a:lnL>
+                    <a:lnR w="12700" cap="flat" cmpd="sng" algn="ctr">
+                      <a:solidFill>
+                        <a:schemeClr val="tx1"/>
+                      </a:solidFill>
+                      <a:prstDash val="solid"/>
+                      <a:round/>
+                      <a:headEnd type="none" w="med" len="med"/>
+                      <a:tailEnd type="none" w="med" len="med"/>
+                    </a:lnR>
+                    <a:lnT w="12700" cap="flat" cmpd="sng" algn="ctr">
+                      <a:solidFill>
+                        <a:schemeClr val="tx1"/>
+                      </a:solidFill>
+                      <a:prstDash val="solid"/>
+                      <a:round/>
+                      <a:headEnd type="none" w="med" len="med"/>
+                      <a:tailEnd type="none" w="med" len="med"/>
+                    </a:lnT>
+                    <a:lnB w="12700" cap="flat" cmpd="sng" algn="ctr">
+                      <a:solidFill>
+                        <a:schemeClr val="tx1"/>
+                      </a:solidFill>
+                      <a:prstDash val="solid"/>
+                      <a:round/>
+                      <a:headEnd type="none" w="med" len="med"/>
+                      <a:tailEnd type="none" w="med" len="med"/>
+                    </a:lnB>
+                  </a:tcPr>
+                </a:tc>
+                <a:tc>
+                  <a:txBody>
+                    <a:bodyPr/>
+                    <a:lstStyle/>
+                    <a:p>
+                      <a:endParaRPr lang="en-US" sz="1200" b="0"/>
+                    </a:p>
+                  </a:txBody>
+                  <a:tcPr>
+                    <a:lnL w="12700" cap="flat" cmpd="sng" algn="ctr">
+                      <a:solidFill>
+                        <a:schemeClr val="tx1"/>
+                      </a:solidFill>
+                      <a:prstDash val="solid"/>
+                      <a:round/>
+                      <a:headEnd type="none" w="med" len="med"/>
+                      <a:tailEnd type="none" w="med" len="med"/>
+                    </a:lnL>
+                    <a:lnR w="12700" cap="flat" cmpd="sng" algn="ctr">
+                      <a:solidFill>
+                        <a:schemeClr val="tx1"/>
+                      </a:solidFill>
+                      <a:prstDash val="solid"/>
+                      <a:round/>
+                      <a:headEnd type="none" w="med" len="med"/>
+                      <a:tailEnd type="none" w="med" len="med"/>
+                    </a:lnR>
+                    <a:lnT w="12700" cap="flat" cmpd="sng" algn="ctr">
+                      <a:solidFill>
+                        <a:schemeClr val="tx1"/>
+                      </a:solidFill>
+                      <a:prstDash val="solid"/>
+                      <a:round/>
+                      <a:headEnd type="none" w="med" len="med"/>
+                      <a:tailEnd type="none" w="med" len="med"/>
+                    </a:lnT>
+                    <a:lnB w="12700" cap="flat" cmpd="sng" algn="ctr">
+                      <a:solidFill>
+                        <a:schemeClr val="tx1"/>
+                      </a:solidFill>
+                      <a:prstDash val="solid"/>
+                      <a:round/>
+                      <a:headEnd type="none" w="med" len="med"/>
+                      <a:tailEnd type="none" w="med" len="med"/>
+                    </a:lnB>
+                  </a:tcPr>
+                </a:tc>
+                <a:tc>
+                  <a:txBody>
+                    <a:bodyPr/>
+                    <a:lstStyle/>
+                    <a:p>
+                      <a:endParaRPr lang="en-US" sz="1200" b="0" dirty="0"/>
+                    </a:p>
+                  </a:txBody>
+                  <a:tcPr>
+                    <a:lnL w="12700" cap="flat" cmpd="sng" algn="ctr">
+                      <a:solidFill>
+                        <a:schemeClr val="tx1"/>
+                      </a:solidFill>
+                      <a:prstDash val="solid"/>
+                      <a:round/>
+                      <a:headEnd type="none" w="med" len="med"/>
+                      <a:tailEnd type="none" w="med" len="med"/>
+                    </a:lnL>
+                    <a:lnR w="12700" cap="flat" cmpd="sng" algn="ctr">
+                      <a:solidFill>
+                        <a:schemeClr val="tx1"/>
+                      </a:solidFill>
+                      <a:prstDash val="solid"/>
+                      <a:round/>
+                      <a:headEnd type="none" w="med" len="med"/>
+                      <a:tailEnd type="none" w="med" len="med"/>
+                    </a:lnR>
+                    <a:lnT w="12700" cap="flat" cmpd="sng" algn="ctr">
+                      <a:solidFill>
+                        <a:schemeClr val="tx1"/>
+                      </a:solidFill>
+                      <a:prstDash val="solid"/>
+                      <a:round/>
+                      <a:headEnd type="none" w="med" len="med"/>
+                      <a:tailEnd type="none" w="med" len="med"/>
+                    </a:lnT>
+                    <a:lnB w="12700" cap="flat" cmpd="sng" algn="ctr">
+                      <a:solidFill>
+                        <a:schemeClr val="tx1"/>
+                      </a:solidFill>
+                      <a:prstDash val="solid"/>
+                      <a:round/>
+                      <a:headEnd type="none" w="med" len="med"/>
+                      <a:tailEnd type="none" w="med" len="med"/>
+                    </a:lnB>
+                  </a:tcPr>
+                </a:tc>
+                <a:tc>
+                  <a:txBody>
+                    <a:bodyPr/>
+                    <a:lstStyle/>
+                    <a:p>
+                      <a:endParaRPr lang="en-US" sz="1200" b="0" dirty="0"/>
+                    </a:p>
+                  </a:txBody>
+                  <a:tcPr>
+                    <a:lnL w="12700" cap="flat" cmpd="sng" algn="ctr">
+                      <a:solidFill>
+                        <a:schemeClr val="tx1"/>
+                      </a:solidFill>
+                      <a:prstDash val="solid"/>
+                      <a:round/>
+                      <a:headEnd type="none" w="med" len="med"/>
+                      <a:tailEnd type="none" w="med" len="med"/>
+                    </a:lnL>
+                    <a:lnR w="12700" cap="flat" cmpd="sng" algn="ctr">
+                      <a:solidFill>
+                        <a:schemeClr val="tx1"/>
+                      </a:solidFill>
+                      <a:prstDash val="solid"/>
+                      <a:round/>
+                      <a:headEnd type="none" w="med" len="med"/>
+                      <a:tailEnd type="none" w="med" len="med"/>
+                    </a:lnR>
+                    <a:lnT w="12700" cap="flat" cmpd="sng" algn="ctr">
+                      <a:solidFill>
+                        <a:schemeClr val="tx1"/>
+                      </a:solidFill>
+                      <a:prstDash val="solid"/>
+                      <a:round/>
+                      <a:headEnd type="none" w="med" len="med"/>
+                      <a:tailEnd type="none" w="med" len="med"/>
+                    </a:lnT>
+                    <a:lnB w="12700" cap="flat" cmpd="sng" algn="ctr">
+                      <a:solidFill>
+                        <a:schemeClr val="tx1"/>
+                      </a:solidFill>
+                      <a:prstDash val="solid"/>
+                      <a:round/>
+                      <a:headEnd type="none" w="med" len="med"/>
+                      <a:tailEnd type="none" w="med" len="med"/>
+                    </a:lnB>
+                  </a:tcPr>
+                </a:tc>
+                <a:tc>
+                  <a:txBody>
+                    <a:bodyPr/>
+                    <a:lstStyle/>
+                    <a:p>
+                      <a:endParaRPr lang="en-US" sz="1200" b="0" dirty="0"/>
+                    </a:p>
+                  </a:txBody>
+                  <a:tcPr>
+                    <a:lnL w="12700" cap="flat" cmpd="sng" algn="ctr">
+                      <a:solidFill>
+                        <a:schemeClr val="tx1"/>
+                      </a:solidFill>
+                      <a:prstDash val="solid"/>
+                      <a:round/>
+                      <a:headEnd type="none" w="med" len="med"/>
+                      <a:tailEnd type="none" w="med" len="med"/>
+                    </a:lnL>
+                    <a:lnR w="12700" cap="flat" cmpd="sng" algn="ctr">
+                      <a:solidFill>
+                        <a:schemeClr val="tx1"/>
+                      </a:solidFill>
+                      <a:prstDash val="solid"/>
+                      <a:round/>
+                      <a:headEnd type="none" w="med" len="med"/>
+                      <a:tailEnd type="none" w="med" len="med"/>
+                    </a:lnR>
+                    <a:lnT w="12700" cap="flat" cmpd="sng" algn="ctr">
+                      <a:solidFill>
+                        <a:schemeClr val="tx1"/>
+                      </a:solidFill>
+                      <a:prstDash val="solid"/>
+                      <a:round/>
+                      <a:headEnd type="none" w="med" len="med"/>
+                      <a:tailEnd type="none" w="med" len="med"/>
+                    </a:lnT>
+                    <a:lnB w="12700" cap="flat" cmpd="sng" algn="ctr">
+                      <a:solidFill>
+                        <a:schemeClr val="tx1"/>
+                      </a:solidFill>
+                      <a:prstDash val="solid"/>
+                      <a:round/>
+                      <a:headEnd type="none" w="med" len="med"/>
+                      <a:tailEnd type="none" w="med" len="med"/>
+                    </a:lnB>
+                  </a:tcPr>
+                </a:tc>
+                <a:tc>
+                  <a:txBody>
+                    <a:bodyPr/>
+                    <a:lstStyle/>
+                    <a:p>
+                      <a:endParaRPr lang="en-US" sz="1200" b="0" dirty="0"/>
+                    </a:p>
+                  </a:txBody>
+                  <a:tcPr>
+                    <a:lnL w="12700" cap="flat" cmpd="sng" algn="ctr">
+                      <a:solidFill>
+                        <a:schemeClr val="tx1"/>
+                      </a:solidFill>
+                      <a:prstDash val="solid"/>
+                      <a:round/>
+                      <a:headEnd type="none" w="med" len="med"/>
+                      <a:tailEnd type="none" w="med" len="med"/>
+                    </a:lnL>
+                    <a:lnR w="12700" cap="flat" cmpd="sng" algn="ctr">
+                      <a:solidFill>
+                        <a:schemeClr val="tx1"/>
+                      </a:solidFill>
+                      <a:prstDash val="solid"/>
+                      <a:round/>
+                      <a:headEnd type="none" w="med" len="med"/>
+                      <a:tailEnd type="none" w="med" len="med"/>
+                    </a:lnR>
+                    <a:lnT w="12700" cap="flat" cmpd="sng" algn="ctr">
+                      <a:solidFill>
+                        <a:schemeClr val="tx1"/>
+                      </a:solidFill>
+                      <a:prstDash val="solid"/>
+                      <a:round/>
+                      <a:headEnd type="none" w="med" len="med"/>
+                      <a:tailEnd type="none" w="med" len="med"/>
+                    </a:lnT>
+                    <a:lnB w="12700" cap="flat" cmpd="sng" algn="ctr">
+                      <a:solidFill>
+                        <a:schemeClr val="tx1"/>
+                      </a:solidFill>
+                      <a:prstDash val="solid"/>
+                      <a:round/>
+                      <a:headEnd type="none" w="med" len="med"/>
+                      <a:tailEnd type="none" w="med" len="med"/>
+                    </a:lnB>
+                  </a:tcPr>
+                </a:tc>
+                <a:tc>
+                  <a:txBody>
+                    <a:bodyPr/>
+                    <a:lstStyle/>
+                    <a:p>
+                      <a:endParaRPr lang="en-US" sz="1200" b="0" dirty="0"/>
+                    </a:p>
+                  </a:txBody>
+                  <a:tcPr>
+                    <a:lnL w="12700" cap="flat" cmpd="sng" algn="ctr">
+                      <a:solidFill>
+                        <a:schemeClr val="tx1"/>
+                      </a:solidFill>
+                      <a:prstDash val="solid"/>
+                      <a:round/>
+                      <a:headEnd type="none" w="med" len="med"/>
+                      <a:tailEnd type="none" w="med" len="med"/>
+                    </a:lnL>
+                    <a:lnR w="12700" cap="flat" cmpd="sng" algn="ctr">
+                      <a:solidFill>
+                        <a:schemeClr val="tx1"/>
+                      </a:solidFill>
+                      <a:prstDash val="solid"/>
+                      <a:round/>
+                      <a:headEnd type="none" w="med" len="med"/>
+                      <a:tailEnd type="none" w="med" len="med"/>
+                    </a:lnR>
+                    <a:lnT w="12700" cap="flat" cmpd="sng" algn="ctr">
+                      <a:solidFill>
+                        <a:schemeClr val="tx1"/>
+                      </a:solidFill>
+                      <a:prstDash val="solid"/>
+                      <a:round/>
+                      <a:headEnd type="none" w="med" len="med"/>
+                      <a:tailEnd type="none" w="med" len="med"/>
+                    </a:lnT>
+                    <a:lnB w="12700" cap="flat" cmpd="sng" algn="ctr">
+                      <a:solidFill>
+                        <a:schemeClr val="tx1"/>
+                      </a:solidFill>
+                      <a:prstDash val="solid"/>
+                      <a:round/>
+                      <a:headEnd type="none" w="med" len="med"/>
+                      <a:tailEnd type="none" w="med" len="med"/>
+                    </a:lnB>
+                  </a:tcPr>
+                </a:tc>
+                <a:tc>
+                  <a:txBody>
+                    <a:bodyPr/>
+                    <a:lstStyle/>
+                    <a:p>
+                      <a:endParaRPr lang="en-US" sz="1200" b="0" dirty="0"/>
+                    </a:p>
+                  </a:txBody>
+                  <a:tcPr>
+                    <a:lnL w="12700" cap="flat" cmpd="sng" algn="ctr">
+                      <a:solidFill>
+                        <a:schemeClr val="tx1"/>
+                      </a:solidFill>
+                      <a:prstDash val="solid"/>
+                      <a:round/>
+                      <a:headEnd type="none" w="med" len="med"/>
+                      <a:tailEnd type="none" w="med" len="med"/>
+                    </a:lnL>
+                    <a:lnR w="12700" cap="flat" cmpd="sng" algn="ctr">
+                      <a:solidFill>
+                        <a:schemeClr val="tx1"/>
+                      </a:solidFill>
+                      <a:prstDash val="solid"/>
+                      <a:round/>
+                      <a:headEnd type="none" w="med" len="med"/>
+                      <a:tailEnd type="none" w="med" len="med"/>
+                    </a:lnR>
+                    <a:lnT w="12700" cap="flat" cmpd="sng" algn="ctr">
+                      <a:solidFill>
+                        <a:schemeClr val="tx1"/>
+                      </a:solidFill>
+                      <a:prstDash val="solid"/>
+                      <a:round/>
+                      <a:headEnd type="none" w="med" len="med"/>
+                      <a:tailEnd type="none" w="med" len="med"/>
+                    </a:lnT>
+                    <a:lnB w="12700" cap="flat" cmpd="sng" algn="ctr">
+                      <a:solidFill>
+                        <a:schemeClr val="tx1"/>
+                      </a:solidFill>
+                      <a:prstDash val="solid"/>
+                      <a:round/>
+                      <a:headEnd type="none" w="med" len="med"/>
+                      <a:tailEnd type="none" w="med" len="med"/>
+                    </a:lnB>
+                  </a:tcPr>
+                </a:tc>
+                <a:tc>
+                  <a:txBody>
+                    <a:bodyPr/>
+                    <a:lstStyle/>
+                    <a:p>
+                      <a:endParaRPr lang="en-US" sz="1200" b="0" dirty="0"/>
+                    </a:p>
+                  </a:txBody>
+                  <a:tcPr>
+                    <a:lnL w="12700" cap="flat" cmpd="sng" algn="ctr">
+                      <a:solidFill>
+                        <a:schemeClr val="tx1"/>
+                      </a:solidFill>
+                      <a:prstDash val="solid"/>
+                      <a:round/>
+                      <a:headEnd type="none" w="med" len="med"/>
+                      <a:tailEnd type="none" w="med" len="med"/>
+                    </a:lnL>
+                    <a:lnR w="12700" cap="flat" cmpd="sng" algn="ctr">
+                      <a:solidFill>
+                        <a:schemeClr val="tx1"/>
+                      </a:solidFill>
+                      <a:prstDash val="solid"/>
+                      <a:round/>
+                      <a:headEnd type="none" w="med" len="med"/>
+                      <a:tailEnd type="none" w="med" len="med"/>
+                    </a:lnR>
+                    <a:lnT w="12700" cap="flat" cmpd="sng" algn="ctr">
+                      <a:solidFill>
+                        <a:schemeClr val="tx1"/>
+                      </a:solidFill>
+                      <a:prstDash val="solid"/>
+                      <a:round/>
+                      <a:headEnd type="none" w="med" len="med"/>
+                      <a:tailEnd type="none" w="med" len="med"/>
+                    </a:lnT>
+                    <a:lnB w="12700" cap="flat" cmpd="sng" algn="ctr">
+                      <a:solidFill>
+                        <a:schemeClr val="tx1"/>
+                      </a:solidFill>
+                      <a:prstDash val="solid"/>
+                      <a:round/>
+                      <a:headEnd type="none" w="med" len="med"/>
+                      <a:tailEnd type="none" w="med" len="med"/>
+                    </a:lnB>
+                  </a:tcPr>
+                </a:tc>
+                <a:tc>
+                  <a:txBody>
+                    <a:bodyPr/>
+                    <a:lstStyle/>
+                    <a:p>
+                      <a:endParaRPr lang="en-US" sz="1200" b="0" dirty="0"/>
+                    </a:p>
+                  </a:txBody>
+                  <a:tcPr>
+                    <a:lnL w="12700" cap="flat" cmpd="sng" algn="ctr">
+                      <a:solidFill>
+                        <a:schemeClr val="tx1"/>
+                      </a:solidFill>
+                      <a:prstDash val="solid"/>
+                      <a:round/>
+                      <a:headEnd type="none" w="med" len="med"/>
+                      <a:tailEnd type="none" w="med" len="med"/>
+                    </a:lnL>
+                    <a:lnR w="12700" cap="flat" cmpd="sng" algn="ctr">
+                      <a:solidFill>
+                        <a:schemeClr val="tx1"/>
+                      </a:solidFill>
+                      <a:prstDash val="solid"/>
+                      <a:round/>
+                      <a:headEnd type="none" w="med" len="med"/>
+                      <a:tailEnd type="none" w="med" len="med"/>
+                    </a:lnR>
+                    <a:lnT w="12700" cap="flat" cmpd="sng" algn="ctr">
+                      <a:solidFill>
+                        <a:schemeClr val="tx1"/>
+                      </a:solidFill>
+                      <a:prstDash val="solid"/>
+                      <a:round/>
+                      <a:headEnd type="none" w="med" len="med"/>
+                      <a:tailEnd type="none" w="med" len="med"/>
+                    </a:lnT>
+                    <a:lnB w="12700" cap="flat" cmpd="sng" algn="ctr">
+                      <a:solidFill>
+                        <a:schemeClr val="tx1"/>
+                      </a:solidFill>
+                      <a:prstDash val="solid"/>
+                      <a:round/>
+                      <a:headEnd type="none" w="med" len="med"/>
+                      <a:tailEnd type="none" w="med" len="med"/>
+                    </a:lnB>
+                  </a:tcPr>
+                </a:tc>
+                <a:tc>
+                  <a:txBody>
+                    <a:bodyPr/>
+                    <a:lstStyle/>
+                    <a:p>
+                      <a:endParaRPr lang="en-US" sz="1200" b="0" dirty="0"/>
+                    </a:p>
+                  </a:txBody>
+                  <a:tcPr>
+                    <a:lnL w="12700" cap="flat" cmpd="sng" algn="ctr">
+                      <a:solidFill>
+                        <a:schemeClr val="tx1"/>
+                      </a:solidFill>
+                      <a:prstDash val="solid"/>
+                      <a:round/>
+                      <a:headEnd type="none" w="med" len="med"/>
+                      <a:tailEnd type="none" w="med" len="med"/>
+                    </a:lnL>
+                    <a:lnR w="12700" cap="flat" cmpd="sng" algn="ctr">
+                      <a:solidFill>
+                        <a:schemeClr val="tx1"/>
+                      </a:solidFill>
+                      <a:prstDash val="solid"/>
+                      <a:round/>
+                      <a:headEnd type="none" w="med" len="med"/>
+                      <a:tailEnd type="none" w="med" len="med"/>
+                    </a:lnR>
+                    <a:lnT w="12700" cap="flat" cmpd="sng" algn="ctr">
+                      <a:solidFill>
+                        <a:schemeClr val="tx1"/>
+                      </a:solidFill>
+                      <a:prstDash val="solid"/>
+                      <a:round/>
+                      <a:headEnd type="none" w="med" len="med"/>
+                      <a:tailEnd type="none" w="med" len="med"/>
+                    </a:lnT>
+                    <a:lnB w="12700" cap="flat" cmpd="sng" algn="ctr">
+                      <a:solidFill>
+                        <a:schemeClr val="tx1"/>
+                      </a:solidFill>
+                      <a:prstDash val="solid"/>
+                      <a:round/>
+                      <a:headEnd type="none" w="med" len="med"/>
+                      <a:tailEnd type="none" w="med" len="med"/>
+                    </a:lnB>
+                  </a:tcPr>
+                </a:tc>
+                <a:tc>
+                  <a:txBody>
+                    <a:bodyPr/>
+                    <a:lstStyle/>
+                    <a:p>
+                      <a:endParaRPr lang="en-US" sz="1200" b="0" dirty="0"/>
+                    </a:p>
+                  </a:txBody>
+                  <a:tcPr>
+                    <a:lnL w="12700" cap="flat" cmpd="sng" algn="ctr">
+                      <a:solidFill>
+                        <a:schemeClr val="tx1"/>
+                      </a:solidFill>
+                      <a:prstDash val="solid"/>
+                      <a:round/>
+                      <a:headEnd type="none" w="med" len="med"/>
+                      <a:tailEnd type="none" w="med" len="med"/>
+                    </a:lnL>
+                    <a:lnR w="12700" cap="flat" cmpd="sng" algn="ctr">
+                      <a:solidFill>
+                        <a:schemeClr val="tx1"/>
+                      </a:solidFill>
+                      <a:prstDash val="solid"/>
+                      <a:round/>
+                      <a:headEnd type="none" w="med" len="med"/>
+                      <a:tailEnd type="none" w="med" len="med"/>
+                    </a:lnR>
+                    <a:lnT w="12700" cap="flat" cmpd="sng" algn="ctr">
+                      <a:solidFill>
+                        <a:schemeClr val="tx1"/>
+                      </a:solidFill>
+                      <a:prstDash val="solid"/>
+                      <a:round/>
+                      <a:headEnd type="none" w="med" len="med"/>
+                      <a:tailEnd type="none" w="med" len="med"/>
+                    </a:lnT>
+                    <a:lnB w="12700" cap="flat" cmpd="sng" algn="ctr">
+                      <a:solidFill>
+                        <a:schemeClr val="tx1"/>
+                      </a:solidFill>
+                      <a:prstDash val="solid"/>
+                      <a:round/>
+                      <a:headEnd type="none" w="med" len="med"/>
+                      <a:tailEnd type="none" w="med" len="med"/>
+                    </a:lnB>
+                  </a:tcPr>
+                </a:tc>
+                <a:tc>
+                  <a:txBody>
+                    <a:bodyPr/>
+                    <a:lstStyle/>
+                    <a:p>
+                      <a:endParaRPr lang="en-US" sz="1200" b="0"/>
+                    </a:p>
+                  </a:txBody>
+                  <a:tcPr>
+                    <a:lnL w="12700" cap="flat" cmpd="sng" algn="ctr">
+                      <a:solidFill>
+                        <a:schemeClr val="tx1"/>
+                      </a:solidFill>
+                      <a:prstDash val="solid"/>
+                      <a:round/>
+                      <a:headEnd type="none" w="med" len="med"/>
+                      <a:tailEnd type="none" w="med" len="med"/>
+                    </a:lnL>
+                    <a:lnR w="12700" cap="flat" cmpd="sng" algn="ctr">
+                      <a:solidFill>
+                        <a:schemeClr val="tx1"/>
+                      </a:solidFill>
+                      <a:prstDash val="solid"/>
+                      <a:round/>
+                      <a:headEnd type="none" w="med" len="med"/>
+                      <a:tailEnd type="none" w="med" len="med"/>
+                    </a:lnR>
+                    <a:lnT w="12700" cap="flat" cmpd="sng" algn="ctr">
+                      <a:solidFill>
+                        <a:schemeClr val="tx1"/>
+                      </a:solidFill>
+                      <a:prstDash val="solid"/>
+                      <a:round/>
+                      <a:headEnd type="none" w="med" len="med"/>
+                      <a:tailEnd type="none" w="med" len="med"/>
+                    </a:lnT>
+                    <a:lnB w="12700" cap="flat" cmpd="sng" algn="ctr">
+                      <a:solidFill>
+                        <a:schemeClr val="tx1"/>
+                      </a:solidFill>
+                      <a:prstDash val="solid"/>
+                      <a:round/>
+                      <a:headEnd type="none" w="med" len="med"/>
+                      <a:tailEnd type="none" w="med" len="med"/>
+                    </a:lnB>
+                  </a:tcPr>
+                </a:tc>
+                <a:tc>
+                  <a:txBody>
+                    <a:bodyPr/>
+                    <a:lstStyle/>
+                    <a:p>
+                      <a:endParaRPr lang="en-US" sz="1200" b="0"/>
+                    </a:p>
+                  </a:txBody>
+                  <a:tcPr>
+                    <a:lnL w="12700" cap="flat" cmpd="sng" algn="ctr">
+                      <a:solidFill>
+                        <a:schemeClr val="tx1"/>
+                      </a:solidFill>
+                      <a:prstDash val="solid"/>
+                      <a:round/>
+                      <a:headEnd type="none" w="med" len="med"/>
+                      <a:tailEnd type="none" w="med" len="med"/>
+                    </a:lnL>
+                    <a:lnR w="12700" cap="flat" cmpd="sng" algn="ctr">
+                      <a:solidFill>
+                        <a:schemeClr val="tx1"/>
+                      </a:solidFill>
+                      <a:prstDash val="solid"/>
+                      <a:round/>
+                      <a:headEnd type="none" w="med" len="med"/>
+                      <a:tailEnd type="none" w="med" len="med"/>
+                    </a:lnR>
+                    <a:lnT w="12700" cap="flat" cmpd="sng" algn="ctr">
+                      <a:solidFill>
+                        <a:schemeClr val="tx1"/>
+                      </a:solidFill>
+                      <a:prstDash val="solid"/>
+                      <a:round/>
+                      <a:headEnd type="none" w="med" len="med"/>
+                      <a:tailEnd type="none" w="med" len="med"/>
+                    </a:lnT>
+                    <a:lnB w="12700" cap="flat" cmpd="sng" algn="ctr">
+                      <a:solidFill>
+                        <a:schemeClr val="tx1"/>
+                      </a:solidFill>
+                      <a:prstDash val="solid"/>
+                      <a:round/>
+                      <a:headEnd type="none" w="med" len="med"/>
+                      <a:tailEnd type="none" w="med" len="med"/>
+                    </a:lnB>
+                  </a:tcPr>
+                </a:tc>
+                <a:tc>
+                  <a:txBody>
+                    <a:bodyPr/>
+                    <a:lstStyle/>
+                    <a:p>
+                      <a:endParaRPr lang="en-US" sz="1200" b="0"/>
+                    </a:p>
+                  </a:txBody>
+                  <a:tcPr>
+                    <a:lnL w="12700" cap="flat" cmpd="sng" algn="ctr">
+                      <a:solidFill>
+                        <a:schemeClr val="tx1"/>
+                      </a:solidFill>
+                      <a:prstDash val="solid"/>
+                      <a:round/>
+                      <a:headEnd type="none" w="med" len="med"/>
+                      <a:tailEnd type="none" w="med" len="med"/>
+                    </a:lnL>
+                    <a:lnR w="12700" cap="flat" cmpd="sng" algn="ctr">
+                      <a:solidFill>
+                        <a:schemeClr val="tx1"/>
+                      </a:solidFill>
+                      <a:prstDash val="solid"/>
+                      <a:round/>
+                      <a:headEnd type="none" w="med" len="med"/>
+                      <a:tailEnd type="none" w="med" len="med"/>
+                    </a:lnR>
+                    <a:lnT w="12700" cap="flat" cmpd="sng" algn="ctr">
+                      <a:solidFill>
+                        <a:schemeClr val="tx1"/>
+                      </a:solidFill>
+                      <a:prstDash val="solid"/>
+                      <a:round/>
+                      <a:headEnd type="none" w="med" len="med"/>
+                      <a:tailEnd type="none" w="med" len="med"/>
+                    </a:lnT>
+                    <a:lnB w="12700" cap="flat" cmpd="sng" algn="ctr">
+                      <a:solidFill>
+                        <a:schemeClr val="tx1"/>
+                      </a:solidFill>
+                      <a:prstDash val="solid"/>
+                      <a:round/>
+                      <a:headEnd type="none" w="med" len="med"/>
+                      <a:tailEnd type="none" w="med" len="med"/>
+                    </a:lnB>
+                  </a:tcPr>
+                </a:tc>
+                <a:tc>
+                  <a:txBody>
+                    <a:bodyPr/>
+                    <a:lstStyle/>
+                    <a:p>
+                      <a:endParaRPr lang="en-US" sz="1200" b="0"/>
+                    </a:p>
+                  </a:txBody>
+                  <a:tcPr>
+                    <a:lnL w="12700" cap="flat" cmpd="sng" algn="ctr">
+                      <a:solidFill>
+                        <a:schemeClr val="tx1"/>
+                      </a:solidFill>
+                      <a:prstDash val="solid"/>
+                      <a:round/>
+                      <a:headEnd type="none" w="med" len="med"/>
+                      <a:tailEnd type="none" w="med" len="med"/>
+                    </a:lnL>
+                    <a:lnR w="12700" cap="flat" cmpd="sng" algn="ctr">
+                      <a:solidFill>
+                        <a:schemeClr val="tx1"/>
+                      </a:solidFill>
+                      <a:prstDash val="solid"/>
+                      <a:round/>
+                      <a:headEnd type="none" w="med" len="med"/>
+                      <a:tailEnd type="none" w="med" len="med"/>
+                    </a:lnR>
+                    <a:lnT w="12700" cap="flat" cmpd="sng" algn="ctr">
+                      <a:solidFill>
+                        <a:schemeClr val="tx1"/>
+                      </a:solidFill>
+                      <a:prstDash val="solid"/>
+                      <a:round/>
+                      <a:headEnd type="none" w="med" len="med"/>
+                      <a:tailEnd type="none" w="med" len="med"/>
+                    </a:lnT>
+                    <a:lnB w="12700" cap="flat" cmpd="sng" algn="ctr">
+                      <a:solidFill>
+                        <a:schemeClr val="tx1"/>
+                      </a:solidFill>
+                      <a:prstDash val="solid"/>
+                      <a:round/>
+                      <a:headEnd type="none" w="med" len="med"/>
+                      <a:tailEnd type="none" w="med" len="med"/>
+                    </a:lnB>
+                  </a:tcPr>
+                </a:tc>
+                <a:tc>
+                  <a:txBody>
+                    <a:bodyPr/>
+                    <a:lstStyle/>
+                    <a:p>
+                      <a:endParaRPr lang="en-US" sz="1200" b="0" dirty="0"/>
+                    </a:p>
+                  </a:txBody>
+                  <a:tcPr>
+                    <a:lnL w="12700" cap="flat" cmpd="sng" algn="ctr">
+                      <a:solidFill>
+                        <a:schemeClr val="tx1"/>
+                      </a:solidFill>
+                      <a:prstDash val="solid"/>
+                      <a:round/>
+                      <a:headEnd type="none" w="med" len="med"/>
+                      <a:tailEnd type="none" w="med" len="med"/>
+                    </a:lnL>
+                    <a:lnR w="12700" cap="flat" cmpd="sng" algn="ctr">
+                      <a:solidFill>
+                        <a:schemeClr val="tx1"/>
+                      </a:solidFill>
+                      <a:prstDash val="solid"/>
+                      <a:round/>
+                      <a:headEnd type="none" w="med" len="med"/>
+                      <a:tailEnd type="none" w="med" len="med"/>
+                    </a:lnR>
+                    <a:lnT w="12700" cap="flat" cmpd="sng" algn="ctr">
+                      <a:solidFill>
+                        <a:schemeClr val="tx1"/>
+                      </a:solidFill>
+                      <a:prstDash val="solid"/>
+                      <a:round/>
+                      <a:headEnd type="none" w="med" len="med"/>
+                      <a:tailEnd type="none" w="med" len="med"/>
+                    </a:lnT>
+                    <a:lnB w="12700" cap="flat" cmpd="sng" algn="ctr">
+                      <a:solidFill>
+                        <a:schemeClr val="tx1"/>
+                      </a:solidFill>
+                      <a:prstDash val="solid"/>
+                      <a:round/>
+                      <a:headEnd type="none" w="med" len="med"/>
+                      <a:tailEnd type="none" w="med" len="med"/>
+                    </a:lnB>
+                  </a:tcPr>
+                </a:tc>
+                <a:tc>
+                  <a:txBody>
+                    <a:bodyPr/>
+                    <a:lstStyle/>
+                    <a:p>
+                      <a:endParaRPr lang="en-US" sz="1200" b="0" dirty="0"/>
+                    </a:p>
+                  </a:txBody>
+                  <a:tcPr>
+                    <a:lnL w="12700" cap="flat" cmpd="sng" algn="ctr">
+                      <a:solidFill>
+                        <a:schemeClr val="tx1"/>
+                      </a:solidFill>
+                      <a:prstDash val="solid"/>
+                      <a:round/>
+                      <a:headEnd type="none" w="med" len="med"/>
+                      <a:tailEnd type="none" w="med" len="med"/>
+                    </a:lnL>
+                    <a:lnR w="12700" cap="flat" cmpd="sng" algn="ctr">
+                      <a:solidFill>
+                        <a:schemeClr val="tx1"/>
+                      </a:solidFill>
+                      <a:prstDash val="solid"/>
+                      <a:round/>
+                      <a:headEnd type="none" w="med" len="med"/>
+                      <a:tailEnd type="none" w="med" len="med"/>
+                    </a:lnR>
+                    <a:lnT w="12700" cap="flat" cmpd="sng" algn="ctr">
+                      <a:solidFill>
+                        <a:schemeClr val="tx1"/>
+                      </a:solidFill>
+                      <a:prstDash val="solid"/>
+                      <a:round/>
+                      <a:headEnd type="none" w="med" len="med"/>
+                      <a:tailEnd type="none" w="med" len="med"/>
+                    </a:lnT>
+                    <a:lnB w="12700" cap="flat" cmpd="sng" algn="ctr">
+                      <a:solidFill>
+                        <a:schemeClr val="tx1"/>
+                      </a:solidFill>
+                      <a:prstDash val="solid"/>
+                      <a:round/>
+                      <a:headEnd type="none" w="med" len="med"/>
+                      <a:tailEnd type="none" w="med" len="med"/>
+                    </a:lnB>
+                  </a:tcPr>
+                </a:tc>
+                <a:tc>
+                  <a:txBody>
+                    <a:bodyPr/>
+                    <a:lstStyle/>
+                    <a:p>
+                      <a:endParaRPr lang="en-US" sz="1200" b="0" dirty="0"/>
+                    </a:p>
+                  </a:txBody>
+                  <a:tcPr>
+                    <a:lnL w="12700" cap="flat" cmpd="sng" algn="ctr">
+                      <a:solidFill>
+                        <a:schemeClr val="tx1"/>
+                      </a:solidFill>
+                      <a:prstDash val="solid"/>
+                      <a:round/>
+                      <a:headEnd type="none" w="med" len="med"/>
+                      <a:tailEnd type="none" w="med" len="med"/>
+                    </a:lnL>
+                    <a:lnR w="12700" cap="flat" cmpd="sng" algn="ctr">
+                      <a:solidFill>
+                        <a:schemeClr val="tx1"/>
+                      </a:solidFill>
+                      <a:prstDash val="solid"/>
+                      <a:round/>
+                      <a:headEnd type="none" w="med" len="med"/>
+                      <a:tailEnd type="none" w="med" len="med"/>
+                    </a:lnR>
+                    <a:lnT w="12700" cap="flat" cmpd="sng" algn="ctr">
+                      <a:solidFill>
+                        <a:schemeClr val="tx1"/>
+                      </a:solidFill>
+                      <a:prstDash val="solid"/>
+                      <a:round/>
+                      <a:headEnd type="none" w="med" len="med"/>
+                      <a:tailEnd type="none" w="med" len="med"/>
+                    </a:lnT>
+                    <a:lnB w="12700" cap="flat" cmpd="sng" algn="ctr">
+                      <a:solidFill>
+                        <a:schemeClr val="tx1"/>
+                      </a:solidFill>
+                      <a:prstDash val="solid"/>
+                      <a:round/>
+                      <a:headEnd type="none" w="med" len="med"/>
+                      <a:tailEnd type="none" w="med" len="med"/>
+                    </a:lnB>
+                  </a:tcPr>
+                </a:tc>
+                <a:extLst>
+                  <a:ext uri="{0D108BD9-81ED-4DB2-BD59-A6C34878D82A}">
+                    <a16:rowId xmlns:a16="http://schemas.microsoft.com/office/drawing/2014/main" val="1953109963"/>
+                  </a:ext>
+                </a:extLst>
+              </a:tr>
+            </a:tbl>
+          </a:graphicData>
+        </a:graphic>
+      </p:graphicFrame>
+      <p:grpSp>
+        <p:nvGrpSpPr>
+          <p:cNvPr id="69" name="Group 68">
+            <a:extLst>
+              <a:ext uri="{FF2B5EF4-FFF2-40B4-BE49-F238E27FC236}">
+                <a16:creationId xmlns:a16="http://schemas.microsoft.com/office/drawing/2014/main" id="{7817294A-0BAA-5046-9E10-E52A61B7185E}"/>
+              </a:ext>
+            </a:extLst>
+          </p:cNvPr>
+          <p:cNvGrpSpPr/>
+          <p:nvPr/>
+        </p:nvGrpSpPr>
+        <p:grpSpPr>
+          <a:xfrm>
+            <a:off x="1096963" y="2217684"/>
+            <a:ext cx="6518299" cy="1493684"/>
+            <a:chOff x="1096963" y="2217684"/>
+            <a:chExt cx="6518299" cy="1493684"/>
+          </a:xfrm>
+        </p:grpSpPr>
+        <p:sp>
+          <p:nvSpPr>
+            <p:cNvPr id="7" name="TextBox 6">
+              <a:hlinkClick r:id="rId3" action="ppaction://hlinkfile"/>
+              <a:extLst>
+                <a:ext uri="{FF2B5EF4-FFF2-40B4-BE49-F238E27FC236}">
+                  <a16:creationId xmlns:a16="http://schemas.microsoft.com/office/drawing/2014/main" id="{EC826077-081D-C844-B890-A0696C400C62}"/>
+                </a:ext>
+              </a:extLst>
+            </p:cNvPr>
+            <p:cNvSpPr txBox="1"/>
+            <p:nvPr/>
+          </p:nvSpPr>
+          <p:spPr>
+            <a:xfrm>
+              <a:off x="1096963" y="2219531"/>
+              <a:ext cx="3002426" cy="892552"/>
+            </a:xfrm>
+            <a:prstGeom prst="rect">
+              <a:avLst/>
+            </a:prstGeom>
+            <a:solidFill>
+              <a:schemeClr val="accent1">
+                <a:lumMod val="20000"/>
+                <a:lumOff val="80000"/>
+              </a:schemeClr>
+            </a:solidFill>
+            <a:ln>
+              <a:solidFill>
+                <a:schemeClr val="tx1"/>
+              </a:solidFill>
+            </a:ln>
+          </p:spPr>
+          <p:txBody>
+            <a:bodyPr wrap="square" rtlCol="0">
+              <a:spAutoFit/>
+            </a:bodyPr>
+            <a:lstStyle/>
+            <a:p>
+              <a:r>
+                <a:rPr lang="en-US" sz="1400" dirty="0">
+                  <a:solidFill>
+                    <a:srgbClr val="0070C0"/>
+                  </a:solidFill>
+                </a:rPr>
+                <a:t>CBP:  </a:t>
+              </a:r>
+              <a:r>
+                <a:rPr lang="en-US" sz="1400" dirty="0"/>
+                <a:t>Total EMP</a:t>
+              </a:r>
+            </a:p>
+            <a:p>
+              <a:endParaRPr lang="en-US" sz="1400" dirty="0"/>
+            </a:p>
+            <a:p>
+              <a:r>
+                <a:rPr lang="en-US" sz="1200" dirty="0"/>
+                <a:t>Query variables for API call:</a:t>
+              </a:r>
+            </a:p>
+            <a:p>
+              <a:r>
+                <a:rPr lang="en-US" sz="1200" dirty="0"/>
+                <a:t>GEO_TTL, EMP </a:t>
+              </a:r>
+            </a:p>
+          </p:txBody>
+        </p:sp>
+        <p:sp>
+          <p:nvSpPr>
+            <p:cNvPr id="10" name="TextBox 9">
+              <a:extLst>
+                <a:ext uri="{FF2B5EF4-FFF2-40B4-BE49-F238E27FC236}">
+                  <a16:creationId xmlns:a16="http://schemas.microsoft.com/office/drawing/2014/main" id="{57B9C8C5-5E0F-C341-B626-37C7CFFFF35D}"/>
+                </a:ext>
+              </a:extLst>
+            </p:cNvPr>
+            <p:cNvSpPr txBox="1"/>
+            <p:nvPr/>
+          </p:nvSpPr>
+          <p:spPr>
+            <a:xfrm>
+              <a:off x="4099389" y="2217684"/>
+              <a:ext cx="1510301" cy="1031051"/>
+            </a:xfrm>
+            <a:prstGeom prst="rect">
+              <a:avLst/>
+            </a:prstGeom>
+            <a:solidFill>
+              <a:schemeClr val="accent1">
+                <a:lumMod val="20000"/>
+                <a:lumOff val="80000"/>
+              </a:schemeClr>
+            </a:solidFill>
+            <a:ln>
+              <a:solidFill>
+                <a:schemeClr val="tx1"/>
+              </a:solidFill>
+            </a:ln>
+          </p:spPr>
+          <p:txBody>
+            <a:bodyPr wrap="square" rtlCol="0">
+              <a:spAutoFit/>
+            </a:bodyPr>
+            <a:lstStyle/>
+            <a:p>
+              <a:r>
+                <a:rPr lang="en-US" sz="1400" dirty="0">
+                  <a:solidFill>
+                    <a:srgbClr val="0070C0"/>
+                  </a:solidFill>
+                </a:rPr>
+                <a:t>CBP:  </a:t>
+              </a:r>
+              <a:r>
+                <a:rPr lang="en-US" sz="1400" dirty="0"/>
+                <a:t>Total EMP</a:t>
+              </a:r>
+            </a:p>
+            <a:p>
+              <a:endParaRPr lang="en-US" sz="1400" dirty="0"/>
+            </a:p>
+            <a:p>
+              <a:r>
+                <a:rPr lang="en-US" sz="1100" dirty="0"/>
+                <a:t>NAICS1997_TTL,</a:t>
+              </a:r>
+            </a:p>
+            <a:p>
+              <a:r>
+                <a:rPr lang="en-US" sz="1100" dirty="0"/>
+                <a:t>GEO_TTL,</a:t>
+              </a:r>
+            </a:p>
+            <a:p>
+              <a:r>
+                <a:rPr lang="en-US" sz="1100" dirty="0"/>
+                <a:t>EMP</a:t>
+              </a:r>
+            </a:p>
+          </p:txBody>
+        </p:sp>
+        <p:sp>
+          <p:nvSpPr>
+            <p:cNvPr id="11" name="TextBox 10">
+              <a:extLst>
+                <a:ext uri="{FF2B5EF4-FFF2-40B4-BE49-F238E27FC236}">
+                  <a16:creationId xmlns:a16="http://schemas.microsoft.com/office/drawing/2014/main" id="{C0723EDF-363A-D142-8872-B85BD48EEF93}"/>
+                </a:ext>
+              </a:extLst>
+            </p:cNvPr>
+            <p:cNvSpPr txBox="1"/>
+            <p:nvPr/>
+          </p:nvSpPr>
+          <p:spPr>
+            <a:xfrm>
+              <a:off x="5609690" y="2217684"/>
+              <a:ext cx="1018593" cy="1477328"/>
+            </a:xfrm>
+            <a:prstGeom prst="rect">
+              <a:avLst/>
+            </a:prstGeom>
+            <a:solidFill>
+              <a:schemeClr val="accent1">
+                <a:lumMod val="20000"/>
+                <a:lumOff val="80000"/>
+              </a:schemeClr>
+            </a:solidFill>
+            <a:ln>
+              <a:solidFill>
+                <a:schemeClr val="tx1"/>
+              </a:solidFill>
+            </a:ln>
+          </p:spPr>
+          <p:txBody>
+            <a:bodyPr wrap="square" rtlCol="0">
+              <a:spAutoFit/>
+            </a:bodyPr>
+            <a:lstStyle/>
+            <a:p>
+              <a:r>
+                <a:rPr lang="en-US" sz="1400" dirty="0">
+                  <a:solidFill>
+                    <a:srgbClr val="0070C0"/>
+                  </a:solidFill>
+                </a:rPr>
+                <a:t>CBP:  </a:t>
+              </a:r>
+              <a:r>
+                <a:rPr lang="en-US" sz="1400" dirty="0"/>
+                <a:t>Total EMP </a:t>
+              </a:r>
+            </a:p>
+            <a:p>
+              <a:endParaRPr lang="en-US" sz="1400" dirty="0"/>
+            </a:p>
+            <a:p>
+              <a:r>
+                <a:rPr lang="en-US" sz="1200" dirty="0"/>
+                <a:t>NAICS2002_TTL,</a:t>
+              </a:r>
+            </a:p>
+            <a:p>
+              <a:r>
+                <a:rPr lang="en-US" sz="1200" dirty="0"/>
+                <a:t>GEO_TTL,EMP</a:t>
+              </a:r>
+            </a:p>
+          </p:txBody>
+        </p:sp>
+        <p:sp>
+          <p:nvSpPr>
+            <p:cNvPr id="12" name="TextBox 11">
+              <a:extLst>
+                <a:ext uri="{FF2B5EF4-FFF2-40B4-BE49-F238E27FC236}">
+                  <a16:creationId xmlns:a16="http://schemas.microsoft.com/office/drawing/2014/main" id="{62C6B3B8-0644-7B42-94BD-4E0050AD3111}"/>
+                </a:ext>
+              </a:extLst>
+            </p:cNvPr>
+            <p:cNvSpPr txBox="1"/>
+            <p:nvPr/>
+          </p:nvSpPr>
+          <p:spPr>
+            <a:xfrm>
+              <a:off x="6642640" y="2234040"/>
+              <a:ext cx="972622" cy="1477328"/>
+            </a:xfrm>
+            <a:prstGeom prst="rect">
+              <a:avLst/>
+            </a:prstGeom>
+            <a:solidFill>
+              <a:schemeClr val="accent1">
+                <a:lumMod val="20000"/>
+                <a:lumOff val="80000"/>
+              </a:schemeClr>
+            </a:solidFill>
+            <a:ln>
+              <a:solidFill>
+                <a:schemeClr val="tx1"/>
+              </a:solidFill>
+            </a:ln>
+          </p:spPr>
+          <p:txBody>
+            <a:bodyPr wrap="square" rtlCol="0">
+              <a:spAutoFit/>
+            </a:bodyPr>
+            <a:lstStyle/>
+            <a:p>
+              <a:r>
+                <a:rPr lang="en-US" sz="1400" dirty="0">
+                  <a:solidFill>
+                    <a:srgbClr val="0070C0"/>
+                  </a:solidFill>
+                </a:rPr>
+                <a:t>CBP:  </a:t>
+              </a:r>
+              <a:r>
+                <a:rPr lang="en-US" sz="1400" dirty="0"/>
+                <a:t>Total EMP </a:t>
+              </a:r>
+            </a:p>
+            <a:p>
+              <a:endParaRPr lang="en-US" sz="1400" dirty="0"/>
+            </a:p>
+            <a:p>
+              <a:r>
+                <a:rPr lang="en-US" sz="1200" dirty="0"/>
+                <a:t>NAICS2007_TTL,</a:t>
+              </a:r>
+            </a:p>
+            <a:p>
+              <a:r>
+                <a:rPr lang="en-US" sz="1200" dirty="0"/>
+                <a:t>GEO_TTL,</a:t>
+              </a:r>
+            </a:p>
+            <a:p>
+              <a:r>
+                <a:rPr lang="en-US" sz="1200" dirty="0"/>
+                <a:t>EMP</a:t>
+              </a:r>
+            </a:p>
+          </p:txBody>
+        </p:sp>
+      </p:grpSp>
+      <p:grpSp>
+        <p:nvGrpSpPr>
+          <p:cNvPr id="68" name="Group 67">
+            <a:extLst>
+              <a:ext uri="{FF2B5EF4-FFF2-40B4-BE49-F238E27FC236}">
+                <a16:creationId xmlns:a16="http://schemas.microsoft.com/office/drawing/2014/main" id="{1FBA0FC6-4449-A848-9502-E6F26193B7C1}"/>
+              </a:ext>
+            </a:extLst>
+          </p:cNvPr>
+          <p:cNvGrpSpPr/>
+          <p:nvPr/>
+        </p:nvGrpSpPr>
+        <p:grpSpPr>
+          <a:xfrm>
+            <a:off x="7629617" y="2217684"/>
+            <a:ext cx="3525746" cy="1538883"/>
+            <a:chOff x="7629617" y="2217684"/>
+            <a:chExt cx="3525746" cy="1538883"/>
+          </a:xfrm>
+        </p:grpSpPr>
+        <p:sp>
+          <p:nvSpPr>
+            <p:cNvPr id="6" name="TextBox 5">
+              <a:hlinkClick r:id="rId4" action="ppaction://hlinkfile"/>
+              <a:extLst>
+                <a:ext uri="{FF2B5EF4-FFF2-40B4-BE49-F238E27FC236}">
+                  <a16:creationId xmlns:a16="http://schemas.microsoft.com/office/drawing/2014/main" id="{5760FBAA-131D-4443-B1A0-BAD67826A759}"/>
+                </a:ext>
+              </a:extLst>
+            </p:cNvPr>
+            <p:cNvSpPr txBox="1"/>
+            <p:nvPr/>
+          </p:nvSpPr>
+          <p:spPr>
+            <a:xfrm>
+              <a:off x="7629617" y="2234040"/>
+              <a:ext cx="2506894" cy="1323439"/>
+            </a:xfrm>
+            <a:prstGeom prst="rect">
+              <a:avLst/>
+            </a:prstGeom>
+            <a:solidFill>
+              <a:schemeClr val="accent1">
+                <a:lumMod val="20000"/>
+                <a:lumOff val="80000"/>
+              </a:schemeClr>
+            </a:solidFill>
+            <a:ln>
+              <a:solidFill>
+                <a:schemeClr val="tx1"/>
+              </a:solidFill>
+            </a:ln>
+          </p:spPr>
+          <p:txBody>
+            <a:bodyPr wrap="square" rtlCol="0">
+              <a:spAutoFit/>
+            </a:bodyPr>
+            <a:lstStyle/>
+            <a:p>
+              <a:r>
+                <a:rPr lang="en-US" sz="1400" b="1" dirty="0">
+                  <a:solidFill>
+                    <a:srgbClr val="0070C0"/>
+                  </a:solidFill>
+                </a:rPr>
+                <a:t>County Business Patterns(CBP):</a:t>
+              </a:r>
+            </a:p>
+            <a:p>
+              <a:r>
+                <a:rPr lang="en-US" sz="1400" dirty="0"/>
+                <a:t>Business Sectors EMP</a:t>
+              </a:r>
+            </a:p>
+            <a:p>
+              <a:endParaRPr lang="en-US" sz="1400" dirty="0"/>
+            </a:p>
+            <a:p>
+              <a:r>
+                <a:rPr lang="en-US" sz="1200" dirty="0"/>
+                <a:t>GEO_TTL, </a:t>
+              </a:r>
+            </a:p>
+            <a:p>
+              <a:r>
+                <a:rPr lang="en-US" sz="1200" dirty="0"/>
+                <a:t>EMP</a:t>
+              </a:r>
+            </a:p>
+          </p:txBody>
+        </p:sp>
+        <p:sp>
+          <p:nvSpPr>
+            <p:cNvPr id="13" name="TextBox 12">
+              <a:hlinkClick r:id="rId5" action="ppaction://hlinkfile"/>
+              <a:extLst>
+                <a:ext uri="{FF2B5EF4-FFF2-40B4-BE49-F238E27FC236}">
+                  <a16:creationId xmlns:a16="http://schemas.microsoft.com/office/drawing/2014/main" id="{82BA92C3-D2DC-4D41-881E-FBC486E9D5C0}"/>
+                </a:ext>
+              </a:extLst>
+            </p:cNvPr>
+            <p:cNvSpPr txBox="1"/>
+            <p:nvPr/>
+          </p:nvSpPr>
+          <p:spPr>
+            <a:xfrm>
+              <a:off x="10150867" y="2217684"/>
+              <a:ext cx="1004496" cy="1538883"/>
+            </a:xfrm>
+            <a:prstGeom prst="rect">
+              <a:avLst/>
+            </a:prstGeom>
+            <a:solidFill>
+              <a:schemeClr val="accent1">
+                <a:lumMod val="20000"/>
+                <a:lumOff val="80000"/>
+              </a:schemeClr>
+            </a:solidFill>
+            <a:ln>
+              <a:solidFill>
+                <a:schemeClr val="tx1"/>
+              </a:solidFill>
+            </a:ln>
+          </p:spPr>
+          <p:txBody>
+            <a:bodyPr wrap="square" rtlCol="0">
+              <a:spAutoFit/>
+            </a:bodyPr>
+            <a:lstStyle/>
+            <a:p>
+              <a:r>
+                <a:rPr lang="en-US" sz="1400" dirty="0">
+                  <a:solidFill>
+                    <a:srgbClr val="0070C0"/>
+                  </a:solidFill>
+                </a:rPr>
+                <a:t>CBP:  </a:t>
+              </a:r>
+              <a:r>
+                <a:rPr lang="en-US" sz="1400" dirty="0"/>
+                <a:t>Business Sectors EMP</a:t>
+              </a:r>
+            </a:p>
+            <a:p>
+              <a:endParaRPr lang="en-US" sz="1400" dirty="0"/>
+            </a:p>
+            <a:p>
+              <a:r>
+                <a:rPr lang="en-US" sz="1200" dirty="0"/>
+                <a:t>NAME,</a:t>
+              </a:r>
+            </a:p>
+            <a:p>
+              <a:r>
+                <a:rPr lang="en-US" sz="1200" dirty="0"/>
+                <a:t>EMP</a:t>
+              </a:r>
+            </a:p>
+          </p:txBody>
+        </p:sp>
+      </p:grpSp>
+      <p:sp>
+        <p:nvSpPr>
+          <p:cNvPr id="9" name="TextBox 8">
+            <a:hlinkClick r:id="rId6" action="ppaction://hlinkfile"/>
+            <a:extLst>
+              <a:ext uri="{FF2B5EF4-FFF2-40B4-BE49-F238E27FC236}">
+                <a16:creationId xmlns:a16="http://schemas.microsoft.com/office/drawing/2014/main" id="{9724BF09-033F-A94A-8965-B6788B85E067}"/>
+              </a:ext>
+            </a:extLst>
+          </p:cNvPr>
+          <p:cNvSpPr txBox="1"/>
+          <p:nvPr/>
         </p:nvSpPr>
         <p:spPr>
           <a:xfrm>
-            <a:off x="1097280" y="1874520"/>
-            <a:ext cx="7310120" cy="3849624"/>
+            <a:off x="1096963" y="5216336"/>
+            <a:ext cx="4019566" cy="492443"/>
           </a:xfrm>
+          <a:prstGeom prst="rect">
+            <a:avLst/>
+          </a:prstGeom>
+          <a:solidFill>
+            <a:schemeClr val="accent4">
+              <a:lumMod val="20000"/>
+              <a:lumOff val="80000"/>
+            </a:schemeClr>
+          </a:solidFill>
+          <a:ln>
+            <a:solidFill>
+              <a:schemeClr val="tx1"/>
+            </a:solidFill>
+          </a:ln>
         </p:spPr>
         <p:txBody>
-          <a:bodyPr/>
+          <a:bodyPr wrap="square" rtlCol="0">
+            <a:spAutoFit/>
+          </a:bodyPr>
           <a:lstStyle/>
           <a:p>
-            <a:pPr>
-              <a:buFont typeface="Arial" panose="020B0604020202020204" pitchFamily="34" charset="0"/>
-              <a:buChar char="•"/>
-            </a:pPr>
-            <a:endParaRPr lang="en-US" dirty="0"/>
+            <a:r>
+              <a:rPr lang="en-US" sz="1400" dirty="0">
+                <a:solidFill>
+                  <a:srgbClr val="0070C0"/>
+                </a:solidFill>
+              </a:rPr>
+              <a:t>Population:  </a:t>
+            </a:r>
+            <a:r>
+              <a:rPr lang="en-US" sz="1400" dirty="0"/>
+              <a:t>1980, 1990, 2000 census results</a:t>
+            </a:r>
+          </a:p>
+          <a:p>
+            <a:r>
+              <a:rPr lang="en-US" sz="1200" dirty="0"/>
+              <a:t>Source: NC census demographic data</a:t>
+            </a:r>
           </a:p>
         </p:txBody>
       </p:sp>
+      <p:sp>
+        <p:nvSpPr>
+          <p:cNvPr id="14" name="TextBox 13">
+            <a:hlinkClick r:id="rId7" action="ppaction://hlinkfile"/>
+            <a:extLst>
+              <a:ext uri="{FF2B5EF4-FFF2-40B4-BE49-F238E27FC236}">
+                <a16:creationId xmlns:a16="http://schemas.microsoft.com/office/drawing/2014/main" id="{BF149DC7-6DF9-F846-821A-B038EF749B6D}"/>
+              </a:ext>
+            </a:extLst>
+          </p:cNvPr>
+          <p:cNvSpPr txBox="1"/>
+          <p:nvPr/>
+        </p:nvSpPr>
+        <p:spPr>
+          <a:xfrm>
+            <a:off x="5126080" y="5210044"/>
+            <a:ext cx="2014524" cy="677108"/>
+          </a:xfrm>
+          <a:prstGeom prst="rect">
+            <a:avLst/>
+          </a:prstGeom>
+          <a:solidFill>
+            <a:schemeClr val="accent4">
+              <a:lumMod val="20000"/>
+              <a:lumOff val="80000"/>
+            </a:schemeClr>
+          </a:solidFill>
+          <a:ln>
+            <a:solidFill>
+              <a:schemeClr val="tx1"/>
+            </a:solidFill>
+          </a:ln>
+        </p:spPr>
+        <p:txBody>
+          <a:bodyPr wrap="square" rtlCol="0">
+            <a:spAutoFit/>
+          </a:bodyPr>
+          <a:lstStyle/>
+          <a:p>
+            <a:r>
+              <a:rPr lang="en-US" sz="1400" dirty="0">
+                <a:solidFill>
+                  <a:srgbClr val="0070C0"/>
+                </a:solidFill>
+              </a:rPr>
+              <a:t>Population: </a:t>
+            </a:r>
+            <a:r>
+              <a:rPr lang="en-US" sz="1400" dirty="0"/>
+              <a:t>2001~ 2009</a:t>
+            </a:r>
+          </a:p>
+          <a:p>
+            <a:r>
+              <a:rPr lang="en-US" sz="1200" dirty="0"/>
+              <a:t>Source: Population Estimate Program of </a:t>
+            </a:r>
+            <a:r>
+              <a:rPr lang="en-US" sz="1200" dirty="0" err="1"/>
+              <a:t>Census.gov</a:t>
+            </a:r>
+            <a:endParaRPr lang="en-US" sz="1200" dirty="0"/>
+          </a:p>
+        </p:txBody>
+      </p:sp>
+      <p:sp>
+        <p:nvSpPr>
+          <p:cNvPr id="15" name="TextBox 14">
+            <a:hlinkClick r:id="rId8" action="ppaction://hlinkfile"/>
+            <a:extLst>
+              <a:ext uri="{FF2B5EF4-FFF2-40B4-BE49-F238E27FC236}">
+                <a16:creationId xmlns:a16="http://schemas.microsoft.com/office/drawing/2014/main" id="{21B13838-80F3-634C-987F-4474F48895DE}"/>
+              </a:ext>
+            </a:extLst>
+          </p:cNvPr>
+          <p:cNvSpPr txBox="1"/>
+          <p:nvPr/>
+        </p:nvSpPr>
+        <p:spPr>
+          <a:xfrm>
+            <a:off x="7135863" y="5216335"/>
+            <a:ext cx="4019566" cy="492443"/>
+          </a:xfrm>
+          <a:prstGeom prst="rect">
+            <a:avLst/>
+          </a:prstGeom>
+          <a:solidFill>
+            <a:schemeClr val="accent4">
+              <a:lumMod val="20000"/>
+              <a:lumOff val="80000"/>
+            </a:schemeClr>
+          </a:solidFill>
+          <a:ln>
+            <a:solidFill>
+              <a:schemeClr val="tx1"/>
+            </a:solidFill>
+          </a:ln>
+        </p:spPr>
+        <p:txBody>
+          <a:bodyPr wrap="square" rtlCol="0">
+            <a:spAutoFit/>
+          </a:bodyPr>
+          <a:lstStyle/>
+          <a:p>
+            <a:r>
+              <a:rPr lang="en-US" sz="1400" dirty="0">
+                <a:solidFill>
+                  <a:srgbClr val="0070C0"/>
+                </a:solidFill>
+              </a:rPr>
+              <a:t>Population:  </a:t>
+            </a:r>
+            <a:r>
+              <a:rPr lang="en-US" sz="1400" dirty="0"/>
+              <a:t>Annual County Population</a:t>
+            </a:r>
+          </a:p>
+          <a:p>
+            <a:r>
+              <a:rPr lang="en-US" sz="1200" dirty="0"/>
+              <a:t>Source: NC OSBM demographic table</a:t>
+            </a:r>
+          </a:p>
+        </p:txBody>
+      </p:sp>
+      <p:grpSp>
+        <p:nvGrpSpPr>
+          <p:cNvPr id="71" name="Group 70">
+            <a:extLst>
+              <a:ext uri="{FF2B5EF4-FFF2-40B4-BE49-F238E27FC236}">
+                <a16:creationId xmlns:a16="http://schemas.microsoft.com/office/drawing/2014/main" id="{10B9E16B-3343-E242-A845-926FF104BA5C}"/>
+              </a:ext>
+            </a:extLst>
+          </p:cNvPr>
+          <p:cNvGrpSpPr/>
+          <p:nvPr/>
+        </p:nvGrpSpPr>
+        <p:grpSpPr>
+          <a:xfrm>
+            <a:off x="1111319" y="4008474"/>
+            <a:ext cx="6518299" cy="755020"/>
+            <a:chOff x="1111319" y="4008474"/>
+            <a:chExt cx="6518299" cy="755020"/>
+          </a:xfrm>
+        </p:grpSpPr>
+        <p:sp>
+          <p:nvSpPr>
+            <p:cNvPr id="21" name="TextBox 20">
+              <a:extLst>
+                <a:ext uri="{FF2B5EF4-FFF2-40B4-BE49-F238E27FC236}">
+                  <a16:creationId xmlns:a16="http://schemas.microsoft.com/office/drawing/2014/main" id="{2295C900-CF9B-C540-B308-47CDE79CA6B5}"/>
+                </a:ext>
+              </a:extLst>
+            </p:cNvPr>
+            <p:cNvSpPr txBox="1"/>
+            <p:nvPr/>
+          </p:nvSpPr>
+          <p:spPr>
+            <a:xfrm>
+              <a:off x="1111319" y="4010321"/>
+              <a:ext cx="3002426" cy="307777"/>
+            </a:xfrm>
+            <a:prstGeom prst="rect">
+              <a:avLst/>
+            </a:prstGeom>
+            <a:solidFill>
+              <a:schemeClr val="accent3">
+                <a:lumMod val="20000"/>
+                <a:lumOff val="80000"/>
+              </a:schemeClr>
+            </a:solidFill>
+            <a:ln>
+              <a:solidFill>
+                <a:schemeClr val="tx1"/>
+              </a:solidFill>
+            </a:ln>
+          </p:spPr>
+          <p:txBody>
+            <a:bodyPr wrap="square" rtlCol="0">
+              <a:spAutoFit/>
+            </a:bodyPr>
+            <a:lstStyle/>
+            <a:p>
+              <a:r>
+                <a:rPr lang="en-US" sz="1400" dirty="0">
+                  <a:solidFill>
+                    <a:srgbClr val="0070C0"/>
+                  </a:solidFill>
+                </a:rPr>
+                <a:t>CBP:  </a:t>
+              </a:r>
+              <a:r>
+                <a:rPr lang="en-US" sz="1400" dirty="0">
+                  <a:solidFill>
+                    <a:srgbClr val="002060"/>
+                  </a:solidFill>
+                </a:rPr>
+                <a:t>State-wide</a:t>
+              </a:r>
+              <a:r>
+                <a:rPr lang="en-US" sz="1400" dirty="0"/>
+                <a:t> EMP</a:t>
+              </a:r>
+            </a:p>
+          </p:txBody>
+        </p:sp>
+        <p:sp>
+          <p:nvSpPr>
+            <p:cNvPr id="22" name="TextBox 21">
+              <a:extLst>
+                <a:ext uri="{FF2B5EF4-FFF2-40B4-BE49-F238E27FC236}">
+                  <a16:creationId xmlns:a16="http://schemas.microsoft.com/office/drawing/2014/main" id="{BBC2517D-AF5D-7946-ABC5-10D25C936440}"/>
+                </a:ext>
+              </a:extLst>
+            </p:cNvPr>
+            <p:cNvSpPr txBox="1"/>
+            <p:nvPr/>
+          </p:nvSpPr>
+          <p:spPr>
+            <a:xfrm>
+              <a:off x="4113745" y="4008474"/>
+              <a:ext cx="1510301" cy="523220"/>
+            </a:xfrm>
+            <a:prstGeom prst="rect">
+              <a:avLst/>
+            </a:prstGeom>
+            <a:solidFill>
+              <a:schemeClr val="accent3">
+                <a:lumMod val="20000"/>
+                <a:lumOff val="80000"/>
+              </a:schemeClr>
+            </a:solidFill>
+            <a:ln>
+              <a:solidFill>
+                <a:schemeClr val="tx1"/>
+              </a:solidFill>
+            </a:ln>
+          </p:spPr>
+          <p:txBody>
+            <a:bodyPr wrap="square" rtlCol="0">
+              <a:spAutoFit/>
+            </a:bodyPr>
+            <a:lstStyle/>
+            <a:p>
+              <a:r>
+                <a:rPr lang="en-US" sz="1400" dirty="0">
+                  <a:solidFill>
+                    <a:srgbClr val="0070C0"/>
+                  </a:solidFill>
+                </a:rPr>
+                <a:t>CBP: </a:t>
+              </a:r>
+              <a:r>
+                <a:rPr lang="en-US" sz="1400" dirty="0">
+                  <a:solidFill>
+                    <a:srgbClr val="002060"/>
+                  </a:solidFill>
+                </a:rPr>
+                <a:t>State-wide</a:t>
+              </a:r>
+              <a:r>
+                <a:rPr lang="en-US" sz="1400" dirty="0"/>
+                <a:t> EMP</a:t>
+              </a:r>
+            </a:p>
+          </p:txBody>
+        </p:sp>
+        <p:sp>
+          <p:nvSpPr>
+            <p:cNvPr id="23" name="TextBox 22">
+              <a:extLst>
+                <a:ext uri="{FF2B5EF4-FFF2-40B4-BE49-F238E27FC236}">
+                  <a16:creationId xmlns:a16="http://schemas.microsoft.com/office/drawing/2014/main" id="{183CEBD4-AC20-0B4E-A442-48668D5E4998}"/>
+                </a:ext>
+              </a:extLst>
+            </p:cNvPr>
+            <p:cNvSpPr txBox="1"/>
+            <p:nvPr/>
+          </p:nvSpPr>
+          <p:spPr>
+            <a:xfrm>
+              <a:off x="5624046" y="4008474"/>
+              <a:ext cx="1018593" cy="523220"/>
+            </a:xfrm>
+            <a:prstGeom prst="rect">
+              <a:avLst/>
+            </a:prstGeom>
+            <a:solidFill>
+              <a:schemeClr val="accent3">
+                <a:lumMod val="20000"/>
+                <a:lumOff val="80000"/>
+              </a:schemeClr>
+            </a:solidFill>
+            <a:ln>
+              <a:solidFill>
+                <a:schemeClr val="tx1"/>
+              </a:solidFill>
+            </a:ln>
+          </p:spPr>
+          <p:txBody>
+            <a:bodyPr wrap="square" rtlCol="0">
+              <a:spAutoFit/>
+            </a:bodyPr>
+            <a:lstStyle/>
+            <a:p>
+              <a:r>
+                <a:rPr lang="en-US" sz="1400" dirty="0">
+                  <a:solidFill>
+                    <a:srgbClr val="0070C0"/>
+                  </a:solidFill>
+                </a:rPr>
+                <a:t>CBP: </a:t>
+              </a:r>
+              <a:r>
+                <a:rPr lang="en-US" sz="1400" dirty="0">
+                  <a:solidFill>
+                    <a:srgbClr val="002060"/>
+                  </a:solidFill>
+                </a:rPr>
+                <a:t>State-wid</a:t>
+              </a:r>
+              <a:r>
+                <a:rPr lang="en-US" sz="1400" dirty="0"/>
+                <a:t>e EMP </a:t>
+              </a:r>
+            </a:p>
+          </p:txBody>
+        </p:sp>
+        <p:sp>
+          <p:nvSpPr>
+            <p:cNvPr id="24" name="TextBox 23">
+              <a:extLst>
+                <a:ext uri="{FF2B5EF4-FFF2-40B4-BE49-F238E27FC236}">
+                  <a16:creationId xmlns:a16="http://schemas.microsoft.com/office/drawing/2014/main" id="{0DF39625-CCE1-6245-9B35-A5BBD635CF27}"/>
+                </a:ext>
+              </a:extLst>
+            </p:cNvPr>
+            <p:cNvSpPr txBox="1"/>
+            <p:nvPr/>
+          </p:nvSpPr>
+          <p:spPr>
+            <a:xfrm>
+              <a:off x="6656996" y="4024830"/>
+              <a:ext cx="972622" cy="738664"/>
+            </a:xfrm>
+            <a:prstGeom prst="rect">
+              <a:avLst/>
+            </a:prstGeom>
+            <a:solidFill>
+              <a:schemeClr val="accent3">
+                <a:lumMod val="20000"/>
+                <a:lumOff val="80000"/>
+              </a:schemeClr>
+            </a:solidFill>
+            <a:ln>
+              <a:solidFill>
+                <a:schemeClr val="tx1"/>
+              </a:solidFill>
+            </a:ln>
+          </p:spPr>
+          <p:txBody>
+            <a:bodyPr wrap="square" rtlCol="0">
+              <a:spAutoFit/>
+            </a:bodyPr>
+            <a:lstStyle/>
+            <a:p>
+              <a:r>
+                <a:rPr lang="en-US" sz="1400" dirty="0">
+                  <a:solidFill>
+                    <a:srgbClr val="0070C0"/>
+                  </a:solidFill>
+                </a:rPr>
+                <a:t>CBP: </a:t>
+              </a:r>
+              <a:r>
+                <a:rPr lang="en-US" sz="1400" dirty="0">
+                  <a:solidFill>
+                    <a:srgbClr val="002060"/>
+                  </a:solidFill>
+                </a:rPr>
+                <a:t>State-wide</a:t>
+              </a:r>
+              <a:r>
+                <a:rPr lang="en-US" sz="1400" dirty="0"/>
+                <a:t> EMP </a:t>
+              </a:r>
+            </a:p>
+          </p:txBody>
+        </p:sp>
+      </p:grpSp>
+      <p:grpSp>
+        <p:nvGrpSpPr>
+          <p:cNvPr id="70" name="Group 69">
+            <a:extLst>
+              <a:ext uri="{FF2B5EF4-FFF2-40B4-BE49-F238E27FC236}">
+                <a16:creationId xmlns:a16="http://schemas.microsoft.com/office/drawing/2014/main" id="{3673856A-7790-8F43-8738-4B277BFDC2B1}"/>
+              </a:ext>
+            </a:extLst>
+          </p:cNvPr>
+          <p:cNvGrpSpPr/>
+          <p:nvPr/>
+        </p:nvGrpSpPr>
+        <p:grpSpPr>
+          <a:xfrm>
+            <a:off x="7643973" y="4008474"/>
+            <a:ext cx="3525746" cy="1169551"/>
+            <a:chOff x="7643973" y="4008474"/>
+            <a:chExt cx="3525746" cy="1169551"/>
+          </a:xfrm>
+        </p:grpSpPr>
+        <p:sp>
+          <p:nvSpPr>
+            <p:cNvPr id="20" name="TextBox 19">
+              <a:extLst>
+                <a:ext uri="{FF2B5EF4-FFF2-40B4-BE49-F238E27FC236}">
+                  <a16:creationId xmlns:a16="http://schemas.microsoft.com/office/drawing/2014/main" id="{D21927EB-DED9-C944-881E-61D3BA3D34F9}"/>
+                </a:ext>
+              </a:extLst>
+            </p:cNvPr>
+            <p:cNvSpPr txBox="1"/>
+            <p:nvPr/>
+          </p:nvSpPr>
+          <p:spPr>
+            <a:xfrm>
+              <a:off x="7643973" y="4024830"/>
+              <a:ext cx="2506894" cy="738664"/>
+            </a:xfrm>
+            <a:prstGeom prst="rect">
+              <a:avLst/>
+            </a:prstGeom>
+            <a:solidFill>
+              <a:schemeClr val="accent3">
+                <a:lumMod val="20000"/>
+                <a:lumOff val="80000"/>
+              </a:schemeClr>
+            </a:solidFill>
+            <a:ln>
+              <a:solidFill>
+                <a:schemeClr val="tx1"/>
+              </a:solidFill>
+            </a:ln>
+          </p:spPr>
+          <p:txBody>
+            <a:bodyPr wrap="square" rtlCol="0">
+              <a:spAutoFit/>
+            </a:bodyPr>
+            <a:lstStyle/>
+            <a:p>
+              <a:r>
+                <a:rPr lang="en-US" sz="1400" dirty="0">
+                  <a:solidFill>
+                    <a:srgbClr val="0070C0"/>
+                  </a:solidFill>
+                </a:rPr>
+                <a:t>CBP:</a:t>
+              </a:r>
+            </a:p>
+            <a:p>
+              <a:r>
+                <a:rPr lang="en-US" sz="1400" dirty="0">
+                  <a:solidFill>
+                    <a:srgbClr val="002060"/>
+                  </a:solidFill>
+                </a:rPr>
+                <a:t>State-wide</a:t>
+              </a:r>
+              <a:r>
+                <a:rPr lang="en-US" sz="1400" dirty="0"/>
+                <a:t> Business Sectors EMP</a:t>
+              </a:r>
+            </a:p>
+          </p:txBody>
+        </p:sp>
+        <p:sp>
+          <p:nvSpPr>
+            <p:cNvPr id="25" name="TextBox 24">
+              <a:extLst>
+                <a:ext uri="{FF2B5EF4-FFF2-40B4-BE49-F238E27FC236}">
+                  <a16:creationId xmlns:a16="http://schemas.microsoft.com/office/drawing/2014/main" id="{7CD337BE-082E-E744-B863-8E302FE412CB}"/>
+                </a:ext>
+              </a:extLst>
+            </p:cNvPr>
+            <p:cNvSpPr txBox="1"/>
+            <p:nvPr/>
+          </p:nvSpPr>
+          <p:spPr>
+            <a:xfrm>
+              <a:off x="10165223" y="4008474"/>
+              <a:ext cx="1004496" cy="1169551"/>
+            </a:xfrm>
+            <a:prstGeom prst="rect">
+              <a:avLst/>
+            </a:prstGeom>
+            <a:solidFill>
+              <a:schemeClr val="accent3">
+                <a:lumMod val="20000"/>
+                <a:lumOff val="80000"/>
+              </a:schemeClr>
+            </a:solidFill>
+            <a:ln>
+              <a:solidFill>
+                <a:schemeClr val="tx1"/>
+              </a:solidFill>
+            </a:ln>
+          </p:spPr>
+          <p:txBody>
+            <a:bodyPr wrap="square" rtlCol="0">
+              <a:spAutoFit/>
+            </a:bodyPr>
+            <a:lstStyle/>
+            <a:p>
+              <a:r>
+                <a:rPr lang="en-US" sz="1400" dirty="0">
+                  <a:solidFill>
+                    <a:srgbClr val="0070C0"/>
+                  </a:solidFill>
+                </a:rPr>
+                <a:t>CBP: </a:t>
+              </a:r>
+              <a:r>
+                <a:rPr lang="en-US" sz="1400" dirty="0">
+                  <a:solidFill>
+                    <a:srgbClr val="002060"/>
+                  </a:solidFill>
+                </a:rPr>
+                <a:t>State-wide </a:t>
+              </a:r>
+              <a:r>
+                <a:rPr lang="en-US" sz="1400" dirty="0"/>
+                <a:t>Business Sectors EMP</a:t>
+              </a:r>
+            </a:p>
+          </p:txBody>
+        </p:sp>
+      </p:grpSp>
+      <p:grpSp>
+        <p:nvGrpSpPr>
+          <p:cNvPr id="73" name="Group 72">
+            <a:extLst>
+              <a:ext uri="{FF2B5EF4-FFF2-40B4-BE49-F238E27FC236}">
+                <a16:creationId xmlns:a16="http://schemas.microsoft.com/office/drawing/2014/main" id="{E9B14178-C14D-E648-B964-20E0079C38BE}"/>
+              </a:ext>
+            </a:extLst>
+          </p:cNvPr>
+          <p:cNvGrpSpPr/>
+          <p:nvPr/>
+        </p:nvGrpSpPr>
+        <p:grpSpPr>
+          <a:xfrm>
+            <a:off x="976743" y="998127"/>
+            <a:ext cx="2150194" cy="1667680"/>
+            <a:chOff x="976743" y="998127"/>
+            <a:chExt cx="2150194" cy="1667680"/>
+          </a:xfrm>
+        </p:grpSpPr>
+        <p:sp>
+          <p:nvSpPr>
+            <p:cNvPr id="26" name="TextBox 25">
+              <a:extLst>
+                <a:ext uri="{FF2B5EF4-FFF2-40B4-BE49-F238E27FC236}">
+                  <a16:creationId xmlns:a16="http://schemas.microsoft.com/office/drawing/2014/main" id="{B4EECB82-BF02-4D45-9940-95AE197ABDA2}"/>
+                </a:ext>
+              </a:extLst>
+            </p:cNvPr>
+            <p:cNvSpPr txBox="1"/>
+            <p:nvPr/>
+          </p:nvSpPr>
+          <p:spPr>
+            <a:xfrm>
+              <a:off x="976743" y="998127"/>
+              <a:ext cx="2150194" cy="646331"/>
+            </a:xfrm>
+            <a:prstGeom prst="rect">
+              <a:avLst/>
+            </a:prstGeom>
+            <a:solidFill>
+              <a:srgbClr val="0070C0"/>
+            </a:solidFill>
+          </p:spPr>
+          <p:txBody>
+            <a:bodyPr wrap="square" rtlCol="0">
+              <a:spAutoFit/>
+            </a:bodyPr>
+            <a:lstStyle/>
+            <a:p>
+              <a:r>
+                <a:rPr lang="en-US" dirty="0">
+                  <a:solidFill>
+                    <a:schemeClr val="bg1"/>
+                  </a:solidFill>
+                </a:rPr>
+                <a:t>MongoDB: </a:t>
+              </a:r>
+              <a:r>
+                <a:rPr lang="en-US" dirty="0" err="1">
+                  <a:solidFill>
+                    <a:schemeClr val="bg1"/>
+                  </a:solidFill>
+                </a:rPr>
+                <a:t>censusdb</a:t>
+              </a:r>
+              <a:endParaRPr lang="en-US" dirty="0">
+                <a:solidFill>
+                  <a:schemeClr val="bg1"/>
+                </a:solidFill>
+              </a:endParaRPr>
+            </a:p>
+            <a:p>
+              <a:r>
+                <a:rPr lang="en-US" dirty="0">
+                  <a:solidFill>
+                    <a:schemeClr val="bg1"/>
+                  </a:solidFill>
+                </a:rPr>
+                <a:t>Collection: census</a:t>
+              </a:r>
+            </a:p>
+          </p:txBody>
+        </p:sp>
+        <p:cxnSp>
+          <p:nvCxnSpPr>
+            <p:cNvPr id="28" name="Elbow Connector 27">
+              <a:extLst>
+                <a:ext uri="{FF2B5EF4-FFF2-40B4-BE49-F238E27FC236}">
+                  <a16:creationId xmlns:a16="http://schemas.microsoft.com/office/drawing/2014/main" id="{CCDA4A71-E39F-1643-93F7-A85D9A83D066}"/>
+                </a:ext>
+              </a:extLst>
+            </p:cNvPr>
+            <p:cNvCxnSpPr>
+              <a:cxnSpLocks/>
+              <a:stCxn id="7" idx="1"/>
+              <a:endCxn id="26" idx="1"/>
+            </p:cNvCxnSpPr>
+            <p:nvPr/>
+          </p:nvCxnSpPr>
+          <p:spPr>
+            <a:xfrm rot="10800000">
+              <a:off x="976743" y="1321293"/>
+              <a:ext cx="120220" cy="1344514"/>
+            </a:xfrm>
+            <a:prstGeom prst="bentConnector3">
+              <a:avLst>
+                <a:gd name="adj1" fmla="val 290151"/>
+              </a:avLst>
+            </a:prstGeom>
+            <a:solidFill>
+              <a:srgbClr val="0070C0"/>
+            </a:solidFill>
+            <a:ln w="38100">
+              <a:solidFill>
+                <a:srgbClr val="0070C0"/>
+              </a:solidFill>
+              <a:tailEnd type="triangle"/>
+            </a:ln>
+          </p:spPr>
+          <p:style>
+            <a:lnRef idx="1">
+              <a:schemeClr val="dk1"/>
+            </a:lnRef>
+            <a:fillRef idx="0">
+              <a:schemeClr val="dk1"/>
+            </a:fillRef>
+            <a:effectRef idx="0">
+              <a:schemeClr val="dk1"/>
+            </a:effectRef>
+            <a:fontRef idx="minor">
+              <a:schemeClr val="tx1"/>
+            </a:fontRef>
+          </p:style>
+        </p:cxnSp>
+      </p:grpSp>
+      <p:grpSp>
+        <p:nvGrpSpPr>
+          <p:cNvPr id="74" name="Group 73">
+            <a:extLst>
+              <a:ext uri="{FF2B5EF4-FFF2-40B4-BE49-F238E27FC236}">
+                <a16:creationId xmlns:a16="http://schemas.microsoft.com/office/drawing/2014/main" id="{0B07E6DF-22CA-3342-98C9-AAD8072FB48A}"/>
+              </a:ext>
+            </a:extLst>
+          </p:cNvPr>
+          <p:cNvGrpSpPr/>
+          <p:nvPr/>
+        </p:nvGrpSpPr>
+        <p:grpSpPr>
+          <a:xfrm>
+            <a:off x="976743" y="3230616"/>
+            <a:ext cx="2185692" cy="933594"/>
+            <a:chOff x="976743" y="3230616"/>
+            <a:chExt cx="2185692" cy="933594"/>
+          </a:xfrm>
+        </p:grpSpPr>
+        <p:sp>
+          <p:nvSpPr>
+            <p:cNvPr id="34" name="TextBox 33">
+              <a:extLst>
+                <a:ext uri="{FF2B5EF4-FFF2-40B4-BE49-F238E27FC236}">
+                  <a16:creationId xmlns:a16="http://schemas.microsoft.com/office/drawing/2014/main" id="{B38304E8-A5F1-BE45-B9CD-B5FB2E884820}"/>
+                </a:ext>
+              </a:extLst>
+            </p:cNvPr>
+            <p:cNvSpPr txBox="1"/>
+            <p:nvPr/>
+          </p:nvSpPr>
+          <p:spPr>
+            <a:xfrm>
+              <a:off x="976743" y="3230616"/>
+              <a:ext cx="2185692" cy="646331"/>
+            </a:xfrm>
+            <a:prstGeom prst="rect">
+              <a:avLst/>
+            </a:prstGeom>
+            <a:solidFill>
+              <a:srgbClr val="0070C0"/>
+            </a:solidFill>
+          </p:spPr>
+          <p:txBody>
+            <a:bodyPr wrap="square" rtlCol="0">
+              <a:spAutoFit/>
+            </a:bodyPr>
+            <a:lstStyle/>
+            <a:p>
+              <a:r>
+                <a:rPr lang="en-US" dirty="0">
+                  <a:solidFill>
+                    <a:schemeClr val="bg1"/>
+                  </a:solidFill>
+                </a:rPr>
+                <a:t>MongoDB: </a:t>
+              </a:r>
+              <a:r>
+                <a:rPr lang="en-US" dirty="0" err="1">
+                  <a:solidFill>
+                    <a:schemeClr val="bg1"/>
+                  </a:solidFill>
+                </a:rPr>
+                <a:t>censusdb</a:t>
+              </a:r>
+              <a:endParaRPr lang="en-US" dirty="0">
+                <a:solidFill>
+                  <a:schemeClr val="bg1"/>
+                </a:solidFill>
+              </a:endParaRPr>
+            </a:p>
+            <a:p>
+              <a:r>
+                <a:rPr lang="en-US" dirty="0">
+                  <a:solidFill>
+                    <a:schemeClr val="bg1"/>
+                  </a:solidFill>
+                </a:rPr>
+                <a:t>Collection: </a:t>
+              </a:r>
+              <a:r>
+                <a:rPr lang="en-US" dirty="0" err="1">
+                  <a:solidFill>
+                    <a:schemeClr val="bg1"/>
+                  </a:solidFill>
+                </a:rPr>
+                <a:t>nccensus</a:t>
+              </a:r>
+              <a:endParaRPr lang="en-US" dirty="0">
+                <a:solidFill>
+                  <a:schemeClr val="bg1"/>
+                </a:solidFill>
+              </a:endParaRPr>
+            </a:p>
+          </p:txBody>
+        </p:sp>
+        <p:cxnSp>
+          <p:nvCxnSpPr>
+            <p:cNvPr id="35" name="Elbow Connector 34">
+              <a:extLst>
+                <a:ext uri="{FF2B5EF4-FFF2-40B4-BE49-F238E27FC236}">
+                  <a16:creationId xmlns:a16="http://schemas.microsoft.com/office/drawing/2014/main" id="{EF6457C4-92E8-1241-8CEF-8D4A628196E1}"/>
+                </a:ext>
+              </a:extLst>
+            </p:cNvPr>
+            <p:cNvCxnSpPr>
+              <a:cxnSpLocks/>
+              <a:stCxn id="21" idx="1"/>
+              <a:endCxn id="34" idx="1"/>
+            </p:cNvCxnSpPr>
+            <p:nvPr/>
+          </p:nvCxnSpPr>
+          <p:spPr>
+            <a:xfrm rot="10800000">
+              <a:off x="976743" y="3553782"/>
+              <a:ext cx="134576" cy="610428"/>
+            </a:xfrm>
+            <a:prstGeom prst="bentConnector3">
+              <a:avLst>
+                <a:gd name="adj1" fmla="val 269867"/>
+              </a:avLst>
+            </a:prstGeom>
+            <a:ln w="38100">
+              <a:solidFill>
+                <a:srgbClr val="0070C0"/>
+              </a:solidFill>
+              <a:tailEnd type="triangle"/>
+            </a:ln>
+          </p:spPr>
+          <p:style>
+            <a:lnRef idx="1">
+              <a:schemeClr val="dk1"/>
+            </a:lnRef>
+            <a:fillRef idx="0">
+              <a:schemeClr val="dk1"/>
+            </a:fillRef>
+            <a:effectRef idx="0">
+              <a:schemeClr val="dk1"/>
+            </a:effectRef>
+            <a:fontRef idx="minor">
+              <a:schemeClr val="tx1"/>
+            </a:fontRef>
+          </p:style>
+        </p:cxnSp>
+      </p:grpSp>
+      <p:grpSp>
+        <p:nvGrpSpPr>
+          <p:cNvPr id="75" name="Group 74">
+            <a:extLst>
+              <a:ext uri="{FF2B5EF4-FFF2-40B4-BE49-F238E27FC236}">
+                <a16:creationId xmlns:a16="http://schemas.microsoft.com/office/drawing/2014/main" id="{081DD07E-309F-1040-919D-B5ADC32C95C6}"/>
+              </a:ext>
+            </a:extLst>
+          </p:cNvPr>
+          <p:cNvGrpSpPr/>
+          <p:nvPr/>
+        </p:nvGrpSpPr>
+        <p:grpSpPr>
+          <a:xfrm>
+            <a:off x="976743" y="4640078"/>
+            <a:ext cx="1357203" cy="836945"/>
+            <a:chOff x="976743" y="4640078"/>
+            <a:chExt cx="1357203" cy="836945"/>
+          </a:xfrm>
+        </p:grpSpPr>
+        <p:sp>
+          <p:nvSpPr>
+            <p:cNvPr id="57" name="TextBox 56">
+              <a:extLst>
+                <a:ext uri="{FF2B5EF4-FFF2-40B4-BE49-F238E27FC236}">
+                  <a16:creationId xmlns:a16="http://schemas.microsoft.com/office/drawing/2014/main" id="{E4649373-FDAD-B341-9F8C-BA9C525A217C}"/>
+                </a:ext>
+              </a:extLst>
+            </p:cNvPr>
+            <p:cNvSpPr txBox="1"/>
+            <p:nvPr/>
+          </p:nvSpPr>
+          <p:spPr>
+            <a:xfrm>
+              <a:off x="976743" y="4640078"/>
+              <a:ext cx="1357203" cy="369332"/>
+            </a:xfrm>
+            <a:prstGeom prst="rect">
+              <a:avLst/>
+            </a:prstGeom>
+            <a:solidFill>
+              <a:srgbClr val="0070C0"/>
+            </a:solidFill>
+          </p:spPr>
+          <p:txBody>
+            <a:bodyPr wrap="square" rtlCol="0">
+              <a:spAutoFit/>
+            </a:bodyPr>
+            <a:lstStyle/>
+            <a:p>
+              <a:r>
+                <a:rPr lang="en-US" dirty="0">
+                  <a:solidFill>
+                    <a:schemeClr val="bg1"/>
+                  </a:solidFill>
+                </a:rPr>
+                <a:t>CSV file</a:t>
+              </a:r>
+            </a:p>
+          </p:txBody>
+        </p:sp>
+        <p:cxnSp>
+          <p:nvCxnSpPr>
+            <p:cNvPr id="58" name="Elbow Connector 57">
+              <a:extLst>
+                <a:ext uri="{FF2B5EF4-FFF2-40B4-BE49-F238E27FC236}">
+                  <a16:creationId xmlns:a16="http://schemas.microsoft.com/office/drawing/2014/main" id="{15B54440-5E16-0144-BE06-43F460EA9CD2}"/>
+                </a:ext>
+              </a:extLst>
+            </p:cNvPr>
+            <p:cNvCxnSpPr>
+              <a:cxnSpLocks/>
+            </p:cNvCxnSpPr>
+            <p:nvPr/>
+          </p:nvCxnSpPr>
+          <p:spPr>
+            <a:xfrm rot="10800000">
+              <a:off x="988296" y="4824744"/>
+              <a:ext cx="134576" cy="652279"/>
+            </a:xfrm>
+            <a:prstGeom prst="bentConnector3">
+              <a:avLst>
+                <a:gd name="adj1" fmla="val 269867"/>
+              </a:avLst>
+            </a:prstGeom>
+            <a:ln w="38100">
+              <a:solidFill>
+                <a:srgbClr val="0070C0"/>
+              </a:solidFill>
+              <a:tailEnd type="triangle"/>
+            </a:ln>
+          </p:spPr>
+          <p:style>
+            <a:lnRef idx="1">
+              <a:schemeClr val="dk1"/>
+            </a:lnRef>
+            <a:fillRef idx="0">
+              <a:schemeClr val="dk1"/>
+            </a:fillRef>
+            <a:effectRef idx="0">
+              <a:schemeClr val="dk1"/>
+            </a:effectRef>
+            <a:fontRef idx="minor">
+              <a:schemeClr val="tx1"/>
+            </a:fontRef>
+          </p:style>
+        </p:cxnSp>
+      </p:grpSp>
+      <p:grpSp>
+        <p:nvGrpSpPr>
+          <p:cNvPr id="67" name="Group 66">
+            <a:extLst>
+              <a:ext uri="{FF2B5EF4-FFF2-40B4-BE49-F238E27FC236}">
+                <a16:creationId xmlns:a16="http://schemas.microsoft.com/office/drawing/2014/main" id="{CEE44961-8692-9A46-89DB-B255871C3CE2}"/>
+              </a:ext>
+            </a:extLst>
+          </p:cNvPr>
+          <p:cNvGrpSpPr/>
+          <p:nvPr/>
+        </p:nvGrpSpPr>
+        <p:grpSpPr>
+          <a:xfrm>
+            <a:off x="3282002" y="3230616"/>
+            <a:ext cx="3501346" cy="2947432"/>
+            <a:chOff x="8290189" y="711647"/>
+            <a:chExt cx="3501346" cy="2947432"/>
+          </a:xfrm>
+        </p:grpSpPr>
+        <p:sp>
+          <p:nvSpPr>
+            <p:cNvPr id="64" name="TextBox 63">
+              <a:extLst>
+                <a:ext uri="{FF2B5EF4-FFF2-40B4-BE49-F238E27FC236}">
+                  <a16:creationId xmlns:a16="http://schemas.microsoft.com/office/drawing/2014/main" id="{E611A5C2-01B7-6B49-966F-AE3BAA6711D1}"/>
+                </a:ext>
+              </a:extLst>
+            </p:cNvPr>
+            <p:cNvSpPr txBox="1"/>
+            <p:nvPr/>
+          </p:nvSpPr>
+          <p:spPr>
+            <a:xfrm>
+              <a:off x="8290189" y="711647"/>
+              <a:ext cx="3483995" cy="369332"/>
+            </a:xfrm>
+            <a:prstGeom prst="rect">
+              <a:avLst/>
+            </a:prstGeom>
+            <a:solidFill>
+              <a:srgbClr val="0070C0"/>
+            </a:solidFill>
+          </p:spPr>
+          <p:txBody>
+            <a:bodyPr wrap="square" rtlCol="0">
+              <a:spAutoFit/>
+            </a:bodyPr>
+            <a:lstStyle/>
+            <a:p>
+              <a:r>
+                <a:rPr lang="en-US" dirty="0">
+                  <a:solidFill>
+                    <a:schemeClr val="bg1"/>
+                  </a:solidFill>
+                </a:rPr>
+                <a:t>County Codes(Number) – json file</a:t>
+              </a:r>
+            </a:p>
+          </p:txBody>
+        </p:sp>
+        <p:pic>
+          <p:nvPicPr>
+            <p:cNvPr id="66" name="Picture 65" descr="Table&#10;&#10;Description automatically generated">
+              <a:extLst>
+                <a:ext uri="{FF2B5EF4-FFF2-40B4-BE49-F238E27FC236}">
+                  <a16:creationId xmlns:a16="http://schemas.microsoft.com/office/drawing/2014/main" id="{A8543571-C6C1-E840-A861-72703B0172A8}"/>
+                </a:ext>
+              </a:extLst>
+            </p:cNvPr>
+            <p:cNvPicPr>
+              <a:picLocks noChangeAspect="1"/>
+            </p:cNvPicPr>
+            <p:nvPr/>
+          </p:nvPicPr>
+          <p:blipFill>
+            <a:blip r:embed="rId9"/>
+            <a:stretch>
+              <a:fillRect/>
+            </a:stretch>
+          </p:blipFill>
+          <p:spPr>
+            <a:xfrm>
+              <a:off x="8300146" y="1080979"/>
+              <a:ext cx="3491389" cy="2578100"/>
+            </a:xfrm>
+            <a:prstGeom prst="rect">
+              <a:avLst/>
+            </a:prstGeom>
+          </p:spPr>
+        </p:pic>
+      </p:grpSp>
     </p:spTree>
     <p:extLst>
       <p:ext uri="{BB962C8B-B14F-4D97-AF65-F5344CB8AC3E}">
@@ -4609,6 +8328,773 @@
   <p:clrMapOvr>
     <a:masterClrMapping/>
   </p:clrMapOvr>
+  <p:timing>
+    <p:tnLst>
+      <p:par>
+        <p:cTn id="1" dur="indefinite" restart="never" nodeType="tmRoot">
+          <p:childTnLst>
+            <p:seq concurrent="1" nextAc="seek">
+              <p:cTn id="2" dur="indefinite" nodeType="mainSeq">
+                <p:childTnLst>
+                  <p:par>
+                    <p:cTn id="3" fill="hold">
+                      <p:stCondLst>
+                        <p:cond delay="indefinite"/>
+                      </p:stCondLst>
+                      <p:childTnLst>
+                        <p:par>
+                          <p:cTn id="4" fill="hold">
+                            <p:stCondLst>
+                              <p:cond delay="0"/>
+                            </p:stCondLst>
+                            <p:childTnLst>
+                              <p:par>
+                                <p:cTn id="5" presetID="1" presetClass="entr" presetSubtype="0" fill="hold" nodeType="clickEffect">
+                                  <p:stCondLst>
+                                    <p:cond delay="0"/>
+                                  </p:stCondLst>
+                                  <p:childTnLst>
+                                    <p:set>
+                                      <p:cBhvr>
+                                        <p:cTn id="6" dur="1" fill="hold">
+                                          <p:stCondLst>
+                                            <p:cond delay="0"/>
+                                          </p:stCondLst>
+                                        </p:cTn>
+                                        <p:tgtEl>
+                                          <p:spTgt spid="4"/>
+                                        </p:tgtEl>
+                                        <p:attrNameLst>
+                                          <p:attrName>style.visibility</p:attrName>
+                                        </p:attrNameLst>
+                                      </p:cBhvr>
+                                      <p:to>
+                                        <p:strVal val="visible"/>
+                                      </p:to>
+                                    </p:set>
+                                  </p:childTnLst>
+                                </p:cTn>
+                              </p:par>
+                            </p:childTnLst>
+                          </p:cTn>
+                        </p:par>
+                      </p:childTnLst>
+                    </p:cTn>
+                  </p:par>
+                  <p:par>
+                    <p:cTn id="7" fill="hold">
+                      <p:stCondLst>
+                        <p:cond delay="indefinite"/>
+                      </p:stCondLst>
+                      <p:childTnLst>
+                        <p:par>
+                          <p:cTn id="8" fill="hold">
+                            <p:stCondLst>
+                              <p:cond delay="0"/>
+                            </p:stCondLst>
+                            <p:childTnLst>
+                              <p:par>
+                                <p:cTn id="9" presetID="1" presetClass="entr" presetSubtype="0" fill="hold" nodeType="clickEffect">
+                                  <p:stCondLst>
+                                    <p:cond delay="0"/>
+                                  </p:stCondLst>
+                                  <p:childTnLst>
+                                    <p:set>
+                                      <p:cBhvr>
+                                        <p:cTn id="10" dur="1" fill="hold">
+                                          <p:stCondLst>
+                                            <p:cond delay="0"/>
+                                          </p:stCondLst>
+                                        </p:cTn>
+                                        <p:tgtEl>
+                                          <p:spTgt spid="68"/>
+                                        </p:tgtEl>
+                                        <p:attrNameLst>
+                                          <p:attrName>style.visibility</p:attrName>
+                                        </p:attrNameLst>
+                                      </p:cBhvr>
+                                      <p:to>
+                                        <p:strVal val="visible"/>
+                                      </p:to>
+                                    </p:set>
+                                  </p:childTnLst>
+                                </p:cTn>
+                              </p:par>
+                            </p:childTnLst>
+                          </p:cTn>
+                        </p:par>
+                      </p:childTnLst>
+                    </p:cTn>
+                  </p:par>
+                  <p:par>
+                    <p:cTn id="11" fill="hold">
+                      <p:stCondLst>
+                        <p:cond delay="indefinite"/>
+                      </p:stCondLst>
+                      <p:childTnLst>
+                        <p:par>
+                          <p:cTn id="12" fill="hold">
+                            <p:stCondLst>
+                              <p:cond delay="0"/>
+                            </p:stCondLst>
+                            <p:childTnLst>
+                              <p:par>
+                                <p:cTn id="13" presetID="1" presetClass="entr" presetSubtype="0" fill="hold" nodeType="clickEffect">
+                                  <p:stCondLst>
+                                    <p:cond delay="0"/>
+                                  </p:stCondLst>
+                                  <p:childTnLst>
+                                    <p:set>
+                                      <p:cBhvr>
+                                        <p:cTn id="14" dur="1" fill="hold">
+                                          <p:stCondLst>
+                                            <p:cond delay="0"/>
+                                          </p:stCondLst>
+                                        </p:cTn>
+                                        <p:tgtEl>
+                                          <p:spTgt spid="70"/>
+                                        </p:tgtEl>
+                                        <p:attrNameLst>
+                                          <p:attrName>style.visibility</p:attrName>
+                                        </p:attrNameLst>
+                                      </p:cBhvr>
+                                      <p:to>
+                                        <p:strVal val="visible"/>
+                                      </p:to>
+                                    </p:set>
+                                  </p:childTnLst>
+                                </p:cTn>
+                              </p:par>
+                            </p:childTnLst>
+                          </p:cTn>
+                        </p:par>
+                      </p:childTnLst>
+                    </p:cTn>
+                  </p:par>
+                  <p:par>
+                    <p:cTn id="15" fill="hold">
+                      <p:stCondLst>
+                        <p:cond delay="indefinite"/>
+                      </p:stCondLst>
+                      <p:childTnLst>
+                        <p:par>
+                          <p:cTn id="16" fill="hold">
+                            <p:stCondLst>
+                              <p:cond delay="0"/>
+                            </p:stCondLst>
+                            <p:childTnLst>
+                              <p:par>
+                                <p:cTn id="17" presetID="1" presetClass="entr" presetSubtype="0" fill="hold" nodeType="clickEffect">
+                                  <p:stCondLst>
+                                    <p:cond delay="0"/>
+                                  </p:stCondLst>
+                                  <p:childTnLst>
+                                    <p:set>
+                                      <p:cBhvr>
+                                        <p:cTn id="18" dur="1" fill="hold">
+                                          <p:stCondLst>
+                                            <p:cond delay="0"/>
+                                          </p:stCondLst>
+                                        </p:cTn>
+                                        <p:tgtEl>
+                                          <p:spTgt spid="69"/>
+                                        </p:tgtEl>
+                                        <p:attrNameLst>
+                                          <p:attrName>style.visibility</p:attrName>
+                                        </p:attrNameLst>
+                                      </p:cBhvr>
+                                      <p:to>
+                                        <p:strVal val="visible"/>
+                                      </p:to>
+                                    </p:set>
+                                  </p:childTnLst>
+                                </p:cTn>
+                              </p:par>
+                            </p:childTnLst>
+                          </p:cTn>
+                        </p:par>
+                      </p:childTnLst>
+                    </p:cTn>
+                  </p:par>
+                  <p:par>
+                    <p:cTn id="19" fill="hold">
+                      <p:stCondLst>
+                        <p:cond delay="indefinite"/>
+                      </p:stCondLst>
+                      <p:childTnLst>
+                        <p:par>
+                          <p:cTn id="20" fill="hold">
+                            <p:stCondLst>
+                              <p:cond delay="0"/>
+                            </p:stCondLst>
+                            <p:childTnLst>
+                              <p:par>
+                                <p:cTn id="21" presetID="1" presetClass="entr" presetSubtype="0" fill="hold" nodeType="clickEffect">
+                                  <p:stCondLst>
+                                    <p:cond delay="0"/>
+                                  </p:stCondLst>
+                                  <p:childTnLst>
+                                    <p:set>
+                                      <p:cBhvr>
+                                        <p:cTn id="22" dur="1" fill="hold">
+                                          <p:stCondLst>
+                                            <p:cond delay="0"/>
+                                          </p:stCondLst>
+                                        </p:cTn>
+                                        <p:tgtEl>
+                                          <p:spTgt spid="71"/>
+                                        </p:tgtEl>
+                                        <p:attrNameLst>
+                                          <p:attrName>style.visibility</p:attrName>
+                                        </p:attrNameLst>
+                                      </p:cBhvr>
+                                      <p:to>
+                                        <p:strVal val="visible"/>
+                                      </p:to>
+                                    </p:set>
+                                  </p:childTnLst>
+                                </p:cTn>
+                              </p:par>
+                            </p:childTnLst>
+                          </p:cTn>
+                        </p:par>
+                      </p:childTnLst>
+                    </p:cTn>
+                  </p:par>
+                  <p:par>
+                    <p:cTn id="23" fill="hold">
+                      <p:stCondLst>
+                        <p:cond delay="indefinite"/>
+                      </p:stCondLst>
+                      <p:childTnLst>
+                        <p:par>
+                          <p:cTn id="24" fill="hold">
+                            <p:stCondLst>
+                              <p:cond delay="0"/>
+                            </p:stCondLst>
+                            <p:childTnLst>
+                              <p:par>
+                                <p:cTn id="25" presetID="1" presetClass="entr" presetSubtype="0" fill="hold" grpId="0" nodeType="clickEffect">
+                                  <p:stCondLst>
+                                    <p:cond delay="0"/>
+                                  </p:stCondLst>
+                                  <p:childTnLst>
+                                    <p:set>
+                                      <p:cBhvr>
+                                        <p:cTn id="26" dur="1" fill="hold">
+                                          <p:stCondLst>
+                                            <p:cond delay="0"/>
+                                          </p:stCondLst>
+                                        </p:cTn>
+                                        <p:tgtEl>
+                                          <p:spTgt spid="9"/>
+                                        </p:tgtEl>
+                                        <p:attrNameLst>
+                                          <p:attrName>style.visibility</p:attrName>
+                                        </p:attrNameLst>
+                                      </p:cBhvr>
+                                      <p:to>
+                                        <p:strVal val="visible"/>
+                                      </p:to>
+                                    </p:set>
+                                  </p:childTnLst>
+                                </p:cTn>
+                              </p:par>
+                            </p:childTnLst>
+                          </p:cTn>
+                        </p:par>
+                      </p:childTnLst>
+                    </p:cTn>
+                  </p:par>
+                  <p:par>
+                    <p:cTn id="27" fill="hold">
+                      <p:stCondLst>
+                        <p:cond delay="indefinite"/>
+                      </p:stCondLst>
+                      <p:childTnLst>
+                        <p:par>
+                          <p:cTn id="28" fill="hold">
+                            <p:stCondLst>
+                              <p:cond delay="0"/>
+                            </p:stCondLst>
+                            <p:childTnLst>
+                              <p:par>
+                                <p:cTn id="29" presetID="1" presetClass="entr" presetSubtype="0" fill="hold" grpId="0" nodeType="clickEffect">
+                                  <p:stCondLst>
+                                    <p:cond delay="0"/>
+                                  </p:stCondLst>
+                                  <p:childTnLst>
+                                    <p:set>
+                                      <p:cBhvr>
+                                        <p:cTn id="30" dur="1" fill="hold">
+                                          <p:stCondLst>
+                                            <p:cond delay="0"/>
+                                          </p:stCondLst>
+                                        </p:cTn>
+                                        <p:tgtEl>
+                                          <p:spTgt spid="14"/>
+                                        </p:tgtEl>
+                                        <p:attrNameLst>
+                                          <p:attrName>style.visibility</p:attrName>
+                                        </p:attrNameLst>
+                                      </p:cBhvr>
+                                      <p:to>
+                                        <p:strVal val="visible"/>
+                                      </p:to>
+                                    </p:set>
+                                  </p:childTnLst>
+                                </p:cTn>
+                              </p:par>
+                            </p:childTnLst>
+                          </p:cTn>
+                        </p:par>
+                      </p:childTnLst>
+                    </p:cTn>
+                  </p:par>
+                  <p:par>
+                    <p:cTn id="31" fill="hold">
+                      <p:stCondLst>
+                        <p:cond delay="indefinite"/>
+                      </p:stCondLst>
+                      <p:childTnLst>
+                        <p:par>
+                          <p:cTn id="32" fill="hold">
+                            <p:stCondLst>
+                              <p:cond delay="0"/>
+                            </p:stCondLst>
+                            <p:childTnLst>
+                              <p:par>
+                                <p:cTn id="33" presetID="1" presetClass="entr" presetSubtype="0" fill="hold" grpId="0" nodeType="clickEffect">
+                                  <p:stCondLst>
+                                    <p:cond delay="0"/>
+                                  </p:stCondLst>
+                                  <p:childTnLst>
+                                    <p:set>
+                                      <p:cBhvr>
+                                        <p:cTn id="34" dur="1" fill="hold">
+                                          <p:stCondLst>
+                                            <p:cond delay="0"/>
+                                          </p:stCondLst>
+                                        </p:cTn>
+                                        <p:tgtEl>
+                                          <p:spTgt spid="15"/>
+                                        </p:tgtEl>
+                                        <p:attrNameLst>
+                                          <p:attrName>style.visibility</p:attrName>
+                                        </p:attrNameLst>
+                                      </p:cBhvr>
+                                      <p:to>
+                                        <p:strVal val="visible"/>
+                                      </p:to>
+                                    </p:set>
+                                  </p:childTnLst>
+                                </p:cTn>
+                              </p:par>
+                            </p:childTnLst>
+                          </p:cTn>
+                        </p:par>
+                      </p:childTnLst>
+                    </p:cTn>
+                  </p:par>
+                  <p:par>
+                    <p:cTn id="35" fill="hold">
+                      <p:stCondLst>
+                        <p:cond delay="indefinite"/>
+                      </p:stCondLst>
+                      <p:childTnLst>
+                        <p:par>
+                          <p:cTn id="36" fill="hold">
+                            <p:stCondLst>
+                              <p:cond delay="0"/>
+                            </p:stCondLst>
+                            <p:childTnLst>
+                              <p:par>
+                                <p:cTn id="37" presetID="2" presetClass="entr" presetSubtype="2" fill="hold" nodeType="clickEffect">
+                                  <p:stCondLst>
+                                    <p:cond delay="0"/>
+                                  </p:stCondLst>
+                                  <p:childTnLst>
+                                    <p:set>
+                                      <p:cBhvr>
+                                        <p:cTn id="38" dur="1" fill="hold">
+                                          <p:stCondLst>
+                                            <p:cond delay="0"/>
+                                          </p:stCondLst>
+                                        </p:cTn>
+                                        <p:tgtEl>
+                                          <p:spTgt spid="73"/>
+                                        </p:tgtEl>
+                                        <p:attrNameLst>
+                                          <p:attrName>style.visibility</p:attrName>
+                                        </p:attrNameLst>
+                                      </p:cBhvr>
+                                      <p:to>
+                                        <p:strVal val="visible"/>
+                                      </p:to>
+                                    </p:set>
+                                    <p:anim calcmode="lin" valueType="num">
+                                      <p:cBhvr additive="base">
+                                        <p:cTn id="39" dur="500" fill="hold"/>
+                                        <p:tgtEl>
+                                          <p:spTgt spid="73"/>
+                                        </p:tgtEl>
+                                        <p:attrNameLst>
+                                          <p:attrName>ppt_x</p:attrName>
+                                        </p:attrNameLst>
+                                      </p:cBhvr>
+                                      <p:tavLst>
+                                        <p:tav tm="0">
+                                          <p:val>
+                                            <p:strVal val="1+#ppt_w/2"/>
+                                          </p:val>
+                                        </p:tav>
+                                        <p:tav tm="100000">
+                                          <p:val>
+                                            <p:strVal val="#ppt_x"/>
+                                          </p:val>
+                                        </p:tav>
+                                      </p:tavLst>
+                                    </p:anim>
+                                    <p:anim calcmode="lin" valueType="num">
+                                      <p:cBhvr additive="base">
+                                        <p:cTn id="40" dur="500" fill="hold"/>
+                                        <p:tgtEl>
+                                          <p:spTgt spid="73"/>
+                                        </p:tgtEl>
+                                        <p:attrNameLst>
+                                          <p:attrName>ppt_y</p:attrName>
+                                        </p:attrNameLst>
+                                      </p:cBhvr>
+                                      <p:tavLst>
+                                        <p:tav tm="0">
+                                          <p:val>
+                                            <p:strVal val="#ppt_y"/>
+                                          </p:val>
+                                        </p:tav>
+                                        <p:tav tm="100000">
+                                          <p:val>
+                                            <p:strVal val="#ppt_y"/>
+                                          </p:val>
+                                        </p:tav>
+                                      </p:tavLst>
+                                    </p:anim>
+                                  </p:childTnLst>
+                                </p:cTn>
+                              </p:par>
+                            </p:childTnLst>
+                          </p:cTn>
+                        </p:par>
+                      </p:childTnLst>
+                    </p:cTn>
+                  </p:par>
+                  <p:par>
+                    <p:cTn id="41" fill="hold">
+                      <p:stCondLst>
+                        <p:cond delay="indefinite"/>
+                      </p:stCondLst>
+                      <p:childTnLst>
+                        <p:par>
+                          <p:cTn id="42" fill="hold">
+                            <p:stCondLst>
+                              <p:cond delay="0"/>
+                            </p:stCondLst>
+                            <p:childTnLst>
+                              <p:par>
+                                <p:cTn id="43" presetID="2" presetClass="entr" presetSubtype="2" fill="hold" nodeType="clickEffect">
+                                  <p:stCondLst>
+                                    <p:cond delay="0"/>
+                                  </p:stCondLst>
+                                  <p:childTnLst>
+                                    <p:set>
+                                      <p:cBhvr>
+                                        <p:cTn id="44" dur="1" fill="hold">
+                                          <p:stCondLst>
+                                            <p:cond delay="0"/>
+                                          </p:stCondLst>
+                                        </p:cTn>
+                                        <p:tgtEl>
+                                          <p:spTgt spid="74"/>
+                                        </p:tgtEl>
+                                        <p:attrNameLst>
+                                          <p:attrName>style.visibility</p:attrName>
+                                        </p:attrNameLst>
+                                      </p:cBhvr>
+                                      <p:to>
+                                        <p:strVal val="visible"/>
+                                      </p:to>
+                                    </p:set>
+                                    <p:anim calcmode="lin" valueType="num">
+                                      <p:cBhvr additive="base">
+                                        <p:cTn id="45" dur="500" fill="hold"/>
+                                        <p:tgtEl>
+                                          <p:spTgt spid="74"/>
+                                        </p:tgtEl>
+                                        <p:attrNameLst>
+                                          <p:attrName>ppt_x</p:attrName>
+                                        </p:attrNameLst>
+                                      </p:cBhvr>
+                                      <p:tavLst>
+                                        <p:tav tm="0">
+                                          <p:val>
+                                            <p:strVal val="1+#ppt_w/2"/>
+                                          </p:val>
+                                        </p:tav>
+                                        <p:tav tm="100000">
+                                          <p:val>
+                                            <p:strVal val="#ppt_x"/>
+                                          </p:val>
+                                        </p:tav>
+                                      </p:tavLst>
+                                    </p:anim>
+                                    <p:anim calcmode="lin" valueType="num">
+                                      <p:cBhvr additive="base">
+                                        <p:cTn id="46" dur="500" fill="hold"/>
+                                        <p:tgtEl>
+                                          <p:spTgt spid="74"/>
+                                        </p:tgtEl>
+                                        <p:attrNameLst>
+                                          <p:attrName>ppt_y</p:attrName>
+                                        </p:attrNameLst>
+                                      </p:cBhvr>
+                                      <p:tavLst>
+                                        <p:tav tm="0">
+                                          <p:val>
+                                            <p:strVal val="#ppt_y"/>
+                                          </p:val>
+                                        </p:tav>
+                                        <p:tav tm="100000">
+                                          <p:val>
+                                            <p:strVal val="#ppt_y"/>
+                                          </p:val>
+                                        </p:tav>
+                                      </p:tavLst>
+                                    </p:anim>
+                                  </p:childTnLst>
+                                </p:cTn>
+                              </p:par>
+                            </p:childTnLst>
+                          </p:cTn>
+                        </p:par>
+                      </p:childTnLst>
+                    </p:cTn>
+                  </p:par>
+                  <p:par>
+                    <p:cTn id="47" fill="hold">
+                      <p:stCondLst>
+                        <p:cond delay="indefinite"/>
+                      </p:stCondLst>
+                      <p:childTnLst>
+                        <p:par>
+                          <p:cTn id="48" fill="hold">
+                            <p:stCondLst>
+                              <p:cond delay="0"/>
+                            </p:stCondLst>
+                            <p:childTnLst>
+                              <p:par>
+                                <p:cTn id="49" presetID="2" presetClass="entr" presetSubtype="2" fill="hold" nodeType="clickEffect">
+                                  <p:stCondLst>
+                                    <p:cond delay="0"/>
+                                  </p:stCondLst>
+                                  <p:childTnLst>
+                                    <p:set>
+                                      <p:cBhvr>
+                                        <p:cTn id="50" dur="1" fill="hold">
+                                          <p:stCondLst>
+                                            <p:cond delay="0"/>
+                                          </p:stCondLst>
+                                        </p:cTn>
+                                        <p:tgtEl>
+                                          <p:spTgt spid="75"/>
+                                        </p:tgtEl>
+                                        <p:attrNameLst>
+                                          <p:attrName>style.visibility</p:attrName>
+                                        </p:attrNameLst>
+                                      </p:cBhvr>
+                                      <p:to>
+                                        <p:strVal val="visible"/>
+                                      </p:to>
+                                    </p:set>
+                                    <p:anim calcmode="lin" valueType="num">
+                                      <p:cBhvr additive="base">
+                                        <p:cTn id="51" dur="500" fill="hold"/>
+                                        <p:tgtEl>
+                                          <p:spTgt spid="75"/>
+                                        </p:tgtEl>
+                                        <p:attrNameLst>
+                                          <p:attrName>ppt_x</p:attrName>
+                                        </p:attrNameLst>
+                                      </p:cBhvr>
+                                      <p:tavLst>
+                                        <p:tav tm="0">
+                                          <p:val>
+                                            <p:strVal val="1+#ppt_w/2"/>
+                                          </p:val>
+                                        </p:tav>
+                                        <p:tav tm="100000">
+                                          <p:val>
+                                            <p:strVal val="#ppt_x"/>
+                                          </p:val>
+                                        </p:tav>
+                                      </p:tavLst>
+                                    </p:anim>
+                                    <p:anim calcmode="lin" valueType="num">
+                                      <p:cBhvr additive="base">
+                                        <p:cTn id="52" dur="500" fill="hold"/>
+                                        <p:tgtEl>
+                                          <p:spTgt spid="75"/>
+                                        </p:tgtEl>
+                                        <p:attrNameLst>
+                                          <p:attrName>ppt_y</p:attrName>
+                                        </p:attrNameLst>
+                                      </p:cBhvr>
+                                      <p:tavLst>
+                                        <p:tav tm="0">
+                                          <p:val>
+                                            <p:strVal val="#ppt_y"/>
+                                          </p:val>
+                                        </p:tav>
+                                        <p:tav tm="100000">
+                                          <p:val>
+                                            <p:strVal val="#ppt_y"/>
+                                          </p:val>
+                                        </p:tav>
+                                      </p:tavLst>
+                                    </p:anim>
+                                  </p:childTnLst>
+                                </p:cTn>
+                              </p:par>
+                            </p:childTnLst>
+                          </p:cTn>
+                        </p:par>
+                      </p:childTnLst>
+                    </p:cTn>
+                  </p:par>
+                  <p:par>
+                    <p:cTn id="53" fill="hold">
+                      <p:stCondLst>
+                        <p:cond delay="indefinite"/>
+                      </p:stCondLst>
+                      <p:childTnLst>
+                        <p:par>
+                          <p:cTn id="54" fill="hold">
+                            <p:stCondLst>
+                              <p:cond delay="0"/>
+                            </p:stCondLst>
+                            <p:childTnLst>
+                              <p:par>
+                                <p:cTn id="55" presetID="53" presetClass="entr" presetSubtype="16" fill="hold" nodeType="clickEffect">
+                                  <p:stCondLst>
+                                    <p:cond delay="0"/>
+                                  </p:stCondLst>
+                                  <p:childTnLst>
+                                    <p:set>
+                                      <p:cBhvr>
+                                        <p:cTn id="56" dur="1" fill="hold">
+                                          <p:stCondLst>
+                                            <p:cond delay="0"/>
+                                          </p:stCondLst>
+                                        </p:cTn>
+                                        <p:tgtEl>
+                                          <p:spTgt spid="67"/>
+                                        </p:tgtEl>
+                                        <p:attrNameLst>
+                                          <p:attrName>style.visibility</p:attrName>
+                                        </p:attrNameLst>
+                                      </p:cBhvr>
+                                      <p:to>
+                                        <p:strVal val="visible"/>
+                                      </p:to>
+                                    </p:set>
+                                    <p:anim calcmode="lin" valueType="num">
+                                      <p:cBhvr>
+                                        <p:cTn id="57" dur="500" fill="hold"/>
+                                        <p:tgtEl>
+                                          <p:spTgt spid="67"/>
+                                        </p:tgtEl>
+                                        <p:attrNameLst>
+                                          <p:attrName>ppt_w</p:attrName>
+                                        </p:attrNameLst>
+                                      </p:cBhvr>
+                                      <p:tavLst>
+                                        <p:tav tm="0">
+                                          <p:val>
+                                            <p:fltVal val="0"/>
+                                          </p:val>
+                                        </p:tav>
+                                        <p:tav tm="100000">
+                                          <p:val>
+                                            <p:strVal val="#ppt_w"/>
+                                          </p:val>
+                                        </p:tav>
+                                      </p:tavLst>
+                                    </p:anim>
+                                    <p:anim calcmode="lin" valueType="num">
+                                      <p:cBhvr>
+                                        <p:cTn id="58" dur="500" fill="hold"/>
+                                        <p:tgtEl>
+                                          <p:spTgt spid="67"/>
+                                        </p:tgtEl>
+                                        <p:attrNameLst>
+                                          <p:attrName>ppt_h</p:attrName>
+                                        </p:attrNameLst>
+                                      </p:cBhvr>
+                                      <p:tavLst>
+                                        <p:tav tm="0">
+                                          <p:val>
+                                            <p:fltVal val="0"/>
+                                          </p:val>
+                                        </p:tav>
+                                        <p:tav tm="100000">
+                                          <p:val>
+                                            <p:strVal val="#ppt_h"/>
+                                          </p:val>
+                                        </p:tav>
+                                      </p:tavLst>
+                                    </p:anim>
+                                    <p:animEffect transition="in" filter="fade">
+                                      <p:cBhvr>
+                                        <p:cTn id="59" dur="500"/>
+                                        <p:tgtEl>
+                                          <p:spTgt spid="67"/>
+                                        </p:tgtEl>
+                                      </p:cBhvr>
+                                    </p:animEffect>
+                                  </p:childTnLst>
+                                </p:cTn>
+                              </p:par>
+                            </p:childTnLst>
+                          </p:cTn>
+                        </p:par>
+                      </p:childTnLst>
+                    </p:cTn>
+                  </p:par>
+                </p:childTnLst>
+              </p:cTn>
+              <p:prevCondLst>
+                <p:cond evt="onPrev" delay="0">
+                  <p:tgtEl>
+                    <p:sldTgt/>
+                  </p:tgtEl>
+                </p:cond>
+              </p:prevCondLst>
+              <p:nextCondLst>
+                <p:cond evt="onNext" delay="0">
+                  <p:tgtEl>
+                    <p:sldTgt/>
+                  </p:tgtEl>
+                </p:cond>
+              </p:nextCondLst>
+            </p:seq>
+          </p:childTnLst>
+        </p:cTn>
+      </p:par>
+    </p:tnLst>
+    <p:bldLst>
+      <p:bldP spid="9" grpId="0" animBg="1"/>
+      <p:bldP spid="14" grpId="0" animBg="1"/>
+      <p:bldP spid="15" grpId="0" animBg="1"/>
+    </p:bldLst>
+  </p:timing>
 </p:sld>
 </file>
 
@@ -4832,7 +9318,7 @@
           <a:p>
             <a:r>
               <a:rPr lang="en-US" dirty="0"/>
-              <a:t>Backup Slides</a:t>
+              <a:t>APP Routes</a:t>
             </a:r>
           </a:p>
         </p:txBody>
@@ -4850,15 +9336,265 @@
             <a:spLocks noGrp="1"/>
           </p:cNvSpPr>
           <p:nvPr>
-            <p:ph idx="1"/>
+            <p:ph sz="half" idx="1"/>
           </p:nvPr>
         </p:nvSpPr>
-        <p:spPr/>
+        <p:spPr>
+          <a:xfrm>
+            <a:off x="2231136" y="2657579"/>
+            <a:ext cx="4271771" cy="3360976"/>
+          </a:xfrm>
+        </p:spPr>
         <p:txBody>
-          <a:bodyPr/>
+          <a:bodyPr>
+            <a:noAutofit/>
+          </a:bodyPr>
           <a:lstStyle/>
           <a:p>
-            <a:endParaRPr lang="en-US"/>
+            <a:r>
+              <a:rPr lang="en-US" dirty="0"/>
+              <a:t>Loading data to MongoDB (Initialize)</a:t>
+            </a:r>
+          </a:p>
+          <a:p>
+            <a:pPr marL="228600" lvl="1" indent="0">
+              <a:buNone/>
+            </a:pPr>
+            <a:r>
+              <a:rPr lang="en-US" dirty="0"/>
+              <a:t>/</a:t>
+            </a:r>
+            <a:r>
+              <a:rPr lang="en-US" dirty="0" err="1"/>
+              <a:t>reload_geo</a:t>
+            </a:r>
+            <a:endParaRPr lang="en-US" dirty="0"/>
+          </a:p>
+          <a:p>
+            <a:pPr marL="228600" lvl="1" indent="0">
+              <a:buNone/>
+            </a:pPr>
+            <a:r>
+              <a:rPr lang="en-US" dirty="0"/>
+              <a:t>/</a:t>
+            </a:r>
+            <a:r>
+              <a:rPr lang="en-US" dirty="0" err="1"/>
+              <a:t>reload_census</a:t>
+            </a:r>
+            <a:endParaRPr lang="en-US" dirty="0"/>
+          </a:p>
+          <a:p>
+            <a:pPr marL="228600" lvl="1" indent="0">
+              <a:buNone/>
+            </a:pPr>
+            <a:r>
+              <a:rPr lang="en-US" dirty="0"/>
+              <a:t>/</a:t>
+            </a:r>
+            <a:r>
+              <a:rPr lang="en-US" dirty="0" err="1"/>
+              <a:t>reload_nccensus</a:t>
+            </a:r>
+            <a:endParaRPr lang="en-US" dirty="0"/>
+          </a:p>
+          <a:p>
+            <a:r>
+              <a:rPr lang="en-US" dirty="0"/>
+              <a:t>Get Map, County codes data</a:t>
+            </a:r>
+          </a:p>
+          <a:p>
+            <a:pPr marL="228600" lvl="1" indent="0">
+              <a:buNone/>
+            </a:pPr>
+            <a:r>
+              <a:rPr lang="en-US" dirty="0"/>
+              <a:t>/</a:t>
+            </a:r>
+            <a:r>
+              <a:rPr lang="en-US" dirty="0" err="1"/>
+              <a:t>get_geo</a:t>
+            </a:r>
+            <a:r>
+              <a:rPr lang="en-US" dirty="0"/>
+              <a:t>", methods=["GET"])</a:t>
+            </a:r>
+          </a:p>
+          <a:p>
+            <a:pPr marL="228600" lvl="1" indent="0">
+              <a:buNone/>
+            </a:pPr>
+            <a:r>
+              <a:rPr lang="en-US" dirty="0"/>
+              <a:t>/</a:t>
+            </a:r>
+            <a:r>
+              <a:rPr lang="en-US" dirty="0" err="1"/>
+              <a:t>get_combined_codes</a:t>
+            </a:r>
+            <a:endParaRPr lang="en-US" sz="1800" dirty="0"/>
+          </a:p>
+          <a:p>
+            <a:pPr marL="228600" lvl="1" indent="0">
+              <a:buNone/>
+            </a:pPr>
+            <a:endParaRPr lang="en-US" sz="1800" dirty="0"/>
+          </a:p>
+          <a:p>
+            <a:endParaRPr lang="en-US" dirty="0"/>
+          </a:p>
+          <a:p>
+            <a:endParaRPr lang="en-US" dirty="0"/>
+          </a:p>
+          <a:p>
+            <a:endParaRPr lang="en-US" dirty="0"/>
+          </a:p>
+        </p:txBody>
+      </p:sp>
+      <p:sp>
+        <p:nvSpPr>
+          <p:cNvPr id="4" name="Content Placeholder 3">
+            <a:extLst>
+              <a:ext uri="{FF2B5EF4-FFF2-40B4-BE49-F238E27FC236}">
+                <a16:creationId xmlns:a16="http://schemas.microsoft.com/office/drawing/2014/main" id="{A0AD3AA4-B8E2-2C4A-AA77-0DD224210A3E}"/>
+              </a:ext>
+            </a:extLst>
+          </p:cNvPr>
+          <p:cNvSpPr>
+            <a:spLocks noGrp="1"/>
+          </p:cNvSpPr>
+          <p:nvPr>
+            <p:ph sz="half" idx="2"/>
+          </p:nvPr>
+        </p:nvSpPr>
+        <p:spPr>
+          <a:xfrm>
+            <a:off x="6338315" y="2638044"/>
+            <a:ext cx="4270247" cy="3255264"/>
+          </a:xfrm>
+        </p:spPr>
+        <p:txBody>
+          <a:bodyPr>
+            <a:normAutofit/>
+          </a:bodyPr>
+          <a:lstStyle/>
+          <a:p>
+            <a:r>
+              <a:rPr lang="en-US" dirty="0"/>
+              <a:t>Get EMP data</a:t>
+            </a:r>
+          </a:p>
+          <a:p>
+            <a:pPr marL="228600" lvl="1" indent="0">
+              <a:buNone/>
+            </a:pPr>
+            <a:r>
+              <a:rPr lang="en-US" dirty="0"/>
+              <a:t>/</a:t>
+            </a:r>
+            <a:r>
+              <a:rPr lang="en-US" dirty="0" err="1"/>
+              <a:t>get_census</a:t>
+            </a:r>
+            <a:r>
+              <a:rPr lang="en-US" dirty="0"/>
+              <a:t>/&lt;year&gt;"</a:t>
+            </a:r>
+          </a:p>
+          <a:p>
+            <a:pPr marL="228600" lvl="1" indent="0">
+              <a:buNone/>
+            </a:pPr>
+            <a:r>
+              <a:rPr lang="en-US" dirty="0"/>
+              <a:t>/</a:t>
+            </a:r>
+            <a:r>
+              <a:rPr lang="en-US" dirty="0" err="1"/>
+              <a:t>get_county_data</a:t>
+            </a:r>
+            <a:r>
+              <a:rPr lang="en-US" dirty="0"/>
+              <a:t>/&lt;county&gt;</a:t>
+            </a:r>
+          </a:p>
+          <a:p>
+            <a:pPr marL="228600" lvl="1" indent="0">
+              <a:buNone/>
+            </a:pPr>
+            <a:r>
+              <a:rPr lang="en-US" dirty="0"/>
+              <a:t>/</a:t>
+            </a:r>
+            <a:r>
+              <a:rPr lang="en-US" dirty="0" err="1"/>
+              <a:t>get_nc_data</a:t>
+            </a:r>
+            <a:r>
+              <a:rPr lang="en-US" dirty="0"/>
+              <a:t>/&lt;year&gt;</a:t>
+            </a:r>
+          </a:p>
+          <a:p>
+            <a:pPr marL="228600" lvl="1" indent="0">
+              <a:buNone/>
+            </a:pPr>
+            <a:r>
+              <a:rPr lang="en-US" dirty="0"/>
+              <a:t>/</a:t>
+            </a:r>
+            <a:r>
+              <a:rPr lang="en-US" dirty="0" err="1"/>
+              <a:t>get_nc_total</a:t>
+            </a:r>
+            <a:r>
+              <a:rPr lang="en-US" dirty="0"/>
+              <a:t>/&lt;year&gt;</a:t>
+            </a:r>
+          </a:p>
+          <a:p>
+            <a:r>
+              <a:rPr lang="en-US" dirty="0"/>
+              <a:t>Get Population data</a:t>
+            </a:r>
+          </a:p>
+          <a:p>
+            <a:pPr marL="228600" lvl="1" indent="0">
+              <a:buNone/>
+            </a:pPr>
+            <a:r>
+              <a:rPr lang="en-US" dirty="0"/>
+              <a:t>/</a:t>
+            </a:r>
+            <a:r>
+              <a:rPr lang="en-US" dirty="0" err="1"/>
+              <a:t>get_population</a:t>
+            </a:r>
+            <a:r>
+              <a:rPr lang="en-US" dirty="0"/>
+              <a:t>/&lt;year&gt;/&lt;county&gt;</a:t>
+            </a:r>
+          </a:p>
+          <a:p>
+            <a:pPr marL="228600" lvl="1" indent="0">
+              <a:buNone/>
+            </a:pPr>
+            <a:r>
+              <a:rPr lang="en-US" dirty="0"/>
+              <a:t>/</a:t>
+            </a:r>
+            <a:r>
+              <a:rPr lang="en-US" dirty="0" err="1"/>
+              <a:t>get_pop</a:t>
+            </a:r>
+            <a:r>
+              <a:rPr lang="en-US" dirty="0"/>
+              <a:t>/&lt;year&gt;</a:t>
+            </a:r>
+          </a:p>
+          <a:p>
+            <a:endParaRPr lang="en-US" dirty="0"/>
           </a:p>
         </p:txBody>
       </p:sp>
@@ -5440,6 +10176,15 @@
 </file>
 
 <file path=customXml/item2.xml><?xml version="1.0" encoding="utf-8"?>
+<p:properties xmlns:p="http://schemas.microsoft.com/office/2006/metadata/properties" xmlns:xsi="http://www.w3.org/2001/XMLSchema-instance" xmlns:pc="http://schemas.microsoft.com/office/infopath/2007/PartnerControls">
+  <documentManagement>
+    <Status xmlns="71af3243-3dd4-4a8d-8c0d-dd76da1f02a5">Not started</Status>
+    <MediaServiceKeyPoints xmlns="71af3243-3dd4-4a8d-8c0d-dd76da1f02a5" xsi:nil="true"/>
+  </documentManagement>
+</p:properties>
+</file>
+
+<file path=customXml/item3.xml><?xml version="1.0" encoding="utf-8"?>
 <ct:contentTypeSchema xmlns:ct="http://schemas.microsoft.com/office/2006/metadata/contentType" xmlns:ma="http://schemas.microsoft.com/office/2006/metadata/properties/metaAttributes" ct:_="" ma:_="" ma:contentTypeName="Document" ma:contentTypeID="0x01010079F111ED35F8CC479449609E8A0923A6" ma:contentTypeVersion="12" ma:contentTypeDescription="Create a new document." ma:contentTypeScope="" ma:versionID="a410dd7f93c95333ffa1b60ed6adedd1">
   <xsd:schema xmlns:xsd="http://www.w3.org/2001/XMLSchema" xmlns:xs="http://www.w3.org/2001/XMLSchema" xmlns:p="http://schemas.microsoft.com/office/2006/metadata/properties" xmlns:ns2="71af3243-3dd4-4a8d-8c0d-dd76da1f02a5" xmlns:ns3="16c05727-aa75-4e4a-9b5f-8a80a1165891" targetNamespace="http://schemas.microsoft.com/office/2006/metadata/properties" ma:root="true" ma:fieldsID="a936d9baba76aa3866493feff160faab" ns2:_="" ns3:_="">
     <xsd:import namespace="71af3243-3dd4-4a8d-8c0d-dd76da1f02a5"/>
@@ -5660,15 +10405,6 @@
 </ct:contentTypeSchema>
 </file>
 
-<file path=customXml/item3.xml><?xml version="1.0" encoding="utf-8"?>
-<p:properties xmlns:p="http://schemas.microsoft.com/office/2006/metadata/properties" xmlns:xsi="http://www.w3.org/2001/XMLSchema-instance" xmlns:pc="http://schemas.microsoft.com/office/infopath/2007/PartnerControls">
-  <documentManagement>
-    <Status xmlns="71af3243-3dd4-4a8d-8c0d-dd76da1f02a5">Not started</Status>
-    <MediaServiceKeyPoints xmlns="71af3243-3dd4-4a8d-8c0d-dd76da1f02a5" xsi:nil="true"/>
-  </documentManagement>
-</p:properties>
-</file>
-
 <file path=customXml/itemProps1.xml><?xml version="1.0" encoding="utf-8"?>
 <ds:datastoreItem xmlns:ds="http://schemas.openxmlformats.org/officeDocument/2006/customXml" ds:itemID="{7745B92C-4D89-4324-B52D-E1F5F627B790}">
   <ds:schemaRefs>
@@ -5678,6 +10414,16 @@
 </file>
 
 <file path=customXml/itemProps2.xml><?xml version="1.0" encoding="utf-8"?>
+<ds:datastoreItem xmlns:ds="http://schemas.openxmlformats.org/officeDocument/2006/customXml" ds:itemID="{E7228C0C-F774-4270-99CB-314B07EBFBE7}">
+  <ds:schemaRefs>
+    <ds:schemaRef ds:uri="http://schemas.microsoft.com/office/2006/metadata/properties"/>
+    <ds:schemaRef ds:uri="http://schemas.microsoft.com/office/infopath/2007/PartnerControls"/>
+    <ds:schemaRef ds:uri="71af3243-3dd4-4a8d-8c0d-dd76da1f02a5"/>
+  </ds:schemaRefs>
+</ds:datastoreItem>
+</file>
+
+<file path=customXml/itemProps3.xml><?xml version="1.0" encoding="utf-8"?>
 <ds:datastoreItem xmlns:ds="http://schemas.openxmlformats.org/officeDocument/2006/customXml" ds:itemID="{E4487CEA-7875-4327-875F-CA3B32E8009E}">
   <ds:schemaRefs>
     <ds:schemaRef ds:uri="http://schemas.microsoft.com/office/2006/metadata/contentType"/>
@@ -5694,14 +10440,4 @@
     <ds:schemaRef ds:uri="http://schemas.microsoft.com/internal/obd"/>
   </ds:schemaRefs>
 </ds:datastoreItem>
-</file>
-
-<file path=customXml/itemProps3.xml><?xml version="1.0" encoding="utf-8"?>
-<ds:datastoreItem xmlns:ds="http://schemas.openxmlformats.org/officeDocument/2006/customXml" ds:itemID="{E7228C0C-F774-4270-99CB-314B07EBFBE7}">
-  <ds:schemaRefs>
-    <ds:schemaRef ds:uri="http://schemas.microsoft.com/office/2006/metadata/properties"/>
-    <ds:schemaRef ds:uri="http://schemas.microsoft.com/office/infopath/2007/PartnerControls"/>
-    <ds:schemaRef ds:uri="71af3243-3dd4-4a8d-8c0d-dd76da1f02a5"/>
-  </ds:schemaRefs>
-</ds:datastoreItem>
 </file>
--- a/proposal/NC Census Data analysis 10-06.pptx
+++ b/proposal/NC Census Data analysis 10-06.pptx
@@ -204,7 +204,7 @@
           <a:p>
             <a:fld id="{E1D941E9-C117-4952-8368-6FB7EE4AE216}" type="datetimeFigureOut">
               <a:rPr lang="en-US" smtClean="0"/>
-              <a:t>10/8/20</a:t>
+              <a:t>10/8/2020</a:t>
             </a:fld>
             <a:endParaRPr lang="en-US"/>
           </a:p>
@@ -935,7 +935,7 @@
           <a:p>
             <a:fld id="{EA0C0817-A112-4847-8014-A94B7D2A4EA3}" type="datetime1">
               <a:rPr lang="en-US" smtClean="0"/>
-              <a:t>10/8/20</a:t>
+              <a:t>10/8/2020</a:t>
             </a:fld>
             <a:endParaRPr lang="en-US" dirty="0"/>
           </a:p>
@@ -1105,7 +1105,7 @@
           <a:p>
             <a:fld id="{F6FA2B21-3FCD-4721-B95C-427943F61125}" type="datetime1">
               <a:rPr lang="en-US" smtClean="0"/>
-              <a:t>10/8/20</a:t>
+              <a:t>10/8/2020</a:t>
             </a:fld>
             <a:endParaRPr lang="en-US" dirty="0"/>
           </a:p>
@@ -1286,7 +1286,7 @@
           <a:p>
             <a:fld id="{F6FA2B21-3FCD-4721-B95C-427943F61125}" type="datetime1">
               <a:rPr lang="en-US" smtClean="0"/>
-              <a:t>10/8/20</a:t>
+              <a:t>10/8/2020</a:t>
             </a:fld>
             <a:endParaRPr lang="en-US" dirty="0"/>
           </a:p>
@@ -1457,7 +1457,7 @@
           <a:p>
             <a:fld id="{7332B432-ACDA-4023-A761-2BAB76577B62}" type="datetime1">
               <a:rPr lang="en-US" smtClean="0"/>
-              <a:t>10/8/20</a:t>
+              <a:t>10/8/2020</a:t>
             </a:fld>
             <a:endParaRPr lang="en-US" dirty="0"/>
           </a:p>
@@ -1725,7 +1725,7 @@
           <a:p>
             <a:fld id="{D9C646AA-F36E-4540-911D-FFFC0A0EF24A}" type="datetime1">
               <a:rPr lang="en-US" smtClean="0"/>
-              <a:t>10/8/20</a:t>
+              <a:t>10/8/2020</a:t>
             </a:fld>
             <a:endParaRPr lang="en-US" dirty="0"/>
           </a:p>
@@ -1957,7 +1957,7 @@
           <a:p>
             <a:fld id="{69186D26-FA5F-4637-B602-B7C2DC34CFD4}" type="datetime1">
               <a:rPr lang="en-US" smtClean="0"/>
-              <a:t>10/8/20</a:t>
+              <a:t>10/8/2020</a:t>
             </a:fld>
             <a:endParaRPr lang="en-US" dirty="0"/>
           </a:p>
@@ -2316,7 +2316,7 @@
           <a:p>
             <a:fld id="{F6FA2B21-3FCD-4721-B95C-427943F61125}" type="datetime1">
               <a:rPr lang="en-US" smtClean="0"/>
-              <a:t>10/8/20</a:t>
+              <a:t>10/8/2020</a:t>
             </a:fld>
             <a:endParaRPr lang="en-US" dirty="0"/>
           </a:p>
@@ -2458,7 +2458,7 @@
           <a:p>
             <a:fld id="{F9A96C99-B8F8-4528-BD05-0E16E943DC09}" type="datetime1">
               <a:rPr lang="en-US" smtClean="0"/>
-              <a:t>10/8/20</a:t>
+              <a:t>10/8/2020</a:t>
             </a:fld>
             <a:endParaRPr lang="en-US" dirty="0"/>
           </a:p>
@@ -2553,7 +2553,7 @@
           <a:p>
             <a:fld id="{03636942-C211-4B28-8DBD-C953E00AF71B}" type="datetime1">
               <a:rPr lang="en-US" smtClean="0"/>
-              <a:t>10/8/20</a:t>
+              <a:t>10/8/2020</a:t>
             </a:fld>
             <a:endParaRPr lang="en-US" dirty="0"/>
           </a:p>
@@ -2910,7 +2910,7 @@
           <a:p>
             <a:fld id="{7E8D12A6-918A-48BD-8CB9-CA713993B0EA}" type="datetime1">
               <a:rPr lang="en-US" smtClean="0"/>
-              <a:t>10/8/20</a:t>
+              <a:t>10/8/2020</a:t>
             </a:fld>
             <a:endParaRPr lang="en-US" dirty="0"/>
           </a:p>
@@ -3268,7 +3268,7 @@
             <a:fld id="{E778CE86-875F-4587-BCF6-FA054AFC0D53}" type="datetime1">
               <a:rPr lang="en-US" smtClean="0"/>
               <a:pPr/>
-              <a:t>10/8/20</a:t>
+              <a:t>10/8/2020</a:t>
             </a:fld>
             <a:endParaRPr lang="en-US" dirty="0"/>
           </a:p>
@@ -3511,7 +3511,7 @@
           <a:p>
             <a:fld id="{F6FA2B21-3FCD-4721-B95C-427943F61125}" type="datetime1">
               <a:rPr lang="en-US" smtClean="0"/>
-              <a:t>10/8/20</a:t>
+              <a:t>10/8/2020</a:t>
             </a:fld>
             <a:endParaRPr lang="en-US" dirty="0"/>
           </a:p>
@@ -3986,18 +3986,13 @@
             <a:spLocks noGrp="1"/>
           </p:cNvSpPr>
           <p:nvPr>
-            <p:ph type="ctrTitle"/>
+            <p:ph type="title"/>
           </p:nvPr>
         </p:nvSpPr>
-        <p:spPr>
-          <a:xfrm>
-            <a:off x="3915061" y="1798093"/>
-            <a:ext cx="4775075" cy="1630907"/>
-          </a:xfrm>
-        </p:spPr>
+        <p:spPr/>
         <p:txBody>
           <a:bodyPr>
-            <a:normAutofit fontScale="90000"/>
+            <a:normAutofit/>
           </a:bodyPr>
           <a:lstStyle/>
           <a:p>
@@ -4025,14 +4020,17 @@
             <a:spLocks noGrp="1"/>
           </p:cNvSpPr>
           <p:nvPr>
-            <p:ph type="subTitle" idx="1"/>
+            <p:ph type="body" idx="1"/>
           </p:nvPr>
         </p:nvSpPr>
         <p:spPr>
           <a:xfrm>
-            <a:off x="3915061" y="3817569"/>
-            <a:ext cx="4775075" cy="559656"/>
+            <a:off x="3600168" y="4192210"/>
+            <a:ext cx="6801612" cy="1265082"/>
           </a:xfrm>
+          <a:solidFill>
+            <a:schemeClr val="tx1"/>
+          </a:solidFill>
         </p:spPr>
         <p:txBody>
           <a:bodyPr>
@@ -4048,15 +4046,62 @@
             <a:r>
               <a:rPr lang="en-US" dirty="0">
                 <a:solidFill>
-                  <a:schemeClr val="tx1"/>
+                  <a:schemeClr val="bg1"/>
                 </a:solidFill>
               </a:rPr>
-              <a:t>EJ, Bill, Abby, </a:t>
+              <a:t>Project Team: </a:t>
+            </a:r>
+          </a:p>
+          <a:p>
+            <a:pPr>
+              <a:spcAft>
+                <a:spcPts val="600"/>
+              </a:spcAft>
+            </a:pPr>
+            <a:r>
+              <a:rPr lang="en-US" dirty="0">
+                <a:solidFill>
+                  <a:schemeClr val="bg1"/>
+                </a:solidFill>
+              </a:rPr>
+              <a:t>	</a:t>
             </a:r>
             <a:r>
               <a:rPr lang="en-US" dirty="0" err="1">
                 <a:solidFill>
-                  <a:schemeClr val="tx1"/>
+                  <a:schemeClr val="bg1"/>
+                </a:solidFill>
+              </a:rPr>
+              <a:t>Eunjeong</a:t>
+            </a:r>
+            <a:r>
+              <a:rPr lang="en-US" dirty="0">
+                <a:solidFill>
+                  <a:schemeClr val="bg1"/>
+                </a:solidFill>
+              </a:rPr>
+              <a:t> Lee,  Bill </a:t>
+            </a:r>
+            <a:r>
+              <a:rPr lang="en-US" dirty="0" err="1">
+                <a:solidFill>
+                  <a:schemeClr val="bg1"/>
+                </a:solidFill>
+              </a:rPr>
+              <a:t>Pezzullo</a:t>
+            </a:r>
+            <a:r>
+              <a:rPr lang="en-US" dirty="0">
+                <a:solidFill>
+                  <a:schemeClr val="bg1"/>
+                </a:solidFill>
+              </a:rPr>
+              <a:t>,  Abby Pearson, </a:t>
+            </a:r>
+            <a:r>
+              <a:rPr lang="en-US" dirty="0" err="1">
+                <a:solidFill>
+                  <a:schemeClr val="bg1"/>
                 </a:solidFill>
               </a:rPr>
               <a:t>Teshanee</a:t>
@@ -4064,10 +4109,10 @@
             <a:r>
               <a:rPr lang="en-US" dirty="0">
                 <a:solidFill>
-                  <a:schemeClr val="tx1"/>
+                  <a:schemeClr val="bg1"/>
                 </a:solidFill>
               </a:rPr>
-              <a:t>, Niral</a:t>
+              <a:t>, Niral Patel</a:t>
             </a:r>
           </a:p>
         </p:txBody>
@@ -4120,12 +4165,14 @@
         </p:nvSpPr>
         <p:spPr>
           <a:xfrm>
-            <a:off x="1097280" y="286604"/>
-            <a:ext cx="10058400" cy="897218"/>
+            <a:off x="0" y="23253"/>
+            <a:ext cx="12192000" cy="525387"/>
           </a:xfrm>
         </p:spPr>
         <p:txBody>
-          <a:bodyPr/>
+          <a:bodyPr>
+            <a:normAutofit fontScale="90000"/>
+          </a:bodyPr>
           <a:lstStyle/>
           <a:p>
             <a:r>
@@ -4153,12 +4200,14 @@
         </p:nvSpPr>
         <p:spPr>
           <a:xfrm>
-            <a:off x="1097280" y="1874520"/>
-            <a:ext cx="3178629" cy="3849624"/>
+            <a:off x="866692" y="1710524"/>
+            <a:ext cx="2462737" cy="3707296"/>
           </a:xfrm>
         </p:spPr>
         <p:txBody>
-          <a:bodyPr/>
+          <a:bodyPr>
+            <a:normAutofit/>
+          </a:bodyPr>
           <a:lstStyle/>
           <a:p>
             <a:pPr>
@@ -4166,7 +4215,7 @@
               <a:buChar char="•"/>
             </a:pPr>
             <a:r>
-              <a:rPr lang="en-US" dirty="0"/>
+              <a:rPr lang="en-US" sz="1600" dirty="0"/>
               <a:t>Show the working site</a:t>
             </a:r>
           </a:p>
@@ -4176,7 +4225,7 @@
               <a:buChar char="•"/>
             </a:pPr>
             <a:r>
-              <a:rPr lang="en-US" dirty="0"/>
+              <a:rPr lang="en-US" sz="1600" dirty="0"/>
               <a:t>Explain all features on the site</a:t>
             </a:r>
           </a:p>
@@ -4186,7 +4235,7 @@
               <a:buChar char="•"/>
             </a:pPr>
             <a:r>
-              <a:rPr lang="en-US" dirty="0"/>
+              <a:rPr lang="en-US" sz="1600" dirty="0"/>
               <a:t>Data visualization information</a:t>
             </a:r>
           </a:p>
@@ -4194,11 +4243,10 @@
       </p:sp>
       <p:pic>
         <p:nvPicPr>
-          <p:cNvPr id="5" name="Picture 4">
-            <a:hlinkClick r:id="rId2" action="ppaction://hlinkfile"/>
+          <p:cNvPr id="6" name="Picture 5">
             <a:extLst>
               <a:ext uri="{FF2B5EF4-FFF2-40B4-BE49-F238E27FC236}">
-                <a16:creationId xmlns:a16="http://schemas.microsoft.com/office/drawing/2014/main" id="{9680F74C-62B9-4ADE-A869-4D7E4702EE4C}"/>
+                <a16:creationId xmlns:a16="http://schemas.microsoft.com/office/drawing/2014/main" id="{CC003A7F-2636-4F5A-9D0D-A889F0AA15DB}"/>
               </a:ext>
             </a:extLst>
           </p:cNvPr>
@@ -4208,15 +4256,15 @@
           <p:nvPr/>
         </p:nvPicPr>
         <p:blipFill>
-          <a:blip r:embed="rId3"/>
+          <a:blip r:embed="rId2"/>
           <a:stretch>
             <a:fillRect/>
           </a:stretch>
         </p:blipFill>
         <p:spPr>
           <a:xfrm>
-            <a:off x="4571741" y="1395018"/>
-            <a:ext cx="6688704" cy="4894270"/>
+            <a:off x="3472552" y="705217"/>
+            <a:ext cx="8416641" cy="6029538"/>
           </a:xfrm>
           <a:prstGeom prst="rect">
             <a:avLst/>
@@ -4271,12 +4319,14 @@
         </p:nvSpPr>
         <p:spPr>
           <a:xfrm>
-            <a:off x="1097280" y="286604"/>
-            <a:ext cx="10058400" cy="897218"/>
+            <a:off x="0" y="0"/>
+            <a:ext cx="12191999" cy="644056"/>
           </a:xfrm>
         </p:spPr>
         <p:txBody>
-          <a:bodyPr/>
+          <a:bodyPr>
+            <a:normAutofit fontScale="90000"/>
+          </a:bodyPr>
           <a:lstStyle/>
           <a:p>
             <a:r>
@@ -4304,8 +4354,8 @@
         </p:nvSpPr>
         <p:spPr>
           <a:xfrm>
-            <a:off x="1300664" y="1537970"/>
-            <a:ext cx="2242820" cy="4526280"/>
+            <a:off x="381662" y="1506164"/>
+            <a:ext cx="2719346" cy="5351835"/>
           </a:xfrm>
         </p:spPr>
         <p:txBody>
@@ -4316,7 +4366,51 @@
           <a:p>
             <a:r>
               <a:rPr lang="en-US" dirty="0"/>
-              <a:t>List of </a:t>
+              <a:t>Database:</a:t>
+            </a:r>
+          </a:p>
+          <a:p>
+            <a:pPr lvl="1"/>
+            <a:r>
+              <a:rPr lang="en-US" dirty="0"/>
+              <a:t>MongoDB</a:t>
+            </a:r>
+          </a:p>
+          <a:p>
+            <a:pPr marL="228600" lvl="1" indent="0">
+              <a:buNone/>
+            </a:pPr>
+            <a:endParaRPr lang="en-US" dirty="0"/>
+          </a:p>
+          <a:p>
+            <a:pPr marL="0" indent="0">
+              <a:buNone/>
+            </a:pPr>
+            <a:r>
+              <a:rPr lang="en-US" dirty="0"/>
+              <a:t>Front-End Technology:</a:t>
+            </a:r>
+          </a:p>
+          <a:p>
+            <a:pPr lvl="1"/>
+            <a:r>
+              <a:rPr lang="en-US" b="1" u="sng" dirty="0"/>
+              <a:t>Chart.js</a:t>
+            </a:r>
+          </a:p>
+          <a:p>
+            <a:pPr lvl="1"/>
+            <a:r>
+              <a:rPr lang="en-US" dirty="0" err="1"/>
+              <a:t>Mapbox</a:t>
+            </a:r>
+            <a:endParaRPr lang="en-US" dirty="0"/>
+          </a:p>
+          <a:p>
+            <a:pPr lvl="1"/>
+            <a:r>
+              <a:rPr lang="en-US" dirty="0"/>
+              <a:t>D3</a:t>
             </a:r>
           </a:p>
           <a:p>
@@ -4337,54 +4431,24 @@
             <a:pPr lvl="1"/>
             <a:r>
               <a:rPr lang="en-US" dirty="0"/>
-              <a:t>MongoDB</a:t>
+              <a:t>HTML</a:t>
             </a:r>
           </a:p>
           <a:p>
             <a:pPr lvl="1"/>
             <a:r>
-              <a:rPr lang="en-US" b="1" u="sng" dirty="0"/>
-              <a:t>Chart.js</a:t>
-            </a:r>
-          </a:p>
-          <a:p>
-            <a:pPr lvl="1"/>
-            <a:r>
-              <a:rPr lang="en-US" dirty="0" err="1"/>
-              <a:t>Mapbox</a:t>
-            </a:r>
-            <a:endParaRPr lang="en-US" dirty="0"/>
-          </a:p>
-          <a:p>
-            <a:pPr lvl="1"/>
-            <a:r>
               <a:rPr lang="en-US" dirty="0"/>
-              <a:t>D3</a:t>
-            </a:r>
-          </a:p>
-          <a:p>
-            <a:pPr lvl="1"/>
-            <a:r>
-              <a:rPr lang="en-US" dirty="0"/>
-              <a:t>Json</a:t>
-            </a:r>
-          </a:p>
-          <a:p>
-            <a:pPr lvl="1"/>
-            <a:r>
-              <a:rPr lang="en-US" dirty="0" err="1"/>
-              <a:t>bootstarp</a:t>
-            </a:r>
-            <a:endParaRPr lang="en-US" dirty="0"/>
+              <a:t>Bootstrap</a:t>
+            </a:r>
           </a:p>
         </p:txBody>
       </p:sp>
       <p:pic>
         <p:nvPicPr>
-          <p:cNvPr id="12" name="Picture 11">
+          <p:cNvPr id="7" name="Picture 6">
             <a:extLst>
               <a:ext uri="{FF2B5EF4-FFF2-40B4-BE49-F238E27FC236}">
-                <a16:creationId xmlns:a16="http://schemas.microsoft.com/office/drawing/2014/main" id="{FFB648BF-C5C4-458A-8A91-54F442159A02}"/>
+                <a16:creationId xmlns:a16="http://schemas.microsoft.com/office/drawing/2014/main" id="{C98BBAB2-5CDA-4DEA-8BAD-8822FFEF8F73}"/>
               </a:ext>
             </a:extLst>
           </p:cNvPr>
@@ -4401,8 +4465,8 @@
         </p:blipFill>
         <p:spPr>
           <a:xfrm>
-            <a:off x="4597736" y="1342159"/>
-            <a:ext cx="6185650" cy="5515841"/>
+            <a:off x="2987039" y="644055"/>
+            <a:ext cx="6872578" cy="6243715"/>
           </a:xfrm>
           <a:prstGeom prst="rect">
             <a:avLst/>
@@ -4457,12 +4521,14 @@
         </p:nvSpPr>
         <p:spPr>
           <a:xfrm>
-            <a:off x="1097280" y="286604"/>
-            <a:ext cx="10058400" cy="897218"/>
+            <a:off x="0" y="0"/>
+            <a:ext cx="12191999" cy="572494"/>
           </a:xfrm>
         </p:spPr>
         <p:txBody>
-          <a:bodyPr/>
+          <a:bodyPr>
+            <a:normAutofit fontScale="90000"/>
+          </a:bodyPr>
           <a:lstStyle/>
           <a:p>
             <a:r>
@@ -4474,10 +4540,10 @@
       </p:sp>
       <p:pic>
         <p:nvPicPr>
-          <p:cNvPr id="10" name="Picture 9">
+          <p:cNvPr id="4" name="Picture 3">
             <a:extLst>
               <a:ext uri="{FF2B5EF4-FFF2-40B4-BE49-F238E27FC236}">
-                <a16:creationId xmlns:a16="http://schemas.microsoft.com/office/drawing/2014/main" id="{063A8B02-12E6-491F-815D-20E995911741}"/>
+                <a16:creationId xmlns:a16="http://schemas.microsoft.com/office/drawing/2014/main" id="{7FFB8C1F-E45F-4C30-A0DA-D0624A1169B1}"/>
               </a:ext>
             </a:extLst>
           </p:cNvPr>
@@ -4494,8 +4560,8 @@
         </p:blipFill>
         <p:spPr>
           <a:xfrm>
-            <a:off x="2184400" y="1308100"/>
-            <a:ext cx="7437529" cy="4862407"/>
+            <a:off x="1235028" y="572494"/>
+            <a:ext cx="9721943" cy="6285506"/>
           </a:xfrm>
           <a:prstGeom prst="rect">
             <a:avLst/>
@@ -4550,12 +4616,14 @@
         </p:nvSpPr>
         <p:spPr>
           <a:xfrm>
-            <a:off x="1097280" y="286604"/>
-            <a:ext cx="10058400" cy="897218"/>
+            <a:off x="0" y="0"/>
+            <a:ext cx="12192000" cy="587754"/>
           </a:xfrm>
         </p:spPr>
         <p:txBody>
-          <a:bodyPr/>
+          <a:bodyPr>
+            <a:normAutofit fontScale="90000"/>
+          </a:bodyPr>
           <a:lstStyle/>
           <a:p>
             <a:r>
@@ -9133,12 +9201,14 @@
         </p:nvSpPr>
         <p:spPr>
           <a:xfrm>
-            <a:off x="1097280" y="286604"/>
-            <a:ext cx="10058400" cy="897218"/>
+            <a:off x="0" y="0"/>
+            <a:ext cx="12192000" cy="659601"/>
           </a:xfrm>
         </p:spPr>
         <p:txBody>
-          <a:bodyPr/>
+          <a:bodyPr>
+            <a:normAutofit fontScale="90000"/>
+          </a:bodyPr>
           <a:lstStyle/>
           <a:p>
             <a:r>
@@ -9166,22 +9236,149 @@
         </p:nvSpPr>
         <p:spPr>
           <a:xfrm>
-            <a:off x="1097280" y="1874520"/>
-            <a:ext cx="7310120" cy="3849624"/>
+            <a:off x="262393" y="936266"/>
+            <a:ext cx="10909190" cy="2172694"/>
           </a:xfrm>
         </p:spPr>
         <p:txBody>
-          <a:bodyPr/>
+          <a:bodyPr>
+            <a:normAutofit/>
+          </a:bodyPr>
           <a:lstStyle/>
           <a:p>
-            <a:pPr>
-              <a:buFont typeface="Arial" panose="020B0604020202020204" pitchFamily="34" charset="0"/>
-              <a:buChar char="•"/>
-            </a:pPr>
-            <a:endParaRPr lang="en-US" dirty="0"/>
+            <a:r>
+              <a:rPr lang="en-US" sz="1800" dirty="0">
+                <a:effectLst/>
+                <a:latin typeface="Calibri" panose="020F0502020204030204" pitchFamily="34" charset="0"/>
+                <a:ea typeface="Calibri" panose="020F0502020204030204" pitchFamily="34" charset="0"/>
+                <a:cs typeface="Times New Roman" panose="02020603050405020304" pitchFamily="18" charset="0"/>
+              </a:rPr>
+              <a:t>NC county Census employment data analysis for multiple years.  </a:t>
+            </a:r>
+          </a:p>
+          <a:p>
+            <a:pPr lvl="1"/>
+            <a:r>
+              <a:rPr lang="en-US" dirty="0">
+                <a:effectLst/>
+                <a:latin typeface="Calibri" panose="020F0502020204030204" pitchFamily="34" charset="0"/>
+                <a:ea typeface="Calibri" panose="020F0502020204030204" pitchFamily="34" charset="0"/>
+                <a:cs typeface="Times New Roman" panose="02020603050405020304" pitchFamily="18" charset="0"/>
+              </a:rPr>
+              <a:t>This dashboard provides visibly into the population and employment data for selected year.  The map provides more data visibility into each county.</a:t>
+            </a:r>
+          </a:p>
+          <a:p>
+            <a:pPr lvl="1"/>
+            <a:r>
+              <a:rPr lang="en-US" dirty="0">
+                <a:effectLst/>
+                <a:latin typeface="Calibri" panose="020F0502020204030204" pitchFamily="34" charset="0"/>
+                <a:ea typeface="Calibri" panose="020F0502020204030204" pitchFamily="34" charset="0"/>
+                <a:cs typeface="Times New Roman" panose="02020603050405020304" pitchFamily="18" charset="0"/>
+              </a:rPr>
+              <a:t>User have option to drill down into the data per county</a:t>
+            </a:r>
+          </a:p>
+          <a:p>
+            <a:pPr lvl="2"/>
+            <a:r>
+              <a:rPr lang="en-US" dirty="0">
+                <a:latin typeface="Calibri" panose="020F0502020204030204" pitchFamily="34" charset="0"/>
+                <a:ea typeface="Calibri" panose="020F0502020204030204" pitchFamily="34" charset="0"/>
+                <a:cs typeface="Times New Roman" panose="02020603050405020304" pitchFamily="18" charset="0"/>
+              </a:rPr>
+              <a:t>The timeline chart can be stacked against county population to identify population growth vs. employment. </a:t>
+            </a:r>
+          </a:p>
+          <a:p>
+            <a:pPr lvl="2"/>
+            <a:r>
+              <a:rPr lang="en-US" dirty="0">
+                <a:effectLst/>
+                <a:latin typeface="Calibri" panose="020F0502020204030204" pitchFamily="34" charset="0"/>
+                <a:ea typeface="Calibri" panose="020F0502020204030204" pitchFamily="34" charset="0"/>
+                <a:cs typeface="Times New Roman" panose="02020603050405020304" pitchFamily="18" charset="0"/>
+              </a:rPr>
+              <a:t>Business sector chart shows employment </a:t>
+            </a:r>
+            <a:r>
+              <a:rPr lang="en-US" dirty="0">
+                <a:latin typeface="Calibri" panose="020F0502020204030204" pitchFamily="34" charset="0"/>
+                <a:ea typeface="Calibri" panose="020F0502020204030204" pitchFamily="34" charset="0"/>
+                <a:cs typeface="Times New Roman" panose="02020603050405020304" pitchFamily="18" charset="0"/>
+              </a:rPr>
+              <a:t>industries from top down.</a:t>
+            </a:r>
+            <a:endParaRPr lang="en-US" dirty="0">
+              <a:effectLst/>
+              <a:latin typeface="Calibri" panose="020F0502020204030204" pitchFamily="34" charset="0"/>
+              <a:ea typeface="Calibri" panose="020F0502020204030204" pitchFamily="34" charset="0"/>
+              <a:cs typeface="Times New Roman" panose="02020603050405020304" pitchFamily="18" charset="0"/>
+            </a:endParaRPr>
           </a:p>
         </p:txBody>
       </p:sp>
+      <p:pic>
+        <p:nvPicPr>
+          <p:cNvPr id="5" name="Picture 4">
+            <a:extLst>
+              <a:ext uri="{FF2B5EF4-FFF2-40B4-BE49-F238E27FC236}">
+                <a16:creationId xmlns:a16="http://schemas.microsoft.com/office/drawing/2014/main" id="{6FFA1E74-F9AA-45E5-9B0F-80E92A4D83DE}"/>
+              </a:ext>
+            </a:extLst>
+          </p:cNvPr>
+          <p:cNvPicPr>
+            <a:picLocks noChangeAspect="1"/>
+          </p:cNvPicPr>
+          <p:nvPr/>
+        </p:nvPicPr>
+        <p:blipFill>
+          <a:blip r:embed="rId3"/>
+          <a:stretch>
+            <a:fillRect/>
+          </a:stretch>
+        </p:blipFill>
+        <p:spPr>
+          <a:xfrm>
+            <a:off x="6226178" y="3291839"/>
+            <a:ext cx="5965822" cy="3566161"/>
+          </a:xfrm>
+          <a:prstGeom prst="rect">
+            <a:avLst/>
+          </a:prstGeom>
+        </p:spPr>
+      </p:pic>
+      <p:pic>
+        <p:nvPicPr>
+          <p:cNvPr id="7" name="Picture 6">
+            <a:extLst>
+              <a:ext uri="{FF2B5EF4-FFF2-40B4-BE49-F238E27FC236}">
+                <a16:creationId xmlns:a16="http://schemas.microsoft.com/office/drawing/2014/main" id="{0E1098D9-60A8-4FF7-9FE4-B757B2E769FD}"/>
+              </a:ext>
+            </a:extLst>
+          </p:cNvPr>
+          <p:cNvPicPr>
+            <a:picLocks noChangeAspect="1"/>
+          </p:cNvPicPr>
+          <p:nvPr/>
+        </p:nvPicPr>
+        <p:blipFill>
+          <a:blip r:embed="rId4"/>
+          <a:stretch>
+            <a:fillRect/>
+          </a:stretch>
+        </p:blipFill>
+        <p:spPr>
+          <a:xfrm>
+            <a:off x="235101" y="3291840"/>
+            <a:ext cx="5844360" cy="3566160"/>
+          </a:xfrm>
+          <a:prstGeom prst="rect">
+            <a:avLst/>
+          </a:prstGeom>
+        </p:spPr>
+      </p:pic>
     </p:spTree>
     <p:extLst>
       <p:ext uri="{BB962C8B-B14F-4D97-AF65-F5344CB8AC3E}">

--- a/proposal/NC Census Data analysis 10-06.pptx
+++ b/proposal/NC Census Data analysis 10-06.pptx
@@ -5,7 +5,7 @@
     <p:sldMasterId id="2147483740" r:id="rId4"/>
   </p:sldMasterIdLst>
   <p:notesMasterIdLst>
-    <p:notesMasterId r:id="rId13"/>
+    <p:notesMasterId r:id="rId15"/>
   </p:notesMasterIdLst>
   <p:sldIdLst>
     <p:sldId id="257" r:id="rId5"/>
@@ -16,6 +16,8 @@
     <p:sldId id="272" r:id="rId10"/>
     <p:sldId id="267" r:id="rId11"/>
     <p:sldId id="266" r:id="rId12"/>
+    <p:sldId id="274" r:id="rId13"/>
+    <p:sldId id="273" r:id="rId14"/>
   </p:sldIdLst>
   <p:sldSz cx="12192000" cy="6858000"/>
   <p:notesSz cx="6858000" cy="9144000"/>
@@ -204,7 +206,7 @@
           <a:p>
             <a:fld id="{E1D941E9-C117-4952-8368-6FB7EE4AE216}" type="datetimeFigureOut">
               <a:rPr lang="en-US" smtClean="0"/>
-              <a:t>10/8/2020</a:t>
+              <a:t>10/8/20</a:t>
             </a:fld>
             <a:endParaRPr lang="en-US"/>
           </a:p>
@@ -630,6 +632,620 @@
           <a:bodyPr/>
           <a:lstStyle/>
           <a:p>
+            <a:r>
+              <a:rPr lang="en-US" sz="1200" kern="1200" dirty="0">
+                <a:solidFill>
+                  <a:schemeClr val="tx1"/>
+                </a:solidFill>
+                <a:effectLst/>
+                <a:latin typeface="+mn-lt"/>
+                <a:ea typeface="+mn-ea"/>
+                <a:cs typeface="+mn-cs"/>
+              </a:rPr>
+              <a:t>We collected data for these years. But, 2 days ago, I got an email of this. The </a:t>
+            </a:r>
+            <a:r>
+              <a:rPr lang="en-US" sz="1200" kern="1200" dirty="0" err="1">
+                <a:solidFill>
+                  <a:schemeClr val="tx1"/>
+                </a:solidFill>
+                <a:effectLst/>
+                <a:latin typeface="+mn-lt"/>
+                <a:ea typeface="+mn-ea"/>
+                <a:cs typeface="+mn-cs"/>
+              </a:rPr>
+              <a:t>api</a:t>
+            </a:r>
+            <a:r>
+              <a:rPr lang="en-US" sz="1200" kern="1200" dirty="0">
+                <a:solidFill>
+                  <a:schemeClr val="tx1"/>
+                </a:solidFill>
+                <a:effectLst/>
+                <a:latin typeface="+mn-lt"/>
+                <a:ea typeface="+mn-ea"/>
+                <a:cs typeface="+mn-cs"/>
+              </a:rPr>
+              <a:t> calls of two years do not work right now, so we had to delete these years from our page. </a:t>
+            </a:r>
+          </a:p>
+          <a:p>
+            <a:r>
+              <a:rPr lang="en-US" sz="1200" kern="1200" dirty="0">
+                <a:solidFill>
+                  <a:schemeClr val="tx1"/>
+                </a:solidFill>
+                <a:effectLst/>
+                <a:latin typeface="+mn-lt"/>
+                <a:ea typeface="+mn-ea"/>
+                <a:cs typeface="+mn-cs"/>
+              </a:rPr>
+              <a:t>(The dropdown selection provides from 2012 to 2018.)</a:t>
+            </a:r>
+          </a:p>
+          <a:p>
+            <a:endParaRPr lang="en-US" sz="1200" kern="1200" dirty="0">
+              <a:solidFill>
+                <a:schemeClr val="tx1"/>
+              </a:solidFill>
+              <a:effectLst/>
+              <a:latin typeface="+mn-lt"/>
+              <a:ea typeface="+mn-ea"/>
+              <a:cs typeface="+mn-cs"/>
+            </a:endParaRPr>
+          </a:p>
+          <a:p>
+            <a:r>
+              <a:rPr lang="en-US" sz="1200" kern="1200" dirty="0">
+                <a:solidFill>
+                  <a:schemeClr val="tx1"/>
+                </a:solidFill>
+                <a:effectLst/>
+                <a:latin typeface="+mn-lt"/>
+                <a:ea typeface="+mn-ea"/>
+                <a:cs typeface="+mn-cs"/>
+              </a:rPr>
+              <a:t>[click]</a:t>
+            </a:r>
+          </a:p>
+          <a:p>
+            <a:r>
+              <a:rPr lang="en-US" sz="1200" kern="1200" dirty="0">
+                <a:solidFill>
+                  <a:schemeClr val="tx1"/>
+                </a:solidFill>
+                <a:effectLst/>
+                <a:latin typeface="+mn-lt"/>
+                <a:ea typeface="+mn-ea"/>
+                <a:cs typeface="+mn-cs"/>
+              </a:rPr>
+              <a:t>The county business pattern data was collected from census dot gov through </a:t>
+            </a:r>
+            <a:r>
+              <a:rPr lang="en-US" sz="1200" kern="1200" dirty="0" err="1">
+                <a:solidFill>
+                  <a:schemeClr val="tx1"/>
+                </a:solidFill>
+                <a:effectLst/>
+                <a:latin typeface="+mn-lt"/>
+                <a:ea typeface="+mn-ea"/>
+                <a:cs typeface="+mn-cs"/>
+              </a:rPr>
+              <a:t>api</a:t>
+            </a:r>
+            <a:r>
+              <a:rPr lang="en-US" sz="1200" kern="1200" dirty="0">
+                <a:solidFill>
+                  <a:schemeClr val="tx1"/>
+                </a:solidFill>
+                <a:effectLst/>
+                <a:latin typeface="+mn-lt"/>
+                <a:ea typeface="+mn-ea"/>
+                <a:cs typeface="+mn-cs"/>
+              </a:rPr>
+              <a:t> calls.</a:t>
+            </a:r>
+          </a:p>
+          <a:p>
+            <a:r>
+              <a:rPr lang="en-US" sz="1200" kern="1200" dirty="0">
+                <a:solidFill>
+                  <a:schemeClr val="tx1"/>
+                </a:solidFill>
+                <a:effectLst/>
+                <a:latin typeface="+mn-lt"/>
+                <a:ea typeface="+mn-ea"/>
+                <a:cs typeface="+mn-cs"/>
+              </a:rPr>
+              <a:t>[click the box (left)], This data provide employee numbers for each business sector of each county. [click the right box] Each year, there are about 1500 rows.</a:t>
+            </a:r>
+          </a:p>
+          <a:p>
+            <a:endParaRPr lang="en-US" sz="1200" kern="1200" dirty="0">
+              <a:solidFill>
+                <a:schemeClr val="tx1"/>
+              </a:solidFill>
+              <a:effectLst/>
+              <a:latin typeface="+mn-lt"/>
+              <a:ea typeface="+mn-ea"/>
+              <a:cs typeface="+mn-cs"/>
+            </a:endParaRPr>
+          </a:p>
+          <a:p>
+            <a:r>
+              <a:rPr lang="en-US" sz="1200" kern="1200" dirty="0">
+                <a:solidFill>
+                  <a:schemeClr val="tx1"/>
+                </a:solidFill>
+                <a:effectLst/>
+                <a:latin typeface="+mn-lt"/>
+                <a:ea typeface="+mn-ea"/>
+                <a:cs typeface="+mn-cs"/>
+              </a:rPr>
+              <a:t>[click]</a:t>
+            </a:r>
+          </a:p>
+          <a:p>
+            <a:r>
+              <a:rPr lang="en-US" sz="1200" kern="1200" dirty="0">
+                <a:solidFill>
+                  <a:schemeClr val="tx1"/>
+                </a:solidFill>
+                <a:effectLst/>
+                <a:latin typeface="+mn-lt"/>
+                <a:ea typeface="+mn-ea"/>
+                <a:cs typeface="+mn-cs"/>
+              </a:rPr>
+              <a:t>For state-wide, we perform </a:t>
+            </a:r>
+            <a:r>
+              <a:rPr lang="en-US" sz="1200" kern="1200" dirty="0" err="1">
+                <a:solidFill>
+                  <a:schemeClr val="tx1"/>
+                </a:solidFill>
+                <a:effectLst/>
+                <a:latin typeface="+mn-lt"/>
+                <a:ea typeface="+mn-ea"/>
+                <a:cs typeface="+mn-cs"/>
+              </a:rPr>
+              <a:t>api</a:t>
+            </a:r>
+            <a:r>
+              <a:rPr lang="en-US" sz="1200" kern="1200" dirty="0">
+                <a:solidFill>
+                  <a:schemeClr val="tx1"/>
+                </a:solidFill>
+                <a:effectLst/>
+                <a:latin typeface="+mn-lt"/>
+                <a:ea typeface="+mn-ea"/>
+                <a:cs typeface="+mn-cs"/>
+              </a:rPr>
+              <a:t> calls separately because the county data do not include state-wide numbers or,  existing data was not correct. </a:t>
+            </a:r>
+          </a:p>
+          <a:p>
+            <a:endParaRPr lang="en-US" sz="1200" kern="1200" dirty="0">
+              <a:solidFill>
+                <a:schemeClr val="tx1"/>
+              </a:solidFill>
+              <a:effectLst/>
+              <a:latin typeface="+mn-lt"/>
+              <a:ea typeface="+mn-ea"/>
+              <a:cs typeface="+mn-cs"/>
+            </a:endParaRPr>
+          </a:p>
+          <a:p>
+            <a:r>
+              <a:rPr lang="en-US" sz="1200" kern="1200" dirty="0">
+                <a:solidFill>
+                  <a:schemeClr val="tx1"/>
+                </a:solidFill>
+                <a:effectLst/>
+                <a:latin typeface="+mn-lt"/>
+                <a:ea typeface="+mn-ea"/>
+                <a:cs typeface="+mn-cs"/>
+              </a:rPr>
+              <a:t>[click]</a:t>
+            </a:r>
+          </a:p>
+          <a:p>
+            <a:r>
+              <a:rPr lang="en-US" sz="1200" kern="1200" dirty="0">
+                <a:solidFill>
+                  <a:schemeClr val="tx1"/>
+                </a:solidFill>
+                <a:effectLst/>
+                <a:latin typeface="+mn-lt"/>
+                <a:ea typeface="+mn-ea"/>
+                <a:cs typeface="+mn-cs"/>
+              </a:rPr>
+              <a:t>To see employment timeline, we performed </a:t>
+            </a:r>
+            <a:r>
+              <a:rPr lang="en-US" sz="1200" kern="1200" dirty="0" err="1">
+                <a:solidFill>
+                  <a:schemeClr val="tx1"/>
+                </a:solidFill>
+                <a:effectLst/>
+                <a:latin typeface="+mn-lt"/>
+                <a:ea typeface="+mn-ea"/>
+                <a:cs typeface="+mn-cs"/>
+              </a:rPr>
+              <a:t>api</a:t>
+            </a:r>
+            <a:r>
+              <a:rPr lang="en-US" sz="1200" kern="1200" dirty="0">
+                <a:solidFill>
+                  <a:schemeClr val="tx1"/>
+                </a:solidFill>
+                <a:effectLst/>
+                <a:latin typeface="+mn-lt"/>
+                <a:ea typeface="+mn-ea"/>
+                <a:cs typeface="+mn-cs"/>
+              </a:rPr>
+              <a:t> calls for early years too.</a:t>
+            </a:r>
+          </a:p>
+          <a:p>
+            <a:r>
+              <a:rPr lang="en-US" sz="1200" kern="1200" dirty="0">
+                <a:solidFill>
+                  <a:schemeClr val="tx1"/>
+                </a:solidFill>
+                <a:effectLst/>
+                <a:latin typeface="+mn-lt"/>
+                <a:ea typeface="+mn-ea"/>
+                <a:cs typeface="+mn-cs"/>
+              </a:rPr>
+              <a:t>[click] also, separate </a:t>
+            </a:r>
+            <a:r>
+              <a:rPr lang="en-US" sz="1200" kern="1200" dirty="0" err="1">
+                <a:solidFill>
+                  <a:schemeClr val="tx1"/>
+                </a:solidFill>
+                <a:effectLst/>
+                <a:latin typeface="+mn-lt"/>
+                <a:ea typeface="+mn-ea"/>
+                <a:cs typeface="+mn-cs"/>
+              </a:rPr>
+              <a:t>api</a:t>
+            </a:r>
+            <a:r>
+              <a:rPr lang="en-US" sz="1200" kern="1200" dirty="0">
+                <a:solidFill>
+                  <a:schemeClr val="tx1"/>
+                </a:solidFill>
+                <a:effectLst/>
+                <a:latin typeface="+mn-lt"/>
+                <a:ea typeface="+mn-ea"/>
+                <a:cs typeface="+mn-cs"/>
+              </a:rPr>
+              <a:t> calls for the state total number of employees.</a:t>
+            </a:r>
+          </a:p>
+          <a:p>
+            <a:endParaRPr lang="en-US" sz="1200" kern="1200" dirty="0">
+              <a:solidFill>
+                <a:schemeClr val="tx1"/>
+              </a:solidFill>
+              <a:effectLst/>
+              <a:latin typeface="+mn-lt"/>
+              <a:ea typeface="+mn-ea"/>
+              <a:cs typeface="+mn-cs"/>
+            </a:endParaRPr>
+          </a:p>
+          <a:p>
+            <a:r>
+              <a:rPr lang="en-US" sz="1200" kern="1200" dirty="0">
+                <a:solidFill>
+                  <a:schemeClr val="tx1"/>
+                </a:solidFill>
+                <a:effectLst/>
+                <a:latin typeface="+mn-lt"/>
+                <a:ea typeface="+mn-ea"/>
+                <a:cs typeface="+mn-cs"/>
+              </a:rPr>
+              <a:t>The query variables for the employment have changed over the years.</a:t>
+            </a:r>
+          </a:p>
+          <a:p>
+            <a:r>
+              <a:rPr lang="en-US" sz="1200" kern="1200" dirty="0">
+                <a:solidFill>
+                  <a:schemeClr val="tx1"/>
+                </a:solidFill>
+                <a:effectLst/>
+                <a:latin typeface="+mn-lt"/>
+                <a:ea typeface="+mn-ea"/>
+                <a:cs typeface="+mn-cs"/>
+              </a:rPr>
+              <a:t>[click the leftmost box]</a:t>
+            </a:r>
+          </a:p>
+          <a:p>
+            <a:r>
+              <a:rPr lang="en-US" sz="1200" kern="1200" dirty="0">
+                <a:solidFill>
+                  <a:schemeClr val="tx1"/>
+                </a:solidFill>
+                <a:effectLst/>
+                <a:latin typeface="+mn-lt"/>
+                <a:ea typeface="+mn-ea"/>
+                <a:cs typeface="+mn-cs"/>
+              </a:rPr>
+              <a:t>We had to deal with the different indices in combining the data.</a:t>
+            </a:r>
+          </a:p>
+          <a:p>
+            <a:endParaRPr lang="en-US" sz="1200" kern="1200" dirty="0">
+              <a:solidFill>
+                <a:schemeClr val="tx1"/>
+              </a:solidFill>
+              <a:effectLst/>
+              <a:latin typeface="+mn-lt"/>
+              <a:ea typeface="+mn-ea"/>
+              <a:cs typeface="+mn-cs"/>
+            </a:endParaRPr>
+          </a:p>
+          <a:p>
+            <a:r>
+              <a:rPr lang="en-US" sz="1200" kern="1200" dirty="0">
+                <a:solidFill>
+                  <a:schemeClr val="tx1"/>
+                </a:solidFill>
+                <a:effectLst/>
+                <a:latin typeface="+mn-lt"/>
+                <a:ea typeface="+mn-ea"/>
+                <a:cs typeface="+mn-cs"/>
+              </a:rPr>
+              <a:t>[click] [click] [click]</a:t>
+            </a:r>
+          </a:p>
+          <a:p>
+            <a:r>
+              <a:rPr lang="en-US" sz="1200" kern="1200" dirty="0">
+                <a:solidFill>
+                  <a:schemeClr val="tx1"/>
+                </a:solidFill>
+                <a:effectLst/>
+                <a:latin typeface="+mn-lt"/>
+                <a:ea typeface="+mn-ea"/>
+                <a:cs typeface="+mn-cs"/>
+              </a:rPr>
+              <a:t>To see the employment rate, we also collected population data. Unexpectedly, it took time for us to fine population for these years. [click middle box, right box]</a:t>
+            </a:r>
+          </a:p>
+          <a:p>
+            <a:r>
+              <a:rPr lang="en-US" sz="1200" kern="1200" dirty="0">
+                <a:solidFill>
+                  <a:schemeClr val="tx1"/>
+                </a:solidFill>
+                <a:effectLst/>
+                <a:latin typeface="+mn-lt"/>
+                <a:ea typeface="+mn-ea"/>
+                <a:cs typeface="+mn-cs"/>
+              </a:rPr>
+              <a:t>Since the sources are different, we had to match the county names and the data format for the numbers. [click leftmost box].</a:t>
+            </a:r>
+          </a:p>
+          <a:p>
+            <a:endParaRPr lang="en-US" sz="1200" kern="1200" dirty="0">
+              <a:solidFill>
+                <a:schemeClr val="tx1"/>
+              </a:solidFill>
+              <a:effectLst/>
+              <a:latin typeface="+mn-lt"/>
+              <a:ea typeface="+mn-ea"/>
+              <a:cs typeface="+mn-cs"/>
+            </a:endParaRPr>
+          </a:p>
+          <a:p>
+            <a:r>
+              <a:rPr lang="en-US" sz="1200" kern="1200" dirty="0">
+                <a:solidFill>
+                  <a:schemeClr val="tx1"/>
+                </a:solidFill>
+                <a:effectLst/>
+                <a:latin typeface="+mn-lt"/>
+                <a:ea typeface="+mn-ea"/>
+                <a:cs typeface="+mn-cs"/>
+              </a:rPr>
+              <a:t>[click]</a:t>
+            </a:r>
+          </a:p>
+          <a:p>
+            <a:r>
+              <a:rPr lang="en-US" sz="1200" kern="1200" dirty="0">
+                <a:solidFill>
+                  <a:schemeClr val="tx1"/>
+                </a:solidFill>
+                <a:effectLst/>
+                <a:latin typeface="+mn-lt"/>
+                <a:ea typeface="+mn-ea"/>
+                <a:cs typeface="+mn-cs"/>
+              </a:rPr>
+              <a:t>The county employee data was loaded into mongo </a:t>
+            </a:r>
+            <a:r>
+              <a:rPr lang="en-US" sz="1200" kern="1200" dirty="0" err="1">
+                <a:solidFill>
+                  <a:schemeClr val="tx1"/>
+                </a:solidFill>
+                <a:effectLst/>
+                <a:latin typeface="+mn-lt"/>
+                <a:ea typeface="+mn-ea"/>
+                <a:cs typeface="+mn-cs"/>
+              </a:rPr>
+              <a:t>db</a:t>
+            </a:r>
+            <a:r>
+              <a:rPr lang="en-US" sz="1200" kern="1200" dirty="0">
+                <a:solidFill>
+                  <a:schemeClr val="tx1"/>
+                </a:solidFill>
+                <a:effectLst/>
+                <a:latin typeface="+mn-lt"/>
+                <a:ea typeface="+mn-ea"/>
+                <a:cs typeface="+mn-cs"/>
+              </a:rPr>
+              <a:t>, census collection.</a:t>
+            </a:r>
+          </a:p>
+          <a:p>
+            <a:r>
+              <a:rPr lang="en-US" sz="1200" kern="1200" dirty="0">
+                <a:solidFill>
+                  <a:schemeClr val="tx1"/>
+                </a:solidFill>
+                <a:effectLst/>
+                <a:latin typeface="+mn-lt"/>
+                <a:ea typeface="+mn-ea"/>
+                <a:cs typeface="+mn-cs"/>
+              </a:rPr>
+              <a:t>[click]</a:t>
+            </a:r>
+          </a:p>
+          <a:p>
+            <a:r>
+              <a:rPr lang="en-US" sz="1200" kern="1200" dirty="0">
+                <a:solidFill>
+                  <a:schemeClr val="tx1"/>
+                </a:solidFill>
+                <a:effectLst/>
+                <a:latin typeface="+mn-lt"/>
+                <a:ea typeface="+mn-ea"/>
+                <a:cs typeface="+mn-cs"/>
+              </a:rPr>
+              <a:t>State-wide data was loaded into </a:t>
+            </a:r>
+            <a:r>
+              <a:rPr lang="en-US" sz="1200" kern="1200" dirty="0" err="1">
+                <a:solidFill>
+                  <a:schemeClr val="tx1"/>
+                </a:solidFill>
+                <a:effectLst/>
+                <a:latin typeface="+mn-lt"/>
+                <a:ea typeface="+mn-ea"/>
+                <a:cs typeface="+mn-cs"/>
+              </a:rPr>
+              <a:t>nccensus</a:t>
+            </a:r>
+            <a:r>
+              <a:rPr lang="en-US" sz="1200" kern="1200" dirty="0">
+                <a:solidFill>
+                  <a:schemeClr val="tx1"/>
+                </a:solidFill>
+                <a:effectLst/>
+                <a:latin typeface="+mn-lt"/>
+                <a:ea typeface="+mn-ea"/>
+                <a:cs typeface="+mn-cs"/>
+              </a:rPr>
+              <a:t> collection.</a:t>
+            </a:r>
+          </a:p>
+          <a:p>
+            <a:r>
+              <a:rPr lang="en-US" sz="1200" kern="1200" dirty="0">
+                <a:solidFill>
+                  <a:schemeClr val="tx1"/>
+                </a:solidFill>
+                <a:effectLst/>
+                <a:latin typeface="+mn-lt"/>
+                <a:ea typeface="+mn-ea"/>
+                <a:cs typeface="+mn-cs"/>
+              </a:rPr>
+              <a:t>[click] The combined population table was stored in csv file. (Each year 100 rows)</a:t>
+            </a:r>
+          </a:p>
+          <a:p>
+            <a:endParaRPr lang="en-US" sz="1200" kern="1200" dirty="0">
+              <a:solidFill>
+                <a:schemeClr val="tx1"/>
+              </a:solidFill>
+              <a:effectLst/>
+              <a:latin typeface="+mn-lt"/>
+              <a:ea typeface="+mn-ea"/>
+              <a:cs typeface="+mn-cs"/>
+            </a:endParaRPr>
+          </a:p>
+          <a:p>
+            <a:r>
+              <a:rPr lang="en-US" sz="1200" kern="1200" dirty="0">
+                <a:solidFill>
+                  <a:schemeClr val="tx1"/>
+                </a:solidFill>
+                <a:effectLst/>
+                <a:latin typeface="+mn-lt"/>
+                <a:ea typeface="+mn-ea"/>
+                <a:cs typeface="+mn-cs"/>
+              </a:rPr>
+              <a:t>The map </a:t>
+            </a:r>
+            <a:r>
+              <a:rPr lang="en-US" sz="1200" kern="1200" dirty="0" err="1">
+                <a:solidFill>
+                  <a:schemeClr val="tx1"/>
+                </a:solidFill>
+                <a:effectLst/>
+                <a:latin typeface="+mn-lt"/>
+                <a:ea typeface="+mn-ea"/>
+                <a:cs typeface="+mn-cs"/>
+              </a:rPr>
+              <a:t>geojson</a:t>
+            </a:r>
+            <a:r>
+              <a:rPr lang="en-US" sz="1200" kern="1200" dirty="0">
+                <a:solidFill>
+                  <a:schemeClr val="tx1"/>
+                </a:solidFill>
+                <a:effectLst/>
+                <a:latin typeface="+mn-lt"/>
+                <a:ea typeface="+mn-ea"/>
+                <a:cs typeface="+mn-cs"/>
+              </a:rPr>
+              <a:t> has county number which is different from census data. We made combined table and stored in json file.</a:t>
+            </a:r>
+          </a:p>
+          <a:p>
+            <a:endParaRPr lang="en-US" sz="1200" kern="1200" dirty="0">
+              <a:solidFill>
+                <a:schemeClr val="tx1"/>
+              </a:solidFill>
+              <a:effectLst/>
+              <a:latin typeface="+mn-lt"/>
+              <a:ea typeface="+mn-ea"/>
+              <a:cs typeface="+mn-cs"/>
+            </a:endParaRPr>
+          </a:p>
+          <a:p>
+            <a:r>
+              <a:rPr lang="en-US" sz="1200" kern="1200" dirty="0" err="1">
+                <a:solidFill>
+                  <a:schemeClr val="tx1"/>
+                </a:solidFill>
+                <a:effectLst/>
+                <a:latin typeface="+mn-lt"/>
+                <a:ea typeface="+mn-ea"/>
+                <a:cs typeface="+mn-cs"/>
+              </a:rPr>
+              <a:t>Teshanee</a:t>
+            </a:r>
+            <a:r>
+              <a:rPr lang="en-US" sz="1200" kern="1200" dirty="0">
+                <a:solidFill>
+                  <a:schemeClr val="tx1"/>
+                </a:solidFill>
+                <a:effectLst/>
+                <a:latin typeface="+mn-lt"/>
+                <a:ea typeface="+mn-ea"/>
+                <a:cs typeface="+mn-cs"/>
+              </a:rPr>
+              <a:t> will summarize our presentation after giving you interesting observations.</a:t>
+            </a:r>
+          </a:p>
+          <a:p>
             <a:endParaRPr lang="en-US" dirty="0"/>
           </a:p>
         </p:txBody>
@@ -935,7 +1551,7 @@
           <a:p>
             <a:fld id="{EA0C0817-A112-4847-8014-A94B7D2A4EA3}" type="datetime1">
               <a:rPr lang="en-US" smtClean="0"/>
-              <a:t>10/8/2020</a:t>
+              <a:t>10/8/20</a:t>
             </a:fld>
             <a:endParaRPr lang="en-US" dirty="0"/>
           </a:p>
@@ -1105,7 +1721,7 @@
           <a:p>
             <a:fld id="{F6FA2B21-3FCD-4721-B95C-427943F61125}" type="datetime1">
               <a:rPr lang="en-US" smtClean="0"/>
-              <a:t>10/8/2020</a:t>
+              <a:t>10/8/20</a:t>
             </a:fld>
             <a:endParaRPr lang="en-US" dirty="0"/>
           </a:p>
@@ -1286,7 +1902,7 @@
           <a:p>
             <a:fld id="{F6FA2B21-3FCD-4721-B95C-427943F61125}" type="datetime1">
               <a:rPr lang="en-US" smtClean="0"/>
-              <a:t>10/8/2020</a:t>
+              <a:t>10/8/20</a:t>
             </a:fld>
             <a:endParaRPr lang="en-US" dirty="0"/>
           </a:p>
@@ -1457,7 +2073,7 @@
           <a:p>
             <a:fld id="{7332B432-ACDA-4023-A761-2BAB76577B62}" type="datetime1">
               <a:rPr lang="en-US" smtClean="0"/>
-              <a:t>10/8/2020</a:t>
+              <a:t>10/8/20</a:t>
             </a:fld>
             <a:endParaRPr lang="en-US" dirty="0"/>
           </a:p>
@@ -1725,7 +2341,7 @@
           <a:p>
             <a:fld id="{D9C646AA-F36E-4540-911D-FFFC0A0EF24A}" type="datetime1">
               <a:rPr lang="en-US" smtClean="0"/>
-              <a:t>10/8/2020</a:t>
+              <a:t>10/8/20</a:t>
             </a:fld>
             <a:endParaRPr lang="en-US" dirty="0"/>
           </a:p>
@@ -1957,7 +2573,7 @@
           <a:p>
             <a:fld id="{69186D26-FA5F-4637-B602-B7C2DC34CFD4}" type="datetime1">
               <a:rPr lang="en-US" smtClean="0"/>
-              <a:t>10/8/2020</a:t>
+              <a:t>10/8/20</a:t>
             </a:fld>
             <a:endParaRPr lang="en-US" dirty="0"/>
           </a:p>
@@ -2316,7 +2932,7 @@
           <a:p>
             <a:fld id="{F6FA2B21-3FCD-4721-B95C-427943F61125}" type="datetime1">
               <a:rPr lang="en-US" smtClean="0"/>
-              <a:t>10/8/2020</a:t>
+              <a:t>10/8/20</a:t>
             </a:fld>
             <a:endParaRPr lang="en-US" dirty="0"/>
           </a:p>
@@ -2458,7 +3074,7 @@
           <a:p>
             <a:fld id="{F9A96C99-B8F8-4528-BD05-0E16E943DC09}" type="datetime1">
               <a:rPr lang="en-US" smtClean="0"/>
-              <a:t>10/8/2020</a:t>
+              <a:t>10/8/20</a:t>
             </a:fld>
             <a:endParaRPr lang="en-US" dirty="0"/>
           </a:p>
@@ -2553,7 +3169,7 @@
           <a:p>
             <a:fld id="{03636942-C211-4B28-8DBD-C953E00AF71B}" type="datetime1">
               <a:rPr lang="en-US" smtClean="0"/>
-              <a:t>10/8/2020</a:t>
+              <a:t>10/8/20</a:t>
             </a:fld>
             <a:endParaRPr lang="en-US" dirty="0"/>
           </a:p>
@@ -2910,7 +3526,7 @@
           <a:p>
             <a:fld id="{7E8D12A6-918A-48BD-8CB9-CA713993B0EA}" type="datetime1">
               <a:rPr lang="en-US" smtClean="0"/>
-              <a:t>10/8/2020</a:t>
+              <a:t>10/8/20</a:t>
             </a:fld>
             <a:endParaRPr lang="en-US" dirty="0"/>
           </a:p>
@@ -3268,7 +3884,7 @@
             <a:fld id="{E778CE86-875F-4587-BCF6-FA054AFC0D53}" type="datetime1">
               <a:rPr lang="en-US" smtClean="0"/>
               <a:pPr/>
-              <a:t>10/8/2020</a:t>
+              <a:t>10/8/20</a:t>
             </a:fld>
             <a:endParaRPr lang="en-US" dirty="0"/>
           </a:p>
@@ -3511,7 +4127,7 @@
           <a:p>
             <a:fld id="{F6FA2B21-3FCD-4721-B95C-427943F61125}" type="datetime1">
               <a:rPr lang="en-US" smtClean="0"/>
-              <a:t>10/8/2020</a:t>
+              <a:t>10/8/20</a:t>
             </a:fld>
             <a:endParaRPr lang="en-US" dirty="0"/>
           </a:p>
@@ -4130,6 +4746,66 @@
 </p:sld>
 </file>
 
+<file path=ppt/slides/slide10.xml><?xml version="1.0" encoding="utf-8"?>
+<p:sld xmlns:a="http://schemas.openxmlformats.org/drawingml/2006/main" xmlns:r="http://schemas.openxmlformats.org/officeDocument/2006/relationships" xmlns:p="http://schemas.openxmlformats.org/presentationml/2006/main">
+  <p:cSld>
+    <p:spTree>
+      <p:nvGrpSpPr>
+        <p:cNvPr id="1" name=""/>
+        <p:cNvGrpSpPr/>
+        <p:nvPr/>
+      </p:nvGrpSpPr>
+      <p:grpSpPr>
+        <a:xfrm>
+          <a:off x="0" y="0"/>
+          <a:ext cx="0" cy="0"/>
+          <a:chOff x="0" y="0"/>
+          <a:chExt cx="0" cy="0"/>
+        </a:xfrm>
+      </p:grpSpPr>
+      <p:pic>
+        <p:nvPicPr>
+          <p:cNvPr id="6" name="Picture 5">
+            <a:extLst>
+              <a:ext uri="{FF2B5EF4-FFF2-40B4-BE49-F238E27FC236}">
+                <a16:creationId xmlns:a16="http://schemas.microsoft.com/office/drawing/2014/main" id="{2F4C045F-D7DD-4748-9999-D7DD7602B3E2}"/>
+              </a:ext>
+            </a:extLst>
+          </p:cNvPr>
+          <p:cNvPicPr>
+            <a:picLocks noChangeAspect="1"/>
+          </p:cNvPicPr>
+          <p:nvPr/>
+        </p:nvPicPr>
+        <p:blipFill>
+          <a:blip r:embed="rId2"/>
+          <a:stretch>
+            <a:fillRect/>
+          </a:stretch>
+        </p:blipFill>
+        <p:spPr>
+          <a:xfrm>
+            <a:off x="2625772" y="0"/>
+            <a:ext cx="5563432" cy="6858000"/>
+          </a:xfrm>
+          <a:prstGeom prst="rect">
+            <a:avLst/>
+          </a:prstGeom>
+        </p:spPr>
+      </p:pic>
+    </p:spTree>
+    <p:extLst>
+      <p:ext uri="{BB962C8B-B14F-4D97-AF65-F5344CB8AC3E}">
+        <p14:creationId xmlns:p14="http://schemas.microsoft.com/office/powerpoint/2010/main" val="436933775"/>
+      </p:ext>
+    </p:extLst>
+  </p:cSld>
+  <p:clrMapOvr>
+    <a:masterClrMapping/>
+  </p:clrMapOvr>
+</p:sld>
+</file>
+
 <file path=ppt/slides/slide2.xml><?xml version="1.0" encoding="utf-8"?>
 <p:sld xmlns:a="http://schemas.openxmlformats.org/drawingml/2006/main" xmlns:r="http://schemas.openxmlformats.org/officeDocument/2006/relationships" xmlns:p="http://schemas.openxmlformats.org/presentationml/2006/main">
   <p:cSld>
@@ -4649,7 +5325,7 @@
             <p:ph idx="1"/>
             <p:extLst>
               <p:ext uri="{D42A27DB-BD31-4B8C-83A1-F6EECF244321}">
-                <p14:modId xmlns:p14="http://schemas.microsoft.com/office/powerpoint/2010/main" val="3893356998"/>
+                <p14:modId xmlns:p14="http://schemas.microsoft.com/office/powerpoint/2010/main" val="3162412792"/>
               </p:ext>
             </p:extLst>
           </p:nvPr>
@@ -5541,7 +6217,14 @@
                     <a:lstStyle/>
                     <a:p>
                       <a:r>
-                        <a:rPr lang="en-US" sz="1200" b="0" dirty="0"/>
+                        <a:rPr lang="en-US" sz="1200" b="0" dirty="0">
+                          <a:solidFill>
+                            <a:schemeClr val="tx2">
+                              <a:lumMod val="40000"/>
+                              <a:lumOff val="60000"/>
+                            </a:schemeClr>
+                          </a:solidFill>
+                        </a:rPr>
                         <a:t>2012</a:t>
                       </a:r>
                     </a:p>
@@ -5583,6 +6266,11 @@
                       <a:headEnd type="none" w="med" len="med"/>
                       <a:tailEnd type="none" w="med" len="med"/>
                     </a:lnB>
+                    <a:solidFill>
+                      <a:schemeClr val="tx2">
+                        <a:lumMod val="75000"/>
+                      </a:schemeClr>
+                    </a:solidFill>
                   </a:tcPr>
                 </a:tc>
                 <a:tc>
@@ -5591,7 +6279,14 @@
                     <a:lstStyle/>
                     <a:p>
                       <a:r>
-                        <a:rPr lang="en-US" sz="1200" b="0" dirty="0"/>
+                        <a:rPr lang="en-US" sz="1200" b="0" dirty="0">
+                          <a:solidFill>
+                            <a:schemeClr val="tx2">
+                              <a:lumMod val="40000"/>
+                              <a:lumOff val="60000"/>
+                            </a:schemeClr>
+                          </a:solidFill>
+                        </a:rPr>
                         <a:t>2013</a:t>
                       </a:r>
                     </a:p>
@@ -5633,6 +6328,11 @@
                       <a:headEnd type="none" w="med" len="med"/>
                       <a:tailEnd type="none" w="med" len="med"/>
                     </a:lnB>
+                    <a:solidFill>
+                      <a:schemeClr val="tx2">
+                        <a:lumMod val="75000"/>
+                      </a:schemeClr>
+                    </a:solidFill>
                   </a:tcPr>
                 </a:tc>
                 <a:tc>
@@ -6548,6 +7248,11 @@
                       <a:headEnd type="none" w="med" len="med"/>
                       <a:tailEnd type="none" w="med" len="med"/>
                     </a:lnB>
+                    <a:solidFill>
+                      <a:schemeClr val="tx2">
+                        <a:lumMod val="75000"/>
+                      </a:schemeClr>
+                    </a:solidFill>
                   </a:tcPr>
                 </a:tc>
                 <a:tc>
@@ -6555,7 +7260,7 @@
                     <a:bodyPr/>
                     <a:lstStyle/>
                     <a:p>
-                      <a:endParaRPr lang="en-US" sz="1200" b="0"/>
+                      <a:endParaRPr lang="en-US" sz="1200" b="0" dirty="0"/>
                     </a:p>
                   </a:txBody>
                   <a:tcPr>
@@ -6595,6 +7300,11 @@
                       <a:headEnd type="none" w="med" len="med"/>
                       <a:tailEnd type="none" w="med" len="med"/>
                     </a:lnB>
+                    <a:solidFill>
+                      <a:schemeClr val="tx2">
+                        <a:lumMod val="75000"/>
+                      </a:schemeClr>
+                    </a:solidFill>
                   </a:tcPr>
                 </a:tc>
                 <a:tc>
@@ -6865,7 +7575,6 @@
         <p:sp>
           <p:nvSpPr>
             <p:cNvPr id="7" name="TextBox 6">
-              <a:hlinkClick r:id="rId3" action="ppaction://hlinkfile"/>
               <a:extLst>
                 <a:ext uri="{FF2B5EF4-FFF2-40B4-BE49-F238E27FC236}">
                   <a16:creationId xmlns:a16="http://schemas.microsoft.com/office/drawing/2014/main" id="{EC826077-081D-C844-B890-A0696C400C62}"/>
@@ -7150,10 +7859,10 @@
       </p:grpSp>
       <p:grpSp>
         <p:nvGrpSpPr>
-          <p:cNvPr id="68" name="Group 67">
+          <p:cNvPr id="8" name="Group 7">
             <a:extLst>
               <a:ext uri="{FF2B5EF4-FFF2-40B4-BE49-F238E27FC236}">
-                <a16:creationId xmlns:a16="http://schemas.microsoft.com/office/drawing/2014/main" id="{1FBA0FC6-4449-A848-9502-E6F26193B7C1}"/>
+                <a16:creationId xmlns:a16="http://schemas.microsoft.com/office/drawing/2014/main" id="{0BB10437-B6CB-6743-AD91-66BDD21D95E7}"/>
               </a:ext>
             </a:extLst>
           </p:cNvPr>
@@ -7162,16 +7871,16 @@
         </p:nvGrpSpPr>
         <p:grpSpPr>
           <a:xfrm>
-            <a:off x="7629617" y="2217684"/>
-            <a:ext cx="3525746" cy="1538883"/>
-            <a:chOff x="7629617" y="2217684"/>
-            <a:chExt cx="3525746" cy="1538883"/>
+            <a:off x="8612114" y="2217684"/>
+            <a:ext cx="2543247" cy="1555239"/>
+            <a:chOff x="8612114" y="2217684"/>
+            <a:chExt cx="2543247" cy="1555239"/>
           </a:xfrm>
         </p:grpSpPr>
         <p:sp>
           <p:nvSpPr>
             <p:cNvPr id="6" name="TextBox 5">
-              <a:hlinkClick r:id="rId4" action="ppaction://hlinkfile"/>
+              <a:hlinkClick r:id="rId3" action="ppaction://hlinksldjump"/>
               <a:extLst>
                 <a:ext uri="{FF2B5EF4-FFF2-40B4-BE49-F238E27FC236}">
                   <a16:creationId xmlns:a16="http://schemas.microsoft.com/office/drawing/2014/main" id="{5760FBAA-131D-4443-B1A0-BAD67826A759}"/>
@@ -7183,8 +7892,8 @@
           </p:nvSpPr>
           <p:spPr>
             <a:xfrm>
-              <a:off x="7629617" y="2234040"/>
-              <a:ext cx="2506894" cy="1323439"/>
+              <a:off x="8612114" y="2234040"/>
+              <a:ext cx="1538752" cy="1538883"/>
             </a:xfrm>
             <a:prstGeom prst="rect">
               <a:avLst/>
@@ -7219,7 +7928,7 @@
             <a:p>
               <a:r>
                 <a:rPr lang="en-US" sz="1400" dirty="0"/>
-                <a:t>Business Sectors EMP</a:t>
+                <a:t>Business Sectors</a:t>
               </a:r>
             </a:p>
             <a:p>
@@ -7242,7 +7951,6 @@
         <p:sp>
           <p:nvSpPr>
             <p:cNvPr id="13" name="TextBox 12">
-              <a:hlinkClick r:id="rId5" action="ppaction://hlinkfile"/>
               <a:extLst>
                 <a:ext uri="{FF2B5EF4-FFF2-40B4-BE49-F238E27FC236}">
                   <a16:creationId xmlns:a16="http://schemas.microsoft.com/office/drawing/2014/main" id="{82BA92C3-D2DC-4D41-881E-FBC486E9D5C0}"/>
@@ -7254,8 +7962,8 @@
           </p:nvSpPr>
           <p:spPr>
             <a:xfrm>
-              <a:off x="10150867" y="2217684"/>
-              <a:ext cx="1004496" cy="1538883"/>
+              <a:off x="10134029" y="2217684"/>
+              <a:ext cx="1021332" cy="1323439"/>
             </a:xfrm>
             <a:prstGeom prst="rect">
               <a:avLst/>
@@ -7288,7 +7996,7 @@
               </a:r>
               <a:r>
                 <a:rPr lang="en-US" sz="1400" dirty="0"/>
-                <a:t>Business Sectors EMP</a:t>
+                <a:t>Business Sectors</a:t>
               </a:r>
             </a:p>
             <a:p>
@@ -7312,7 +8020,6 @@
       <p:sp>
         <p:nvSpPr>
           <p:cNvPr id="9" name="TextBox 8">
-            <a:hlinkClick r:id="rId6" action="ppaction://hlinkfile"/>
             <a:extLst>
               <a:ext uri="{FF2B5EF4-FFF2-40B4-BE49-F238E27FC236}">
                 <a16:creationId xmlns:a16="http://schemas.microsoft.com/office/drawing/2014/main" id="{9724BF09-033F-A94A-8965-B6788B85E067}"/>
@@ -7372,7 +8079,6 @@
       <p:sp>
         <p:nvSpPr>
           <p:cNvPr id="14" name="TextBox 13">
-            <a:hlinkClick r:id="rId7" action="ppaction://hlinkfile"/>
             <a:extLst>
               <a:ext uri="{FF2B5EF4-FFF2-40B4-BE49-F238E27FC236}">
                 <a16:creationId xmlns:a16="http://schemas.microsoft.com/office/drawing/2014/main" id="{BF149DC7-6DF9-F846-821A-B038EF749B6D}"/>
@@ -7437,7 +8143,6 @@
       <p:sp>
         <p:nvSpPr>
           <p:cNvPr id="15" name="TextBox 14">
-            <a:hlinkClick r:id="rId8" action="ppaction://hlinkfile"/>
             <a:extLst>
               <a:ext uri="{FF2B5EF4-FFF2-40B4-BE49-F238E27FC236}">
                 <a16:creationId xmlns:a16="http://schemas.microsoft.com/office/drawing/2014/main" id="{21B13838-80F3-634C-987F-4474F48895DE}"/>
@@ -7773,10 +8478,10 @@
         </p:nvGrpSpPr>
         <p:grpSpPr>
           <a:xfrm>
-            <a:off x="7643973" y="4008474"/>
-            <a:ext cx="3525746" cy="1169551"/>
-            <a:chOff x="7643973" y="4008474"/>
-            <a:chExt cx="3525746" cy="1169551"/>
+            <a:off x="8612113" y="4008474"/>
+            <a:ext cx="2557606" cy="1169551"/>
+            <a:chOff x="8612113" y="4008474"/>
+            <a:chExt cx="2557606" cy="1169551"/>
           </a:xfrm>
         </p:grpSpPr>
         <p:sp>
@@ -7793,8 +8498,8 @@
           </p:nvSpPr>
           <p:spPr>
             <a:xfrm>
-              <a:off x="7643973" y="4024830"/>
-              <a:ext cx="2506894" cy="738664"/>
+              <a:off x="8612113" y="4024830"/>
+              <a:ext cx="1538753" cy="954107"/>
             </a:xfrm>
             <a:prstGeom prst="rect">
               <a:avLst/>
@@ -8370,7 +9075,7 @@
             <p:nvPr/>
           </p:nvPicPr>
           <p:blipFill>
-            <a:blip r:embed="rId9"/>
+            <a:blip r:embed="rId4"/>
             <a:stretch>
               <a:fillRect/>
             </a:stretch>
@@ -8386,6 +9091,66 @@
           </p:spPr>
         </p:pic>
       </p:grpSp>
+      <p:pic>
+        <p:nvPicPr>
+          <p:cNvPr id="5" name="Picture 4" descr="Graphical user interface, text&#10;&#10;Description automatically generated">
+            <a:extLst>
+              <a:ext uri="{FF2B5EF4-FFF2-40B4-BE49-F238E27FC236}">
+                <a16:creationId xmlns:a16="http://schemas.microsoft.com/office/drawing/2014/main" id="{E2A6FD7A-68B0-5A49-BA85-2F90CA427155}"/>
+              </a:ext>
+            </a:extLst>
+          </p:cNvPr>
+          <p:cNvPicPr>
+            <a:picLocks noChangeAspect="1"/>
+          </p:cNvPicPr>
+          <p:nvPr/>
+        </p:nvPicPr>
+        <p:blipFill>
+          <a:blip r:embed="rId5"/>
+          <a:stretch>
+            <a:fillRect/>
+          </a:stretch>
+        </p:blipFill>
+        <p:spPr>
+          <a:xfrm>
+            <a:off x="6827550" y="626064"/>
+            <a:ext cx="4475030" cy="1088315"/>
+          </a:xfrm>
+          <a:prstGeom prst="rect">
+            <a:avLst/>
+          </a:prstGeom>
+        </p:spPr>
+      </p:pic>
+      <p:pic>
+        <p:nvPicPr>
+          <p:cNvPr id="17" name="Picture 16">
+            <a:extLst>
+              <a:ext uri="{FF2B5EF4-FFF2-40B4-BE49-F238E27FC236}">
+                <a16:creationId xmlns:a16="http://schemas.microsoft.com/office/drawing/2014/main" id="{16FBBC00-446F-E143-99E3-D7C58AE14DAE}"/>
+              </a:ext>
+            </a:extLst>
+          </p:cNvPr>
+          <p:cNvPicPr>
+            <a:picLocks noChangeAspect="1"/>
+          </p:cNvPicPr>
+          <p:nvPr/>
+        </p:nvPicPr>
+        <p:blipFill>
+          <a:blip r:embed="rId6"/>
+          <a:stretch>
+            <a:fillRect/>
+          </a:stretch>
+        </p:blipFill>
+        <p:spPr>
+          <a:xfrm>
+            <a:off x="5850555" y="553354"/>
+            <a:ext cx="5600700" cy="4838700"/>
+          </a:xfrm>
+          <a:prstGeom prst="rect">
+            <a:avLst/>
+          </a:prstGeom>
+        </p:spPr>
+      </p:pic>
     </p:spTree>
     <p:extLst>
       <p:ext uri="{BB962C8B-B14F-4D97-AF65-F5344CB8AC3E}">
@@ -8430,7 +9195,7 @@
                                           </p:stCondLst>
                                         </p:cTn>
                                         <p:tgtEl>
-                                          <p:spTgt spid="4"/>
+                                          <p:spTgt spid="5"/>
                                         </p:tgtEl>
                                         <p:attrNameLst>
                                           <p:attrName>style.visibility</p:attrName>
@@ -8441,6 +9206,22 @@
                                       </p:to>
                                     </p:set>
                                   </p:childTnLst>
+                                  <p:subTnLst>
+                                    <p:set>
+                                      <p:cBhvr override="childStyle">
+                                        <p:cTn dur="1" fill="hold" display="0" masterRel="nextClick" afterEffect="1"/>
+                                        <p:tgtEl>
+                                          <p:spTgt spid="5"/>
+                                        </p:tgtEl>
+                                        <p:attrNameLst>
+                                          <p:attrName>style.visibility</p:attrName>
+                                        </p:attrNameLst>
+                                      </p:cBhvr>
+                                      <p:to>
+                                        <p:strVal val="hidden"/>
+                                      </p:to>
+                                    </p:set>
+                                  </p:subTnLst>
                                 </p:cTn>
                               </p:par>
                             </p:childTnLst>
@@ -8475,7 +9256,7 @@
                                           </p:stCondLst>
                                         </p:cTn>
                                         <p:tgtEl>
-                                          <p:spTgt spid="68"/>
+                                          <p:spTgt spid="8"/>
                                         </p:tgtEl>
                                         <p:attrNameLst>
                                           <p:attrName>style.visibility</p:attrName>
@@ -8520,7 +9301,7 @@
                                           </p:stCondLst>
                                         </p:cTn>
                                         <p:tgtEl>
-                                          <p:spTgt spid="70"/>
+                                          <p:spTgt spid="17"/>
                                         </p:tgtEl>
                                         <p:attrNameLst>
                                           <p:attrName>style.visibility</p:attrName>
@@ -8531,6 +9312,22 @@
                                       </p:to>
                                     </p:set>
                                   </p:childTnLst>
+                                  <p:subTnLst>
+                                    <p:set>
+                                      <p:cBhvr override="childStyle">
+                                        <p:cTn dur="1" fill="hold" display="0" masterRel="nextClick" afterEffect="1"/>
+                                        <p:tgtEl>
+                                          <p:spTgt spid="17"/>
+                                        </p:tgtEl>
+                                        <p:attrNameLst>
+                                          <p:attrName>style.visibility</p:attrName>
+                                        </p:attrNameLst>
+                                      </p:cBhvr>
+                                      <p:to>
+                                        <p:strVal val="hidden"/>
+                                      </p:to>
+                                    </p:set>
+                                  </p:subTnLst>
                                 </p:cTn>
                               </p:par>
                             </p:childTnLst>
@@ -8565,7 +9362,7 @@
                                           </p:stCondLst>
                                         </p:cTn>
                                         <p:tgtEl>
-                                          <p:spTgt spid="69"/>
+                                          <p:spTgt spid="70"/>
                                         </p:tgtEl>
                                         <p:attrNameLst>
                                           <p:attrName>style.visibility</p:attrName>
@@ -8610,7 +9407,7 @@
                                           </p:stCondLst>
                                         </p:cTn>
                                         <p:tgtEl>
-                                          <p:spTgt spid="71"/>
+                                          <p:spTgt spid="69"/>
                                         </p:tgtEl>
                                         <p:attrNameLst>
                                           <p:attrName>style.visibility</p:attrName>
@@ -8642,7 +9439,7 @@
                             </p:stCondLst>
                             <p:childTnLst>
                               <p:par>
-                                <p:cTn id="25" presetID="1" presetClass="entr" presetSubtype="0" fill="hold" grpId="0" nodeType="clickEffect">
+                                <p:cTn id="25" presetID="1" presetClass="entr" presetSubtype="0" fill="hold" nodeType="clickEffect">
                                   <p:stCondLst>
                                     <p:cond delay="0"/>
                                   </p:stCondLst>
@@ -8655,7 +9452,7 @@
                                           </p:stCondLst>
                                         </p:cTn>
                                         <p:tgtEl>
-                                          <p:spTgt spid="9"/>
+                                          <p:spTgt spid="71"/>
                                         </p:tgtEl>
                                         <p:attrNameLst>
                                           <p:attrName>style.visibility</p:attrName>
@@ -8700,7 +9497,7 @@
                                           </p:stCondLst>
                                         </p:cTn>
                                         <p:tgtEl>
-                                          <p:spTgt spid="14"/>
+                                          <p:spTgt spid="9"/>
                                         </p:tgtEl>
                                         <p:attrNameLst>
                                           <p:attrName>style.visibility</p:attrName>
@@ -8745,7 +9542,7 @@
                                           </p:stCondLst>
                                         </p:cTn>
                                         <p:tgtEl>
-                                          <p:spTgt spid="15"/>
+                                          <p:spTgt spid="14"/>
                                         </p:tgtEl>
                                         <p:attrNameLst>
                                           <p:attrName>style.visibility</p:attrName>
@@ -8777,7 +9574,7 @@
                             </p:stCondLst>
                             <p:childTnLst>
                               <p:par>
-                                <p:cTn id="37" presetID="2" presetClass="entr" presetSubtype="2" fill="hold" nodeType="clickEffect">
+                                <p:cTn id="37" presetID="1" presetClass="entr" presetSubtype="0" fill="hold" grpId="0" nodeType="clickEffect">
                                   <p:stCondLst>
                                     <p:cond delay="0"/>
                                   </p:stCondLst>
@@ -8785,6 +9582,51 @@
                                     <p:set>
                                       <p:cBhvr>
                                         <p:cTn id="38" dur="1" fill="hold">
+                                          <p:stCondLst>
+                                            <p:cond delay="0"/>
+                                          </p:stCondLst>
+                                        </p:cTn>
+                                        <p:tgtEl>
+                                          <p:spTgt spid="15"/>
+                                        </p:tgtEl>
+                                        <p:attrNameLst>
+                                          <p:attrName>style.visibility</p:attrName>
+                                        </p:attrNameLst>
+                                      </p:cBhvr>
+                                      <p:to>
+                                        <p:strVal val="visible"/>
+                                      </p:to>
+                                    </p:set>
+                                  </p:childTnLst>
+                                </p:cTn>
+                              </p:par>
+                            </p:childTnLst>
+                          </p:cTn>
+                        </p:par>
+                      </p:childTnLst>
+                    </p:cTn>
+                  </p:par>
+                  <p:par>
+                    <p:cTn id="39" fill="hold">
+                      <p:stCondLst>
+                        <p:cond delay="indefinite"/>
+                      </p:stCondLst>
+                      <p:childTnLst>
+                        <p:par>
+                          <p:cTn id="40" fill="hold">
+                            <p:stCondLst>
+                              <p:cond delay="0"/>
+                            </p:stCondLst>
+                            <p:childTnLst>
+                              <p:par>
+                                <p:cTn id="41" presetID="2" presetClass="entr" presetSubtype="2" fill="hold" nodeType="clickEffect">
+                                  <p:stCondLst>
+                                    <p:cond delay="0"/>
+                                  </p:stCondLst>
+                                  <p:childTnLst>
+                                    <p:set>
+                                      <p:cBhvr>
+                                        <p:cTn id="42" dur="1" fill="hold">
                                           <p:stCondLst>
                                             <p:cond delay="0"/>
                                           </p:stCondLst>
@@ -8802,7 +9644,7 @@
                                     </p:set>
                                     <p:anim calcmode="lin" valueType="num">
                                       <p:cBhvr additive="base">
-                                        <p:cTn id="39" dur="500" fill="hold"/>
+                                        <p:cTn id="43" dur="500" fill="hold"/>
                                         <p:tgtEl>
                                           <p:spTgt spid="73"/>
                                         </p:tgtEl>
@@ -8825,7 +9667,7 @@
                                     </p:anim>
                                     <p:anim calcmode="lin" valueType="num">
                                       <p:cBhvr additive="base">
-                                        <p:cTn id="40" dur="500" fill="hold"/>
+                                        <p:cTn id="44" dur="500" fill="hold"/>
                                         <p:tgtEl>
                                           <p:spTgt spid="73"/>
                                         </p:tgtEl>
@@ -8856,26 +9698,26 @@
                     </p:cTn>
                   </p:par>
                   <p:par>
-                    <p:cTn id="41" fill="hold">
+                    <p:cTn id="45" fill="hold">
                       <p:stCondLst>
                         <p:cond delay="indefinite"/>
                       </p:stCondLst>
                       <p:childTnLst>
                         <p:par>
-                          <p:cTn id="42" fill="hold">
+                          <p:cTn id="46" fill="hold">
                             <p:stCondLst>
                               <p:cond delay="0"/>
                             </p:stCondLst>
                             <p:childTnLst>
                               <p:par>
-                                <p:cTn id="43" presetID="2" presetClass="entr" presetSubtype="2" fill="hold" nodeType="clickEffect">
+                                <p:cTn id="47" presetID="2" presetClass="entr" presetSubtype="2" fill="hold" nodeType="clickEffect">
                                   <p:stCondLst>
                                     <p:cond delay="0"/>
                                   </p:stCondLst>
                                   <p:childTnLst>
                                     <p:set>
                                       <p:cBhvr>
-                                        <p:cTn id="44" dur="1" fill="hold">
+                                        <p:cTn id="48" dur="1" fill="hold">
                                           <p:stCondLst>
                                             <p:cond delay="0"/>
                                           </p:stCondLst>
@@ -8893,7 +9735,7 @@
                                     </p:set>
                                     <p:anim calcmode="lin" valueType="num">
                                       <p:cBhvr additive="base">
-                                        <p:cTn id="45" dur="500" fill="hold"/>
+                                        <p:cTn id="49" dur="500" fill="hold"/>
                                         <p:tgtEl>
                                           <p:spTgt spid="74"/>
                                         </p:tgtEl>
@@ -8916,7 +9758,7 @@
                                     </p:anim>
                                     <p:anim calcmode="lin" valueType="num">
                                       <p:cBhvr additive="base">
-                                        <p:cTn id="46" dur="500" fill="hold"/>
+                                        <p:cTn id="50" dur="500" fill="hold"/>
                                         <p:tgtEl>
                                           <p:spTgt spid="74"/>
                                         </p:tgtEl>
@@ -8947,26 +9789,26 @@
                     </p:cTn>
                   </p:par>
                   <p:par>
-                    <p:cTn id="47" fill="hold">
+                    <p:cTn id="51" fill="hold">
                       <p:stCondLst>
                         <p:cond delay="indefinite"/>
                       </p:stCondLst>
                       <p:childTnLst>
                         <p:par>
-                          <p:cTn id="48" fill="hold">
+                          <p:cTn id="52" fill="hold">
                             <p:stCondLst>
                               <p:cond delay="0"/>
                             </p:stCondLst>
                             <p:childTnLst>
                               <p:par>
-                                <p:cTn id="49" presetID="2" presetClass="entr" presetSubtype="2" fill="hold" nodeType="clickEffect">
+                                <p:cTn id="53" presetID="2" presetClass="entr" presetSubtype="2" fill="hold" nodeType="clickEffect">
                                   <p:stCondLst>
                                     <p:cond delay="0"/>
                                   </p:stCondLst>
                                   <p:childTnLst>
                                     <p:set>
                                       <p:cBhvr>
-                                        <p:cTn id="50" dur="1" fill="hold">
+                                        <p:cTn id="54" dur="1" fill="hold">
                                           <p:stCondLst>
                                             <p:cond delay="0"/>
                                           </p:stCondLst>
@@ -8984,7 +9826,7 @@
                                     </p:set>
                                     <p:anim calcmode="lin" valueType="num">
                                       <p:cBhvr additive="base">
-                                        <p:cTn id="51" dur="500" fill="hold"/>
+                                        <p:cTn id="55" dur="500" fill="hold"/>
                                         <p:tgtEl>
                                           <p:spTgt spid="75"/>
                                         </p:tgtEl>
@@ -9007,7 +9849,7 @@
                                     </p:anim>
                                     <p:anim calcmode="lin" valueType="num">
                                       <p:cBhvr additive="base">
-                                        <p:cTn id="52" dur="500" fill="hold"/>
+                                        <p:cTn id="56" dur="500" fill="hold"/>
                                         <p:tgtEl>
                                           <p:spTgt spid="75"/>
                                         </p:tgtEl>
@@ -9038,26 +9880,26 @@
                     </p:cTn>
                   </p:par>
                   <p:par>
-                    <p:cTn id="53" fill="hold">
+                    <p:cTn id="57" fill="hold">
                       <p:stCondLst>
                         <p:cond delay="indefinite"/>
                       </p:stCondLst>
                       <p:childTnLst>
                         <p:par>
-                          <p:cTn id="54" fill="hold">
+                          <p:cTn id="58" fill="hold">
                             <p:stCondLst>
                               <p:cond delay="0"/>
                             </p:stCondLst>
                             <p:childTnLst>
                               <p:par>
-                                <p:cTn id="55" presetID="53" presetClass="entr" presetSubtype="16" fill="hold" nodeType="clickEffect">
+                                <p:cTn id="59" presetID="53" presetClass="entr" presetSubtype="16" fill="hold" nodeType="clickEffect">
                                   <p:stCondLst>
                                     <p:cond delay="0"/>
                                   </p:stCondLst>
                                   <p:childTnLst>
                                     <p:set>
                                       <p:cBhvr>
-                                        <p:cTn id="56" dur="1" fill="hold">
+                                        <p:cTn id="60" dur="1" fill="hold">
                                           <p:stCondLst>
                                             <p:cond delay="0"/>
                                           </p:stCondLst>
@@ -9075,7 +9917,7 @@
                                     </p:set>
                                     <p:anim calcmode="lin" valueType="num">
                                       <p:cBhvr>
-                                        <p:cTn id="57" dur="500" fill="hold"/>
+                                        <p:cTn id="61" dur="500" fill="hold"/>
                                         <p:tgtEl>
                                           <p:spTgt spid="67"/>
                                         </p:tgtEl>
@@ -9098,7 +9940,7 @@
                                     </p:anim>
                                     <p:anim calcmode="lin" valueType="num">
                                       <p:cBhvr>
-                                        <p:cTn id="58" dur="500" fill="hold"/>
+                                        <p:cTn id="62" dur="500" fill="hold"/>
                                         <p:tgtEl>
                                           <p:spTgt spid="67"/>
                                         </p:tgtEl>
@@ -9121,7 +9963,7 @@
                                     </p:anim>
                                     <p:animEffect transition="in" filter="fade">
                                       <p:cBhvr>
-                                        <p:cTn id="59" dur="500"/>
+                                        <p:cTn id="63" dur="500"/>
                                         <p:tgtEl>
                                           <p:spTgt spid="67"/>
                                         </p:tgtEl>
@@ -9799,6 +10641,126 @@
     <p:extLst>
       <p:ext uri="{BB962C8B-B14F-4D97-AF65-F5344CB8AC3E}">
         <p14:creationId xmlns:p14="http://schemas.microsoft.com/office/powerpoint/2010/main" val="360152949"/>
+      </p:ext>
+    </p:extLst>
+  </p:cSld>
+  <p:clrMapOvr>
+    <a:masterClrMapping/>
+  </p:clrMapOvr>
+</p:sld>
+</file>
+
+<file path=ppt/slides/slide9.xml><?xml version="1.0" encoding="utf-8"?>
+<p:sld xmlns:a="http://schemas.openxmlformats.org/drawingml/2006/main" xmlns:r="http://schemas.openxmlformats.org/officeDocument/2006/relationships" xmlns:p="http://schemas.openxmlformats.org/presentationml/2006/main">
+  <p:cSld>
+    <p:spTree>
+      <p:nvGrpSpPr>
+        <p:cNvPr id="1" name=""/>
+        <p:cNvGrpSpPr/>
+        <p:nvPr/>
+      </p:nvGrpSpPr>
+      <p:grpSpPr>
+        <a:xfrm>
+          <a:off x="0" y="0"/>
+          <a:ext cx="0" cy="0"/>
+          <a:chOff x="0" y="0"/>
+          <a:chExt cx="0" cy="0"/>
+        </a:xfrm>
+      </p:grpSpPr>
+      <p:pic>
+        <p:nvPicPr>
+          <p:cNvPr id="6" name="Picture 5">
+            <a:extLst>
+              <a:ext uri="{FF2B5EF4-FFF2-40B4-BE49-F238E27FC236}">
+                <a16:creationId xmlns:a16="http://schemas.microsoft.com/office/drawing/2014/main" id="{0F750A24-604A-F742-8DF9-6ABBBBB74CE4}"/>
+              </a:ext>
+            </a:extLst>
+          </p:cNvPr>
+          <p:cNvPicPr>
+            <a:picLocks noChangeAspect="1"/>
+          </p:cNvPicPr>
+          <p:nvPr/>
+        </p:nvPicPr>
+        <p:blipFill>
+          <a:blip r:embed="rId2"/>
+          <a:stretch>
+            <a:fillRect/>
+          </a:stretch>
+        </p:blipFill>
+        <p:spPr>
+          <a:xfrm>
+            <a:off x="276294" y="0"/>
+            <a:ext cx="7392318" cy="5029200"/>
+          </a:xfrm>
+          <a:prstGeom prst="rect">
+            <a:avLst/>
+          </a:prstGeom>
+        </p:spPr>
+      </p:pic>
+      <p:pic>
+        <p:nvPicPr>
+          <p:cNvPr id="10" name="Picture 9">
+            <a:extLst>
+              <a:ext uri="{FF2B5EF4-FFF2-40B4-BE49-F238E27FC236}">
+                <a16:creationId xmlns:a16="http://schemas.microsoft.com/office/drawing/2014/main" id="{67884F93-347D-754A-B089-AA047CE60E90}"/>
+              </a:ext>
+            </a:extLst>
+          </p:cNvPr>
+          <p:cNvPicPr>
+            <a:picLocks noChangeAspect="1"/>
+          </p:cNvPicPr>
+          <p:nvPr/>
+        </p:nvPicPr>
+        <p:blipFill>
+          <a:blip r:embed="rId3"/>
+          <a:stretch>
+            <a:fillRect/>
+          </a:stretch>
+        </p:blipFill>
+        <p:spPr>
+          <a:xfrm>
+            <a:off x="5255848" y="1722574"/>
+            <a:ext cx="6936152" cy="3412852"/>
+          </a:xfrm>
+          <a:prstGeom prst="rect">
+            <a:avLst/>
+          </a:prstGeom>
+        </p:spPr>
+      </p:pic>
+      <p:pic>
+        <p:nvPicPr>
+          <p:cNvPr id="8" name="Picture 7">
+            <a:extLst>
+              <a:ext uri="{FF2B5EF4-FFF2-40B4-BE49-F238E27FC236}">
+                <a16:creationId xmlns:a16="http://schemas.microsoft.com/office/drawing/2014/main" id="{D1B7B1A2-ABC7-1747-9C4D-EF116DAD66E9}"/>
+              </a:ext>
+            </a:extLst>
+          </p:cNvPr>
+          <p:cNvPicPr>
+            <a:picLocks noChangeAspect="1"/>
+          </p:cNvPicPr>
+          <p:nvPr/>
+        </p:nvPicPr>
+        <p:blipFill>
+          <a:blip r:embed="rId4"/>
+          <a:stretch>
+            <a:fillRect/>
+          </a:stretch>
+        </p:blipFill>
+        <p:spPr>
+          <a:xfrm>
+            <a:off x="150021" y="4410147"/>
+            <a:ext cx="7872149" cy="2447853"/>
+          </a:xfrm>
+          <a:prstGeom prst="rect">
+            <a:avLst/>
+          </a:prstGeom>
+        </p:spPr>
+      </p:pic>
+    </p:spTree>
+    <p:extLst>
+      <p:ext uri="{BB962C8B-B14F-4D97-AF65-F5344CB8AC3E}">
+        <p14:creationId xmlns:p14="http://schemas.microsoft.com/office/powerpoint/2010/main" val="79239566"/>
       </p:ext>
     </p:extLst>
   </p:cSld>
@@ -10364,24 +11326,6 @@
 </file>
 
 <file path=customXml/item1.xml><?xml version="1.0" encoding="utf-8"?>
-<?mso-contentType ?>
-<FormTemplates xmlns="http://schemas.microsoft.com/sharepoint/v3/contenttype/forms">
-  <Display>DocumentLibraryForm</Display>
-  <Edit>DocumentLibraryForm</Edit>
-  <New>DocumentLibraryForm</New>
-</FormTemplates>
-</file>
-
-<file path=customXml/item2.xml><?xml version="1.0" encoding="utf-8"?>
-<p:properties xmlns:p="http://schemas.microsoft.com/office/2006/metadata/properties" xmlns:xsi="http://www.w3.org/2001/XMLSchema-instance" xmlns:pc="http://schemas.microsoft.com/office/infopath/2007/PartnerControls">
-  <documentManagement>
-    <Status xmlns="71af3243-3dd4-4a8d-8c0d-dd76da1f02a5">Not started</Status>
-    <MediaServiceKeyPoints xmlns="71af3243-3dd4-4a8d-8c0d-dd76da1f02a5" xsi:nil="true"/>
-  </documentManagement>
-</p:properties>
-</file>
-
-<file path=customXml/item3.xml><?xml version="1.0" encoding="utf-8"?>
 <ct:contentTypeSchema xmlns:ct="http://schemas.microsoft.com/office/2006/metadata/contentType" xmlns:ma="http://schemas.microsoft.com/office/2006/metadata/properties/metaAttributes" ct:_="" ma:_="" ma:contentTypeName="Document" ma:contentTypeID="0x01010079F111ED35F8CC479449609E8A0923A6" ma:contentTypeVersion="12" ma:contentTypeDescription="Create a new document." ma:contentTypeScope="" ma:versionID="a410dd7f93c95333ffa1b60ed6adedd1">
   <xsd:schema xmlns:xsd="http://www.w3.org/2001/XMLSchema" xmlns:xs="http://www.w3.org/2001/XMLSchema" xmlns:p="http://schemas.microsoft.com/office/2006/metadata/properties" xmlns:ns2="71af3243-3dd4-4a8d-8c0d-dd76da1f02a5" xmlns:ns3="16c05727-aa75-4e4a-9b5f-8a80a1165891" targetNamespace="http://schemas.microsoft.com/office/2006/metadata/properties" ma:root="true" ma:fieldsID="a936d9baba76aa3866493feff160faab" ns2:_="" ns3:_="">
     <xsd:import namespace="71af3243-3dd4-4a8d-8c0d-dd76da1f02a5"/>
@@ -10602,25 +11546,25 @@
 </ct:contentTypeSchema>
 </file>
 
-<file path=customXml/itemProps1.xml><?xml version="1.0" encoding="utf-8"?>
-<ds:datastoreItem xmlns:ds="http://schemas.openxmlformats.org/officeDocument/2006/customXml" ds:itemID="{7745B92C-4D89-4324-B52D-E1F5F627B790}">
-  <ds:schemaRefs>
-    <ds:schemaRef ds:uri="http://schemas.microsoft.com/sharepoint/v3/contenttype/forms"/>
-  </ds:schemaRefs>
-</ds:datastoreItem>
+<file path=customXml/item2.xml><?xml version="1.0" encoding="utf-8"?>
+<p:properties xmlns:p="http://schemas.microsoft.com/office/2006/metadata/properties" xmlns:xsi="http://www.w3.org/2001/XMLSchema-instance" xmlns:pc="http://schemas.microsoft.com/office/infopath/2007/PartnerControls">
+  <documentManagement>
+    <Status xmlns="71af3243-3dd4-4a8d-8c0d-dd76da1f02a5">Not started</Status>
+    <MediaServiceKeyPoints xmlns="71af3243-3dd4-4a8d-8c0d-dd76da1f02a5" xsi:nil="true"/>
+  </documentManagement>
+</p:properties>
 </file>
 
-<file path=customXml/itemProps2.xml><?xml version="1.0" encoding="utf-8"?>
-<ds:datastoreItem xmlns:ds="http://schemas.openxmlformats.org/officeDocument/2006/customXml" ds:itemID="{E7228C0C-F774-4270-99CB-314B07EBFBE7}">
-  <ds:schemaRefs>
-    <ds:schemaRef ds:uri="http://schemas.microsoft.com/office/2006/metadata/properties"/>
-    <ds:schemaRef ds:uri="http://schemas.microsoft.com/office/infopath/2007/PartnerControls"/>
-    <ds:schemaRef ds:uri="71af3243-3dd4-4a8d-8c0d-dd76da1f02a5"/>
-  </ds:schemaRefs>
-</ds:datastoreItem>
+<file path=customXml/item3.xml><?xml version="1.0" encoding="utf-8"?>
+<?mso-contentType ?>
+<FormTemplates xmlns="http://schemas.microsoft.com/sharepoint/v3/contenttype/forms">
+  <Display>DocumentLibraryForm</Display>
+  <Edit>DocumentLibraryForm</Edit>
+  <New>DocumentLibraryForm</New>
+</FormTemplates>
 </file>
 
-<file path=customXml/itemProps3.xml><?xml version="1.0" encoding="utf-8"?>
+<file path=customXml/itemProps1.xml><?xml version="1.0" encoding="utf-8"?>
 <ds:datastoreItem xmlns:ds="http://schemas.openxmlformats.org/officeDocument/2006/customXml" ds:itemID="{E4487CEA-7875-4327-875F-CA3B32E8009E}">
   <ds:schemaRefs>
     <ds:schemaRef ds:uri="http://schemas.microsoft.com/office/2006/metadata/contentType"/>
@@ -10637,4 +11581,22 @@
     <ds:schemaRef ds:uri="http://schemas.microsoft.com/internal/obd"/>
   </ds:schemaRefs>
 </ds:datastoreItem>
+</file>
+
+<file path=customXml/itemProps2.xml><?xml version="1.0" encoding="utf-8"?>
+<ds:datastoreItem xmlns:ds="http://schemas.openxmlformats.org/officeDocument/2006/customXml" ds:itemID="{E7228C0C-F774-4270-99CB-314B07EBFBE7}">
+  <ds:schemaRefs>
+    <ds:schemaRef ds:uri="http://schemas.microsoft.com/office/2006/metadata/properties"/>
+    <ds:schemaRef ds:uri="http://schemas.microsoft.com/office/infopath/2007/PartnerControls"/>
+    <ds:schemaRef ds:uri="71af3243-3dd4-4a8d-8c0d-dd76da1f02a5"/>
+  </ds:schemaRefs>
+</ds:datastoreItem>
+</file>
+
+<file path=customXml/itemProps3.xml><?xml version="1.0" encoding="utf-8"?>
+<ds:datastoreItem xmlns:ds="http://schemas.openxmlformats.org/officeDocument/2006/customXml" ds:itemID="{7745B92C-4D89-4324-B52D-E1F5F627B790}">
+  <ds:schemaRefs>
+    <ds:schemaRef ds:uri="http://schemas.microsoft.com/sharepoint/v3/contenttype/forms"/>
+  </ds:schemaRefs>
+</ds:datastoreItem>
 </file>
--- a/proposal/NC Census Data analysis 10-06.pptx
+++ b/proposal/NC Census Data analysis 10-06.pptx
@@ -206,7 +206,7 @@
           <a:p>
             <a:fld id="{E1D941E9-C117-4952-8368-6FB7EE4AE216}" type="datetimeFigureOut">
               <a:rPr lang="en-US" smtClean="0"/>
-              <a:t>10/8/20</a:t>
+              <a:t>10/9/20</a:t>
             </a:fld>
             <a:endParaRPr lang="en-US"/>
           </a:p>
@@ -1551,7 +1551,7 @@
           <a:p>
             <a:fld id="{EA0C0817-A112-4847-8014-A94B7D2A4EA3}" type="datetime1">
               <a:rPr lang="en-US" smtClean="0"/>
-              <a:t>10/8/20</a:t>
+              <a:t>10/9/20</a:t>
             </a:fld>
             <a:endParaRPr lang="en-US" dirty="0"/>
           </a:p>
@@ -1721,7 +1721,7 @@
           <a:p>
             <a:fld id="{F6FA2B21-3FCD-4721-B95C-427943F61125}" type="datetime1">
               <a:rPr lang="en-US" smtClean="0"/>
-              <a:t>10/8/20</a:t>
+              <a:t>10/9/20</a:t>
             </a:fld>
             <a:endParaRPr lang="en-US" dirty="0"/>
           </a:p>
@@ -1902,7 +1902,7 @@
           <a:p>
             <a:fld id="{F6FA2B21-3FCD-4721-B95C-427943F61125}" type="datetime1">
               <a:rPr lang="en-US" smtClean="0"/>
-              <a:t>10/8/20</a:t>
+              <a:t>10/9/20</a:t>
             </a:fld>
             <a:endParaRPr lang="en-US" dirty="0"/>
           </a:p>
@@ -2073,7 +2073,7 @@
           <a:p>
             <a:fld id="{7332B432-ACDA-4023-A761-2BAB76577B62}" type="datetime1">
               <a:rPr lang="en-US" smtClean="0"/>
-              <a:t>10/8/20</a:t>
+              <a:t>10/9/20</a:t>
             </a:fld>
             <a:endParaRPr lang="en-US" dirty="0"/>
           </a:p>
@@ -2341,7 +2341,7 @@
           <a:p>
             <a:fld id="{D9C646AA-F36E-4540-911D-FFFC0A0EF24A}" type="datetime1">
               <a:rPr lang="en-US" smtClean="0"/>
-              <a:t>10/8/20</a:t>
+              <a:t>10/9/20</a:t>
             </a:fld>
             <a:endParaRPr lang="en-US" dirty="0"/>
           </a:p>
@@ -2573,7 +2573,7 @@
           <a:p>
             <a:fld id="{69186D26-FA5F-4637-B602-B7C2DC34CFD4}" type="datetime1">
               <a:rPr lang="en-US" smtClean="0"/>
-              <a:t>10/8/20</a:t>
+              <a:t>10/9/20</a:t>
             </a:fld>
             <a:endParaRPr lang="en-US" dirty="0"/>
           </a:p>
@@ -2932,7 +2932,7 @@
           <a:p>
             <a:fld id="{F6FA2B21-3FCD-4721-B95C-427943F61125}" type="datetime1">
               <a:rPr lang="en-US" smtClean="0"/>
-              <a:t>10/8/20</a:t>
+              <a:t>10/9/20</a:t>
             </a:fld>
             <a:endParaRPr lang="en-US" dirty="0"/>
           </a:p>
@@ -3074,7 +3074,7 @@
           <a:p>
             <a:fld id="{F9A96C99-B8F8-4528-BD05-0E16E943DC09}" type="datetime1">
               <a:rPr lang="en-US" smtClean="0"/>
-              <a:t>10/8/20</a:t>
+              <a:t>10/9/20</a:t>
             </a:fld>
             <a:endParaRPr lang="en-US" dirty="0"/>
           </a:p>
@@ -3169,7 +3169,7 @@
           <a:p>
             <a:fld id="{03636942-C211-4B28-8DBD-C953E00AF71B}" type="datetime1">
               <a:rPr lang="en-US" smtClean="0"/>
-              <a:t>10/8/20</a:t>
+              <a:t>10/9/20</a:t>
             </a:fld>
             <a:endParaRPr lang="en-US" dirty="0"/>
           </a:p>
@@ -3526,7 +3526,7 @@
           <a:p>
             <a:fld id="{7E8D12A6-918A-48BD-8CB9-CA713993B0EA}" type="datetime1">
               <a:rPr lang="en-US" smtClean="0"/>
-              <a:t>10/8/20</a:t>
+              <a:t>10/9/20</a:t>
             </a:fld>
             <a:endParaRPr lang="en-US" dirty="0"/>
           </a:p>
@@ -3884,7 +3884,7 @@
             <a:fld id="{E778CE86-875F-4587-BCF6-FA054AFC0D53}" type="datetime1">
               <a:rPr lang="en-US" smtClean="0"/>
               <a:pPr/>
-              <a:t>10/8/20</a:t>
+              <a:t>10/9/20</a:t>
             </a:fld>
             <a:endParaRPr lang="en-US" dirty="0"/>
           </a:p>
@@ -4127,7 +4127,7 @@
           <a:p>
             <a:fld id="{F6FA2B21-3FCD-4721-B95C-427943F61125}" type="datetime1">
               <a:rPr lang="en-US" smtClean="0"/>
-              <a:t>10/8/20</a:t>
+              <a:t>10/9/20</a:t>
             </a:fld>
             <a:endParaRPr lang="en-US" dirty="0"/>
           </a:p>
@@ -7880,7 +7880,6 @@
         <p:sp>
           <p:nvSpPr>
             <p:cNvPr id="6" name="TextBox 5">
-              <a:hlinkClick r:id="rId3" action="ppaction://hlinksldjump"/>
               <a:extLst>
                 <a:ext uri="{FF2B5EF4-FFF2-40B4-BE49-F238E27FC236}">
                   <a16:creationId xmlns:a16="http://schemas.microsoft.com/office/drawing/2014/main" id="{5760FBAA-131D-4443-B1A0-BAD67826A759}"/>
@@ -9075,7 +9074,7 @@
             <p:nvPr/>
           </p:nvPicPr>
           <p:blipFill>
-            <a:blip r:embed="rId4"/>
+            <a:blip r:embed="rId3"/>
             <a:stretch>
               <a:fillRect/>
             </a:stretch>
@@ -9106,7 +9105,7 @@
           <p:nvPr/>
         </p:nvPicPr>
         <p:blipFill>
-          <a:blip r:embed="rId5"/>
+          <a:blip r:embed="rId4"/>
           <a:stretch>
             <a:fillRect/>
           </a:stretch>
@@ -9136,15 +9135,15 @@
           <p:nvPr/>
         </p:nvPicPr>
         <p:blipFill>
-          <a:blip r:embed="rId6"/>
+          <a:blip r:embed="rId5"/>
           <a:stretch>
             <a:fillRect/>
           </a:stretch>
         </p:blipFill>
         <p:spPr>
           <a:xfrm>
-            <a:off x="5850555" y="553354"/>
-            <a:ext cx="5600700" cy="4838700"/>
+            <a:off x="7069366" y="577386"/>
+            <a:ext cx="5044010" cy="4357750"/>
           </a:xfrm>
           <a:prstGeom prst="rect">
             <a:avLst/>
@@ -11326,6 +11325,15 @@
 </file>
 
 <file path=customXml/item1.xml><?xml version="1.0" encoding="utf-8"?>
+<p:properties xmlns:p="http://schemas.microsoft.com/office/2006/metadata/properties" xmlns:xsi="http://www.w3.org/2001/XMLSchema-instance" xmlns:pc="http://schemas.microsoft.com/office/infopath/2007/PartnerControls">
+  <documentManagement>
+    <Status xmlns="71af3243-3dd4-4a8d-8c0d-dd76da1f02a5">Not started</Status>
+    <MediaServiceKeyPoints xmlns="71af3243-3dd4-4a8d-8c0d-dd76da1f02a5" xsi:nil="true"/>
+  </documentManagement>
+</p:properties>
+</file>
+
+<file path=customXml/item2.xml><?xml version="1.0" encoding="utf-8"?>
 <ct:contentTypeSchema xmlns:ct="http://schemas.microsoft.com/office/2006/metadata/contentType" xmlns:ma="http://schemas.microsoft.com/office/2006/metadata/properties/metaAttributes" ct:_="" ma:_="" ma:contentTypeName="Document" ma:contentTypeID="0x01010079F111ED35F8CC479449609E8A0923A6" ma:contentTypeVersion="12" ma:contentTypeDescription="Create a new document." ma:contentTypeScope="" ma:versionID="a410dd7f93c95333ffa1b60ed6adedd1">
   <xsd:schema xmlns:xsd="http://www.w3.org/2001/XMLSchema" xmlns:xs="http://www.w3.org/2001/XMLSchema" xmlns:p="http://schemas.microsoft.com/office/2006/metadata/properties" xmlns:ns2="71af3243-3dd4-4a8d-8c0d-dd76da1f02a5" xmlns:ns3="16c05727-aa75-4e4a-9b5f-8a80a1165891" targetNamespace="http://schemas.microsoft.com/office/2006/metadata/properties" ma:root="true" ma:fieldsID="a936d9baba76aa3866493feff160faab" ns2:_="" ns3:_="">
     <xsd:import namespace="71af3243-3dd4-4a8d-8c0d-dd76da1f02a5"/>
@@ -11546,15 +11554,6 @@
 </ct:contentTypeSchema>
 </file>
 
-<file path=customXml/item2.xml><?xml version="1.0" encoding="utf-8"?>
-<p:properties xmlns:p="http://schemas.microsoft.com/office/2006/metadata/properties" xmlns:xsi="http://www.w3.org/2001/XMLSchema-instance" xmlns:pc="http://schemas.microsoft.com/office/infopath/2007/PartnerControls">
-  <documentManagement>
-    <Status xmlns="71af3243-3dd4-4a8d-8c0d-dd76da1f02a5">Not started</Status>
-    <MediaServiceKeyPoints xmlns="71af3243-3dd4-4a8d-8c0d-dd76da1f02a5" xsi:nil="true"/>
-  </documentManagement>
-</p:properties>
-</file>
-
 <file path=customXml/item3.xml><?xml version="1.0" encoding="utf-8"?>
 <?mso-contentType ?>
 <FormTemplates xmlns="http://schemas.microsoft.com/sharepoint/v3/contenttype/forms">
@@ -11565,6 +11564,16 @@
 </file>
 
 <file path=customXml/itemProps1.xml><?xml version="1.0" encoding="utf-8"?>
+<ds:datastoreItem xmlns:ds="http://schemas.openxmlformats.org/officeDocument/2006/customXml" ds:itemID="{E7228C0C-F774-4270-99CB-314B07EBFBE7}">
+  <ds:schemaRefs>
+    <ds:schemaRef ds:uri="http://schemas.microsoft.com/office/2006/metadata/properties"/>
+    <ds:schemaRef ds:uri="http://schemas.microsoft.com/office/infopath/2007/PartnerControls"/>
+    <ds:schemaRef ds:uri="71af3243-3dd4-4a8d-8c0d-dd76da1f02a5"/>
+  </ds:schemaRefs>
+</ds:datastoreItem>
+</file>
+
+<file path=customXml/itemProps2.xml><?xml version="1.0" encoding="utf-8"?>
 <ds:datastoreItem xmlns:ds="http://schemas.openxmlformats.org/officeDocument/2006/customXml" ds:itemID="{E4487CEA-7875-4327-875F-CA3B32E8009E}">
   <ds:schemaRefs>
     <ds:schemaRef ds:uri="http://schemas.microsoft.com/office/2006/metadata/contentType"/>
@@ -11583,16 +11592,6 @@
 </ds:datastoreItem>
 </file>
 
-<file path=customXml/itemProps2.xml><?xml version="1.0" encoding="utf-8"?>
-<ds:datastoreItem xmlns:ds="http://schemas.openxmlformats.org/officeDocument/2006/customXml" ds:itemID="{E7228C0C-F774-4270-99CB-314B07EBFBE7}">
-  <ds:schemaRefs>
-    <ds:schemaRef ds:uri="http://schemas.microsoft.com/office/2006/metadata/properties"/>
-    <ds:schemaRef ds:uri="http://schemas.microsoft.com/office/infopath/2007/PartnerControls"/>
-    <ds:schemaRef ds:uri="71af3243-3dd4-4a8d-8c0d-dd76da1f02a5"/>
-  </ds:schemaRefs>
-</ds:datastoreItem>
-</file>
-
 <file path=customXml/itemProps3.xml><?xml version="1.0" encoding="utf-8"?>
 <ds:datastoreItem xmlns:ds="http://schemas.openxmlformats.org/officeDocument/2006/customXml" ds:itemID="{7745B92C-4D89-4324-B52D-E1F5F627B790}">
   <ds:schemaRefs>

--- a/proposal/NC Census Data analysis 10-06.pptx
+++ b/proposal/NC Census Data analysis 10-06.pptx
@@ -632,6 +632,23 @@
           <a:bodyPr/>
           <a:lstStyle/>
           <a:p>
+            <a:pPr marL="0" marR="0" lvl="0" indent="0" algn="l" defTabSz="914400" rtl="0" eaLnBrk="1" fontAlgn="auto" latinLnBrk="0" hangingPunct="1">
+              <a:lnSpc>
+                <a:spcPct val="100000"/>
+              </a:lnSpc>
+              <a:spcBef>
+                <a:spcPts val="0"/>
+              </a:spcBef>
+              <a:spcAft>
+                <a:spcPts val="0"/>
+              </a:spcAft>
+              <a:buClrTx/>
+              <a:buSzTx/>
+              <a:buFontTx/>
+              <a:buNone/>
+              <a:tabLst/>
+              <a:defRPr/>
+            </a:pPr>
             <a:r>
               <a:rPr lang="en-US" sz="1200" kern="1200" dirty="0">
                 <a:solidFill>
@@ -642,7 +659,7 @@
                 <a:ea typeface="+mn-ea"/>
                 <a:cs typeface="+mn-cs"/>
               </a:rPr>
-              <a:t>We collected data for these years. But, 2 days ago, I got an email of this. The </a:t>
+              <a:t>We collected NC employment data from census dot gov through </a:t>
             </a:r>
             <a:r>
               <a:rPr lang="en-US" sz="1200" kern="1200" dirty="0" err="1">
@@ -666,10 +683,27 @@
                 <a:ea typeface="+mn-ea"/>
                 <a:cs typeface="+mn-cs"/>
               </a:rPr>
-              <a:t> calls of two years do not work right now, so we had to delete these years from our page. </a:t>
-            </a:r>
-          </a:p>
-          <a:p>
+              <a:t> calls for these years. </a:t>
+            </a:r>
+          </a:p>
+          <a:p>
+            <a:pPr marL="0" marR="0" lvl="0" indent="0" algn="l" defTabSz="914400" rtl="0" eaLnBrk="1" fontAlgn="auto" latinLnBrk="0" hangingPunct="1">
+              <a:lnSpc>
+                <a:spcPct val="100000"/>
+              </a:lnSpc>
+              <a:spcBef>
+                <a:spcPts val="0"/>
+              </a:spcBef>
+              <a:spcAft>
+                <a:spcPts val="0"/>
+              </a:spcAft>
+              <a:buClrTx/>
+              <a:buSzTx/>
+              <a:buFontTx/>
+              <a:buNone/>
+              <a:tabLst/>
+              <a:defRPr/>
+            </a:pPr>
             <a:r>
               <a:rPr lang="en-US" sz="1200" kern="1200" dirty="0">
                 <a:solidFill>
@@ -680,7 +714,95 @@
                 <a:ea typeface="+mn-ea"/>
                 <a:cs typeface="+mn-cs"/>
               </a:rPr>
-              <a:t>(The dropdown selection provides from 2012 to 2018.)</a:t>
+              <a:t>But, 2 days ago, I got an email of this. The </a:t>
+            </a:r>
+            <a:r>
+              <a:rPr lang="en-US" sz="1200" kern="1200" dirty="0" err="1">
+                <a:solidFill>
+                  <a:schemeClr val="tx1"/>
+                </a:solidFill>
+                <a:effectLst/>
+                <a:latin typeface="+mn-lt"/>
+                <a:ea typeface="+mn-ea"/>
+                <a:cs typeface="+mn-cs"/>
+              </a:rPr>
+              <a:t>api</a:t>
+            </a:r>
+            <a:r>
+              <a:rPr lang="en-US" sz="1200" kern="1200" dirty="0">
+                <a:solidFill>
+                  <a:schemeClr val="tx1"/>
+                </a:solidFill>
+                <a:effectLst/>
+                <a:latin typeface="+mn-lt"/>
+                <a:ea typeface="+mn-ea"/>
+                <a:cs typeface="+mn-cs"/>
+              </a:rPr>
+              <a:t> calls of two years do not work right now, so we had to delete 2012 and 2013 from our page. </a:t>
+            </a:r>
+          </a:p>
+          <a:p>
+            <a:endParaRPr lang="en-US" sz="1200" kern="1200" dirty="0">
+              <a:solidFill>
+                <a:schemeClr val="tx1"/>
+              </a:solidFill>
+              <a:effectLst/>
+              <a:latin typeface="+mn-lt"/>
+              <a:ea typeface="+mn-ea"/>
+              <a:cs typeface="+mn-cs"/>
+            </a:endParaRPr>
+          </a:p>
+          <a:p>
+            <a:r>
+              <a:rPr lang="en-US" sz="1200" kern="1200" dirty="0">
+                <a:solidFill>
+                  <a:schemeClr val="tx1"/>
+                </a:solidFill>
+                <a:effectLst/>
+                <a:latin typeface="+mn-lt"/>
+                <a:ea typeface="+mn-ea"/>
+                <a:cs typeface="+mn-cs"/>
+              </a:rPr>
+              <a:t>The data provide the number of employees of each business sector for each county. </a:t>
+            </a:r>
+          </a:p>
+          <a:p>
+            <a:r>
+              <a:rPr lang="en-US" sz="1200" kern="1200" dirty="0">
+                <a:solidFill>
+                  <a:schemeClr val="tx1"/>
+                </a:solidFill>
+                <a:effectLst/>
+                <a:latin typeface="+mn-lt"/>
+                <a:ea typeface="+mn-ea"/>
+                <a:cs typeface="+mn-cs"/>
+              </a:rPr>
+              <a:t>[click] Each year data has about 1500 rows.</a:t>
+            </a:r>
+          </a:p>
+          <a:p>
+            <a:endParaRPr lang="en-US" sz="1200" kern="1200" dirty="0">
+              <a:solidFill>
+                <a:schemeClr val="tx1"/>
+              </a:solidFill>
+              <a:effectLst/>
+              <a:latin typeface="+mn-lt"/>
+              <a:ea typeface="+mn-ea"/>
+              <a:cs typeface="+mn-cs"/>
+            </a:endParaRPr>
+          </a:p>
+          <a:p>
+            <a:r>
+              <a:rPr lang="en-US" sz="1200" kern="1200" dirty="0">
+                <a:solidFill>
+                  <a:schemeClr val="tx1"/>
+                </a:solidFill>
+                <a:effectLst/>
+                <a:latin typeface="+mn-lt"/>
+                <a:ea typeface="+mn-ea"/>
+                <a:cs typeface="+mn-cs"/>
+              </a:rPr>
+              <a:t>Some tables have statewide employee data. But, the existing data is incorrect. For example, when sector number is 61 it says zero which is odd. The data requested for only statewide gives correct numbers.</a:t>
             </a:r>
           </a:p>
           <a:p>
@@ -719,7 +841,7 @@
                 <a:ea typeface="+mn-ea"/>
                 <a:cs typeface="+mn-cs"/>
               </a:rPr>
-              <a:t>The county business pattern data was collected from census dot gov through </a:t>
+              <a:t>So we perform </a:t>
             </a:r>
             <a:r>
               <a:rPr lang="en-US" sz="1200" kern="1200" dirty="0" err="1">
@@ -743,8 +865,19 @@
                 <a:ea typeface="+mn-ea"/>
                 <a:cs typeface="+mn-cs"/>
               </a:rPr>
-              <a:t> calls.</a:t>
-            </a:r>
+              <a:t> calls separately for statewide data.</a:t>
+            </a:r>
+          </a:p>
+          <a:p>
+            <a:endParaRPr lang="en-US" sz="1200" kern="1200" dirty="0">
+              <a:solidFill>
+                <a:schemeClr val="tx1"/>
+              </a:solidFill>
+              <a:effectLst/>
+              <a:latin typeface="+mn-lt"/>
+              <a:ea typeface="+mn-ea"/>
+              <a:cs typeface="+mn-cs"/>
+            </a:endParaRPr>
           </a:p>
           <a:p>
             <a:r>
@@ -757,7 +890,7 @@
                 <a:ea typeface="+mn-ea"/>
                 <a:cs typeface="+mn-cs"/>
               </a:rPr>
-              <a:t>[click the box (left)], This data provide employee numbers for each business sector of each county. [click the right box] Each year, there are about 1500 rows.</a:t>
+              <a:t>[click][click]</a:t>
             </a:r>
           </a:p>
           <a:p>
@@ -782,7 +915,7 @@
                 <a:ea typeface="+mn-ea"/>
                 <a:cs typeface="+mn-cs"/>
               </a:rPr>
-              <a:t>[click]</a:t>
+              <a:t>The query variables have changed over the years.</a:t>
             </a:r>
           </a:p>
           <a:p>
@@ -796,185 +929,7 @@
                 <a:ea typeface="+mn-ea"/>
                 <a:cs typeface="+mn-cs"/>
               </a:rPr>
-              <a:t>For state-wide, we perform </a:t>
-            </a:r>
-            <a:r>
-              <a:rPr lang="en-US" sz="1200" kern="1200" dirty="0" err="1">
-                <a:solidFill>
-                  <a:schemeClr val="tx1"/>
-                </a:solidFill>
-                <a:effectLst/>
-                <a:latin typeface="+mn-lt"/>
-                <a:ea typeface="+mn-ea"/>
-                <a:cs typeface="+mn-cs"/>
-              </a:rPr>
-              <a:t>api</a:t>
-            </a:r>
-            <a:r>
-              <a:rPr lang="en-US" sz="1200" kern="1200" dirty="0">
-                <a:solidFill>
-                  <a:schemeClr val="tx1"/>
-                </a:solidFill>
-                <a:effectLst/>
-                <a:latin typeface="+mn-lt"/>
-                <a:ea typeface="+mn-ea"/>
-                <a:cs typeface="+mn-cs"/>
-              </a:rPr>
-              <a:t> calls separately because the county data do not include state-wide numbers or,  existing data was not correct. </a:t>
-            </a:r>
-          </a:p>
-          <a:p>
-            <a:endParaRPr lang="en-US" sz="1200" kern="1200" dirty="0">
-              <a:solidFill>
-                <a:schemeClr val="tx1"/>
-              </a:solidFill>
-              <a:effectLst/>
-              <a:latin typeface="+mn-lt"/>
-              <a:ea typeface="+mn-ea"/>
-              <a:cs typeface="+mn-cs"/>
-            </a:endParaRPr>
-          </a:p>
-          <a:p>
-            <a:r>
-              <a:rPr lang="en-US" sz="1200" kern="1200" dirty="0">
-                <a:solidFill>
-                  <a:schemeClr val="tx1"/>
-                </a:solidFill>
-                <a:effectLst/>
-                <a:latin typeface="+mn-lt"/>
-                <a:ea typeface="+mn-ea"/>
-                <a:cs typeface="+mn-cs"/>
-              </a:rPr>
-              <a:t>[click]</a:t>
-            </a:r>
-          </a:p>
-          <a:p>
-            <a:r>
-              <a:rPr lang="en-US" sz="1200" kern="1200" dirty="0">
-                <a:solidFill>
-                  <a:schemeClr val="tx1"/>
-                </a:solidFill>
-                <a:effectLst/>
-                <a:latin typeface="+mn-lt"/>
-                <a:ea typeface="+mn-ea"/>
-                <a:cs typeface="+mn-cs"/>
-              </a:rPr>
-              <a:t>To see employment timeline, we performed </a:t>
-            </a:r>
-            <a:r>
-              <a:rPr lang="en-US" sz="1200" kern="1200" dirty="0" err="1">
-                <a:solidFill>
-                  <a:schemeClr val="tx1"/>
-                </a:solidFill>
-                <a:effectLst/>
-                <a:latin typeface="+mn-lt"/>
-                <a:ea typeface="+mn-ea"/>
-                <a:cs typeface="+mn-cs"/>
-              </a:rPr>
-              <a:t>api</a:t>
-            </a:r>
-            <a:r>
-              <a:rPr lang="en-US" sz="1200" kern="1200" dirty="0">
-                <a:solidFill>
-                  <a:schemeClr val="tx1"/>
-                </a:solidFill>
-                <a:effectLst/>
-                <a:latin typeface="+mn-lt"/>
-                <a:ea typeface="+mn-ea"/>
-                <a:cs typeface="+mn-cs"/>
-              </a:rPr>
-              <a:t> calls for early years too.</a:t>
-            </a:r>
-          </a:p>
-          <a:p>
-            <a:r>
-              <a:rPr lang="en-US" sz="1200" kern="1200" dirty="0">
-                <a:solidFill>
-                  <a:schemeClr val="tx1"/>
-                </a:solidFill>
-                <a:effectLst/>
-                <a:latin typeface="+mn-lt"/>
-                <a:ea typeface="+mn-ea"/>
-                <a:cs typeface="+mn-cs"/>
-              </a:rPr>
-              <a:t>[click] also, separate </a:t>
-            </a:r>
-            <a:r>
-              <a:rPr lang="en-US" sz="1200" kern="1200" dirty="0" err="1">
-                <a:solidFill>
-                  <a:schemeClr val="tx1"/>
-                </a:solidFill>
-                <a:effectLst/>
-                <a:latin typeface="+mn-lt"/>
-                <a:ea typeface="+mn-ea"/>
-                <a:cs typeface="+mn-cs"/>
-              </a:rPr>
-              <a:t>api</a:t>
-            </a:r>
-            <a:r>
-              <a:rPr lang="en-US" sz="1200" kern="1200" dirty="0">
-                <a:solidFill>
-                  <a:schemeClr val="tx1"/>
-                </a:solidFill>
-                <a:effectLst/>
-                <a:latin typeface="+mn-lt"/>
-                <a:ea typeface="+mn-ea"/>
-                <a:cs typeface="+mn-cs"/>
-              </a:rPr>
-              <a:t> calls for the state total number of employees.</a:t>
-            </a:r>
-          </a:p>
-          <a:p>
-            <a:endParaRPr lang="en-US" sz="1200" kern="1200" dirty="0">
-              <a:solidFill>
-                <a:schemeClr val="tx1"/>
-              </a:solidFill>
-              <a:effectLst/>
-              <a:latin typeface="+mn-lt"/>
-              <a:ea typeface="+mn-ea"/>
-              <a:cs typeface="+mn-cs"/>
-            </a:endParaRPr>
-          </a:p>
-          <a:p>
-            <a:r>
-              <a:rPr lang="en-US" sz="1200" kern="1200" dirty="0">
-                <a:solidFill>
-                  <a:schemeClr val="tx1"/>
-                </a:solidFill>
-                <a:effectLst/>
-                <a:latin typeface="+mn-lt"/>
-                <a:ea typeface="+mn-ea"/>
-                <a:cs typeface="+mn-cs"/>
-              </a:rPr>
-              <a:t>The query variables for the employment have changed over the years.</a:t>
-            </a:r>
-          </a:p>
-          <a:p>
-            <a:r>
-              <a:rPr lang="en-US" sz="1200" kern="1200" dirty="0">
-                <a:solidFill>
-                  <a:schemeClr val="tx1"/>
-                </a:solidFill>
-                <a:effectLst/>
-                <a:latin typeface="+mn-lt"/>
-                <a:ea typeface="+mn-ea"/>
-                <a:cs typeface="+mn-cs"/>
-              </a:rPr>
-              <a:t>[click the leftmost box]</a:t>
-            </a:r>
-          </a:p>
-          <a:p>
-            <a:r>
-              <a:rPr lang="en-US" sz="1200" kern="1200" dirty="0">
-                <a:solidFill>
-                  <a:schemeClr val="tx1"/>
-                </a:solidFill>
-                <a:effectLst/>
-                <a:latin typeface="+mn-lt"/>
-                <a:ea typeface="+mn-ea"/>
-                <a:cs typeface="+mn-cs"/>
-              </a:rPr>
-              <a:t>We had to deal with the different indices in combining the data.</a:t>
+              <a:t>We had to deal with the different indices in data cleaning process.</a:t>
             </a:r>
           </a:p>
           <a:p>
@@ -1013,7 +968,7 @@
                 <a:ea typeface="+mn-ea"/>
                 <a:cs typeface="+mn-cs"/>
               </a:rPr>
-              <a:t>To see the employment rate, we also collected population data. Unexpectedly, it took time for us to fine population for these years. [click middle box, right box]</a:t>
+              <a:t>To see the employment rate, we also collected population data. </a:t>
             </a:r>
           </a:p>
           <a:p>
@@ -1027,7 +982,7 @@
                 <a:ea typeface="+mn-ea"/>
                 <a:cs typeface="+mn-cs"/>
               </a:rPr>
-              <a:t>Since the sources are different, we had to match the county names and the data format for the numbers. [click leftmost box].</a:t>
+              <a:t>Since the sources are different, we had to match the county names and the data format.</a:t>
             </a:r>
           </a:p>
           <a:p>
@@ -5274,6 +5229,36 @@
           <a:chExt cx="0" cy="0"/>
         </a:xfrm>
       </p:grpSpPr>
+      <p:pic>
+        <p:nvPicPr>
+          <p:cNvPr id="5" name="Picture 4" descr="Graphical user interface, text&#10;&#10;Description automatically generated">
+            <a:extLst>
+              <a:ext uri="{FF2B5EF4-FFF2-40B4-BE49-F238E27FC236}">
+                <a16:creationId xmlns:a16="http://schemas.microsoft.com/office/drawing/2014/main" id="{E2A6FD7A-68B0-5A49-BA85-2F90CA427155}"/>
+              </a:ext>
+            </a:extLst>
+          </p:cNvPr>
+          <p:cNvPicPr>
+            <a:picLocks noChangeAspect="1"/>
+          </p:cNvPicPr>
+          <p:nvPr/>
+        </p:nvPicPr>
+        <p:blipFill>
+          <a:blip r:embed="rId3"/>
+          <a:stretch>
+            <a:fillRect/>
+          </a:stretch>
+        </p:blipFill>
+        <p:spPr>
+          <a:xfrm>
+            <a:off x="6827550" y="626064"/>
+            <a:ext cx="4475030" cy="1088315"/>
+          </a:xfrm>
+          <a:prstGeom prst="rect">
+            <a:avLst/>
+          </a:prstGeom>
+        </p:spPr>
+      </p:pic>
       <p:sp>
         <p:nvSpPr>
           <p:cNvPr id="2" name="Title 1">
@@ -9074,7 +9059,7 @@
             <p:nvPr/>
           </p:nvPicPr>
           <p:blipFill>
-            <a:blip r:embed="rId3"/>
+            <a:blip r:embed="rId4"/>
             <a:stretch>
               <a:fillRect/>
             </a:stretch>
@@ -9090,36 +9075,6 @@
           </p:spPr>
         </p:pic>
       </p:grpSp>
-      <p:pic>
-        <p:nvPicPr>
-          <p:cNvPr id="5" name="Picture 4" descr="Graphical user interface, text&#10;&#10;Description automatically generated">
-            <a:extLst>
-              <a:ext uri="{FF2B5EF4-FFF2-40B4-BE49-F238E27FC236}">
-                <a16:creationId xmlns:a16="http://schemas.microsoft.com/office/drawing/2014/main" id="{E2A6FD7A-68B0-5A49-BA85-2F90CA427155}"/>
-              </a:ext>
-            </a:extLst>
-          </p:cNvPr>
-          <p:cNvPicPr>
-            <a:picLocks noChangeAspect="1"/>
-          </p:cNvPicPr>
-          <p:nvPr/>
-        </p:nvPicPr>
-        <p:blipFill>
-          <a:blip r:embed="rId4"/>
-          <a:stretch>
-            <a:fillRect/>
-          </a:stretch>
-        </p:blipFill>
-        <p:spPr>
-          <a:xfrm>
-            <a:off x="6827550" y="626064"/>
-            <a:ext cx="4475030" cy="1088315"/>
-          </a:xfrm>
-          <a:prstGeom prst="rect">
-            <a:avLst/>
-          </a:prstGeom>
-        </p:spPr>
-      </p:pic>
       <p:pic>
         <p:nvPicPr>
           <p:cNvPr id="17" name="Picture 16">
@@ -9142,8 +9097,68 @@
         </p:blipFill>
         <p:spPr>
           <a:xfrm>
-            <a:off x="7069366" y="577386"/>
+            <a:off x="5357431" y="4142"/>
             <a:ext cx="5044010" cy="4357750"/>
+          </a:xfrm>
+          <a:prstGeom prst="rect">
+            <a:avLst/>
+          </a:prstGeom>
+        </p:spPr>
+      </p:pic>
+      <p:pic>
+        <p:nvPicPr>
+          <p:cNvPr id="16" name="Picture 15">
+            <a:extLst>
+              <a:ext uri="{FF2B5EF4-FFF2-40B4-BE49-F238E27FC236}">
+                <a16:creationId xmlns:a16="http://schemas.microsoft.com/office/drawing/2014/main" id="{ADAE5A7A-B880-3E49-A4DC-86EC0429691E}"/>
+              </a:ext>
+            </a:extLst>
+          </p:cNvPr>
+          <p:cNvPicPr>
+            <a:picLocks noChangeAspect="1"/>
+          </p:cNvPicPr>
+          <p:nvPr/>
+        </p:nvPicPr>
+        <p:blipFill>
+          <a:blip r:embed="rId6"/>
+          <a:stretch>
+            <a:fillRect/>
+          </a:stretch>
+        </p:blipFill>
+        <p:spPr>
+          <a:xfrm>
+            <a:off x="1339019" y="120650"/>
+            <a:ext cx="3340100" cy="6616700"/>
+          </a:xfrm>
+          <a:prstGeom prst="rect">
+            <a:avLst/>
+          </a:prstGeom>
+        </p:spPr>
+      </p:pic>
+      <p:pic>
+        <p:nvPicPr>
+          <p:cNvPr id="19" name="Picture 18">
+            <a:extLst>
+              <a:ext uri="{FF2B5EF4-FFF2-40B4-BE49-F238E27FC236}">
+                <a16:creationId xmlns:a16="http://schemas.microsoft.com/office/drawing/2014/main" id="{DAD802F0-63FB-ED4E-A208-4F6FDECC1CF7}"/>
+              </a:ext>
+            </a:extLst>
+          </p:cNvPr>
+          <p:cNvPicPr>
+            <a:picLocks noChangeAspect="1"/>
+          </p:cNvPicPr>
+          <p:nvPr/>
+        </p:nvPicPr>
+        <p:blipFill>
+          <a:blip r:embed="rId7"/>
+          <a:stretch>
+            <a:fillRect/>
+          </a:stretch>
+        </p:blipFill>
+        <p:spPr>
+          <a:xfrm>
+            <a:off x="-10045" y="-17112"/>
+            <a:ext cx="5359400" cy="4610100"/>
           </a:xfrm>
           <a:prstGeom prst="rect">
             <a:avLst/>
@@ -9194,7 +9209,7 @@
                                           </p:stCondLst>
                                         </p:cTn>
                                         <p:tgtEl>
-                                          <p:spTgt spid="5"/>
+                                          <p:spTgt spid="8"/>
                                         </p:tgtEl>
                                         <p:attrNameLst>
                                           <p:attrName>style.visibility</p:attrName>
@@ -9205,22 +9220,6 @@
                                       </p:to>
                                     </p:set>
                                   </p:childTnLst>
-                                  <p:subTnLst>
-                                    <p:set>
-                                      <p:cBhvr override="childStyle">
-                                        <p:cTn dur="1" fill="hold" display="0" masterRel="nextClick" afterEffect="1"/>
-                                        <p:tgtEl>
-                                          <p:spTgt spid="5"/>
-                                        </p:tgtEl>
-                                        <p:attrNameLst>
-                                          <p:attrName>style.visibility</p:attrName>
-                                        </p:attrNameLst>
-                                      </p:cBhvr>
-                                      <p:to>
-                                        <p:strVal val="hidden"/>
-                                      </p:to>
-                                    </p:set>
-                                  </p:subTnLst>
                                 </p:cTn>
                               </p:par>
                             </p:childTnLst>
@@ -9255,51 +9254,6 @@
                                           </p:stCondLst>
                                         </p:cTn>
                                         <p:tgtEl>
-                                          <p:spTgt spid="8"/>
-                                        </p:tgtEl>
-                                        <p:attrNameLst>
-                                          <p:attrName>style.visibility</p:attrName>
-                                        </p:attrNameLst>
-                                      </p:cBhvr>
-                                      <p:to>
-                                        <p:strVal val="visible"/>
-                                      </p:to>
-                                    </p:set>
-                                  </p:childTnLst>
-                                </p:cTn>
-                              </p:par>
-                            </p:childTnLst>
-                          </p:cTn>
-                        </p:par>
-                      </p:childTnLst>
-                    </p:cTn>
-                  </p:par>
-                  <p:par>
-                    <p:cTn id="11" fill="hold">
-                      <p:stCondLst>
-                        <p:cond delay="indefinite"/>
-                      </p:stCondLst>
-                      <p:childTnLst>
-                        <p:par>
-                          <p:cTn id="12" fill="hold">
-                            <p:stCondLst>
-                              <p:cond delay="0"/>
-                            </p:stCondLst>
-                            <p:childTnLst>
-                              <p:par>
-                                <p:cTn id="13" presetID="1" presetClass="entr" presetSubtype="0" fill="hold" nodeType="clickEffect">
-                                  <p:stCondLst>
-                                    <p:cond delay="0"/>
-                                  </p:stCondLst>
-                                  <p:childTnLst>
-                                    <p:set>
-                                      <p:cBhvr>
-                                        <p:cTn id="14" dur="1" fill="hold">
-                                          <p:stCondLst>
-                                            <p:cond delay="0"/>
-                                          </p:stCondLst>
-                                        </p:cTn>
-                                        <p:tgtEl>
                                           <p:spTgt spid="17"/>
                                         </p:tgtEl>
                                         <p:attrNameLst>
@@ -9329,6 +9283,49 @@
                                   </p:subTnLst>
                                 </p:cTn>
                               </p:par>
+                              <p:par>
+                                <p:cTn id="11" presetID="1" presetClass="entr" presetSubtype="0" fill="hold" nodeType="withEffect">
+                                  <p:stCondLst>
+                                    <p:cond delay="0"/>
+                                  </p:stCondLst>
+                                  <p:childTnLst>
+                                    <p:set>
+                                      <p:cBhvr>
+                                        <p:cTn id="12" dur="1" fill="hold">
+                                          <p:stCondLst>
+                                            <p:cond delay="0"/>
+                                          </p:stCondLst>
+                                        </p:cTn>
+                                        <p:tgtEl>
+                                          <p:spTgt spid="19"/>
+                                        </p:tgtEl>
+                                        <p:attrNameLst>
+                                          <p:attrName>style.visibility</p:attrName>
+                                        </p:attrNameLst>
+                                      </p:cBhvr>
+                                      <p:to>
+                                        <p:strVal val="visible"/>
+                                      </p:to>
+                                    </p:set>
+                                  </p:childTnLst>
+                                  <p:subTnLst>
+                                    <p:set>
+                                      <p:cBhvr override="childStyle">
+                                        <p:cTn dur="1" fill="hold" display="0" masterRel="nextClick" afterEffect="1"/>
+                                        <p:tgtEl>
+                                          <p:spTgt spid="19"/>
+                                        </p:tgtEl>
+                                        <p:attrNameLst>
+                                          <p:attrName>style.visibility</p:attrName>
+                                        </p:attrNameLst>
+                                      </p:cBhvr>
+                                      <p:to>
+                                        <p:strVal val="hidden"/>
+                                      </p:to>
+                                    </p:set>
+                                  </p:subTnLst>
+                                </p:cTn>
+                              </p:par>
                             </p:childTnLst>
                           </p:cTn>
                         </p:par>
@@ -9336,26 +9333,87 @@
                     </p:cTn>
                   </p:par>
                   <p:par>
-                    <p:cTn id="15" fill="hold">
+                    <p:cTn id="13" fill="hold">
                       <p:stCondLst>
                         <p:cond delay="indefinite"/>
                       </p:stCondLst>
                       <p:childTnLst>
                         <p:par>
-                          <p:cTn id="16" fill="hold">
+                          <p:cTn id="14" fill="hold">
                             <p:stCondLst>
                               <p:cond delay="0"/>
                             </p:stCondLst>
                             <p:childTnLst>
                               <p:par>
-                                <p:cTn id="17" presetID="1" presetClass="entr" presetSubtype="0" fill="hold" nodeType="clickEffect">
+                                <p:cTn id="15" presetID="1" presetClass="entr" presetSubtype="0" fill="hold" nodeType="clickEffect">
                                   <p:stCondLst>
                                     <p:cond delay="0"/>
                                   </p:stCondLst>
                                   <p:childTnLst>
                                     <p:set>
                                       <p:cBhvr>
-                                        <p:cTn id="18" dur="1" fill="hold">
+                                        <p:cTn id="16" dur="1" fill="hold">
+                                          <p:stCondLst>
+                                            <p:cond delay="0"/>
+                                          </p:stCondLst>
+                                        </p:cTn>
+                                        <p:tgtEl>
+                                          <p:spTgt spid="16"/>
+                                        </p:tgtEl>
+                                        <p:attrNameLst>
+                                          <p:attrName>style.visibility</p:attrName>
+                                        </p:attrNameLst>
+                                      </p:cBhvr>
+                                      <p:to>
+                                        <p:strVal val="visible"/>
+                                      </p:to>
+                                    </p:set>
+                                  </p:childTnLst>
+                                  <p:subTnLst>
+                                    <p:set>
+                                      <p:cBhvr override="childStyle">
+                                        <p:cTn dur="1" fill="hold" display="0" masterRel="nextClick" afterEffect="1"/>
+                                        <p:tgtEl>
+                                          <p:spTgt spid="16"/>
+                                        </p:tgtEl>
+                                        <p:attrNameLst>
+                                          <p:attrName>style.visibility</p:attrName>
+                                        </p:attrNameLst>
+                                      </p:cBhvr>
+                                      <p:to>
+                                        <p:strVal val="hidden"/>
+                                      </p:to>
+                                    </p:set>
+                                  </p:subTnLst>
+                                </p:cTn>
+                              </p:par>
+                            </p:childTnLst>
+                          </p:cTn>
+                        </p:par>
+                      </p:childTnLst>
+                    </p:cTn>
+                  </p:par>
+                  <p:par>
+                    <p:cTn id="17" fill="hold">
+                      <p:stCondLst>
+                        <p:cond delay="indefinite"/>
+                      </p:stCondLst>
+                      <p:childTnLst>
+                        <p:par>
+                          <p:cTn id="18" fill="hold">
+                            <p:stCondLst>
+                              <p:cond delay="0"/>
+                            </p:stCondLst>
+                            <p:childTnLst>
+                              <p:par>
+                                <p:cTn id="19" presetID="1" presetClass="entr" presetSubtype="0" fill="hold" nodeType="clickEffect">
+                                  <p:stCondLst>
+                                    <p:cond delay="0"/>
+                                  </p:stCondLst>
+                                  <p:childTnLst>
+                                    <p:set>
+                                      <p:cBhvr>
+                                        <p:cTn id="20" dur="1" fill="hold">
                                           <p:stCondLst>
                                             <p:cond delay="0"/>
                                           </p:stCondLst>
@@ -9381,26 +9439,26 @@
                     </p:cTn>
                   </p:par>
                   <p:par>
-                    <p:cTn id="19" fill="hold">
+                    <p:cTn id="21" fill="hold">
                       <p:stCondLst>
                         <p:cond delay="indefinite"/>
                       </p:stCondLst>
                       <p:childTnLst>
                         <p:par>
-                          <p:cTn id="20" fill="hold">
+                          <p:cTn id="22" fill="hold">
                             <p:stCondLst>
                               <p:cond delay="0"/>
                             </p:stCondLst>
                             <p:childTnLst>
                               <p:par>
-                                <p:cTn id="21" presetID="1" presetClass="entr" presetSubtype="0" fill="hold" nodeType="clickEffect">
+                                <p:cTn id="23" presetID="1" presetClass="entr" presetSubtype="0" fill="hold" nodeType="clickEffect">
                                   <p:stCondLst>
                                     <p:cond delay="0"/>
                                   </p:stCondLst>
                                   <p:childTnLst>
                                     <p:set>
                                       <p:cBhvr>
-                                        <p:cTn id="22" dur="1" fill="hold">
+                                        <p:cTn id="24" dur="1" fill="hold">
                                           <p:stCondLst>
                                             <p:cond delay="0"/>
                                           </p:stCondLst>
@@ -9426,26 +9484,26 @@
                     </p:cTn>
                   </p:par>
                   <p:par>
-                    <p:cTn id="23" fill="hold">
+                    <p:cTn id="25" fill="hold">
                       <p:stCondLst>
                         <p:cond delay="indefinite"/>
                       </p:stCondLst>
                       <p:childTnLst>
                         <p:par>
-                          <p:cTn id="24" fill="hold">
+                          <p:cTn id="26" fill="hold">
                             <p:stCondLst>
                               <p:cond delay="0"/>
                             </p:stCondLst>
                             <p:childTnLst>
                               <p:par>
-                                <p:cTn id="25" presetID="1" presetClass="entr" presetSubtype="0" fill="hold" nodeType="clickEffect">
+                                <p:cTn id="27" presetID="1" presetClass="entr" presetSubtype="0" fill="hold" nodeType="clickEffect">
                                   <p:stCondLst>
                                     <p:cond delay="0"/>
                                   </p:stCondLst>
                                   <p:childTnLst>
                                     <p:set>
                                       <p:cBhvr>
-                                        <p:cTn id="26" dur="1" fill="hold">
+                                        <p:cTn id="28" dur="1" fill="hold">
                                           <p:stCondLst>
                                             <p:cond delay="0"/>
                                           </p:stCondLst>
@@ -9471,26 +9529,26 @@
                     </p:cTn>
                   </p:par>
                   <p:par>
-                    <p:cTn id="27" fill="hold">
+                    <p:cTn id="29" fill="hold">
                       <p:stCondLst>
                         <p:cond delay="indefinite"/>
                       </p:stCondLst>
                       <p:childTnLst>
                         <p:par>
-                          <p:cTn id="28" fill="hold">
+                          <p:cTn id="30" fill="hold">
                             <p:stCondLst>
                               <p:cond delay="0"/>
                             </p:stCondLst>
                             <p:childTnLst>
                               <p:par>
-                                <p:cTn id="29" presetID="1" presetClass="entr" presetSubtype="0" fill="hold" grpId="0" nodeType="clickEffect">
+                                <p:cTn id="31" presetID="1" presetClass="entr" presetSubtype="0" fill="hold" grpId="0" nodeType="clickEffect">
                                   <p:stCondLst>
                                     <p:cond delay="0"/>
                                   </p:stCondLst>
                                   <p:childTnLst>
                                     <p:set>
                                       <p:cBhvr>
-                                        <p:cTn id="30" dur="1" fill="hold">
+                                        <p:cTn id="32" dur="1" fill="hold">
                                           <p:stCondLst>
                                             <p:cond delay="0"/>
                                           </p:stCondLst>
@@ -9516,26 +9574,26 @@
                     </p:cTn>
                   </p:par>
                   <p:par>
-                    <p:cTn id="31" fill="hold">
+                    <p:cTn id="33" fill="hold">
                       <p:stCondLst>
                         <p:cond delay="indefinite"/>
                       </p:stCondLst>
                       <p:childTnLst>
                         <p:par>
-                          <p:cTn id="32" fill="hold">
+                          <p:cTn id="34" fill="hold">
                             <p:stCondLst>
                               <p:cond delay="0"/>
                             </p:stCondLst>
                             <p:childTnLst>
                               <p:par>
-                                <p:cTn id="33" presetID="1" presetClass="entr" presetSubtype="0" fill="hold" grpId="0" nodeType="clickEffect">
+                                <p:cTn id="35" presetID="1" presetClass="entr" presetSubtype="0" fill="hold" grpId="0" nodeType="clickEffect">
                                   <p:stCondLst>
                                     <p:cond delay="0"/>
                                   </p:stCondLst>
                                   <p:childTnLst>
                                     <p:set>
                                       <p:cBhvr>
-                                        <p:cTn id="34" dur="1" fill="hold">
+                                        <p:cTn id="36" dur="1" fill="hold">
                                           <p:stCondLst>
                                             <p:cond delay="0"/>
                                           </p:stCondLst>
@@ -9561,26 +9619,26 @@
                     </p:cTn>
                   </p:par>
                   <p:par>
-                    <p:cTn id="35" fill="hold">
+                    <p:cTn id="37" fill="hold">
                       <p:stCondLst>
                         <p:cond delay="indefinite"/>
                       </p:stCondLst>
                       <p:childTnLst>
                         <p:par>
-                          <p:cTn id="36" fill="hold">
+                          <p:cTn id="38" fill="hold">
                             <p:stCondLst>
                               <p:cond delay="0"/>
                             </p:stCondLst>
                             <p:childTnLst>
                               <p:par>
-                                <p:cTn id="37" presetID="1" presetClass="entr" presetSubtype="0" fill="hold" grpId="0" nodeType="clickEffect">
+                                <p:cTn id="39" presetID="1" presetClass="entr" presetSubtype="0" fill="hold" grpId="0" nodeType="clickEffect">
                                   <p:stCondLst>
                                     <p:cond delay="0"/>
                                   </p:stCondLst>
                                   <p:childTnLst>
                                     <p:set>
                                       <p:cBhvr>
-                                        <p:cTn id="38" dur="1" fill="hold">
+                                        <p:cTn id="40" dur="1" fill="hold">
                                           <p:stCondLst>
                                             <p:cond delay="0"/>
                                           </p:stCondLst>
@@ -9606,26 +9664,26 @@
                     </p:cTn>
                   </p:par>
                   <p:par>
-                    <p:cTn id="39" fill="hold">
+                    <p:cTn id="41" fill="hold">
                       <p:stCondLst>
                         <p:cond delay="indefinite"/>
                       </p:stCondLst>
                       <p:childTnLst>
                         <p:par>
-                          <p:cTn id="40" fill="hold">
+                          <p:cTn id="42" fill="hold">
                             <p:stCondLst>
                               <p:cond delay="0"/>
                             </p:stCondLst>
                             <p:childTnLst>
                               <p:par>
-                                <p:cTn id="41" presetID="2" presetClass="entr" presetSubtype="2" fill="hold" nodeType="clickEffect">
+                                <p:cTn id="43" presetID="2" presetClass="entr" presetSubtype="2" fill="hold" nodeType="clickEffect">
                                   <p:stCondLst>
                                     <p:cond delay="0"/>
                                   </p:stCondLst>
                                   <p:childTnLst>
                                     <p:set>
                                       <p:cBhvr>
-                                        <p:cTn id="42" dur="1" fill="hold">
+                                        <p:cTn id="44" dur="1" fill="hold">
                                           <p:stCondLst>
                                             <p:cond delay="0"/>
                                           </p:stCondLst>
@@ -9643,7 +9701,7 @@
                                     </p:set>
                                     <p:anim calcmode="lin" valueType="num">
                                       <p:cBhvr additive="base">
-                                        <p:cTn id="43" dur="500" fill="hold"/>
+                                        <p:cTn id="45" dur="500" fill="hold"/>
                                         <p:tgtEl>
                                           <p:spTgt spid="73"/>
                                         </p:tgtEl>
@@ -9666,7 +9724,7 @@
                                     </p:anim>
                                     <p:anim calcmode="lin" valueType="num">
                                       <p:cBhvr additive="base">
-                                        <p:cTn id="44" dur="500" fill="hold"/>
+                                        <p:cTn id="46" dur="500" fill="hold"/>
                                         <p:tgtEl>
                                           <p:spTgt spid="73"/>
                                         </p:tgtEl>
@@ -9697,26 +9755,26 @@
                     </p:cTn>
                   </p:par>
                   <p:par>
-                    <p:cTn id="45" fill="hold">
+                    <p:cTn id="47" fill="hold">
                       <p:stCondLst>
                         <p:cond delay="indefinite"/>
                       </p:stCondLst>
                       <p:childTnLst>
                         <p:par>
-                          <p:cTn id="46" fill="hold">
+                          <p:cTn id="48" fill="hold">
                             <p:stCondLst>
                               <p:cond delay="0"/>
                             </p:stCondLst>
                             <p:childTnLst>
                               <p:par>
-                                <p:cTn id="47" presetID="2" presetClass="entr" presetSubtype="2" fill="hold" nodeType="clickEffect">
+                                <p:cTn id="49" presetID="2" presetClass="entr" presetSubtype="2" fill="hold" nodeType="clickEffect">
                                   <p:stCondLst>
                                     <p:cond delay="0"/>
                                   </p:stCondLst>
                                   <p:childTnLst>
                                     <p:set>
                                       <p:cBhvr>
-                                        <p:cTn id="48" dur="1" fill="hold">
+                                        <p:cTn id="50" dur="1" fill="hold">
                                           <p:stCondLst>
                                             <p:cond delay="0"/>
                                           </p:stCondLst>
@@ -9734,7 +9792,7 @@
                                     </p:set>
                                     <p:anim calcmode="lin" valueType="num">
                                       <p:cBhvr additive="base">
-                                        <p:cTn id="49" dur="500" fill="hold"/>
+                                        <p:cTn id="51" dur="500" fill="hold"/>
                                         <p:tgtEl>
                                           <p:spTgt spid="74"/>
                                         </p:tgtEl>
@@ -9757,7 +9815,7 @@
                                     </p:anim>
                                     <p:anim calcmode="lin" valueType="num">
                                       <p:cBhvr additive="base">
-                                        <p:cTn id="50" dur="500" fill="hold"/>
+                                        <p:cTn id="52" dur="500" fill="hold"/>
                                         <p:tgtEl>
                                           <p:spTgt spid="74"/>
                                         </p:tgtEl>
@@ -9788,26 +9846,26 @@
                     </p:cTn>
                   </p:par>
                   <p:par>
-                    <p:cTn id="51" fill="hold">
+                    <p:cTn id="53" fill="hold">
                       <p:stCondLst>
                         <p:cond delay="indefinite"/>
                       </p:stCondLst>
                       <p:childTnLst>
                         <p:par>
-                          <p:cTn id="52" fill="hold">
+                          <p:cTn id="54" fill="hold">
                             <p:stCondLst>
                               <p:cond delay="0"/>
                             </p:stCondLst>
                             <p:childTnLst>
                               <p:par>
-                                <p:cTn id="53" presetID="2" presetClass="entr" presetSubtype="2" fill="hold" nodeType="clickEffect">
+                                <p:cTn id="55" presetID="2" presetClass="entr" presetSubtype="2" fill="hold" nodeType="clickEffect">
                                   <p:stCondLst>
                                     <p:cond delay="0"/>
                                   </p:stCondLst>
                                   <p:childTnLst>
                                     <p:set>
                                       <p:cBhvr>
-                                        <p:cTn id="54" dur="1" fill="hold">
+                                        <p:cTn id="56" dur="1" fill="hold">
                                           <p:stCondLst>
                                             <p:cond delay="0"/>
                                           </p:stCondLst>
@@ -9825,7 +9883,7 @@
                                     </p:set>
                                     <p:anim calcmode="lin" valueType="num">
                                       <p:cBhvr additive="base">
-                                        <p:cTn id="55" dur="500" fill="hold"/>
+                                        <p:cTn id="57" dur="500" fill="hold"/>
                                         <p:tgtEl>
                                           <p:spTgt spid="75"/>
                                         </p:tgtEl>
@@ -9848,7 +9906,7 @@
                                     </p:anim>
                                     <p:anim calcmode="lin" valueType="num">
                                       <p:cBhvr additive="base">
-                                        <p:cTn id="56" dur="500" fill="hold"/>
+                                        <p:cTn id="58" dur="500" fill="hold"/>
                                         <p:tgtEl>
                                           <p:spTgt spid="75"/>
                                         </p:tgtEl>
@@ -9879,26 +9937,26 @@
                     </p:cTn>
                   </p:par>
                   <p:par>
-                    <p:cTn id="57" fill="hold">
+                    <p:cTn id="59" fill="hold">
                       <p:stCondLst>
                         <p:cond delay="indefinite"/>
                       </p:stCondLst>
                       <p:childTnLst>
                         <p:par>
-                          <p:cTn id="58" fill="hold">
+                          <p:cTn id="60" fill="hold">
                             <p:stCondLst>
                               <p:cond delay="0"/>
                             </p:stCondLst>
                             <p:childTnLst>
                               <p:par>
-                                <p:cTn id="59" presetID="53" presetClass="entr" presetSubtype="16" fill="hold" nodeType="clickEffect">
+                                <p:cTn id="61" presetID="53" presetClass="entr" presetSubtype="16" fill="hold" nodeType="clickEffect">
                                   <p:stCondLst>
                                     <p:cond delay="0"/>
                                   </p:stCondLst>
                                   <p:childTnLst>
                                     <p:set>
                                       <p:cBhvr>
-                                        <p:cTn id="60" dur="1" fill="hold">
+                                        <p:cTn id="62" dur="1" fill="hold">
                                           <p:stCondLst>
                                             <p:cond delay="0"/>
                                           </p:stCondLst>
@@ -9916,7 +9974,7 @@
                                     </p:set>
                                     <p:anim calcmode="lin" valueType="num">
                                       <p:cBhvr>
-                                        <p:cTn id="61" dur="500" fill="hold"/>
+                                        <p:cTn id="63" dur="500" fill="hold"/>
                                         <p:tgtEl>
                                           <p:spTgt spid="67"/>
                                         </p:tgtEl>
@@ -9939,7 +9997,7 @@
                                     </p:anim>
                                     <p:anim calcmode="lin" valueType="num">
                                       <p:cBhvr>
-                                        <p:cTn id="62" dur="500" fill="hold"/>
+                                        <p:cTn id="64" dur="500" fill="hold"/>
                                         <p:tgtEl>
                                           <p:spTgt spid="67"/>
                                         </p:tgtEl>
@@ -9962,7 +10020,7 @@
                                     </p:anim>
                                     <p:animEffect transition="in" filter="fade">
                                       <p:cBhvr>
-                                        <p:cTn id="63" dur="500"/>
+                                        <p:cTn id="65" dur="500"/>
                                         <p:tgtEl>
                                           <p:spTgt spid="67"/>
                                         </p:tgtEl>

--- a/proposal/NC Census Data analysis 10-06.pptx
+++ b/proposal/NC Census Data analysis 10-06.pptx
@@ -5,7 +5,7 @@
     <p:sldMasterId id="2147483740" r:id="rId4"/>
   </p:sldMasterIdLst>
   <p:notesMasterIdLst>
-    <p:notesMasterId r:id="rId15"/>
+    <p:notesMasterId r:id="rId16"/>
   </p:notesMasterIdLst>
   <p:sldIdLst>
     <p:sldId id="257" r:id="rId5"/>
@@ -13,11 +13,12 @@
     <p:sldId id="269" r:id="rId7"/>
     <p:sldId id="270" r:id="rId8"/>
     <p:sldId id="271" r:id="rId9"/>
-    <p:sldId id="272" r:id="rId10"/>
-    <p:sldId id="267" r:id="rId11"/>
-    <p:sldId id="266" r:id="rId12"/>
-    <p:sldId id="274" r:id="rId13"/>
-    <p:sldId id="273" r:id="rId14"/>
+    <p:sldId id="275" r:id="rId10"/>
+    <p:sldId id="276" r:id="rId11"/>
+    <p:sldId id="267" r:id="rId12"/>
+    <p:sldId id="266" r:id="rId13"/>
+    <p:sldId id="274" r:id="rId14"/>
+    <p:sldId id="273" r:id="rId15"/>
   </p:sldIdLst>
   <p:sldSz cx="12192000" cy="6858000"/>
   <p:notesSz cx="6858000" cy="9144000"/>
@@ -206,7 +207,7 @@
           <a:p>
             <a:fld id="{E1D941E9-C117-4952-8368-6FB7EE4AE216}" type="datetimeFigureOut">
               <a:rPr lang="en-US" smtClean="0"/>
-              <a:t>10/9/20</a:t>
+              <a:t>10/10/2020</a:t>
             </a:fld>
             <a:endParaRPr lang="en-US"/>
           </a:p>
@@ -1176,18 +1177,6 @@
           </a:p>
           <a:p>
             <a:r>
-              <a:rPr lang="en-US" sz="1200" kern="1200" dirty="0" err="1">
-                <a:solidFill>
-                  <a:schemeClr val="tx1"/>
-                </a:solidFill>
-                <a:effectLst/>
-                <a:latin typeface="+mn-lt"/>
-                <a:ea typeface="+mn-ea"/>
-                <a:cs typeface="+mn-cs"/>
-              </a:rPr>
-              <a:t>Teshanee</a:t>
-            </a:r>
-            <a:r>
               <a:rPr lang="en-US" sz="1200" kern="1200" dirty="0">
                 <a:solidFill>
                   <a:schemeClr val="tx1"/>
@@ -1197,7 +1186,7 @@
                 <a:ea typeface="+mn-ea"/>
                 <a:cs typeface="+mn-cs"/>
               </a:rPr>
-              <a:t> will summarize our presentation after giving you interesting observations.</a:t>
+              <a:t>Teshanee will summarize our presentation after giving you interesting observations.</a:t>
             </a:r>
           </a:p>
           <a:p>
@@ -1287,23 +1276,67 @@
           <a:p>
             <a:r>
               <a:rPr lang="en-US" dirty="0"/>
-              <a:t>Purpose of building this page</a:t>
-            </a:r>
+              <a:t>In summary the purpose of our project was to </a:t>
+            </a:r>
+            <a:r>
+              <a:rPr lang="en-US" sz="1200" b="1" i="1" kern="1200" dirty="0">
+                <a:solidFill>
+                  <a:schemeClr val="tx1"/>
+                </a:solidFill>
+                <a:effectLst/>
+                <a:latin typeface="+mn-lt"/>
+                <a:ea typeface="+mn-ea"/>
+                <a:cs typeface="+mn-cs"/>
+              </a:rPr>
+              <a:t>examine NC County Census data to provide an overview of the number of people employed in NC over the past three decades. </a:t>
+            </a:r>
+            <a:endParaRPr lang="en-US" dirty="0"/>
+          </a:p>
+          <a:p>
+            <a:endParaRPr lang="en-US" dirty="0"/>
           </a:p>
           <a:p>
             <a:r>
               <a:rPr lang="en-US" dirty="0"/>
-              <a:t>Speak to the dashboard in the summary </a:t>
-            </a:r>
+              <a:t>The </a:t>
+            </a:r>
+            <a:r>
+              <a:rPr lang="en-US" dirty="0">
+                <a:effectLst/>
+                <a:latin typeface="Calibri" panose="020F0502020204030204" pitchFamily="34" charset="0"/>
+                <a:ea typeface="Calibri" panose="020F0502020204030204" pitchFamily="34" charset="0"/>
+                <a:cs typeface="Times New Roman" panose="02020603050405020304" pitchFamily="18" charset="0"/>
+              </a:rPr>
+              <a:t>dashboard allows users to drill down and examine the population and employment data for the year selected by county – which you can see in the time line chart.</a:t>
+            </a:r>
+          </a:p>
+          <a:p>
+            <a:r>
+              <a:rPr lang="en-US" dirty="0">
+                <a:effectLst/>
+                <a:latin typeface="Calibri" panose="020F0502020204030204" pitchFamily="34" charset="0"/>
+                <a:cs typeface="Times New Roman" panose="02020603050405020304" pitchFamily="18" charset="0"/>
+              </a:rPr>
+              <a:t>The Busines sector chart allows users to examine employment fluctuations by industry in each county.</a:t>
+            </a:r>
+            <a:endParaRPr lang="en-US" dirty="0"/>
           </a:p>
           <a:p>
             <a:r>
               <a:rPr lang="en-US" dirty="0"/>
-              <a:t>Explain some of the observation over various year data</a:t>
-            </a:r>
-          </a:p>
-          <a:p>
+              <a:t>One of the most interesting </a:t>
+            </a:r>
+            <a:r>
+              <a:rPr lang="en-US"/>
+              <a:t>findings was BLAH</a:t>
+            </a:r>
             <a:endParaRPr lang="en-US" dirty="0"/>
+          </a:p>
+          <a:p>
+            <a:r>
+              <a:rPr lang="en-US" dirty="0"/>
+              <a:t>We presume that this was due to BLAH</a:t>
+            </a:r>
           </a:p>
         </p:txBody>
       </p:sp>
@@ -1334,6 +1367,152 @@
     <p:extLst>
       <p:ext uri="{BB962C8B-B14F-4D97-AF65-F5344CB8AC3E}">
         <p14:creationId xmlns:p14="http://schemas.microsoft.com/office/powerpoint/2010/main" val="2871841482"/>
+      </p:ext>
+    </p:extLst>
+  </p:cSld>
+  <p:clrMapOvr>
+    <a:masterClrMapping/>
+  </p:clrMapOvr>
+</p:notes>
+</file>
+
+<file path=ppt/notesSlides/notesSlide4.xml><?xml version="1.0" encoding="utf-8"?>
+<p:notes xmlns:a="http://schemas.openxmlformats.org/drawingml/2006/main" xmlns:r="http://schemas.openxmlformats.org/officeDocument/2006/relationships" xmlns:p="http://schemas.openxmlformats.org/presentationml/2006/main">
+  <p:cSld>
+    <p:spTree>
+      <p:nvGrpSpPr>
+        <p:cNvPr id="1" name=""/>
+        <p:cNvGrpSpPr/>
+        <p:nvPr/>
+      </p:nvGrpSpPr>
+      <p:grpSpPr>
+        <a:xfrm>
+          <a:off x="0" y="0"/>
+          <a:ext cx="0" cy="0"/>
+          <a:chOff x="0" y="0"/>
+          <a:chExt cx="0" cy="0"/>
+        </a:xfrm>
+      </p:grpSpPr>
+      <p:sp>
+        <p:nvSpPr>
+          <p:cNvPr id="2" name="Slide Image Placeholder 1"/>
+          <p:cNvSpPr>
+            <a:spLocks noGrp="1" noRot="1" noChangeAspect="1"/>
+          </p:cNvSpPr>
+          <p:nvPr>
+            <p:ph type="sldImg"/>
+          </p:nvPr>
+        </p:nvSpPr>
+        <p:spPr/>
+      </p:sp>
+      <p:sp>
+        <p:nvSpPr>
+          <p:cNvPr id="3" name="Notes Placeholder 2"/>
+          <p:cNvSpPr>
+            <a:spLocks noGrp="1"/>
+          </p:cNvSpPr>
+          <p:nvPr>
+            <p:ph type="body" idx="1"/>
+          </p:nvPr>
+        </p:nvSpPr>
+        <p:spPr/>
+        <p:txBody>
+          <a:bodyPr/>
+          <a:lstStyle/>
+          <a:p>
+            <a:r>
+              <a:rPr lang="en-US" dirty="0"/>
+              <a:t>In summary the purpose of our project was to </a:t>
+            </a:r>
+            <a:r>
+              <a:rPr lang="en-US" sz="1200" b="1" i="1" kern="1200" dirty="0">
+                <a:solidFill>
+                  <a:schemeClr val="tx1"/>
+                </a:solidFill>
+                <a:effectLst/>
+                <a:latin typeface="+mn-lt"/>
+                <a:ea typeface="+mn-ea"/>
+                <a:cs typeface="+mn-cs"/>
+              </a:rPr>
+              <a:t>examine NC County Census data to provide an overview of the number of people employed in NC over the past three decades. </a:t>
+            </a:r>
+            <a:endParaRPr lang="en-US" dirty="0"/>
+          </a:p>
+          <a:p>
+            <a:endParaRPr lang="en-US" dirty="0"/>
+          </a:p>
+          <a:p>
+            <a:r>
+              <a:rPr lang="en-US" dirty="0"/>
+              <a:t>The </a:t>
+            </a:r>
+            <a:r>
+              <a:rPr lang="en-US" dirty="0">
+                <a:effectLst/>
+                <a:latin typeface="Calibri" panose="020F0502020204030204" pitchFamily="34" charset="0"/>
+                <a:ea typeface="Calibri" panose="020F0502020204030204" pitchFamily="34" charset="0"/>
+                <a:cs typeface="Times New Roman" panose="02020603050405020304" pitchFamily="18" charset="0"/>
+              </a:rPr>
+              <a:t>dashboard allows users to drill down and examine the population and employment data for the year selected by county – which you can see in the time line chart.</a:t>
+            </a:r>
+          </a:p>
+          <a:p>
+            <a:r>
+              <a:rPr lang="en-US" dirty="0">
+                <a:effectLst/>
+                <a:latin typeface="Calibri" panose="020F0502020204030204" pitchFamily="34" charset="0"/>
+                <a:cs typeface="Times New Roman" panose="02020603050405020304" pitchFamily="18" charset="0"/>
+              </a:rPr>
+              <a:t>The Busines sector chart allows users to examine employment fluctuations by industry in each county.</a:t>
+            </a:r>
+            <a:endParaRPr lang="en-US" dirty="0"/>
+          </a:p>
+          <a:p>
+            <a:r>
+              <a:rPr lang="en-US" dirty="0"/>
+              <a:t>One of the most interesting </a:t>
+            </a:r>
+            <a:r>
+              <a:rPr lang="en-US"/>
+              <a:t>findings was BLAH</a:t>
+            </a:r>
+            <a:endParaRPr lang="en-US" dirty="0"/>
+          </a:p>
+          <a:p>
+            <a:r>
+              <a:rPr lang="en-US" dirty="0"/>
+              <a:t>We presume that this was due to BLAH</a:t>
+            </a:r>
+          </a:p>
+        </p:txBody>
+      </p:sp>
+      <p:sp>
+        <p:nvSpPr>
+          <p:cNvPr id="4" name="Slide Number Placeholder 3"/>
+          <p:cNvSpPr>
+            <a:spLocks noGrp="1"/>
+          </p:cNvSpPr>
+          <p:nvPr>
+            <p:ph type="sldNum" sz="quarter" idx="5"/>
+          </p:nvPr>
+        </p:nvSpPr>
+        <p:spPr/>
+        <p:txBody>
+          <a:bodyPr/>
+          <a:lstStyle/>
+          <a:p>
+            <a:fld id="{2FA23CAE-9A3E-4F57-A214-97EE50552FB9}" type="slidenum">
+              <a:rPr lang="en-US" smtClean="0"/>
+              <a:t>7</a:t>
+            </a:fld>
+            <a:endParaRPr lang="en-US"/>
+          </a:p>
+        </p:txBody>
+      </p:sp>
+    </p:spTree>
+    <p:extLst>
+      <p:ext uri="{BB962C8B-B14F-4D97-AF65-F5344CB8AC3E}">
+        <p14:creationId xmlns:p14="http://schemas.microsoft.com/office/powerpoint/2010/main" val="433279243"/>
       </p:ext>
     </p:extLst>
   </p:cSld>
@@ -1506,7 +1685,7 @@
           <a:p>
             <a:fld id="{EA0C0817-A112-4847-8014-A94B7D2A4EA3}" type="datetime1">
               <a:rPr lang="en-US" smtClean="0"/>
-              <a:t>10/9/20</a:t>
+              <a:t>10/10/2020</a:t>
             </a:fld>
             <a:endParaRPr lang="en-US" dirty="0"/>
           </a:p>
@@ -1676,7 +1855,7 @@
           <a:p>
             <a:fld id="{F6FA2B21-3FCD-4721-B95C-427943F61125}" type="datetime1">
               <a:rPr lang="en-US" smtClean="0"/>
-              <a:t>10/9/20</a:t>
+              <a:t>10/10/2020</a:t>
             </a:fld>
             <a:endParaRPr lang="en-US" dirty="0"/>
           </a:p>
@@ -1857,7 +2036,7 @@
           <a:p>
             <a:fld id="{F6FA2B21-3FCD-4721-B95C-427943F61125}" type="datetime1">
               <a:rPr lang="en-US" smtClean="0"/>
-              <a:t>10/9/20</a:t>
+              <a:t>10/10/2020</a:t>
             </a:fld>
             <a:endParaRPr lang="en-US" dirty="0"/>
           </a:p>
@@ -2028,7 +2207,7 @@
           <a:p>
             <a:fld id="{7332B432-ACDA-4023-A761-2BAB76577B62}" type="datetime1">
               <a:rPr lang="en-US" smtClean="0"/>
-              <a:t>10/9/20</a:t>
+              <a:t>10/10/2020</a:t>
             </a:fld>
             <a:endParaRPr lang="en-US" dirty="0"/>
           </a:p>
@@ -2296,7 +2475,7 @@
           <a:p>
             <a:fld id="{D9C646AA-F36E-4540-911D-FFFC0A0EF24A}" type="datetime1">
               <a:rPr lang="en-US" smtClean="0"/>
-              <a:t>10/9/20</a:t>
+              <a:t>10/10/2020</a:t>
             </a:fld>
             <a:endParaRPr lang="en-US" dirty="0"/>
           </a:p>
@@ -2528,7 +2707,7 @@
           <a:p>
             <a:fld id="{69186D26-FA5F-4637-B602-B7C2DC34CFD4}" type="datetime1">
               <a:rPr lang="en-US" smtClean="0"/>
-              <a:t>10/9/20</a:t>
+              <a:t>10/10/2020</a:t>
             </a:fld>
             <a:endParaRPr lang="en-US" dirty="0"/>
           </a:p>
@@ -2887,7 +3066,7 @@
           <a:p>
             <a:fld id="{F6FA2B21-3FCD-4721-B95C-427943F61125}" type="datetime1">
               <a:rPr lang="en-US" smtClean="0"/>
-              <a:t>10/9/20</a:t>
+              <a:t>10/10/2020</a:t>
             </a:fld>
             <a:endParaRPr lang="en-US" dirty="0"/>
           </a:p>
@@ -3029,7 +3208,7 @@
           <a:p>
             <a:fld id="{F9A96C99-B8F8-4528-BD05-0E16E943DC09}" type="datetime1">
               <a:rPr lang="en-US" smtClean="0"/>
-              <a:t>10/9/20</a:t>
+              <a:t>10/10/2020</a:t>
             </a:fld>
             <a:endParaRPr lang="en-US" dirty="0"/>
           </a:p>
@@ -3124,7 +3303,7 @@
           <a:p>
             <a:fld id="{03636942-C211-4B28-8DBD-C953E00AF71B}" type="datetime1">
               <a:rPr lang="en-US" smtClean="0"/>
-              <a:t>10/9/20</a:t>
+              <a:t>10/10/2020</a:t>
             </a:fld>
             <a:endParaRPr lang="en-US" dirty="0"/>
           </a:p>
@@ -3481,7 +3660,7 @@
           <a:p>
             <a:fld id="{7E8D12A6-918A-48BD-8CB9-CA713993B0EA}" type="datetime1">
               <a:rPr lang="en-US" smtClean="0"/>
-              <a:t>10/9/20</a:t>
+              <a:t>10/10/2020</a:t>
             </a:fld>
             <a:endParaRPr lang="en-US" dirty="0"/>
           </a:p>
@@ -3839,7 +4018,7 @@
             <a:fld id="{E778CE86-875F-4587-BCF6-FA054AFC0D53}" type="datetime1">
               <a:rPr lang="en-US" smtClean="0"/>
               <a:pPr/>
-              <a:t>10/9/20</a:t>
+              <a:t>10/10/2020</a:t>
             </a:fld>
             <a:endParaRPr lang="en-US" dirty="0"/>
           </a:p>
@@ -4082,7 +4261,7 @@
           <a:p>
             <a:fld id="{F6FA2B21-3FCD-4721-B95C-427943F61125}" type="datetime1">
               <a:rPr lang="en-US" smtClean="0"/>
-              <a:t>10/9/20</a:t>
+              <a:t>10/10/2020</a:t>
             </a:fld>
             <a:endParaRPr lang="en-US" dirty="0"/>
           </a:p>
@@ -4596,15 +4775,13 @@
         </p:nvSpPr>
         <p:spPr>
           <a:xfrm>
-            <a:off x="3600168" y="4192210"/>
-            <a:ext cx="6801612" cy="1265082"/>
+            <a:off x="3205020" y="5346755"/>
+            <a:ext cx="8848436" cy="1265082"/>
           </a:xfrm>
-          <a:solidFill>
-            <a:schemeClr val="tx1"/>
-          </a:solidFill>
+          <a:noFill/>
         </p:spPr>
         <p:txBody>
-          <a:bodyPr>
+          <a:bodyPr vert="horz" lIns="91440" tIns="45720" rIns="91440" bIns="45720" rtlCol="0">
             <a:normAutofit/>
           </a:bodyPr>
           <a:lstStyle/>
@@ -4615,11 +4792,7 @@
               </a:spcAft>
             </a:pPr>
             <a:r>
-              <a:rPr lang="en-US" dirty="0">
-                <a:solidFill>
-                  <a:schemeClr val="bg1"/>
-                </a:solidFill>
-              </a:rPr>
+              <a:rPr lang="en-US" dirty="0"/>
               <a:t>Project Team: </a:t>
             </a:r>
           </a:p>
@@ -4630,60 +4803,8 @@
               </a:spcAft>
             </a:pPr>
             <a:r>
-              <a:rPr lang="en-US" dirty="0">
-                <a:solidFill>
-                  <a:schemeClr val="bg1"/>
-                </a:solidFill>
-              </a:rPr>
-              <a:t>	</a:t>
-            </a:r>
-            <a:r>
-              <a:rPr lang="en-US" dirty="0" err="1">
-                <a:solidFill>
-                  <a:schemeClr val="bg1"/>
-                </a:solidFill>
-              </a:rPr>
-              <a:t>Eunjeong</a:t>
-            </a:r>
-            <a:r>
-              <a:rPr lang="en-US" dirty="0">
-                <a:solidFill>
-                  <a:schemeClr val="bg1"/>
-                </a:solidFill>
-              </a:rPr>
-              <a:t> Lee,  Bill </a:t>
-            </a:r>
-            <a:r>
-              <a:rPr lang="en-US" dirty="0" err="1">
-                <a:solidFill>
-                  <a:schemeClr val="bg1"/>
-                </a:solidFill>
-              </a:rPr>
-              <a:t>Pezzullo</a:t>
-            </a:r>
-            <a:r>
-              <a:rPr lang="en-US" dirty="0">
-                <a:solidFill>
-                  <a:schemeClr val="bg1"/>
-                </a:solidFill>
-              </a:rPr>
-              <a:t>,  Abby Pearson, </a:t>
-            </a:r>
-            <a:r>
-              <a:rPr lang="en-US" dirty="0" err="1">
-                <a:solidFill>
-                  <a:schemeClr val="bg1"/>
-                </a:solidFill>
-              </a:rPr>
-              <a:t>Teshanee</a:t>
-            </a:r>
-            <a:r>
-              <a:rPr lang="en-US" dirty="0">
-                <a:solidFill>
-                  <a:schemeClr val="bg1"/>
-                </a:solidFill>
-              </a:rPr>
-              <a:t>, Niral Patel</a:t>
+              <a:rPr lang="en-US" dirty="0"/>
+              <a:t>	Eunjeong Lee, Bill Pezzullo,  Abby Pearson, Teshanee Williams, Niral Patel</a:t>
             </a:r>
           </a:p>
         </p:txBody>
@@ -4702,6 +4823,126 @@
 </file>
 
 <file path=ppt/slides/slide10.xml><?xml version="1.0" encoding="utf-8"?>
+<p:sld xmlns:a="http://schemas.openxmlformats.org/drawingml/2006/main" xmlns:r="http://schemas.openxmlformats.org/officeDocument/2006/relationships" xmlns:p="http://schemas.openxmlformats.org/presentationml/2006/main">
+  <p:cSld>
+    <p:spTree>
+      <p:nvGrpSpPr>
+        <p:cNvPr id="1" name=""/>
+        <p:cNvGrpSpPr/>
+        <p:nvPr/>
+      </p:nvGrpSpPr>
+      <p:grpSpPr>
+        <a:xfrm>
+          <a:off x="0" y="0"/>
+          <a:ext cx="0" cy="0"/>
+          <a:chOff x="0" y="0"/>
+          <a:chExt cx="0" cy="0"/>
+        </a:xfrm>
+      </p:grpSpPr>
+      <p:pic>
+        <p:nvPicPr>
+          <p:cNvPr id="6" name="Picture 5">
+            <a:extLst>
+              <a:ext uri="{FF2B5EF4-FFF2-40B4-BE49-F238E27FC236}">
+                <a16:creationId xmlns:a16="http://schemas.microsoft.com/office/drawing/2014/main" id="{0F750A24-604A-F742-8DF9-6ABBBBB74CE4}"/>
+              </a:ext>
+            </a:extLst>
+          </p:cNvPr>
+          <p:cNvPicPr>
+            <a:picLocks noChangeAspect="1"/>
+          </p:cNvPicPr>
+          <p:nvPr/>
+        </p:nvPicPr>
+        <p:blipFill>
+          <a:blip r:embed="rId2"/>
+          <a:stretch>
+            <a:fillRect/>
+          </a:stretch>
+        </p:blipFill>
+        <p:spPr>
+          <a:xfrm>
+            <a:off x="276294" y="0"/>
+            <a:ext cx="7392318" cy="5029200"/>
+          </a:xfrm>
+          <a:prstGeom prst="rect">
+            <a:avLst/>
+          </a:prstGeom>
+        </p:spPr>
+      </p:pic>
+      <p:pic>
+        <p:nvPicPr>
+          <p:cNvPr id="10" name="Picture 9">
+            <a:extLst>
+              <a:ext uri="{FF2B5EF4-FFF2-40B4-BE49-F238E27FC236}">
+                <a16:creationId xmlns:a16="http://schemas.microsoft.com/office/drawing/2014/main" id="{67884F93-347D-754A-B089-AA047CE60E90}"/>
+              </a:ext>
+            </a:extLst>
+          </p:cNvPr>
+          <p:cNvPicPr>
+            <a:picLocks noChangeAspect="1"/>
+          </p:cNvPicPr>
+          <p:nvPr/>
+        </p:nvPicPr>
+        <p:blipFill>
+          <a:blip r:embed="rId3"/>
+          <a:stretch>
+            <a:fillRect/>
+          </a:stretch>
+        </p:blipFill>
+        <p:spPr>
+          <a:xfrm>
+            <a:off x="5255848" y="1722574"/>
+            <a:ext cx="6936152" cy="3412852"/>
+          </a:xfrm>
+          <a:prstGeom prst="rect">
+            <a:avLst/>
+          </a:prstGeom>
+        </p:spPr>
+      </p:pic>
+      <p:pic>
+        <p:nvPicPr>
+          <p:cNvPr id="8" name="Picture 7">
+            <a:extLst>
+              <a:ext uri="{FF2B5EF4-FFF2-40B4-BE49-F238E27FC236}">
+                <a16:creationId xmlns:a16="http://schemas.microsoft.com/office/drawing/2014/main" id="{D1B7B1A2-ABC7-1747-9C4D-EF116DAD66E9}"/>
+              </a:ext>
+            </a:extLst>
+          </p:cNvPr>
+          <p:cNvPicPr>
+            <a:picLocks noChangeAspect="1"/>
+          </p:cNvPicPr>
+          <p:nvPr/>
+        </p:nvPicPr>
+        <p:blipFill>
+          <a:blip r:embed="rId4"/>
+          <a:stretch>
+            <a:fillRect/>
+          </a:stretch>
+        </p:blipFill>
+        <p:spPr>
+          <a:xfrm>
+            <a:off x="150021" y="4410147"/>
+            <a:ext cx="7872149" cy="2447853"/>
+          </a:xfrm>
+          <a:prstGeom prst="rect">
+            <a:avLst/>
+          </a:prstGeom>
+        </p:spPr>
+      </p:pic>
+    </p:spTree>
+    <p:extLst>
+      <p:ext uri="{BB962C8B-B14F-4D97-AF65-F5344CB8AC3E}">
+        <p14:creationId xmlns:p14="http://schemas.microsoft.com/office/powerpoint/2010/main" val="79239566"/>
+      </p:ext>
+    </p:extLst>
+  </p:cSld>
+  <p:clrMapOvr>
+    <a:masterClrMapping/>
+  </p:clrMapOvr>
+</p:sld>
+</file>
+
+<file path=ppt/slides/slide11.xml><?xml version="1.0" encoding="utf-8"?>
 <p:sld xmlns:a="http://schemas.openxmlformats.org/drawingml/2006/main" xmlns:r="http://schemas.openxmlformats.org/officeDocument/2006/relationships" xmlns:p="http://schemas.openxmlformats.org/presentationml/2006/main">
   <p:cSld>
     <p:spTree>
@@ -5096,8 +5337,8 @@
         </p:blipFill>
         <p:spPr>
           <a:xfrm>
-            <a:off x="2987039" y="644055"/>
-            <a:ext cx="6872578" cy="6243715"/>
+            <a:off x="3234689" y="694130"/>
+            <a:ext cx="6872578" cy="6125770"/>
           </a:xfrm>
           <a:prstGeom prst="rect">
             <a:avLst/>
@@ -5174,7 +5415,7 @@
           <p:cNvPr id="4" name="Picture 3">
             <a:extLst>
               <a:ext uri="{FF2B5EF4-FFF2-40B4-BE49-F238E27FC236}">
-                <a16:creationId xmlns:a16="http://schemas.microsoft.com/office/drawing/2014/main" id="{7FFB8C1F-E45F-4C30-A0DA-D0624A1169B1}"/>
+                <a16:creationId xmlns:a16="http://schemas.microsoft.com/office/drawing/2014/main" id="{914CB252-82BD-466F-A885-D81A840CFC09}"/>
               </a:ext>
             </a:extLst>
           </p:cNvPr>
@@ -5191,12 +5432,17 @@
         </p:blipFill>
         <p:spPr>
           <a:xfrm>
-            <a:off x="1235028" y="572494"/>
-            <a:ext cx="9721943" cy="6285506"/>
+            <a:off x="50076" y="699850"/>
+            <a:ext cx="12025744" cy="6059055"/>
           </a:xfrm>
           <a:prstGeom prst="rect">
             <a:avLst/>
           </a:prstGeom>
+          <a:ln w="25400">
+            <a:solidFill>
+              <a:schemeClr val="accent6"/>
+            </a:solidFill>
+          </a:ln>
         </p:spPr>
       </p:pic>
     </p:spTree>
@@ -10141,7 +10387,7 @@
         </p:spPr>
         <p:txBody>
           <a:bodyPr>
-            <a:normAutofit/>
+            <a:normAutofit lnSpcReduction="10000"/>
           </a:bodyPr>
           <a:lstStyle/>
           <a:p>
@@ -10164,11 +10410,16 @@
                 <a:ea typeface="Calibri" panose="020F0502020204030204" pitchFamily="34" charset="0"/>
                 <a:cs typeface="Times New Roman" panose="02020603050405020304" pitchFamily="18" charset="0"/>
               </a:rPr>
-              <a:t>This dashboard provides visibly into the population and employment data for selected year.  The map provides more data visibility into each county.</a:t>
-            </a:r>
-          </a:p>
-          <a:p>
-            <a:pPr lvl="1"/>
+              <a:t>This dashboard provides an overview of the population and employment data for the year selected.  The map allows you to select the county </a:t>
+            </a:r>
+            <a:r>
+              <a:rPr lang="en-US" dirty="0">
+                <a:latin typeface="Calibri" panose="020F0502020204030204" pitchFamily="34" charset="0"/>
+                <a:ea typeface="Calibri" panose="020F0502020204030204" pitchFamily="34" charset="0"/>
+                <a:cs typeface="Times New Roman" panose="02020603050405020304" pitchFamily="18" charset="0"/>
+              </a:rPr>
+              <a:t>of interest which then displays more data for each county</a:t>
+            </a:r>
             <a:r>
               <a:rPr lang="en-US" dirty="0">
                 <a:effectLst/>
@@ -10176,22 +10427,11 @@
                 <a:ea typeface="Calibri" panose="020F0502020204030204" pitchFamily="34" charset="0"/>
                 <a:cs typeface="Times New Roman" panose="02020603050405020304" pitchFamily="18" charset="0"/>
               </a:rPr>
-              <a:t>User have option to drill down into the data per county</a:t>
-            </a:r>
-          </a:p>
-          <a:p>
-            <a:pPr lvl="2"/>
-            <a:r>
-              <a:rPr lang="en-US" dirty="0">
-                <a:latin typeface="Calibri" panose="020F0502020204030204" pitchFamily="34" charset="0"/>
-                <a:ea typeface="Calibri" panose="020F0502020204030204" pitchFamily="34" charset="0"/>
-                <a:cs typeface="Times New Roman" panose="02020603050405020304" pitchFamily="18" charset="0"/>
-              </a:rPr>
-              <a:t>The timeline chart can be stacked against county population to identify population growth vs. employment. </a:t>
-            </a:r>
-          </a:p>
-          <a:p>
-            <a:pPr lvl="2"/>
+              <a:t>.</a:t>
+            </a:r>
+          </a:p>
+          <a:p>
+            <a:pPr lvl="1"/>
             <a:r>
               <a:rPr lang="en-US" dirty="0">
                 <a:effectLst/>
@@ -10199,7 +10439,64 @@
                 <a:ea typeface="Calibri" panose="020F0502020204030204" pitchFamily="34" charset="0"/>
                 <a:cs typeface="Times New Roman" panose="02020603050405020304" pitchFamily="18" charset="0"/>
               </a:rPr>
-              <a:t>Business sector chart shows employment </a:t>
+              <a:t>Users have the option to drill down into the data per county</a:t>
+            </a:r>
+          </a:p>
+          <a:p>
+            <a:pPr lvl="2"/>
+            <a:r>
+              <a:rPr lang="en-US" dirty="0">
+                <a:latin typeface="Calibri" panose="020F0502020204030204" pitchFamily="34" charset="0"/>
+                <a:ea typeface="Calibri" panose="020F0502020204030204" pitchFamily="34" charset="0"/>
+                <a:cs typeface="Times New Roman" panose="02020603050405020304" pitchFamily="18" charset="0"/>
+              </a:rPr>
+              <a:t>The </a:t>
+            </a:r>
+            <a:r>
+              <a:rPr lang="en-US" b="1" dirty="0">
+                <a:latin typeface="Calibri" panose="020F0502020204030204" pitchFamily="34" charset="0"/>
+                <a:ea typeface="Calibri" panose="020F0502020204030204" pitchFamily="34" charset="0"/>
+                <a:cs typeface="Times New Roman" panose="02020603050405020304" pitchFamily="18" charset="0"/>
+              </a:rPr>
+              <a:t>timeline chart </a:t>
+            </a:r>
+            <a:r>
+              <a:rPr lang="en-US" dirty="0">
+                <a:latin typeface="Calibri" panose="020F0502020204030204" pitchFamily="34" charset="0"/>
+                <a:ea typeface="Calibri" panose="020F0502020204030204" pitchFamily="34" charset="0"/>
+                <a:cs typeface="Times New Roman" panose="02020603050405020304" pitchFamily="18" charset="0"/>
+              </a:rPr>
+              <a:t>stacks employment data against county population to provide a visualization of population growth vs. employment. </a:t>
+            </a:r>
+          </a:p>
+          <a:p>
+            <a:pPr lvl="2"/>
+            <a:r>
+              <a:rPr lang="en-US" dirty="0">
+                <a:effectLst/>
+                <a:latin typeface="Calibri" panose="020F0502020204030204" pitchFamily="34" charset="0"/>
+                <a:ea typeface="Calibri" panose="020F0502020204030204" pitchFamily="34" charset="0"/>
+                <a:cs typeface="Times New Roman" panose="02020603050405020304" pitchFamily="18" charset="0"/>
+              </a:rPr>
+              <a:t>The </a:t>
+            </a:r>
+            <a:r>
+              <a:rPr lang="en-US" b="1" dirty="0">
+                <a:effectLst/>
+                <a:latin typeface="Calibri" panose="020F0502020204030204" pitchFamily="34" charset="0"/>
+                <a:ea typeface="Calibri" panose="020F0502020204030204" pitchFamily="34" charset="0"/>
+                <a:cs typeface="Times New Roman" panose="02020603050405020304" pitchFamily="18" charset="0"/>
+              </a:rPr>
+              <a:t>business sector chart </a:t>
+            </a:r>
+            <a:r>
+              <a:rPr lang="en-US" dirty="0">
+                <a:effectLst/>
+                <a:latin typeface="Calibri" panose="020F0502020204030204" pitchFamily="34" charset="0"/>
+                <a:ea typeface="Calibri" panose="020F0502020204030204" pitchFamily="34" charset="0"/>
+                <a:cs typeface="Times New Roman" panose="02020603050405020304" pitchFamily="18" charset="0"/>
+              </a:rPr>
+              <a:t>shows employment </a:t>
             </a:r>
             <a:r>
               <a:rPr lang="en-US" dirty="0">
@@ -10281,7 +10578,7 @@
     </p:spTree>
     <p:extLst>
       <p:ext uri="{BB962C8B-B14F-4D97-AF65-F5344CB8AC3E}">
-        <p14:creationId xmlns:p14="http://schemas.microsoft.com/office/powerpoint/2010/main" val="4275186309"/>
+        <p14:creationId xmlns:p14="http://schemas.microsoft.com/office/powerpoint/2010/main" val="3818375003"/>
       </p:ext>
     </p:extLst>
   </p:cSld>
@@ -10292,6 +10589,454 @@
 </file>
 
 <file path=ppt/slides/slide7.xml><?xml version="1.0" encoding="utf-8"?>
+<p:sld xmlns:a="http://schemas.openxmlformats.org/drawingml/2006/main" xmlns:r="http://schemas.openxmlformats.org/officeDocument/2006/relationships" xmlns:p="http://schemas.openxmlformats.org/presentationml/2006/main">
+  <p:cSld>
+    <p:spTree>
+      <p:nvGrpSpPr>
+        <p:cNvPr id="1" name=""/>
+        <p:cNvGrpSpPr/>
+        <p:nvPr/>
+      </p:nvGrpSpPr>
+      <p:grpSpPr>
+        <a:xfrm>
+          <a:off x="0" y="0"/>
+          <a:ext cx="0" cy="0"/>
+          <a:chOff x="0" y="0"/>
+          <a:chExt cx="0" cy="0"/>
+        </a:xfrm>
+      </p:grpSpPr>
+      <p:sp>
+        <p:nvSpPr>
+          <p:cNvPr id="2" name="Title 1">
+            <a:extLst>
+              <a:ext uri="{FF2B5EF4-FFF2-40B4-BE49-F238E27FC236}">
+                <a16:creationId xmlns:a16="http://schemas.microsoft.com/office/drawing/2014/main" id="{A28782EB-DB8B-49D2-B2F4-B30F9B1E01C8}"/>
+              </a:ext>
+            </a:extLst>
+          </p:cNvPr>
+          <p:cNvSpPr>
+            <a:spLocks noGrp="1"/>
+          </p:cNvSpPr>
+          <p:nvPr>
+            <p:ph type="title"/>
+          </p:nvPr>
+        </p:nvSpPr>
+        <p:spPr>
+          <a:xfrm>
+            <a:off x="0" y="0"/>
+            <a:ext cx="12192000" cy="659601"/>
+          </a:xfrm>
+        </p:spPr>
+        <p:txBody>
+          <a:bodyPr>
+            <a:normAutofit fontScale="90000"/>
+          </a:bodyPr>
+          <a:lstStyle/>
+          <a:p>
+            <a:r>
+              <a:rPr lang="en-US" dirty="0"/>
+              <a:t>Summary</a:t>
+            </a:r>
+          </a:p>
+        </p:txBody>
+      </p:sp>
+      <p:pic>
+        <p:nvPicPr>
+          <p:cNvPr id="9" name="Picture 8" descr="Graphical user interface, chart&#10;&#10;Description automatically generated">
+            <a:extLst>
+              <a:ext uri="{FF2B5EF4-FFF2-40B4-BE49-F238E27FC236}">
+                <a16:creationId xmlns:a16="http://schemas.microsoft.com/office/drawing/2014/main" id="{D991B891-E132-FA46-B50D-1757EFE14CC2}"/>
+              </a:ext>
+            </a:extLst>
+          </p:cNvPr>
+          <p:cNvPicPr>
+            <a:picLocks noChangeAspect="1"/>
+          </p:cNvPicPr>
+          <p:nvPr/>
+        </p:nvPicPr>
+        <p:blipFill rotWithShape="1">
+          <a:blip r:embed="rId3"/>
+          <a:srcRect t="1266" r="52634" b="3827"/>
+          <a:stretch/>
+        </p:blipFill>
+        <p:spPr>
+          <a:xfrm>
+            <a:off x="6096000" y="2147640"/>
+            <a:ext cx="6007744" cy="4133890"/>
+          </a:xfrm>
+          <a:prstGeom prst="rect">
+            <a:avLst/>
+          </a:prstGeom>
+        </p:spPr>
+      </p:pic>
+      <p:pic>
+        <p:nvPicPr>
+          <p:cNvPr id="11" name="Picture 10" descr="Graphical user interface, chart&#10;&#10;Description automatically generated">
+            <a:extLst>
+              <a:ext uri="{FF2B5EF4-FFF2-40B4-BE49-F238E27FC236}">
+                <a16:creationId xmlns:a16="http://schemas.microsoft.com/office/drawing/2014/main" id="{648CD290-6E6C-AE40-A000-073007EBC55C}"/>
+              </a:ext>
+            </a:extLst>
+          </p:cNvPr>
+          <p:cNvPicPr>
+            <a:picLocks noChangeAspect="1"/>
+          </p:cNvPicPr>
+          <p:nvPr/>
+        </p:nvPicPr>
+        <p:blipFill rotWithShape="1">
+          <a:blip r:embed="rId4"/>
+          <a:srcRect r="52634"/>
+          <a:stretch/>
+        </p:blipFill>
+        <p:spPr>
+          <a:xfrm>
+            <a:off x="88256" y="2147640"/>
+            <a:ext cx="6002487" cy="4332673"/>
+          </a:xfrm>
+          <a:prstGeom prst="rect">
+            <a:avLst/>
+          </a:prstGeom>
+        </p:spPr>
+      </p:pic>
+      <p:sp>
+        <p:nvSpPr>
+          <p:cNvPr id="12" name="Content Placeholder 2">
+            <a:extLst>
+              <a:ext uri="{FF2B5EF4-FFF2-40B4-BE49-F238E27FC236}">
+                <a16:creationId xmlns:a16="http://schemas.microsoft.com/office/drawing/2014/main" id="{0D1D7EBC-6C7D-AD42-B4B0-E02EBC2410F4}"/>
+              </a:ext>
+            </a:extLst>
+          </p:cNvPr>
+          <p:cNvSpPr>
+            <a:spLocks noGrp="1"/>
+          </p:cNvSpPr>
+          <p:nvPr>
+            <p:ph idx="1"/>
+          </p:nvPr>
+        </p:nvSpPr>
+        <p:spPr>
+          <a:xfrm>
+            <a:off x="1688082" y="999888"/>
+            <a:ext cx="2802834" cy="952169"/>
+          </a:xfrm>
+        </p:spPr>
+        <p:txBody>
+          <a:bodyPr>
+            <a:normAutofit fontScale="92500" lnSpcReduction="10000"/>
+          </a:bodyPr>
+          <a:lstStyle/>
+          <a:p>
+            <a:pPr marL="0" indent="0" algn="ctr">
+              <a:buNone/>
+            </a:pPr>
+            <a:r>
+              <a:rPr lang="en-US" sz="2800" b="1" dirty="0">
+                <a:effectLst/>
+                <a:latin typeface="Calibri" panose="020F0502020204030204" pitchFamily="34" charset="0"/>
+                <a:ea typeface="Calibri" panose="020F0502020204030204" pitchFamily="34" charset="0"/>
+                <a:cs typeface="Times New Roman" panose="02020603050405020304" pitchFamily="18" charset="0"/>
+              </a:rPr>
+              <a:t>Chatham County</a:t>
+            </a:r>
+          </a:p>
+          <a:p>
+            <a:pPr marL="0" indent="0" algn="ctr">
+              <a:buNone/>
+            </a:pPr>
+            <a:r>
+              <a:rPr lang="en-US" sz="2800" b="1" dirty="0">
+                <a:latin typeface="Calibri" panose="020F0502020204030204" pitchFamily="34" charset="0"/>
+                <a:ea typeface="Calibri" panose="020F0502020204030204" pitchFamily="34" charset="0"/>
+                <a:cs typeface="Times New Roman" panose="02020603050405020304" pitchFamily="18" charset="0"/>
+              </a:rPr>
+              <a:t>2014</a:t>
+            </a:r>
+            <a:endParaRPr lang="en-US" sz="2800" b="1" dirty="0">
+              <a:effectLst/>
+              <a:latin typeface="Calibri" panose="020F0502020204030204" pitchFamily="34" charset="0"/>
+              <a:ea typeface="Calibri" panose="020F0502020204030204" pitchFamily="34" charset="0"/>
+              <a:cs typeface="Times New Roman" panose="02020603050405020304" pitchFamily="18" charset="0"/>
+            </a:endParaRPr>
+          </a:p>
+        </p:txBody>
+      </p:sp>
+      <p:sp>
+        <p:nvSpPr>
+          <p:cNvPr id="13" name="Content Placeholder 2">
+            <a:extLst>
+              <a:ext uri="{FF2B5EF4-FFF2-40B4-BE49-F238E27FC236}">
+                <a16:creationId xmlns:a16="http://schemas.microsoft.com/office/drawing/2014/main" id="{3F6A2889-3346-8A44-BDCD-A89220209052}"/>
+              </a:ext>
+            </a:extLst>
+          </p:cNvPr>
+          <p:cNvSpPr txBox="1">
+            <a:spLocks/>
+          </p:cNvSpPr>
+          <p:nvPr/>
+        </p:nvSpPr>
+        <p:spPr>
+          <a:xfrm>
+            <a:off x="7369801" y="927536"/>
+            <a:ext cx="3460141" cy="952169"/>
+          </a:xfrm>
+          <a:prstGeom prst="rect">
+            <a:avLst/>
+          </a:prstGeom>
+        </p:spPr>
+        <p:txBody>
+          <a:bodyPr vert="horz" lIns="91440" tIns="45720" rIns="91440" bIns="45720" rtlCol="0">
+            <a:normAutofit fontScale="92500" lnSpcReduction="10000"/>
+          </a:bodyPr>
+          <a:lstStyle>
+            <a:lvl1pPr marL="228600" indent="-228600" algn="l" defTabSz="914400" rtl="0" eaLnBrk="1" latinLnBrk="0" hangingPunct="1">
+              <a:lnSpc>
+                <a:spcPct val="100000"/>
+              </a:lnSpc>
+              <a:spcBef>
+                <a:spcPts val="1000"/>
+              </a:spcBef>
+              <a:buClr>
+                <a:schemeClr val="accent2"/>
+              </a:buClr>
+              <a:buFont typeface="Arial" panose="020B0604020202020204" pitchFamily="34" charset="0"/>
+              <a:buChar char="•"/>
+              <a:defRPr sz="1800" kern="1200">
+                <a:solidFill>
+                  <a:schemeClr val="tx1">
+                    <a:lumMod val="85000"/>
+                    <a:lumOff val="15000"/>
+                  </a:schemeClr>
+                </a:solidFill>
+                <a:latin typeface="+mn-lt"/>
+                <a:ea typeface="+mn-ea"/>
+                <a:cs typeface="+mn-cs"/>
+              </a:defRPr>
+            </a:lvl1pPr>
+            <a:lvl2pPr marL="457200" indent="-228600" algn="l" defTabSz="914400" rtl="0" eaLnBrk="1" latinLnBrk="0" hangingPunct="1">
+              <a:lnSpc>
+                <a:spcPct val="100000"/>
+              </a:lnSpc>
+              <a:spcBef>
+                <a:spcPts val="1000"/>
+              </a:spcBef>
+              <a:buClr>
+                <a:schemeClr val="accent2"/>
+              </a:buClr>
+              <a:buFont typeface="Arial" panose="020B0604020202020204" pitchFamily="34" charset="0"/>
+              <a:buChar char="•"/>
+              <a:defRPr sz="1600" kern="1200">
+                <a:solidFill>
+                  <a:schemeClr val="tx1">
+                    <a:lumMod val="85000"/>
+                    <a:lumOff val="15000"/>
+                  </a:schemeClr>
+                </a:solidFill>
+                <a:latin typeface="+mn-lt"/>
+                <a:ea typeface="+mn-ea"/>
+                <a:cs typeface="+mn-cs"/>
+              </a:defRPr>
+            </a:lvl2pPr>
+            <a:lvl3pPr marL="685800" indent="-228600" algn="l" defTabSz="914400" rtl="0" eaLnBrk="1" latinLnBrk="0" hangingPunct="1">
+              <a:lnSpc>
+                <a:spcPct val="100000"/>
+              </a:lnSpc>
+              <a:spcBef>
+                <a:spcPts val="1000"/>
+              </a:spcBef>
+              <a:buClr>
+                <a:schemeClr val="accent2"/>
+              </a:buClr>
+              <a:buFont typeface="Arial" panose="020B0604020202020204" pitchFamily="34" charset="0"/>
+              <a:buChar char="•"/>
+              <a:defRPr sz="1600" kern="1200">
+                <a:solidFill>
+                  <a:schemeClr val="tx1">
+                    <a:lumMod val="85000"/>
+                    <a:lumOff val="15000"/>
+                  </a:schemeClr>
+                </a:solidFill>
+                <a:latin typeface="+mn-lt"/>
+                <a:ea typeface="+mn-ea"/>
+                <a:cs typeface="+mn-cs"/>
+              </a:defRPr>
+            </a:lvl3pPr>
+            <a:lvl4pPr marL="914400" indent="-228600" algn="l" defTabSz="914400" rtl="0" eaLnBrk="1" latinLnBrk="0" hangingPunct="1">
+              <a:lnSpc>
+                <a:spcPct val="100000"/>
+              </a:lnSpc>
+              <a:spcBef>
+                <a:spcPts val="1000"/>
+              </a:spcBef>
+              <a:buClr>
+                <a:schemeClr val="accent2"/>
+              </a:buClr>
+              <a:buFont typeface="Arial" panose="020B0604020202020204" pitchFamily="34" charset="0"/>
+              <a:buChar char="•"/>
+              <a:defRPr sz="1600" kern="1200">
+                <a:solidFill>
+                  <a:schemeClr val="tx1">
+                    <a:lumMod val="85000"/>
+                    <a:lumOff val="15000"/>
+                  </a:schemeClr>
+                </a:solidFill>
+                <a:latin typeface="+mn-lt"/>
+                <a:ea typeface="+mn-ea"/>
+                <a:cs typeface="+mn-cs"/>
+              </a:defRPr>
+            </a:lvl4pPr>
+            <a:lvl5pPr marL="1143000" indent="-228600" algn="l" defTabSz="914400" rtl="0" eaLnBrk="1" latinLnBrk="0" hangingPunct="1">
+              <a:lnSpc>
+                <a:spcPct val="100000"/>
+              </a:lnSpc>
+              <a:spcBef>
+                <a:spcPts val="1000"/>
+              </a:spcBef>
+              <a:buClr>
+                <a:schemeClr val="accent2"/>
+              </a:buClr>
+              <a:buFont typeface="Arial" panose="020B0604020202020204" pitchFamily="34" charset="0"/>
+              <a:buChar char="•"/>
+              <a:defRPr sz="1600" kern="1200">
+                <a:solidFill>
+                  <a:schemeClr val="tx1">
+                    <a:lumMod val="85000"/>
+                    <a:lumOff val="15000"/>
+                  </a:schemeClr>
+                </a:solidFill>
+                <a:latin typeface="+mn-lt"/>
+                <a:ea typeface="+mn-ea"/>
+                <a:cs typeface="+mn-cs"/>
+              </a:defRPr>
+            </a:lvl5pPr>
+            <a:lvl6pPr marL="1312863" indent="-228600" algn="l" defTabSz="914400" rtl="0" eaLnBrk="1" latinLnBrk="0" hangingPunct="1">
+              <a:lnSpc>
+                <a:spcPct val="100000"/>
+              </a:lnSpc>
+              <a:spcBef>
+                <a:spcPts val="1000"/>
+              </a:spcBef>
+              <a:buClr>
+                <a:schemeClr val="accent2"/>
+              </a:buClr>
+              <a:buFont typeface="Arial" panose="020B0604020202020204" pitchFamily="34" charset="0"/>
+              <a:buChar char="•"/>
+              <a:defRPr sz="1600" kern="1200">
+                <a:solidFill>
+                  <a:schemeClr val="tx1"/>
+                </a:solidFill>
+                <a:latin typeface="+mn-lt"/>
+                <a:ea typeface="+mn-ea"/>
+                <a:cs typeface="+mn-cs"/>
+              </a:defRPr>
+            </a:lvl6pPr>
+            <a:lvl7pPr marL="1484313" indent="-228600" algn="l" defTabSz="914400" rtl="0" eaLnBrk="1" latinLnBrk="0" hangingPunct="1">
+              <a:lnSpc>
+                <a:spcPct val="100000"/>
+              </a:lnSpc>
+              <a:spcBef>
+                <a:spcPts val="1000"/>
+              </a:spcBef>
+              <a:buClr>
+                <a:schemeClr val="accent2"/>
+              </a:buClr>
+              <a:buFont typeface="Arial" panose="020B0604020202020204" pitchFamily="34" charset="0"/>
+              <a:buChar char="•"/>
+              <a:defRPr sz="1600" kern="1200">
+                <a:solidFill>
+                  <a:schemeClr val="tx1"/>
+                </a:solidFill>
+                <a:latin typeface="+mn-lt"/>
+                <a:ea typeface="+mn-ea"/>
+                <a:cs typeface="+mn-cs"/>
+              </a:defRPr>
+            </a:lvl7pPr>
+            <a:lvl8pPr marL="1657350" indent="-228600" algn="l" defTabSz="914400" rtl="0" eaLnBrk="1" latinLnBrk="0" hangingPunct="1">
+              <a:lnSpc>
+                <a:spcPct val="100000"/>
+              </a:lnSpc>
+              <a:spcBef>
+                <a:spcPts val="1000"/>
+              </a:spcBef>
+              <a:buClr>
+                <a:schemeClr val="accent2"/>
+              </a:buClr>
+              <a:buFont typeface="Arial" panose="020B0604020202020204" pitchFamily="34" charset="0"/>
+              <a:buChar char="•"/>
+              <a:defRPr sz="1600" kern="1200" baseline="0">
+                <a:solidFill>
+                  <a:schemeClr val="tx1"/>
+                </a:solidFill>
+                <a:latin typeface="+mn-lt"/>
+                <a:ea typeface="+mn-ea"/>
+                <a:cs typeface="+mn-cs"/>
+              </a:defRPr>
+            </a:lvl8pPr>
+            <a:lvl9pPr marL="1882775" indent="-228600" algn="l" defTabSz="914400" rtl="0" eaLnBrk="1" latinLnBrk="0" hangingPunct="1">
+              <a:lnSpc>
+                <a:spcPct val="100000"/>
+              </a:lnSpc>
+              <a:spcBef>
+                <a:spcPts val="1000"/>
+              </a:spcBef>
+              <a:buClr>
+                <a:schemeClr val="accent2"/>
+              </a:buClr>
+              <a:buFont typeface="Arial" panose="020B0604020202020204" pitchFamily="34" charset="0"/>
+              <a:buChar char="•"/>
+              <a:defRPr sz="1600" kern="1200" baseline="0">
+                <a:solidFill>
+                  <a:schemeClr val="tx1"/>
+                </a:solidFill>
+                <a:latin typeface="+mn-lt"/>
+                <a:ea typeface="+mn-ea"/>
+                <a:cs typeface="+mn-cs"/>
+              </a:defRPr>
+            </a:lvl9pPr>
+          </a:lstStyle>
+          <a:p>
+            <a:pPr marL="0" indent="0" algn="ctr">
+              <a:buFont typeface="Arial" panose="020B0604020202020204" pitchFamily="34" charset="0"/>
+              <a:buNone/>
+            </a:pPr>
+            <a:r>
+              <a:rPr lang="en-US" sz="2800" b="1" dirty="0">
+                <a:latin typeface="Calibri" panose="020F0502020204030204" pitchFamily="34" charset="0"/>
+                <a:ea typeface="Calibri" panose="020F0502020204030204" pitchFamily="34" charset="0"/>
+                <a:cs typeface="Times New Roman" panose="02020603050405020304" pitchFamily="18" charset="0"/>
+              </a:rPr>
+              <a:t>Chatham County</a:t>
+            </a:r>
+          </a:p>
+          <a:p>
+            <a:pPr marL="0" indent="0" algn="ctr">
+              <a:buFont typeface="Arial" panose="020B0604020202020204" pitchFamily="34" charset="0"/>
+              <a:buNone/>
+            </a:pPr>
+            <a:r>
+              <a:rPr lang="en-US" sz="2800" b="1" dirty="0">
+                <a:latin typeface="Calibri" panose="020F0502020204030204" pitchFamily="34" charset="0"/>
+                <a:ea typeface="Calibri" panose="020F0502020204030204" pitchFamily="34" charset="0"/>
+                <a:cs typeface="Times New Roman" panose="02020603050405020304" pitchFamily="18" charset="0"/>
+              </a:rPr>
+              <a:t>2018</a:t>
+            </a:r>
+          </a:p>
+        </p:txBody>
+      </p:sp>
+    </p:spTree>
+    <p:extLst>
+      <p:ext uri="{BB962C8B-B14F-4D97-AF65-F5344CB8AC3E}">
+        <p14:creationId xmlns:p14="http://schemas.microsoft.com/office/powerpoint/2010/main" val="282301118"/>
+      </p:ext>
+    </p:extLst>
+  </p:cSld>
+  <p:clrMapOvr>
+    <a:masterClrMapping/>
+  </p:clrMapOvr>
+</p:sld>
+</file>
+
+<file path=ppt/slides/slide8.xml><?xml version="1.0" encoding="utf-8"?>
 <p:sld xmlns:a="http://schemas.openxmlformats.org/drawingml/2006/main" xmlns:r="http://schemas.openxmlformats.org/officeDocument/2006/relationships" xmlns:p="http://schemas.openxmlformats.org/presentationml/2006/main">
   <p:cSld>
     <p:spTree>
@@ -10324,7 +11069,12 @@
             <p:ph type="title"/>
           </p:nvPr>
         </p:nvSpPr>
-        <p:spPr/>
+        <p:spPr>
+          <a:xfrm>
+            <a:off x="2231136" y="2755392"/>
+            <a:ext cx="7729728" cy="1188720"/>
+          </a:xfrm>
+        </p:spPr>
         <p:txBody>
           <a:bodyPr/>
           <a:lstStyle/>
@@ -10333,31 +11083,6 @@
               <a:rPr lang="en-US" dirty="0"/>
               <a:t>Question?</a:t>
             </a:r>
-          </a:p>
-        </p:txBody>
-      </p:sp>
-      <p:sp>
-        <p:nvSpPr>
-          <p:cNvPr id="3" name="Content Placeholder 2">
-            <a:extLst>
-              <a:ext uri="{FF2B5EF4-FFF2-40B4-BE49-F238E27FC236}">
-                <a16:creationId xmlns:a16="http://schemas.microsoft.com/office/drawing/2014/main" id="{715CFE4A-C865-4820-B66C-1212DD3AFB0B}"/>
-              </a:ext>
-            </a:extLst>
-          </p:cNvPr>
-          <p:cNvSpPr>
-            <a:spLocks noGrp="1"/>
-          </p:cNvSpPr>
-          <p:nvPr>
-            <p:ph idx="1"/>
-          </p:nvPr>
-        </p:nvSpPr>
-        <p:spPr/>
-        <p:txBody>
-          <a:bodyPr/>
-          <a:lstStyle/>
-          <a:p>
-            <a:endParaRPr lang="en-US"/>
           </a:p>
         </p:txBody>
       </p:sp>
@@ -10374,7 +11099,7 @@
 </p:sld>
 </file>
 
-<file path=ppt/slides/slide8.xml><?xml version="1.0" encoding="utf-8"?>
+<file path=ppt/slides/slide9.xml><?xml version="1.0" encoding="utf-8"?>
 <p:sld xmlns:a="http://schemas.openxmlformats.org/drawingml/2006/main" xmlns:r="http://schemas.openxmlformats.org/officeDocument/2006/relationships" xmlns:p="http://schemas.openxmlformats.org/presentationml/2006/main">
   <p:cSld>
     <p:spTree>
@@ -10698,126 +11423,6 @@
     <p:extLst>
       <p:ext uri="{BB962C8B-B14F-4D97-AF65-F5344CB8AC3E}">
         <p14:creationId xmlns:p14="http://schemas.microsoft.com/office/powerpoint/2010/main" val="360152949"/>
-      </p:ext>
-    </p:extLst>
-  </p:cSld>
-  <p:clrMapOvr>
-    <a:masterClrMapping/>
-  </p:clrMapOvr>
-</p:sld>
-</file>
-
-<file path=ppt/slides/slide9.xml><?xml version="1.0" encoding="utf-8"?>
-<p:sld xmlns:a="http://schemas.openxmlformats.org/drawingml/2006/main" xmlns:r="http://schemas.openxmlformats.org/officeDocument/2006/relationships" xmlns:p="http://schemas.openxmlformats.org/presentationml/2006/main">
-  <p:cSld>
-    <p:spTree>
-      <p:nvGrpSpPr>
-        <p:cNvPr id="1" name=""/>
-        <p:cNvGrpSpPr/>
-        <p:nvPr/>
-      </p:nvGrpSpPr>
-      <p:grpSpPr>
-        <a:xfrm>
-          <a:off x="0" y="0"/>
-          <a:ext cx="0" cy="0"/>
-          <a:chOff x="0" y="0"/>
-          <a:chExt cx="0" cy="0"/>
-        </a:xfrm>
-      </p:grpSpPr>
-      <p:pic>
-        <p:nvPicPr>
-          <p:cNvPr id="6" name="Picture 5">
-            <a:extLst>
-              <a:ext uri="{FF2B5EF4-FFF2-40B4-BE49-F238E27FC236}">
-                <a16:creationId xmlns:a16="http://schemas.microsoft.com/office/drawing/2014/main" id="{0F750A24-604A-F742-8DF9-6ABBBBB74CE4}"/>
-              </a:ext>
-            </a:extLst>
-          </p:cNvPr>
-          <p:cNvPicPr>
-            <a:picLocks noChangeAspect="1"/>
-          </p:cNvPicPr>
-          <p:nvPr/>
-        </p:nvPicPr>
-        <p:blipFill>
-          <a:blip r:embed="rId2"/>
-          <a:stretch>
-            <a:fillRect/>
-          </a:stretch>
-        </p:blipFill>
-        <p:spPr>
-          <a:xfrm>
-            <a:off x="276294" y="0"/>
-            <a:ext cx="7392318" cy="5029200"/>
-          </a:xfrm>
-          <a:prstGeom prst="rect">
-            <a:avLst/>
-          </a:prstGeom>
-        </p:spPr>
-      </p:pic>
-      <p:pic>
-        <p:nvPicPr>
-          <p:cNvPr id="10" name="Picture 9">
-            <a:extLst>
-              <a:ext uri="{FF2B5EF4-FFF2-40B4-BE49-F238E27FC236}">
-                <a16:creationId xmlns:a16="http://schemas.microsoft.com/office/drawing/2014/main" id="{67884F93-347D-754A-B089-AA047CE60E90}"/>
-              </a:ext>
-            </a:extLst>
-          </p:cNvPr>
-          <p:cNvPicPr>
-            <a:picLocks noChangeAspect="1"/>
-          </p:cNvPicPr>
-          <p:nvPr/>
-        </p:nvPicPr>
-        <p:blipFill>
-          <a:blip r:embed="rId3"/>
-          <a:stretch>
-            <a:fillRect/>
-          </a:stretch>
-        </p:blipFill>
-        <p:spPr>
-          <a:xfrm>
-            <a:off x="5255848" y="1722574"/>
-            <a:ext cx="6936152" cy="3412852"/>
-          </a:xfrm>
-          <a:prstGeom prst="rect">
-            <a:avLst/>
-          </a:prstGeom>
-        </p:spPr>
-      </p:pic>
-      <p:pic>
-        <p:nvPicPr>
-          <p:cNvPr id="8" name="Picture 7">
-            <a:extLst>
-              <a:ext uri="{FF2B5EF4-FFF2-40B4-BE49-F238E27FC236}">
-                <a16:creationId xmlns:a16="http://schemas.microsoft.com/office/drawing/2014/main" id="{D1B7B1A2-ABC7-1747-9C4D-EF116DAD66E9}"/>
-              </a:ext>
-            </a:extLst>
-          </p:cNvPr>
-          <p:cNvPicPr>
-            <a:picLocks noChangeAspect="1"/>
-          </p:cNvPicPr>
-          <p:nvPr/>
-        </p:nvPicPr>
-        <p:blipFill>
-          <a:blip r:embed="rId4"/>
-          <a:stretch>
-            <a:fillRect/>
-          </a:stretch>
-        </p:blipFill>
-        <p:spPr>
-          <a:xfrm>
-            <a:off x="150021" y="4410147"/>
-            <a:ext cx="7872149" cy="2447853"/>
-          </a:xfrm>
-          <a:prstGeom prst="rect">
-            <a:avLst/>
-          </a:prstGeom>
-        </p:spPr>
-      </p:pic>
-    </p:spTree>
-    <p:extLst>
-      <p:ext uri="{BB962C8B-B14F-4D97-AF65-F5344CB8AC3E}">
-        <p14:creationId xmlns:p14="http://schemas.microsoft.com/office/powerpoint/2010/main" val="79239566"/>
       </p:ext>
     </p:extLst>
   </p:cSld>
@@ -11383,12 +11988,12 @@
 </file>
 
 <file path=customXml/item1.xml><?xml version="1.0" encoding="utf-8"?>
-<p:properties xmlns:p="http://schemas.microsoft.com/office/2006/metadata/properties" xmlns:xsi="http://www.w3.org/2001/XMLSchema-instance" xmlns:pc="http://schemas.microsoft.com/office/infopath/2007/PartnerControls">
-  <documentManagement>
-    <Status xmlns="71af3243-3dd4-4a8d-8c0d-dd76da1f02a5">Not started</Status>
-    <MediaServiceKeyPoints xmlns="71af3243-3dd4-4a8d-8c0d-dd76da1f02a5" xsi:nil="true"/>
-  </documentManagement>
-</p:properties>
+<?mso-contentType ?>
+<FormTemplates xmlns="http://schemas.microsoft.com/sharepoint/v3/contenttype/forms">
+  <Display>DocumentLibraryForm</Display>
+  <Edit>DocumentLibraryForm</Edit>
+  <New>DocumentLibraryForm</New>
+</FormTemplates>
 </file>
 
 <file path=customXml/item2.xml><?xml version="1.0" encoding="utf-8"?>
@@ -11613,20 +12218,18 @@
 </file>
 
 <file path=customXml/item3.xml><?xml version="1.0" encoding="utf-8"?>
-<?mso-contentType ?>
-<FormTemplates xmlns="http://schemas.microsoft.com/sharepoint/v3/contenttype/forms">
-  <Display>DocumentLibraryForm</Display>
-  <Edit>DocumentLibraryForm</Edit>
-  <New>DocumentLibraryForm</New>
-</FormTemplates>
+<p:properties xmlns:p="http://schemas.microsoft.com/office/2006/metadata/properties" xmlns:xsi="http://www.w3.org/2001/XMLSchema-instance" xmlns:pc="http://schemas.microsoft.com/office/infopath/2007/PartnerControls">
+  <documentManagement>
+    <Status xmlns="71af3243-3dd4-4a8d-8c0d-dd76da1f02a5">Not started</Status>
+    <MediaServiceKeyPoints xmlns="71af3243-3dd4-4a8d-8c0d-dd76da1f02a5" xsi:nil="true"/>
+  </documentManagement>
+</p:properties>
 </file>
 
 <file path=customXml/itemProps1.xml><?xml version="1.0" encoding="utf-8"?>
-<ds:datastoreItem xmlns:ds="http://schemas.openxmlformats.org/officeDocument/2006/customXml" ds:itemID="{E7228C0C-F774-4270-99CB-314B07EBFBE7}">
+<ds:datastoreItem xmlns:ds="http://schemas.openxmlformats.org/officeDocument/2006/customXml" ds:itemID="{7745B92C-4D89-4324-B52D-E1F5F627B790}">
   <ds:schemaRefs>
-    <ds:schemaRef ds:uri="http://schemas.microsoft.com/office/2006/metadata/properties"/>
-    <ds:schemaRef ds:uri="http://schemas.microsoft.com/office/infopath/2007/PartnerControls"/>
-    <ds:schemaRef ds:uri="71af3243-3dd4-4a8d-8c0d-dd76da1f02a5"/>
+    <ds:schemaRef ds:uri="http://schemas.microsoft.com/sharepoint/v3/contenttype/forms"/>
   </ds:schemaRefs>
 </ds:datastoreItem>
 </file>
@@ -11651,9 +12254,11 @@
 </file>
 
 <file path=customXml/itemProps3.xml><?xml version="1.0" encoding="utf-8"?>
-<ds:datastoreItem xmlns:ds="http://schemas.openxmlformats.org/officeDocument/2006/customXml" ds:itemID="{7745B92C-4D89-4324-B52D-E1F5F627B790}">
+<ds:datastoreItem xmlns:ds="http://schemas.openxmlformats.org/officeDocument/2006/customXml" ds:itemID="{E7228C0C-F774-4270-99CB-314B07EBFBE7}">
   <ds:schemaRefs>
-    <ds:schemaRef ds:uri="http://schemas.microsoft.com/sharepoint/v3/contenttype/forms"/>
+    <ds:schemaRef ds:uri="http://schemas.microsoft.com/office/2006/metadata/properties"/>
+    <ds:schemaRef ds:uri="http://schemas.microsoft.com/office/infopath/2007/PartnerControls"/>
+    <ds:schemaRef ds:uri="71af3243-3dd4-4a8d-8c0d-dd76da1f02a5"/>
   </ds:schemaRefs>
 </ds:datastoreItem>
 </file>